--- a/presentazione/presentazione.pptx
+++ b/presentazione/presentazione.pptx
@@ -491,7 +491,7 @@
           <a:p>
             <a:fld id="{A8224893-DBDA-4BFA-9CE1-4BFE7CD0F8CF}" type="datetime1">
               <a:rPr lang="en-US" smtClean="0"/>
-              <a:t>9/9/2018</a:t>
+              <a:t>9/11/2018</a:t>
             </a:fld>
             <a:endParaRPr lang="en-US"/>
           </a:p>
@@ -661,7 +661,7 @@
           <a:p>
             <a:fld id="{5F4E5243-F52A-4D37-9694-EB26C6C31910}" type="datetime1">
               <a:rPr lang="en-US" smtClean="0"/>
-              <a:t>9/9/2018</a:t>
+              <a:t>9/11/2018</a:t>
             </a:fld>
             <a:endParaRPr lang="en-US"/>
           </a:p>
@@ -841,7 +841,7 @@
           <a:p>
             <a:fld id="{3A77B6E1-634A-48DC-9E8B-D894023267EF}" type="datetime1">
               <a:rPr lang="en-US" smtClean="0"/>
-              <a:t>9/9/2018</a:t>
+              <a:t>9/11/2018</a:t>
             </a:fld>
             <a:endParaRPr lang="en-US"/>
           </a:p>
@@ -1011,7 +1011,7 @@
           <a:p>
             <a:fld id="{7B2D3E9E-A95C-48F2-B4BF-A71542E0BE9A}" type="datetime1">
               <a:rPr lang="en-US" smtClean="0"/>
-              <a:t>9/9/2018</a:t>
+              <a:t>9/11/2018</a:t>
             </a:fld>
             <a:endParaRPr lang="en-US"/>
           </a:p>
@@ -1262,7 +1262,7 @@
           <a:p>
             <a:fld id="{A50F84E2-2D7A-43CF-AC90-352A289A783A}" type="datetime1">
               <a:rPr lang="en-US" smtClean="0"/>
-              <a:t>9/9/2018</a:t>
+              <a:t>9/11/2018</a:t>
             </a:fld>
             <a:endParaRPr lang="en-US"/>
           </a:p>
@@ -1494,7 +1494,7 @@
           <a:p>
             <a:fld id="{F12952B5-7A2F-4CC8-B7CE-9234E21C2837}" type="datetime1">
               <a:rPr lang="en-US" smtClean="0"/>
-              <a:t>9/9/2018</a:t>
+              <a:t>9/11/2018</a:t>
             </a:fld>
             <a:endParaRPr lang="en-US"/>
           </a:p>
@@ -1841,7 +1841,7 @@
           <a:p>
             <a:fld id="{CE1DA07A-9201-4B4B-BAF2-015AFA30F520}" type="datetime1">
               <a:rPr lang="en-US" smtClean="0"/>
-              <a:t>9/9/2018</a:t>
+              <a:t>9/11/2018</a:t>
             </a:fld>
             <a:endParaRPr lang="en-US"/>
           </a:p>
@@ -1959,7 +1959,7 @@
           <a:p>
             <a:fld id="{73D7E00A-486F-4252-8B1D-E32645521F49}" type="datetime1">
               <a:rPr lang="en-US" smtClean="0"/>
-              <a:t>9/9/2018</a:t>
+              <a:t>9/11/2018</a:t>
             </a:fld>
             <a:endParaRPr lang="en-US"/>
           </a:p>
@@ -2077,7 +2077,7 @@
           <a:p>
             <a:fld id="{8DDF5F92-E675-4B36-9A60-69A962A68675}" type="datetime1">
               <a:rPr lang="en-US" smtClean="0"/>
-              <a:t>9/9/2018</a:t>
+              <a:t>9/11/2018</a:t>
             </a:fld>
             <a:endParaRPr lang="en-US"/>
           </a:p>
@@ -2361,7 +2361,7 @@
           <a:p>
             <a:fld id="{AF6E2C9B-5FA2-460D-9BE7-B0812FC2A6FF}" type="datetime1">
               <a:rPr lang="en-US" smtClean="0"/>
-              <a:t>9/9/2018</a:t>
+              <a:t>9/11/2018</a:t>
             </a:fld>
             <a:endParaRPr lang="en-US"/>
           </a:p>
@@ -2625,7 +2625,7 @@
           <a:p>
             <a:fld id="{1D374940-A916-4C8B-9648-02A2D3898F9E}" type="datetime1">
               <a:rPr lang="en-US" smtClean="0"/>
-              <a:t>9/9/2018</a:t>
+              <a:t>9/11/2018</a:t>
             </a:fld>
             <a:endParaRPr lang="en-US"/>
           </a:p>
@@ -2839,7 +2839,7 @@
           <a:p>
             <a:fld id="{5586B75A-687E-405C-8A0B-8D00578BA2C3}" type="datetime1">
               <a:rPr lang="en-US" smtClean="0"/>
-              <a:t>9/9/2018</a:t>
+              <a:t>9/11/2018</a:t>
             </a:fld>
             <a:endParaRPr lang="en-US"/>
           </a:p>
@@ -3664,7 +3664,7 @@
 </file>
 
 <file path=ppt/slides/slide10.xml><?xml version="1.0" encoding="utf-8"?>
-<p:sld xmlns:a="http://schemas.openxmlformats.org/drawingml/2006/main" xmlns:r="http://schemas.openxmlformats.org/officeDocument/2006/relationships" xmlns:p="http://schemas.openxmlformats.org/presentationml/2006/main">
+<p:sld xmlns:a="http://schemas.openxmlformats.org/drawingml/2006/main" xmlns:r="http://schemas.openxmlformats.org/officeDocument/2006/relationships" xmlns:p="http://schemas.openxmlformats.org/presentationml/2006/main" show="0">
   <p:cSld>
     <p:spTree>
       <p:nvGrpSpPr>
@@ -6670,10 +6670,10 @@
       </p:sp>
       <p:pic>
         <p:nvPicPr>
-          <p:cNvPr id="15" name="Immagine 14" descr="Immagine che contiene testo&#10;&#10;Descrizione generata con affidabilità molto elevata">
+          <p:cNvPr id="20" name="Immagine 19" descr="Immagine che contiene oggetto, orologio&#10;&#10;Descrizione generata con affidabilità molto elevata">
             <a:extLst>
               <a:ext uri="{FF2B5EF4-FFF2-40B4-BE49-F238E27FC236}">
-                <a16:creationId xmlns:a16="http://schemas.microsoft.com/office/drawing/2014/main" id="{2E7D7DEC-17C2-4B55-A5FB-90B7DFEFEFE4}"/>
+                <a16:creationId xmlns:a16="http://schemas.microsoft.com/office/drawing/2014/main" id="{0E376F24-DBCB-452C-8D01-11B4838BBE65}"/>
               </a:ext>
             </a:extLst>
           </p:cNvPr>
@@ -6696,8 +6696,8 @@
         </p:blipFill>
         <p:spPr>
           <a:xfrm>
-            <a:off x="6765186" y="800101"/>
-            <a:ext cx="4494094" cy="2549402"/>
+            <a:off x="5378074" y="3508498"/>
+            <a:ext cx="5905867" cy="1624276"/>
           </a:xfrm>
           <a:prstGeom prst="rect">
             <a:avLst/>
@@ -6706,10 +6706,10 @@
       </p:pic>
       <p:pic>
         <p:nvPicPr>
-          <p:cNvPr id="17" name="Immagine 16">
+          <p:cNvPr id="22" name="Immagine 21" descr="Immagine che contiene oggetto, orologio&#10;&#10;Descrizione generata con affidabilità elevata">
             <a:extLst>
               <a:ext uri="{FF2B5EF4-FFF2-40B4-BE49-F238E27FC236}">
-                <a16:creationId xmlns:a16="http://schemas.microsoft.com/office/drawing/2014/main" id="{D1B8683C-CE34-4516-B9B7-EDD49D7B7CE4}"/>
+                <a16:creationId xmlns:a16="http://schemas.microsoft.com/office/drawing/2014/main" id="{01174495-82A3-46A5-BE50-6C1B1712816E}"/>
               </a:ext>
             </a:extLst>
           </p:cNvPr>
@@ -6719,79 +6719,7 @@
           <p:nvPr/>
         </p:nvPicPr>
         <p:blipFill>
-          <a:blip r:embed="rId3" cstate="print">
-            <a:extLst>
-              <a:ext uri="{28A0092B-C50C-407E-A947-70E740481C1C}">
-                <a14:useLocalDpi xmlns:a14="http://schemas.microsoft.com/office/drawing/2010/main" val="0"/>
-              </a:ext>
-            </a:extLst>
-          </a:blip>
-          <a:stretch>
-            <a:fillRect/>
-          </a:stretch>
-        </p:blipFill>
-        <p:spPr>
-          <a:xfrm>
-            <a:off x="1069657" y="3751093"/>
-            <a:ext cx="2400373" cy="2400373"/>
-          </a:xfrm>
-          <a:prstGeom prst="rect">
-            <a:avLst/>
-          </a:prstGeom>
-        </p:spPr>
-      </p:pic>
-      <p:pic>
-        <p:nvPicPr>
-          <p:cNvPr id="20" name="Immagine 19" descr="Immagine che contiene oggetto, orologio&#10;&#10;Descrizione generata con affidabilità molto elevata">
-            <a:extLst>
-              <a:ext uri="{FF2B5EF4-FFF2-40B4-BE49-F238E27FC236}">
-                <a16:creationId xmlns:a16="http://schemas.microsoft.com/office/drawing/2014/main" id="{0E376F24-DBCB-452C-8D01-11B4838BBE65}"/>
-              </a:ext>
-            </a:extLst>
-          </p:cNvPr>
-          <p:cNvPicPr>
-            <a:picLocks noChangeAspect="1"/>
-          </p:cNvPicPr>
-          <p:nvPr/>
-        </p:nvPicPr>
-        <p:blipFill>
-          <a:blip r:embed="rId4">
-            <a:extLst>
-              <a:ext uri="{28A0092B-C50C-407E-A947-70E740481C1C}">
-                <a14:useLocalDpi xmlns:a14="http://schemas.microsoft.com/office/drawing/2010/main" val="0"/>
-              </a:ext>
-            </a:extLst>
-          </a:blip>
-          <a:stretch>
-            <a:fillRect/>
-          </a:stretch>
-        </p:blipFill>
-        <p:spPr>
-          <a:xfrm>
-            <a:off x="5378074" y="3508498"/>
-            <a:ext cx="5905867" cy="1624276"/>
-          </a:xfrm>
-          <a:prstGeom prst="rect">
-            <a:avLst/>
-          </a:prstGeom>
-        </p:spPr>
-      </p:pic>
-      <p:pic>
-        <p:nvPicPr>
-          <p:cNvPr id="22" name="Immagine 21" descr="Immagine che contiene oggetto, orologio&#10;&#10;Descrizione generata con affidabilità elevata">
-            <a:extLst>
-              <a:ext uri="{FF2B5EF4-FFF2-40B4-BE49-F238E27FC236}">
-                <a16:creationId xmlns:a16="http://schemas.microsoft.com/office/drawing/2014/main" id="{01174495-82A3-46A5-BE50-6C1B1712816E}"/>
-              </a:ext>
-            </a:extLst>
-          </p:cNvPr>
-          <p:cNvPicPr>
-            <a:picLocks noChangeAspect="1"/>
-          </p:cNvPicPr>
-          <p:nvPr/>
-        </p:nvPicPr>
-        <p:blipFill>
-          <a:blip r:embed="rId5">
+          <a:blip r:embed="rId3">
             <a:extLst>
               <a:ext uri="{28A0092B-C50C-407E-A947-70E740481C1C}">
                 <a14:useLocalDpi xmlns:a14="http://schemas.microsoft.com/office/drawing/2010/main" val="0"/>
@@ -6992,7 +6920,7 @@
           <p:nvPr/>
         </p:nvPicPr>
         <p:blipFill>
-          <a:blip r:embed="rId6">
+          <a:blip r:embed="rId4" cstate="print">
             <a:extLst>
               <a:ext uri="{28A0092B-C50C-407E-A947-70E740481C1C}">
                 <a14:useLocalDpi xmlns:a14="http://schemas.microsoft.com/office/drawing/2010/main" val="0"/>
@@ -7005,14 +6933,867 @@
         </p:blipFill>
         <p:spPr>
           <a:xfrm>
-            <a:off x="534431" y="605534"/>
-            <a:ext cx="3484476" cy="2829275"/>
+            <a:off x="646528" y="3818160"/>
+            <a:ext cx="3005195" cy="2440115"/>
           </a:xfrm>
           <a:prstGeom prst="rect">
             <a:avLst/>
           </a:prstGeom>
         </p:spPr>
       </p:pic>
+      <p:grpSp>
+        <p:nvGrpSpPr>
+          <p:cNvPr id="2" name="Gruppo 1">
+            <a:extLst>
+              <a:ext uri="{FF2B5EF4-FFF2-40B4-BE49-F238E27FC236}">
+                <a16:creationId xmlns:a16="http://schemas.microsoft.com/office/drawing/2014/main" id="{18AA04A9-B6F5-48A7-BF50-85E58B8CBD7C}"/>
+              </a:ext>
+            </a:extLst>
+          </p:cNvPr>
+          <p:cNvGrpSpPr/>
+          <p:nvPr/>
+        </p:nvGrpSpPr>
+        <p:grpSpPr>
+          <a:xfrm>
+            <a:off x="6543233" y="669460"/>
+            <a:ext cx="4291463" cy="2409046"/>
+            <a:chOff x="7132318" y="1111970"/>
+            <a:chExt cx="4291463" cy="2409046"/>
+          </a:xfrm>
+        </p:grpSpPr>
+        <p:grpSp>
+          <p:nvGrpSpPr>
+            <p:cNvPr id="13" name="Gruppo 17">
+              <a:extLst>
+                <a:ext uri="{FF2B5EF4-FFF2-40B4-BE49-F238E27FC236}">
+                  <a16:creationId xmlns:a16="http://schemas.microsoft.com/office/drawing/2014/main" id="{A14D8490-AC03-4A5B-B55F-BE4F9D58F4F6}"/>
+                </a:ext>
+              </a:extLst>
+            </p:cNvPr>
+            <p:cNvGrpSpPr/>
+            <p:nvPr/>
+          </p:nvGrpSpPr>
+          <p:grpSpPr>
+            <a:xfrm>
+              <a:off x="7677615" y="1111970"/>
+              <a:ext cx="3531504" cy="2409046"/>
+              <a:chOff x="0" y="-3"/>
+              <a:chExt cx="3531503" cy="2409044"/>
+            </a:xfrm>
+          </p:grpSpPr>
+          <p:sp>
+            <p:nvSpPr>
+              <p:cNvPr id="14" name="Connettore 2 2">
+                <a:extLst>
+                  <a:ext uri="{FF2B5EF4-FFF2-40B4-BE49-F238E27FC236}">
+                    <a16:creationId xmlns:a16="http://schemas.microsoft.com/office/drawing/2014/main" id="{A11CC2DA-5881-46CA-8071-BCE6129F1309}"/>
+                  </a:ext>
+                </a:extLst>
+              </p:cNvPr>
+              <p:cNvSpPr/>
+              <p:nvPr/>
+            </p:nvSpPr>
+            <p:spPr>
+              <a:xfrm flipV="1">
+                <a:off x="352479" y="624988"/>
+                <a:ext cx="2" cy="1784054"/>
+              </a:xfrm>
+              <a:prstGeom prst="line">
+                <a:avLst/>
+              </a:prstGeom>
+              <a:noFill/>
+              <a:ln w="76200" cap="flat">
+                <a:solidFill>
+                  <a:srgbClr val="0070C0"/>
+                </a:solidFill>
+                <a:prstDash val="solid"/>
+                <a:miter lim="800000"/>
+                <a:tailEnd type="triangle" w="med" len="med"/>
+              </a:ln>
+              <a:effectLst/>
+            </p:spPr>
+            <p:txBody>
+              <a:bodyPr wrap="square" lIns="45718" tIns="45718" rIns="45718" bIns="45718" numCol="1" anchor="t">
+                <a:noAutofit/>
+              </a:bodyPr>
+              <a:lstStyle/>
+              <a:p>
+                <a:endParaRPr/>
+              </a:p>
+            </p:txBody>
+          </p:sp>
+          <p:grpSp>
+            <p:nvGrpSpPr>
+              <p:cNvPr id="16" name="Gruppo 30">
+                <a:extLst>
+                  <a:ext uri="{FF2B5EF4-FFF2-40B4-BE49-F238E27FC236}">
+                    <a16:creationId xmlns:a16="http://schemas.microsoft.com/office/drawing/2014/main" id="{00C812E0-DA56-4FCA-BA5B-E42DB93430D6}"/>
+                  </a:ext>
+                </a:extLst>
+              </p:cNvPr>
+              <p:cNvGrpSpPr/>
+              <p:nvPr/>
+            </p:nvGrpSpPr>
+            <p:grpSpPr>
+              <a:xfrm>
+                <a:off x="0" y="-4"/>
+                <a:ext cx="3531504" cy="738670"/>
+                <a:chOff x="0" y="-2"/>
+                <a:chExt cx="3531503" cy="738669"/>
+              </a:xfrm>
+            </p:grpSpPr>
+            <p:grpSp>
+              <p:nvGrpSpPr>
+                <p:cNvPr id="18" name="CasellaDiTesto 19">
+                  <a:extLst>
+                    <a:ext uri="{FF2B5EF4-FFF2-40B4-BE49-F238E27FC236}">
+                      <a16:creationId xmlns:a16="http://schemas.microsoft.com/office/drawing/2014/main" id="{388A56CC-F393-4453-9D20-5C0A5D9BDA20}"/>
+                    </a:ext>
+                  </a:extLst>
+                </p:cNvPr>
+                <p:cNvGrpSpPr/>
+                <p:nvPr/>
+              </p:nvGrpSpPr>
+              <p:grpSpPr>
+                <a:xfrm>
+                  <a:off x="-1" y="-3"/>
+                  <a:ext cx="753478" cy="738670"/>
+                  <a:chOff x="0" y="0"/>
+                  <a:chExt cx="753477" cy="738669"/>
+                </a:xfrm>
+              </p:grpSpPr>
+              <p:sp>
+                <p:nvSpPr>
+                  <p:cNvPr id="28" name="Rettangolo">
+                    <a:extLst>
+                      <a:ext uri="{FF2B5EF4-FFF2-40B4-BE49-F238E27FC236}">
+                        <a16:creationId xmlns:a16="http://schemas.microsoft.com/office/drawing/2014/main" id="{0C159E9A-9932-46C9-BC8B-BAAEE403257A}"/>
+                      </a:ext>
+                    </a:extLst>
+                  </p:cNvPr>
+                  <p:cNvSpPr/>
+                  <p:nvPr/>
+                </p:nvSpPr>
+                <p:spPr>
+                  <a:xfrm>
+                    <a:off x="-1" y="-1"/>
+                    <a:ext cx="753479" cy="738670"/>
+                  </a:xfrm>
+                  <a:prstGeom prst="rect">
+                    <a:avLst/>
+                  </a:prstGeom>
+                  <a:blipFill rotWithShape="1">
+                    <a:blip r:embed="rId5"/>
+                    <a:srcRect/>
+                    <a:stretch>
+                      <a:fillRect/>
+                    </a:stretch>
+                  </a:blipFill>
+                  <a:ln w="12700" cap="flat">
+                    <a:noFill/>
+                    <a:miter lim="400000"/>
+                  </a:ln>
+                  <a:effectLst/>
+                </p:spPr>
+                <p:txBody>
+                  <a:bodyPr wrap="square" lIns="45718" tIns="45718" rIns="45718" bIns="45718" numCol="1" anchor="t">
+                    <a:noAutofit/>
+                  </a:bodyPr>
+                  <a:lstStyle/>
+                  <a:p>
+                    <a:endParaRPr/>
+                  </a:p>
+                </p:txBody>
+              </p:sp>
+              <p:sp>
+                <p:nvSpPr>
+                  <p:cNvPr id="29" name="Testo">
+                    <a:extLst>
+                      <a:ext uri="{FF2B5EF4-FFF2-40B4-BE49-F238E27FC236}">
+                        <a16:creationId xmlns:a16="http://schemas.microsoft.com/office/drawing/2014/main" id="{F23EED54-9ADC-47AA-9051-7DAA39BE48DC}"/>
+                      </a:ext>
+                    </a:extLst>
+                  </p:cNvPr>
+                  <p:cNvSpPr txBox="1"/>
+                  <p:nvPr/>
+                </p:nvSpPr>
+                <p:spPr>
+                  <a:xfrm>
+                    <a:off x="-1" y="-1"/>
+                    <a:ext cx="753479" cy="358139"/>
+                  </a:xfrm>
+                  <a:prstGeom prst="rect">
+                    <a:avLst/>
+                  </a:prstGeom>
+                  <a:noFill/>
+                  <a:ln w="12700" cap="flat">
+                    <a:noFill/>
+                    <a:miter lim="400000"/>
+                  </a:ln>
+                  <a:effectLst/>
+                  <a:extLst>
+                    <a:ext uri="{C572A759-6A51-4108-AA02-DFA0A04FC94B}">
+                      <ma14:wrappingTextBoxFlag xmlns:ma14="http://schemas.microsoft.com/office/mac/drawingml/2011/main" xmlns="" val="1"/>
+                    </a:ext>
+                  </a:extLst>
+                </p:spPr>
+                <p:txBody>
+                  <a:bodyPr wrap="square" lIns="45718" tIns="45718" rIns="45718" bIns="45718" numCol="1" anchor="t">
+                    <a:spAutoFit/>
+                  </a:bodyPr>
+                  <a:lstStyle/>
+                  <a:p>
+                    <a:r>
+                      <a:t> </a:t>
+                    </a:r>
+                  </a:p>
+                </p:txBody>
+              </p:sp>
+            </p:grpSp>
+            <p:grpSp>
+              <p:nvGrpSpPr>
+                <p:cNvPr id="19" name="CasellaDiTesto 20">
+                  <a:extLst>
+                    <a:ext uri="{FF2B5EF4-FFF2-40B4-BE49-F238E27FC236}">
+                      <a16:creationId xmlns:a16="http://schemas.microsoft.com/office/drawing/2014/main" id="{432248F3-83DC-40D1-951A-61486092FEA0}"/>
+                    </a:ext>
+                  </a:extLst>
+                </p:cNvPr>
+                <p:cNvGrpSpPr/>
+                <p:nvPr/>
+              </p:nvGrpSpPr>
+              <p:grpSpPr>
+                <a:xfrm>
+                  <a:off x="2763790" y="-3"/>
+                  <a:ext cx="767714" cy="738670"/>
+                  <a:chOff x="0" y="0"/>
+                  <a:chExt cx="767712" cy="738669"/>
+                </a:xfrm>
+              </p:grpSpPr>
+              <p:sp>
+                <p:nvSpPr>
+                  <p:cNvPr id="21" name="Rettangolo">
+                    <a:extLst>
+                      <a:ext uri="{FF2B5EF4-FFF2-40B4-BE49-F238E27FC236}">
+                        <a16:creationId xmlns:a16="http://schemas.microsoft.com/office/drawing/2014/main" id="{E2569AD1-8C0F-4B0A-BF10-75549415F19A}"/>
+                      </a:ext>
+                    </a:extLst>
+                  </p:cNvPr>
+                  <p:cNvSpPr/>
+                  <p:nvPr/>
+                </p:nvSpPr>
+                <p:spPr>
+                  <a:xfrm>
+                    <a:off x="-1" y="-1"/>
+                    <a:ext cx="767713" cy="738670"/>
+                  </a:xfrm>
+                  <a:prstGeom prst="rect">
+                    <a:avLst/>
+                  </a:prstGeom>
+                  <a:blipFill rotWithShape="1">
+                    <a:blip r:embed="rId6"/>
+                    <a:srcRect/>
+                    <a:stretch>
+                      <a:fillRect/>
+                    </a:stretch>
+                  </a:blipFill>
+                  <a:ln w="12700" cap="flat">
+                    <a:noFill/>
+                    <a:miter lim="400000"/>
+                  </a:ln>
+                  <a:effectLst/>
+                </p:spPr>
+                <p:txBody>
+                  <a:bodyPr wrap="square" lIns="45718" tIns="45718" rIns="45718" bIns="45718" numCol="1" anchor="t">
+                    <a:noAutofit/>
+                  </a:bodyPr>
+                  <a:lstStyle/>
+                  <a:p>
+                    <a:endParaRPr/>
+                  </a:p>
+                </p:txBody>
+              </p:sp>
+              <p:sp>
+                <p:nvSpPr>
+                  <p:cNvPr id="26" name="Testo">
+                    <a:extLst>
+                      <a:ext uri="{FF2B5EF4-FFF2-40B4-BE49-F238E27FC236}">
+                        <a16:creationId xmlns:a16="http://schemas.microsoft.com/office/drawing/2014/main" id="{1D4BBF05-0334-4B12-8823-69630A4ABA3A}"/>
+                      </a:ext>
+                    </a:extLst>
+                  </p:cNvPr>
+                  <p:cNvSpPr txBox="1"/>
+                  <p:nvPr/>
+                </p:nvSpPr>
+                <p:spPr>
+                  <a:xfrm>
+                    <a:off x="-1" y="-1"/>
+                    <a:ext cx="767713" cy="358139"/>
+                  </a:xfrm>
+                  <a:prstGeom prst="rect">
+                    <a:avLst/>
+                  </a:prstGeom>
+                  <a:noFill/>
+                  <a:ln w="12700" cap="flat">
+                    <a:noFill/>
+                    <a:miter lim="400000"/>
+                  </a:ln>
+                  <a:effectLst/>
+                  <a:extLst>
+                    <a:ext uri="{C572A759-6A51-4108-AA02-DFA0A04FC94B}">
+                      <ma14:wrappingTextBoxFlag xmlns:ma14="http://schemas.microsoft.com/office/mac/drawingml/2011/main" xmlns="" val="1"/>
+                    </a:ext>
+                  </a:extLst>
+                </p:spPr>
+                <p:txBody>
+                  <a:bodyPr wrap="square" lIns="45718" tIns="45718" rIns="45718" bIns="45718" numCol="1" anchor="t">
+                    <a:spAutoFit/>
+                  </a:bodyPr>
+                  <a:lstStyle/>
+                  <a:p>
+                    <a:r>
+                      <a:t> </a:t>
+                    </a:r>
+                  </a:p>
+                </p:txBody>
+              </p:sp>
+            </p:grpSp>
+          </p:grpSp>
+        </p:grpSp>
+        <p:grpSp>
+          <p:nvGrpSpPr>
+            <p:cNvPr id="30" name="Gruppo 29">
+              <a:extLst>
+                <a:ext uri="{FF2B5EF4-FFF2-40B4-BE49-F238E27FC236}">
+                  <a16:creationId xmlns:a16="http://schemas.microsoft.com/office/drawing/2014/main" id="{0FE80718-A418-485F-8548-545E589ED780}"/>
+                </a:ext>
+              </a:extLst>
+            </p:cNvPr>
+            <p:cNvGrpSpPr/>
+            <p:nvPr/>
+          </p:nvGrpSpPr>
+          <p:grpSpPr>
+            <a:xfrm>
+              <a:off x="7455837" y="2063674"/>
+              <a:ext cx="3967944" cy="1197035"/>
+              <a:chOff x="0" y="0"/>
+              <a:chExt cx="3967943" cy="1197034"/>
+            </a:xfrm>
+          </p:grpSpPr>
+          <p:grpSp>
+            <p:nvGrpSpPr>
+              <p:cNvPr id="31" name="Ovale 8">
+                <a:extLst>
+                  <a:ext uri="{FF2B5EF4-FFF2-40B4-BE49-F238E27FC236}">
+                    <a16:creationId xmlns:a16="http://schemas.microsoft.com/office/drawing/2014/main" id="{AB3B1D8A-943A-4983-B7B7-512CE410737C}"/>
+                  </a:ext>
+                </a:extLst>
+              </p:cNvPr>
+              <p:cNvGrpSpPr/>
+              <p:nvPr/>
+            </p:nvGrpSpPr>
+            <p:grpSpPr>
+              <a:xfrm>
+                <a:off x="0" y="-1"/>
+                <a:ext cx="1197035" cy="1197035"/>
+                <a:chOff x="0" y="0"/>
+                <a:chExt cx="1197033" cy="1197034"/>
+              </a:xfrm>
+            </p:grpSpPr>
+            <p:sp>
+              <p:nvSpPr>
+                <p:cNvPr id="36" name="Cerchio">
+                  <a:extLst>
+                    <a:ext uri="{FF2B5EF4-FFF2-40B4-BE49-F238E27FC236}">
+                      <a16:creationId xmlns:a16="http://schemas.microsoft.com/office/drawing/2014/main" id="{B052208A-1255-48B2-8E0A-B94069D4DFE7}"/>
+                    </a:ext>
+                  </a:extLst>
+                </p:cNvPr>
+                <p:cNvSpPr/>
+                <p:nvPr/>
+              </p:nvSpPr>
+              <p:spPr>
+                <a:xfrm>
+                  <a:off x="0" y="0"/>
+                  <a:ext cx="1197034" cy="1197035"/>
+                </a:xfrm>
+                <a:prstGeom prst="ellipse">
+                  <a:avLst/>
+                </a:prstGeom>
+                <a:blipFill rotWithShape="1">
+                  <a:blip r:embed="rId7"/>
+                  <a:srcRect/>
+                  <a:stretch>
+                    <a:fillRect/>
+                  </a:stretch>
+                </a:blipFill>
+                <a:ln w="47625" cap="flat">
+                  <a:solidFill>
+                    <a:srgbClr val="000000"/>
+                  </a:solidFill>
+                  <a:prstDash val="solid"/>
+                  <a:round/>
+                </a:ln>
+                <a:effectLst/>
+              </p:spPr>
+              <p:txBody>
+                <a:bodyPr wrap="square" lIns="45718" tIns="45718" rIns="45718" bIns="45718" numCol="1" anchor="t">
+                  <a:noAutofit/>
+                </a:bodyPr>
+                <a:lstStyle/>
+                <a:p>
+                  <a:endParaRPr/>
+                </a:p>
+              </p:txBody>
+            </p:sp>
+            <p:sp>
+              <p:nvSpPr>
+                <p:cNvPr id="37" name="Testo">
+                  <a:extLst>
+                    <a:ext uri="{FF2B5EF4-FFF2-40B4-BE49-F238E27FC236}">
+                      <a16:creationId xmlns:a16="http://schemas.microsoft.com/office/drawing/2014/main" id="{B295EC3B-4733-41DC-B0D7-3CE162AF7700}"/>
+                    </a:ext>
+                  </a:extLst>
+                </p:cNvPr>
+                <p:cNvSpPr txBox="1"/>
+                <p:nvPr/>
+              </p:nvSpPr>
+              <p:spPr>
+                <a:xfrm>
+                  <a:off x="175300" y="175300"/>
+                  <a:ext cx="846434" cy="358139"/>
+                </a:xfrm>
+                <a:prstGeom prst="rect">
+                  <a:avLst/>
+                </a:prstGeom>
+                <a:noFill/>
+                <a:ln w="12700" cap="flat">
+                  <a:noFill/>
+                  <a:miter lim="400000"/>
+                </a:ln>
+                <a:effectLst/>
+                <a:extLst>
+                  <a:ext uri="{C572A759-6A51-4108-AA02-DFA0A04FC94B}">
+                    <ma14:wrappingTextBoxFlag xmlns:ma14="http://schemas.microsoft.com/office/mac/drawingml/2011/main" xmlns="" val="1"/>
+                  </a:ext>
+                </a:extLst>
+              </p:spPr>
+              <p:txBody>
+                <a:bodyPr wrap="square" lIns="45718" tIns="45718" rIns="45718" bIns="45718" numCol="1" anchor="t">
+                  <a:spAutoFit/>
+                </a:bodyPr>
+                <a:lstStyle/>
+                <a:p>
+                  <a:r>
+                    <a:t> </a:t>
+                  </a:r>
+                </a:p>
+              </p:txBody>
+            </p:sp>
+          </p:grpSp>
+          <p:grpSp>
+            <p:nvGrpSpPr>
+              <p:cNvPr id="32" name="Ovale 11">
+                <a:extLst>
+                  <a:ext uri="{FF2B5EF4-FFF2-40B4-BE49-F238E27FC236}">
+                    <a16:creationId xmlns:a16="http://schemas.microsoft.com/office/drawing/2014/main" id="{17D22BD5-1717-4D21-BE63-A74CEB709137}"/>
+                  </a:ext>
+                </a:extLst>
+              </p:cNvPr>
+              <p:cNvGrpSpPr/>
+              <p:nvPr/>
+            </p:nvGrpSpPr>
+            <p:grpSpPr>
+              <a:xfrm>
+                <a:off x="2770909" y="-1"/>
+                <a:ext cx="1197035" cy="1197035"/>
+                <a:chOff x="0" y="0"/>
+                <a:chExt cx="1197033" cy="1197034"/>
+              </a:xfrm>
+            </p:grpSpPr>
+            <p:sp>
+              <p:nvSpPr>
+                <p:cNvPr id="34" name="Cerchio">
+                  <a:extLst>
+                    <a:ext uri="{FF2B5EF4-FFF2-40B4-BE49-F238E27FC236}">
+                      <a16:creationId xmlns:a16="http://schemas.microsoft.com/office/drawing/2014/main" id="{FE6D36C5-EA67-41A1-A88B-63F7E65D696F}"/>
+                    </a:ext>
+                  </a:extLst>
+                </p:cNvPr>
+                <p:cNvSpPr/>
+                <p:nvPr/>
+              </p:nvSpPr>
+              <p:spPr>
+                <a:xfrm>
+                  <a:off x="0" y="0"/>
+                  <a:ext cx="1197034" cy="1197035"/>
+                </a:xfrm>
+                <a:prstGeom prst="ellipse">
+                  <a:avLst/>
+                </a:prstGeom>
+                <a:blipFill rotWithShape="1">
+                  <a:blip r:embed="rId8"/>
+                  <a:srcRect/>
+                  <a:stretch>
+                    <a:fillRect/>
+                  </a:stretch>
+                </a:blipFill>
+                <a:ln w="47625" cap="flat">
+                  <a:solidFill>
+                    <a:srgbClr val="000000"/>
+                  </a:solidFill>
+                  <a:prstDash val="solid"/>
+                  <a:round/>
+                </a:ln>
+                <a:effectLst/>
+              </p:spPr>
+              <p:txBody>
+                <a:bodyPr wrap="square" lIns="45718" tIns="45718" rIns="45718" bIns="45718" numCol="1" anchor="t">
+                  <a:noAutofit/>
+                </a:bodyPr>
+                <a:lstStyle/>
+                <a:p>
+                  <a:endParaRPr/>
+                </a:p>
+              </p:txBody>
+            </p:sp>
+            <p:sp>
+              <p:nvSpPr>
+                <p:cNvPr id="35" name="Testo">
+                  <a:extLst>
+                    <a:ext uri="{FF2B5EF4-FFF2-40B4-BE49-F238E27FC236}">
+                      <a16:creationId xmlns:a16="http://schemas.microsoft.com/office/drawing/2014/main" id="{61BDB688-7A0E-4CD9-A51A-9506C4B23D7A}"/>
+                    </a:ext>
+                  </a:extLst>
+                </p:cNvPr>
+                <p:cNvSpPr txBox="1"/>
+                <p:nvPr/>
+              </p:nvSpPr>
+              <p:spPr>
+                <a:xfrm>
+                  <a:off x="175300" y="175300"/>
+                  <a:ext cx="846434" cy="358139"/>
+                </a:xfrm>
+                <a:prstGeom prst="rect">
+                  <a:avLst/>
+                </a:prstGeom>
+                <a:noFill/>
+                <a:ln w="12700" cap="flat">
+                  <a:noFill/>
+                  <a:miter lim="400000"/>
+                </a:ln>
+                <a:effectLst/>
+                <a:extLst>
+                  <a:ext uri="{C572A759-6A51-4108-AA02-DFA0A04FC94B}">
+                    <ma14:wrappingTextBoxFlag xmlns:ma14="http://schemas.microsoft.com/office/mac/drawingml/2011/main" xmlns="" val="1"/>
+                  </a:ext>
+                </a:extLst>
+              </p:spPr>
+              <p:txBody>
+                <a:bodyPr wrap="square" lIns="45718" tIns="45718" rIns="45718" bIns="45718" numCol="1" anchor="t">
+                  <a:spAutoFit/>
+                </a:bodyPr>
+                <a:lstStyle/>
+                <a:p>
+                  <a:r>
+                    <a:t> </a:t>
+                  </a:r>
+                </a:p>
+              </p:txBody>
+            </p:sp>
+          </p:grpSp>
+          <p:sp>
+            <p:nvSpPr>
+              <p:cNvPr id="33" name="Connettore diritto 14">
+                <a:extLst>
+                  <a:ext uri="{FF2B5EF4-FFF2-40B4-BE49-F238E27FC236}">
+                    <a16:creationId xmlns:a16="http://schemas.microsoft.com/office/drawing/2014/main" id="{010679E6-5667-4D04-830F-C1CCC1BD5A52}"/>
+                  </a:ext>
+                </a:extLst>
+              </p:cNvPr>
+              <p:cNvSpPr/>
+              <p:nvPr/>
+            </p:nvSpPr>
+            <p:spPr>
+              <a:xfrm>
+                <a:off x="1197032" y="598515"/>
+                <a:ext cx="1573879" cy="2"/>
+              </a:xfrm>
+              <a:prstGeom prst="line">
+                <a:avLst/>
+              </a:prstGeom>
+              <a:noFill/>
+              <a:ln w="47625" cap="flat">
+                <a:solidFill>
+                  <a:srgbClr val="000000"/>
+                </a:solidFill>
+                <a:prstDash val="solid"/>
+                <a:miter lim="800000"/>
+              </a:ln>
+              <a:effectLst/>
+            </p:spPr>
+            <p:txBody>
+              <a:bodyPr wrap="square" lIns="45718" tIns="45718" rIns="45718" bIns="45718" numCol="1" anchor="t">
+                <a:noAutofit/>
+              </a:bodyPr>
+              <a:lstStyle/>
+              <a:p>
+                <a:endParaRPr/>
+              </a:p>
+            </p:txBody>
+          </p:sp>
+        </p:grpSp>
+        <p:grpSp>
+          <p:nvGrpSpPr>
+            <p:cNvPr id="38" name="CasellaDiTesto 18">
+              <a:extLst>
+                <a:ext uri="{FF2B5EF4-FFF2-40B4-BE49-F238E27FC236}">
+                  <a16:creationId xmlns:a16="http://schemas.microsoft.com/office/drawing/2014/main" id="{DAD2C405-5852-45F3-989F-711823ADB7CC}"/>
+                </a:ext>
+              </a:extLst>
+            </p:cNvPr>
+            <p:cNvGrpSpPr/>
+            <p:nvPr/>
+          </p:nvGrpSpPr>
+          <p:grpSpPr>
+            <a:xfrm>
+              <a:off x="8781600" y="1736961"/>
+              <a:ext cx="1309401" cy="738668"/>
+              <a:chOff x="-1" y="0"/>
+              <a:chExt cx="1309400" cy="738666"/>
+            </a:xfrm>
+          </p:grpSpPr>
+          <p:sp>
+            <p:nvSpPr>
+              <p:cNvPr id="39" name="Rettangolo">
+                <a:extLst>
+                  <a:ext uri="{FF2B5EF4-FFF2-40B4-BE49-F238E27FC236}">
+                    <a16:creationId xmlns:a16="http://schemas.microsoft.com/office/drawing/2014/main" id="{DA3ECE19-ADC8-4B65-9F8A-0F859E0DEAB0}"/>
+                  </a:ext>
+                </a:extLst>
+              </p:cNvPr>
+              <p:cNvSpPr/>
+              <p:nvPr/>
+            </p:nvSpPr>
+            <p:spPr>
+              <a:xfrm>
+                <a:off x="-2" y="-1"/>
+                <a:ext cx="1309401" cy="738667"/>
+              </a:xfrm>
+              <a:prstGeom prst="rect">
+                <a:avLst/>
+              </a:prstGeom>
+              <a:blipFill rotWithShape="1">
+                <a:blip r:embed="rId9"/>
+                <a:srcRect/>
+                <a:stretch>
+                  <a:fillRect/>
+                </a:stretch>
+              </a:blipFill>
+              <a:ln w="12700" cap="flat">
+                <a:noFill/>
+                <a:miter lim="400000"/>
+              </a:ln>
+              <a:effectLst/>
+            </p:spPr>
+            <p:txBody>
+              <a:bodyPr wrap="square" lIns="45718" tIns="45718" rIns="45718" bIns="45718" numCol="1" anchor="t">
+                <a:noAutofit/>
+              </a:bodyPr>
+              <a:lstStyle/>
+              <a:p>
+                <a:endParaRPr/>
+              </a:p>
+            </p:txBody>
+          </p:sp>
+          <p:sp>
+            <p:nvSpPr>
+              <p:cNvPr id="40" name="Testo">
+                <a:extLst>
+                  <a:ext uri="{FF2B5EF4-FFF2-40B4-BE49-F238E27FC236}">
+                    <a16:creationId xmlns:a16="http://schemas.microsoft.com/office/drawing/2014/main" id="{A6F940BB-8F7D-492A-9236-FBC0D99E9B2C}"/>
+                  </a:ext>
+                </a:extLst>
+              </p:cNvPr>
+              <p:cNvSpPr txBox="1"/>
+              <p:nvPr/>
+            </p:nvSpPr>
+            <p:spPr>
+              <a:xfrm>
+                <a:off x="-2" y="-1"/>
+                <a:ext cx="1309401" cy="358139"/>
+              </a:xfrm>
+              <a:prstGeom prst="rect">
+                <a:avLst/>
+              </a:prstGeom>
+              <a:noFill/>
+              <a:ln w="12700" cap="flat">
+                <a:noFill/>
+                <a:miter lim="400000"/>
+              </a:ln>
+              <a:effectLst/>
+              <a:extLst>
+                <a:ext uri="{C572A759-6A51-4108-AA02-DFA0A04FC94B}">
+                  <ma14:wrappingTextBoxFlag xmlns:ma14="http://schemas.microsoft.com/office/mac/drawingml/2011/main" xmlns="" val="1"/>
+                </a:ext>
+              </a:extLst>
+            </p:spPr>
+            <p:txBody>
+              <a:bodyPr wrap="square" lIns="45718" tIns="45718" rIns="45718" bIns="45718" numCol="1" anchor="t">
+                <a:spAutoFit/>
+              </a:bodyPr>
+              <a:lstStyle/>
+              <a:p>
+                <a:r>
+                  <a:t> </a:t>
+                </a:r>
+              </a:p>
+            </p:txBody>
+          </p:sp>
+        </p:grpSp>
+        <p:sp>
+          <p:nvSpPr>
+            <p:cNvPr id="41" name="Connettore 2 16">
+              <a:extLst>
+                <a:ext uri="{FF2B5EF4-FFF2-40B4-BE49-F238E27FC236}">
+                  <a16:creationId xmlns:a16="http://schemas.microsoft.com/office/drawing/2014/main" id="{BE73C4CE-18B1-475B-A77B-A8BB9AA6D80D}"/>
+                </a:ext>
+              </a:extLst>
+            </p:cNvPr>
+            <p:cNvSpPr/>
+            <p:nvPr/>
+          </p:nvSpPr>
+          <p:spPr>
+            <a:xfrm>
+              <a:off x="7132318" y="2271491"/>
+              <a:ext cx="2" cy="781398"/>
+            </a:xfrm>
+            <a:prstGeom prst="line">
+              <a:avLst/>
+            </a:prstGeom>
+            <a:ln w="76200">
+              <a:solidFill>
+                <a:srgbClr val="C00000"/>
+              </a:solidFill>
+              <a:miter/>
+              <a:headEnd type="triangle"/>
+              <a:tailEnd type="triangle"/>
+            </a:ln>
+          </p:spPr>
+          <p:txBody>
+            <a:bodyPr lIns="45718" tIns="45718" rIns="45718" bIns="45718"/>
+            <a:lstStyle/>
+            <a:p>
+              <a:endParaRPr/>
+            </a:p>
+          </p:txBody>
+        </p:sp>
+      </p:grpSp>
+      <p:grpSp>
+        <p:nvGrpSpPr>
+          <p:cNvPr id="42" name="Gruppo 32">
+            <a:extLst>
+              <a:ext uri="{FF2B5EF4-FFF2-40B4-BE49-F238E27FC236}">
+                <a16:creationId xmlns:a16="http://schemas.microsoft.com/office/drawing/2014/main" id="{0C756654-8729-4FF5-8DCE-18F8B351061E}"/>
+              </a:ext>
+            </a:extLst>
+          </p:cNvPr>
+          <p:cNvGrpSpPr/>
+          <p:nvPr/>
+        </p:nvGrpSpPr>
+        <p:grpSpPr>
+          <a:xfrm>
+            <a:off x="904884" y="924215"/>
+            <a:ext cx="2746839" cy="2524528"/>
+            <a:chOff x="0" y="0"/>
+            <a:chExt cx="3293154" cy="3293154"/>
+          </a:xfrm>
+        </p:grpSpPr>
+        <p:pic>
+          <p:nvPicPr>
+            <p:cNvPr id="43" name="Immagine 23" descr="Immagine 23">
+              <a:extLst>
+                <a:ext uri="{FF2B5EF4-FFF2-40B4-BE49-F238E27FC236}">
+                  <a16:creationId xmlns:a16="http://schemas.microsoft.com/office/drawing/2014/main" id="{0DF6CFBA-DB18-4800-9641-64D4A0C62EA0}"/>
+                </a:ext>
+              </a:extLst>
+            </p:cNvPr>
+            <p:cNvPicPr>
+              <a:picLocks noChangeAspect="1"/>
+            </p:cNvPicPr>
+            <p:nvPr/>
+          </p:nvPicPr>
+          <p:blipFill>
+            <a:blip r:embed="rId10">
+              <a:extLst/>
+            </a:blip>
+            <a:stretch>
+              <a:fillRect/>
+            </a:stretch>
+          </p:blipFill>
+          <p:spPr>
+            <a:xfrm>
+              <a:off x="-1" y="-1"/>
+              <a:ext cx="3293155" cy="3293155"/>
+            </a:xfrm>
+            <a:prstGeom prst="rect">
+              <a:avLst/>
+            </a:prstGeom>
+            <a:ln w="12700" cap="flat">
+              <a:noFill/>
+              <a:miter lim="400000"/>
+            </a:ln>
+            <a:effectLst/>
+          </p:spPr>
+        </p:pic>
+        <p:sp>
+          <p:nvSpPr>
+            <p:cNvPr id="44" name="Ovale 31">
+              <a:extLst>
+                <a:ext uri="{FF2B5EF4-FFF2-40B4-BE49-F238E27FC236}">
+                  <a16:creationId xmlns:a16="http://schemas.microsoft.com/office/drawing/2014/main" id="{E568960A-C135-412E-9B46-03B62AD4F980}"/>
+                </a:ext>
+              </a:extLst>
+            </p:cNvPr>
+            <p:cNvSpPr/>
+            <p:nvPr/>
+          </p:nvSpPr>
+          <p:spPr>
+            <a:xfrm>
+              <a:off x="716122" y="371917"/>
+              <a:ext cx="1047735" cy="554901"/>
+            </a:xfrm>
+            <a:prstGeom prst="ellipse">
+              <a:avLst/>
+            </a:prstGeom>
+            <a:noFill/>
+            <a:ln w="76200" cap="flat">
+              <a:solidFill>
+                <a:srgbClr val="C00000"/>
+              </a:solidFill>
+              <a:prstDash val="solid"/>
+              <a:miter lim="800000"/>
+            </a:ln>
+            <a:effectLst/>
+          </p:spPr>
+          <p:txBody>
+            <a:bodyPr wrap="square" lIns="45718" tIns="45718" rIns="45718" bIns="45718" numCol="1" anchor="ctr">
+              <a:noAutofit/>
+            </a:bodyPr>
+            <a:lstStyle/>
+            <a:p>
+              <a:pPr algn="ctr">
+                <a:defRPr>
+                  <a:solidFill>
+                    <a:srgbClr val="FFFFFF"/>
+                  </a:solidFill>
+                </a:defRPr>
+              </a:pPr>
+              <a:endParaRPr/>
+            </a:p>
+          </p:txBody>
+        </p:sp>
+      </p:grpSp>
     </p:spTree>
     <p:extLst>
       <p:ext uri="{BB962C8B-B14F-4D97-AF65-F5344CB8AC3E}">
@@ -9510,8 +10291,44 @@
         </p:blipFill>
         <p:spPr>
           <a:xfrm>
-            <a:off x="2143319" y="1009477"/>
+            <a:off x="4292080" y="897750"/>
             <a:ext cx="7467600" cy="5286375"/>
+          </a:xfrm>
+          <a:prstGeom prst="rect">
+            <a:avLst/>
+          </a:prstGeom>
+        </p:spPr>
+      </p:pic>
+      <p:pic>
+        <p:nvPicPr>
+          <p:cNvPr id="11" name="Immagine 10" descr="Immagine che contiene testo, mappa&#10;&#10;Descrizione generata con affidabilità molto elevata">
+            <a:extLst>
+              <a:ext uri="{FF2B5EF4-FFF2-40B4-BE49-F238E27FC236}">
+                <a16:creationId xmlns:a16="http://schemas.microsoft.com/office/drawing/2014/main" id="{0AAA8F57-5A9C-4341-BCD0-C67AA2E328A0}"/>
+              </a:ext>
+            </a:extLst>
+          </p:cNvPr>
+          <p:cNvPicPr>
+            <a:picLocks noChangeAspect="1"/>
+          </p:cNvPicPr>
+          <p:nvPr/>
+        </p:nvPicPr>
+        <p:blipFill>
+          <a:blip r:embed="rId3" cstate="print">
+            <a:extLst>
+              <a:ext uri="{28A0092B-C50C-407E-A947-70E740481C1C}">
+                <a14:useLocalDpi xmlns:a14="http://schemas.microsoft.com/office/drawing/2010/main" val="0"/>
+              </a:ext>
+            </a:extLst>
+          </a:blip>
+          <a:stretch>
+            <a:fillRect/>
+          </a:stretch>
+        </p:blipFill>
+        <p:spPr>
+          <a:xfrm>
+            <a:off x="637736" y="3429000"/>
+            <a:ext cx="3005195" cy="2440115"/>
           </a:xfrm>
           <a:prstGeom prst="rect">
             <a:avLst/>

--- a/presentazione/presentazione.pptx
+++ b/presentazione/presentazione.pptx
@@ -5,22 +5,25 @@
     <p:sldMasterId id="2147483660" r:id="rId1"/>
   </p:sldMasterIdLst>
   <p:notesMasterIdLst>
-    <p:notesMasterId r:id="rId15"/>
+    <p:notesMasterId r:id="rId18"/>
   </p:notesMasterIdLst>
   <p:sldIdLst>
     <p:sldId id="256" r:id="rId2"/>
     <p:sldId id="257" r:id="rId3"/>
     <p:sldId id="271" r:id="rId4"/>
-    <p:sldId id="274" r:id="rId5"/>
-    <p:sldId id="275" r:id="rId6"/>
-    <p:sldId id="260" r:id="rId7"/>
-    <p:sldId id="276" r:id="rId8"/>
-    <p:sldId id="278" r:id="rId9"/>
-    <p:sldId id="280" r:id="rId10"/>
-    <p:sldId id="281" r:id="rId11"/>
-    <p:sldId id="270" r:id="rId12"/>
-    <p:sldId id="272" r:id="rId13"/>
-    <p:sldId id="273" r:id="rId14"/>
+    <p:sldId id="282" r:id="rId5"/>
+    <p:sldId id="274" r:id="rId6"/>
+    <p:sldId id="275" r:id="rId7"/>
+    <p:sldId id="283" r:id="rId8"/>
+    <p:sldId id="260" r:id="rId9"/>
+    <p:sldId id="276" r:id="rId10"/>
+    <p:sldId id="278" r:id="rId11"/>
+    <p:sldId id="280" r:id="rId12"/>
+    <p:sldId id="284" r:id="rId13"/>
+    <p:sldId id="281" r:id="rId14"/>
+    <p:sldId id="270" r:id="rId15"/>
+    <p:sldId id="272" r:id="rId16"/>
+    <p:sldId id="273" r:id="rId17"/>
   </p:sldIdLst>
   <p:sldSz cx="12192000" cy="6858000"/>
   <p:notesSz cx="6858000" cy="9144000"/>
@@ -491,7 +494,7 @@
           <a:p>
             <a:fld id="{A8224893-DBDA-4BFA-9CE1-4BFE7CD0F8CF}" type="datetime1">
               <a:rPr lang="en-US" smtClean="0"/>
-              <a:t>9/11/2018</a:t>
+              <a:t>9/12/2018</a:t>
             </a:fld>
             <a:endParaRPr lang="en-US"/>
           </a:p>
@@ -661,7 +664,7 @@
           <a:p>
             <a:fld id="{5F4E5243-F52A-4D37-9694-EB26C6C31910}" type="datetime1">
               <a:rPr lang="en-US" smtClean="0"/>
-              <a:t>9/11/2018</a:t>
+              <a:t>9/12/2018</a:t>
             </a:fld>
             <a:endParaRPr lang="en-US"/>
           </a:p>
@@ -841,7 +844,7 @@
           <a:p>
             <a:fld id="{3A77B6E1-634A-48DC-9E8B-D894023267EF}" type="datetime1">
               <a:rPr lang="en-US" smtClean="0"/>
-              <a:t>9/11/2018</a:t>
+              <a:t>9/12/2018</a:t>
             </a:fld>
             <a:endParaRPr lang="en-US"/>
           </a:p>
@@ -1011,7 +1014,7 @@
           <a:p>
             <a:fld id="{7B2D3E9E-A95C-48F2-B4BF-A71542E0BE9A}" type="datetime1">
               <a:rPr lang="en-US" smtClean="0"/>
-              <a:t>9/11/2018</a:t>
+              <a:t>9/12/2018</a:t>
             </a:fld>
             <a:endParaRPr lang="en-US"/>
           </a:p>
@@ -1262,7 +1265,7 @@
           <a:p>
             <a:fld id="{A50F84E2-2D7A-43CF-AC90-352A289A783A}" type="datetime1">
               <a:rPr lang="en-US" smtClean="0"/>
-              <a:t>9/11/2018</a:t>
+              <a:t>9/12/2018</a:t>
             </a:fld>
             <a:endParaRPr lang="en-US"/>
           </a:p>
@@ -1494,7 +1497,7 @@
           <a:p>
             <a:fld id="{F12952B5-7A2F-4CC8-B7CE-9234E21C2837}" type="datetime1">
               <a:rPr lang="en-US" smtClean="0"/>
-              <a:t>9/11/2018</a:t>
+              <a:t>9/12/2018</a:t>
             </a:fld>
             <a:endParaRPr lang="en-US"/>
           </a:p>
@@ -1841,7 +1844,7 @@
           <a:p>
             <a:fld id="{CE1DA07A-9201-4B4B-BAF2-015AFA30F520}" type="datetime1">
               <a:rPr lang="en-US" smtClean="0"/>
-              <a:t>9/11/2018</a:t>
+              <a:t>9/12/2018</a:t>
             </a:fld>
             <a:endParaRPr lang="en-US"/>
           </a:p>
@@ -1959,7 +1962,7 @@
           <a:p>
             <a:fld id="{73D7E00A-486F-4252-8B1D-E32645521F49}" type="datetime1">
               <a:rPr lang="en-US" smtClean="0"/>
-              <a:t>9/11/2018</a:t>
+              <a:t>9/12/2018</a:t>
             </a:fld>
             <a:endParaRPr lang="en-US"/>
           </a:p>
@@ -2077,7 +2080,7 @@
           <a:p>
             <a:fld id="{8DDF5F92-E675-4B36-9A60-69A962A68675}" type="datetime1">
               <a:rPr lang="en-US" smtClean="0"/>
-              <a:t>9/11/2018</a:t>
+              <a:t>9/12/2018</a:t>
             </a:fld>
             <a:endParaRPr lang="en-US"/>
           </a:p>
@@ -2361,7 +2364,7 @@
           <a:p>
             <a:fld id="{AF6E2C9B-5FA2-460D-9BE7-B0812FC2A6FF}" type="datetime1">
               <a:rPr lang="en-US" smtClean="0"/>
-              <a:t>9/11/2018</a:t>
+              <a:t>9/12/2018</a:t>
             </a:fld>
             <a:endParaRPr lang="en-US"/>
           </a:p>
@@ -2625,7 +2628,7 @@
           <a:p>
             <a:fld id="{1D374940-A916-4C8B-9648-02A2D3898F9E}" type="datetime1">
               <a:rPr lang="en-US" smtClean="0"/>
-              <a:t>9/11/2018</a:t>
+              <a:t>9/12/2018</a:t>
             </a:fld>
             <a:endParaRPr lang="en-US"/>
           </a:p>
@@ -2839,7 +2842,7 @@
           <a:p>
             <a:fld id="{5586B75A-687E-405C-8A0B-8D00578BA2C3}" type="datetime1">
               <a:rPr lang="en-US" smtClean="0"/>
-              <a:t>9/11/2018</a:t>
+              <a:t>9/12/2018</a:t>
             </a:fld>
             <a:endParaRPr lang="en-US"/>
           </a:p>
@@ -3505,7 +3508,7 @@
             </a:r>
             <a:r>
               <a:rPr lang="it-IT" b="1" dirty="0"/>
-              <a:t>08</a:t>
+              <a:t>11</a:t>
             </a:r>
             <a:endParaRPr b="1" dirty="0"/>
           </a:p>
@@ -3664,7 +3667,7 @@
 </file>
 
 <file path=ppt/slides/slide10.xml><?xml version="1.0" encoding="utf-8"?>
-<p:sld xmlns:a="http://schemas.openxmlformats.org/drawingml/2006/main" xmlns:r="http://schemas.openxmlformats.org/officeDocument/2006/relationships" xmlns:p="http://schemas.openxmlformats.org/presentationml/2006/main" show="0">
+<p:sld xmlns:a="http://schemas.openxmlformats.org/drawingml/2006/main" xmlns:r="http://schemas.openxmlformats.org/officeDocument/2006/relationships" xmlns:p="http://schemas.openxmlformats.org/presentationml/2006/main">
   <p:cSld>
     <p:spTree>
       <p:nvGrpSpPr>
@@ -3680,90 +3683,6 @@
           <a:chExt cx="0" cy="0"/>
         </a:xfrm>
       </p:grpSpPr>
-      <p:sp>
-        <p:nvSpPr>
-          <p:cNvPr id="2" name="Titolo 1">
-            <a:extLst>
-              <a:ext uri="{FF2B5EF4-FFF2-40B4-BE49-F238E27FC236}">
-                <a16:creationId xmlns:a16="http://schemas.microsoft.com/office/drawing/2014/main" id="{38DB6EFA-A8B8-425C-BC7B-1BEA82E69E1B}"/>
-              </a:ext>
-            </a:extLst>
-          </p:cNvPr>
-          <p:cNvSpPr>
-            <a:spLocks noGrp="1"/>
-          </p:cNvSpPr>
-          <p:nvPr>
-            <p:ph type="ctrTitle"/>
-          </p:nvPr>
-        </p:nvSpPr>
-        <p:spPr>
-          <a:xfrm>
-            <a:off x="1524000" y="365905"/>
-            <a:ext cx="9144000" cy="614997"/>
-          </a:xfrm>
-        </p:spPr>
-        <p:txBody>
-          <a:bodyPr>
-            <a:noAutofit/>
-          </a:bodyPr>
-          <a:lstStyle/>
-          <a:p>
-            <a:r>
-              <a:rPr lang="it-IT" sz="2000" dirty="0">
-                <a:solidFill>
-                  <a:schemeClr val="bg1"/>
-                </a:solidFill>
-              </a:rPr>
-              <a:t>SIMULATE ANNEALING</a:t>
-            </a:r>
-            <a:br>
-              <a:rPr lang="it-IT" sz="2000" dirty="0">
-                <a:solidFill>
-                  <a:schemeClr val="bg1"/>
-                </a:solidFill>
-              </a:rPr>
-            </a:br>
-            <a:br>
-              <a:rPr lang="it-IT" sz="2000" dirty="0"/>
-            </a:br>
-            <a:endParaRPr lang="it-IT" sz="2000" dirty="0">
-              <a:solidFill>
-                <a:schemeClr val="bg1"/>
-              </a:solidFill>
-            </a:endParaRPr>
-          </a:p>
-        </p:txBody>
-      </p:sp>
-      <p:sp>
-        <p:nvSpPr>
-          <p:cNvPr id="3" name="Sottotitolo 2">
-            <a:extLst>
-              <a:ext uri="{FF2B5EF4-FFF2-40B4-BE49-F238E27FC236}">
-                <a16:creationId xmlns:a16="http://schemas.microsoft.com/office/drawing/2014/main" id="{9A8020B2-9E88-499B-8747-EFC4CD6E6BC7}"/>
-              </a:ext>
-            </a:extLst>
-          </p:cNvPr>
-          <p:cNvSpPr>
-            <a:spLocks noGrp="1"/>
-          </p:cNvSpPr>
-          <p:nvPr>
-            <p:ph type="subTitle" idx="1"/>
-          </p:nvPr>
-        </p:nvSpPr>
-        <p:spPr>
-          <a:xfrm>
-            <a:off x="1524000" y="1321723"/>
-            <a:ext cx="9144000" cy="4729941"/>
-          </a:xfrm>
-        </p:spPr>
-        <p:txBody>
-          <a:bodyPr/>
-          <a:lstStyle/>
-          <a:p>
-            <a:endParaRPr lang="it-IT" dirty="0"/>
-          </a:p>
-        </p:txBody>
-      </p:sp>
       <p:sp>
         <p:nvSpPr>
           <p:cNvPr id="4" name="Rettangolo 3">
@@ -3892,7 +3811,7 @@
                   <a:schemeClr val="bg1"/>
                 </a:solidFill>
               </a:rPr>
-              <a:t>Conclusioni</a:t>
+              <a:t>Simulazioni</a:t>
             </a:r>
           </a:p>
         </p:txBody>
@@ -3902,7 +3821,7 @@
           <p:cNvPr id="10" name="Rettangolo 6">
             <a:extLst>
               <a:ext uri="{FF2B5EF4-FFF2-40B4-BE49-F238E27FC236}">
-                <a16:creationId xmlns:a16="http://schemas.microsoft.com/office/drawing/2014/main" id="{DE037BD2-28BA-464C-9DBB-FF22728E00D6}"/>
+                <a16:creationId xmlns:a16="http://schemas.microsoft.com/office/drawing/2014/main" id="{235EB87E-0A24-4038-AA3D-4DBF2540C147}"/>
               </a:ext>
             </a:extLst>
           </p:cNvPr>
@@ -3947,7 +3866,7 @@
           <p:cNvPr id="12" name="CasellaDiTesto 7">
             <a:extLst>
               <a:ext uri="{FF2B5EF4-FFF2-40B4-BE49-F238E27FC236}">
-                <a16:creationId xmlns:a16="http://schemas.microsoft.com/office/drawing/2014/main" id="{D4D6DBF4-1790-407E-BDE3-1A2CD52930C8}"/>
+                <a16:creationId xmlns:a16="http://schemas.microsoft.com/office/drawing/2014/main" id="{CCDCC8C5-3E01-4A75-875A-69C739355976}"/>
               </a:ext>
             </a:extLst>
           </p:cNvPr>
@@ -4002,7 +3921,7 @@
             </a:r>
             <a:r>
               <a:rPr lang="it-IT" b="1" dirty="0"/>
-              <a:t>08</a:t>
+              <a:t>11</a:t>
             </a:r>
             <a:endParaRPr b="1" dirty="0"/>
           </a:p>
@@ -4013,7 +3932,7 @@
           <p:cNvPr id="13" name="CasellaDiTesto 10">
             <a:extLst>
               <a:ext uri="{FF2B5EF4-FFF2-40B4-BE49-F238E27FC236}">
-                <a16:creationId xmlns:a16="http://schemas.microsoft.com/office/drawing/2014/main" id="{9827C898-70BC-4500-9D93-D81611B1869C}"/>
+                <a16:creationId xmlns:a16="http://schemas.microsoft.com/office/drawing/2014/main" id="{051B5651-210A-4593-A321-7F995CAC5DE2}"/>
               </a:ext>
             </a:extLst>
           </p:cNvPr>
@@ -4062,10 +3981,172 @@
           </a:p>
         </p:txBody>
       </p:sp>
+      <p:pic>
+        <p:nvPicPr>
+          <p:cNvPr id="14" name="Immagine 13" descr="Immagine che contiene mappa, testo&#10;&#10;Descrizione generata con affidabilità molto elevata">
+            <a:extLst>
+              <a:ext uri="{FF2B5EF4-FFF2-40B4-BE49-F238E27FC236}">
+                <a16:creationId xmlns:a16="http://schemas.microsoft.com/office/drawing/2014/main" id="{274267BB-4334-4E55-A365-31ACB6983B61}"/>
+              </a:ext>
+            </a:extLst>
+          </p:cNvPr>
+          <p:cNvPicPr>
+            <a:picLocks noChangeAspect="1"/>
+          </p:cNvPicPr>
+          <p:nvPr/>
+        </p:nvPicPr>
+        <p:blipFill>
+          <a:blip r:embed="rId2">
+            <a:extLst>
+              <a:ext uri="{28A0092B-C50C-407E-A947-70E740481C1C}">
+                <a14:useLocalDpi xmlns:a14="http://schemas.microsoft.com/office/drawing/2010/main" val="0"/>
+              </a:ext>
+            </a:extLst>
+          </a:blip>
+          <a:stretch>
+            <a:fillRect/>
+          </a:stretch>
+        </p:blipFill>
+        <p:spPr>
+          <a:xfrm>
+            <a:off x="183502" y="765289"/>
+            <a:ext cx="6854645" cy="5286375"/>
+          </a:xfrm>
+          <a:prstGeom prst="rect">
+            <a:avLst/>
+          </a:prstGeom>
+        </p:spPr>
+      </p:pic>
+      <p:sp>
+        <p:nvSpPr>
+          <p:cNvPr id="21" name="Rettangolo 20">
+            <a:extLst>
+              <a:ext uri="{FF2B5EF4-FFF2-40B4-BE49-F238E27FC236}">
+                <a16:creationId xmlns:a16="http://schemas.microsoft.com/office/drawing/2014/main" id="{E4321A85-B93F-4722-ADF2-53DA73DF6985}"/>
+              </a:ext>
+            </a:extLst>
+          </p:cNvPr>
+          <p:cNvSpPr/>
+          <p:nvPr/>
+        </p:nvSpPr>
+        <p:spPr>
+          <a:xfrm>
+            <a:off x="6096000" y="982726"/>
+            <a:ext cx="2009775" cy="3979799"/>
+          </a:xfrm>
+          <a:prstGeom prst="rect">
+            <a:avLst/>
+          </a:prstGeom>
+          <a:solidFill>
+            <a:schemeClr val="bg1"/>
+          </a:solidFill>
+          <a:ln>
+            <a:solidFill>
+              <a:schemeClr val="bg1"/>
+            </a:solidFill>
+          </a:ln>
+        </p:spPr>
+        <p:style>
+          <a:lnRef idx="2">
+            <a:schemeClr val="accent1">
+              <a:shade val="50000"/>
+            </a:schemeClr>
+          </a:lnRef>
+          <a:fillRef idx="1">
+            <a:schemeClr val="accent1"/>
+          </a:fillRef>
+          <a:effectRef idx="0">
+            <a:schemeClr val="accent1"/>
+          </a:effectRef>
+          <a:fontRef idx="minor">
+            <a:schemeClr val="lt1"/>
+          </a:fontRef>
+        </p:style>
+        <p:txBody>
+          <a:bodyPr rtlCol="0" anchor="ctr"/>
+          <a:lstStyle/>
+          <a:p>
+            <a:pPr algn="ctr"/>
+            <a:endParaRPr lang="it-IT"/>
+          </a:p>
+        </p:txBody>
+      </p:sp>
+      <p:pic>
+        <p:nvPicPr>
+          <p:cNvPr id="18" name="Immagine 17" descr="Immagine che contiene oggetto&#10;&#10;Descrizione generata con affidabilità elevata">
+            <a:extLst>
+              <a:ext uri="{FF2B5EF4-FFF2-40B4-BE49-F238E27FC236}">
+                <a16:creationId xmlns:a16="http://schemas.microsoft.com/office/drawing/2014/main" id="{1B8CC701-ED2C-422D-AD1F-DAEB35141738}"/>
+              </a:ext>
+            </a:extLst>
+          </p:cNvPr>
+          <p:cNvPicPr>
+            <a:picLocks noChangeAspect="1"/>
+          </p:cNvPicPr>
+          <p:nvPr/>
+        </p:nvPicPr>
+        <p:blipFill>
+          <a:blip r:embed="rId3">
+            <a:extLst>
+              <a:ext uri="{28A0092B-C50C-407E-A947-70E740481C1C}">
+                <a14:useLocalDpi xmlns:a14="http://schemas.microsoft.com/office/drawing/2010/main" val="0"/>
+              </a:ext>
+            </a:extLst>
+          </a:blip>
+          <a:stretch>
+            <a:fillRect/>
+          </a:stretch>
+        </p:blipFill>
+        <p:spPr>
+          <a:xfrm>
+            <a:off x="6140515" y="744023"/>
+            <a:ext cx="6002241" cy="1722952"/>
+          </a:xfrm>
+          <a:prstGeom prst="rect">
+            <a:avLst/>
+          </a:prstGeom>
+        </p:spPr>
+      </p:pic>
+      <p:pic>
+        <p:nvPicPr>
+          <p:cNvPr id="20" name="Immagine 19" descr="Immagine che contiene mappa, testo&#10;&#10;Descrizione generata con affidabilità molto elevata">
+            <a:extLst>
+              <a:ext uri="{FF2B5EF4-FFF2-40B4-BE49-F238E27FC236}">
+                <a16:creationId xmlns:a16="http://schemas.microsoft.com/office/drawing/2014/main" id="{C7D21BD1-DD72-48F0-9C47-DEBCCBD80259}"/>
+              </a:ext>
+            </a:extLst>
+          </p:cNvPr>
+          <p:cNvPicPr>
+            <a:picLocks noChangeAspect="1"/>
+          </p:cNvPicPr>
+          <p:nvPr/>
+        </p:nvPicPr>
+        <p:blipFill>
+          <a:blip r:embed="rId4">
+            <a:extLst>
+              <a:ext uri="{28A0092B-C50C-407E-A947-70E740481C1C}">
+                <a14:useLocalDpi xmlns:a14="http://schemas.microsoft.com/office/drawing/2010/main" val="0"/>
+              </a:ext>
+            </a:extLst>
+          </a:blip>
+          <a:stretch>
+            <a:fillRect/>
+          </a:stretch>
+        </p:blipFill>
+        <p:spPr>
+          <a:xfrm>
+            <a:off x="4110644" y="3408476"/>
+            <a:ext cx="7649036" cy="2533282"/>
+          </a:xfrm>
+          <a:prstGeom prst="rect">
+            <a:avLst/>
+          </a:prstGeom>
+        </p:spPr>
+      </p:pic>
     </p:spTree>
     <p:extLst>
       <p:ext uri="{BB962C8B-B14F-4D97-AF65-F5344CB8AC3E}">
-        <p14:creationId xmlns:p14="http://schemas.microsoft.com/office/powerpoint/2010/main" val="2919705840"/>
+        <p14:creationId xmlns:p14="http://schemas.microsoft.com/office/powerpoint/2010/main" val="532778872"/>
       </p:ext>
     </p:extLst>
   </p:cSld>
@@ -4148,36 +4229,6 @@
       </p:sp>
       <p:sp>
         <p:nvSpPr>
-          <p:cNvPr id="3" name="Sottotitolo 2">
-            <a:extLst>
-              <a:ext uri="{FF2B5EF4-FFF2-40B4-BE49-F238E27FC236}">
-                <a16:creationId xmlns:a16="http://schemas.microsoft.com/office/drawing/2014/main" id="{9A8020B2-9E88-499B-8747-EFC4CD6E6BC7}"/>
-              </a:ext>
-            </a:extLst>
-          </p:cNvPr>
-          <p:cNvSpPr>
-            <a:spLocks noGrp="1"/>
-          </p:cNvSpPr>
-          <p:nvPr>
-            <p:ph type="subTitle" idx="1"/>
-          </p:nvPr>
-        </p:nvSpPr>
-        <p:spPr>
-          <a:xfrm>
-            <a:off x="1524000" y="1321723"/>
-            <a:ext cx="9144000" cy="4729941"/>
-          </a:xfrm>
-        </p:spPr>
-        <p:txBody>
-          <a:bodyPr/>
-          <a:lstStyle/>
-          <a:p>
-            <a:endParaRPr lang="it-IT" dirty="0"/>
-          </a:p>
-        </p:txBody>
-      </p:sp>
-      <p:sp>
-        <p:nvSpPr>
           <p:cNvPr id="4" name="Rettangolo 3">
             <a:extLst>
               <a:ext uri="{FF2B5EF4-FFF2-40B4-BE49-F238E27FC236}">
@@ -4191,7 +4242,7 @@
         <p:spPr>
           <a:xfrm>
             <a:off x="0" y="0"/>
-            <a:ext cx="12192000" cy="7115695"/>
+            <a:ext cx="12192000" cy="531845"/>
           </a:xfrm>
           <a:prstGeom prst="rect">
             <a:avLst/>
@@ -4225,26 +4276,8 @@
           <a:bodyPr rtlCol="0" anchor="ctr"/>
           <a:lstStyle/>
           <a:p>
-            <a:pPr algn="ctr">
-              <a:lnSpc>
-                <a:spcPct val="150000"/>
-              </a:lnSpc>
-            </a:pPr>
-            <a:r>
-              <a:rPr lang="it-IT" sz="5400" dirty="0"/>
-              <a:t>Fine</a:t>
-            </a:r>
-          </a:p>
-          <a:p>
-            <a:pPr algn="ctr">
-              <a:lnSpc>
-                <a:spcPct val="150000"/>
-              </a:lnSpc>
-            </a:pPr>
-            <a:r>
-              <a:rPr lang="it-IT" sz="5400" dirty="0"/>
-              <a:t>Q &amp; A</a:t>
-            </a:r>
+            <a:pPr algn="ctr"/>
+            <a:endParaRPr lang="it-IT" sz="3200" dirty="0"/>
           </a:p>
         </p:txBody>
       </p:sp>
@@ -4287,10 +4320,255 @@
           </a:p>
         </p:txBody>
       </p:sp>
+      <p:sp>
+        <p:nvSpPr>
+          <p:cNvPr id="6" name="CasellaDiTesto 5">
+            <a:extLst>
+              <a:ext uri="{FF2B5EF4-FFF2-40B4-BE49-F238E27FC236}">
+                <a16:creationId xmlns:a16="http://schemas.microsoft.com/office/drawing/2014/main" id="{B7485521-EE32-4184-8669-49BB837AC1C6}"/>
+              </a:ext>
+            </a:extLst>
+          </p:cNvPr>
+          <p:cNvSpPr txBox="1"/>
+          <p:nvPr/>
+        </p:nvSpPr>
+        <p:spPr>
+          <a:xfrm>
+            <a:off x="8378890" y="70838"/>
+            <a:ext cx="3629608" cy="369332"/>
+          </a:xfrm>
+          <a:prstGeom prst="rect">
+            <a:avLst/>
+          </a:prstGeom>
+          <a:noFill/>
+        </p:spPr>
+        <p:txBody>
+          <a:bodyPr wrap="square" rtlCol="0">
+            <a:spAutoFit/>
+          </a:bodyPr>
+          <a:lstStyle/>
+          <a:p>
+            <a:pPr algn="r"/>
+            <a:r>
+              <a:rPr lang="it-IT" b="1" dirty="0" err="1">
+                <a:solidFill>
+                  <a:schemeClr val="bg1"/>
+                </a:solidFill>
+              </a:rPr>
+              <a:t>Confrontro</a:t>
+            </a:r>
+            <a:r>
+              <a:rPr lang="it-IT" b="1" dirty="0">
+                <a:solidFill>
+                  <a:schemeClr val="bg1"/>
+                </a:solidFill>
+              </a:rPr>
+              <a:t> tra algoritmi classici</a:t>
+            </a:r>
+          </a:p>
+        </p:txBody>
+      </p:sp>
+      <p:sp>
+        <p:nvSpPr>
+          <p:cNvPr id="10" name="Rettangolo 6">
+            <a:extLst>
+              <a:ext uri="{FF2B5EF4-FFF2-40B4-BE49-F238E27FC236}">
+                <a16:creationId xmlns:a16="http://schemas.microsoft.com/office/drawing/2014/main" id="{FD4ACBCF-401B-4748-BA32-AC242C28886F}"/>
+              </a:ext>
+            </a:extLst>
+          </p:cNvPr>
+          <p:cNvSpPr/>
+          <p:nvPr/>
+        </p:nvSpPr>
+        <p:spPr>
+          <a:xfrm>
+            <a:off x="0" y="6568750"/>
+            <a:ext cx="12192000" cy="289251"/>
+          </a:xfrm>
+          <a:prstGeom prst="rect">
+            <a:avLst/>
+          </a:prstGeom>
+          <a:solidFill>
+            <a:srgbClr val="C00000"/>
+          </a:solidFill>
+          <a:ln w="12700">
+            <a:solidFill>
+              <a:srgbClr val="C00000"/>
+            </a:solidFill>
+            <a:miter/>
+          </a:ln>
+        </p:spPr>
+        <p:txBody>
+          <a:bodyPr lIns="45718" tIns="45718" rIns="45718" bIns="45718" anchor="ctr"/>
+          <a:lstStyle/>
+          <a:p>
+            <a:pPr algn="ctr">
+              <a:defRPr>
+                <a:solidFill>
+                  <a:srgbClr val="FFFFFF"/>
+                </a:solidFill>
+              </a:defRPr>
+            </a:pPr>
+            <a:endParaRPr/>
+          </a:p>
+        </p:txBody>
+      </p:sp>
+      <p:sp>
+        <p:nvSpPr>
+          <p:cNvPr id="12" name="CasellaDiTesto 7">
+            <a:extLst>
+              <a:ext uri="{FF2B5EF4-FFF2-40B4-BE49-F238E27FC236}">
+                <a16:creationId xmlns:a16="http://schemas.microsoft.com/office/drawing/2014/main" id="{E8315EE5-A589-455E-9C69-F97A8270F200}"/>
+              </a:ext>
+            </a:extLst>
+          </p:cNvPr>
+          <p:cNvSpPr txBox="1"/>
+          <p:nvPr/>
+        </p:nvSpPr>
+        <p:spPr>
+          <a:xfrm>
+            <a:off x="11327362" y="6568750"/>
+            <a:ext cx="864637" cy="310517"/>
+          </a:xfrm>
+          <a:prstGeom prst="rect">
+            <a:avLst/>
+          </a:prstGeom>
+          <a:ln w="12700">
+            <a:miter lim="400000"/>
+          </a:ln>
+          <a:extLst>
+            <a:ext uri="{C572A759-6A51-4108-AA02-DFA0A04FC94B}">
+              <ma14:wrappingTextBoxFlag xmlns:ma14="http://schemas.microsoft.com/office/mac/drawingml/2011/main" xmlns="" val="1"/>
+            </a:ext>
+          </a:extLst>
+        </p:spPr>
+        <p:txBody>
+          <a:bodyPr lIns="45718" tIns="45718" rIns="45718" bIns="45718">
+            <a:normAutofit/>
+          </a:bodyPr>
+          <a:lstStyle>
+            <a:lvl1pPr defTabSz="868680">
+              <a:lnSpc>
+                <a:spcPct val="80000"/>
+              </a:lnSpc>
+              <a:defRPr sz="1400">
+                <a:solidFill>
+                  <a:srgbClr val="FFFFFF"/>
+                </a:solidFill>
+              </a:defRPr>
+            </a:lvl1pPr>
+          </a:lstStyle>
+          <a:p>
+            <a:r>
+              <a:rPr lang="it-IT" b="1" dirty="0"/>
+              <a:t>10</a:t>
+            </a:r>
+            <a:r>
+              <a:rPr b="1" dirty="0"/>
+              <a:t>/</a:t>
+            </a:r>
+            <a:r>
+              <a:rPr lang="it-IT" b="1" dirty="0"/>
+              <a:t>11</a:t>
+            </a:r>
+            <a:endParaRPr b="1" dirty="0"/>
+          </a:p>
+        </p:txBody>
+      </p:sp>
+      <p:sp>
+        <p:nvSpPr>
+          <p:cNvPr id="13" name="CasellaDiTesto 10">
+            <a:extLst>
+              <a:ext uri="{FF2B5EF4-FFF2-40B4-BE49-F238E27FC236}">
+                <a16:creationId xmlns:a16="http://schemas.microsoft.com/office/drawing/2014/main" id="{01B6816A-A5CA-4154-8058-23C7E9EBC21D}"/>
+              </a:ext>
+            </a:extLst>
+          </p:cNvPr>
+          <p:cNvSpPr txBox="1"/>
+          <p:nvPr/>
+        </p:nvSpPr>
+        <p:spPr>
+          <a:xfrm>
+            <a:off x="186612" y="6568750"/>
+            <a:ext cx="2687217" cy="310517"/>
+          </a:xfrm>
+          <a:prstGeom prst="rect">
+            <a:avLst/>
+          </a:prstGeom>
+          <a:ln w="12700">
+            <a:miter lim="400000"/>
+          </a:ln>
+          <a:extLst>
+            <a:ext uri="{C572A759-6A51-4108-AA02-DFA0A04FC94B}">
+              <ma14:wrappingTextBoxFlag xmlns:ma14="http://schemas.microsoft.com/office/mac/drawingml/2011/main" xmlns="" val="1"/>
+            </a:ext>
+          </a:extLst>
+        </p:spPr>
+        <p:txBody>
+          <a:bodyPr lIns="45718" tIns="45718" rIns="45718" bIns="45718">
+            <a:normAutofit/>
+          </a:bodyPr>
+          <a:lstStyle>
+            <a:lvl1pPr defTabSz="868680">
+              <a:lnSpc>
+                <a:spcPct val="80000"/>
+              </a:lnSpc>
+              <a:defRPr sz="1400">
+                <a:solidFill>
+                  <a:srgbClr val="FFFFFF"/>
+                </a:solidFill>
+              </a:defRPr>
+            </a:lvl1pPr>
+          </a:lstStyle>
+          <a:p>
+            <a:r>
+              <a:rPr lang="it-IT" b="1" dirty="0"/>
+              <a:t>Federico Berra</a:t>
+            </a:r>
+            <a:endParaRPr b="1" dirty="0"/>
+          </a:p>
+        </p:txBody>
+      </p:sp>
+      <p:pic>
+        <p:nvPicPr>
+          <p:cNvPr id="14" name="Immagine 13" descr="Immagine che contiene testo, mappa&#10;&#10;Descrizione generata con affidabilità molto elevata">
+            <a:extLst>
+              <a:ext uri="{FF2B5EF4-FFF2-40B4-BE49-F238E27FC236}">
+                <a16:creationId xmlns:a16="http://schemas.microsoft.com/office/drawing/2014/main" id="{E19298F9-576D-46B9-B051-902B622163A0}"/>
+              </a:ext>
+            </a:extLst>
+          </p:cNvPr>
+          <p:cNvPicPr>
+            <a:picLocks noChangeAspect="1"/>
+          </p:cNvPicPr>
+          <p:nvPr/>
+        </p:nvPicPr>
+        <p:blipFill>
+          <a:blip r:embed="rId2">
+            <a:extLst>
+              <a:ext uri="{28A0092B-C50C-407E-A947-70E740481C1C}">
+                <a14:useLocalDpi xmlns:a14="http://schemas.microsoft.com/office/drawing/2010/main" val="0"/>
+              </a:ext>
+            </a:extLst>
+          </a:blip>
+          <a:stretch>
+            <a:fillRect/>
+          </a:stretch>
+        </p:blipFill>
+        <p:spPr>
+          <a:xfrm>
+            <a:off x="1940766" y="980902"/>
+            <a:ext cx="7467600" cy="5286375"/>
+          </a:xfrm>
+          <a:prstGeom prst="rect">
+            <a:avLst/>
+          </a:prstGeom>
+        </p:spPr>
+      </p:pic>
     </p:spTree>
     <p:extLst>
       <p:ext uri="{BB962C8B-B14F-4D97-AF65-F5344CB8AC3E}">
-        <p14:creationId xmlns:p14="http://schemas.microsoft.com/office/powerpoint/2010/main" val="1937369443"/>
+        <p14:creationId xmlns:p14="http://schemas.microsoft.com/office/powerpoint/2010/main" val="1328591505"/>
       </p:ext>
     </p:extLst>
   </p:cSld>
@@ -4301,6 +4579,533 @@
 </file>
 
 <file path=ppt/slides/slide12.xml><?xml version="1.0" encoding="utf-8"?>
+<p:sld xmlns:a="http://schemas.openxmlformats.org/drawingml/2006/main" xmlns:r="http://schemas.openxmlformats.org/officeDocument/2006/relationships" xmlns:p="http://schemas.openxmlformats.org/presentationml/2006/main">
+  <p:cSld>
+    <p:spTree>
+      <p:nvGrpSpPr>
+        <p:cNvPr id="1" name=""/>
+        <p:cNvGrpSpPr/>
+        <p:nvPr/>
+      </p:nvGrpSpPr>
+      <p:grpSpPr>
+        <a:xfrm>
+          <a:off x="0" y="0"/>
+          <a:ext cx="0" cy="0"/>
+          <a:chOff x="0" y="0"/>
+          <a:chExt cx="0" cy="0"/>
+        </a:xfrm>
+      </p:grpSpPr>
+      <p:sp>
+        <p:nvSpPr>
+          <p:cNvPr id="2" name="Titolo 1">
+            <a:extLst>
+              <a:ext uri="{FF2B5EF4-FFF2-40B4-BE49-F238E27FC236}">
+                <a16:creationId xmlns:a16="http://schemas.microsoft.com/office/drawing/2014/main" id="{38DB6EFA-A8B8-425C-BC7B-1BEA82E69E1B}"/>
+              </a:ext>
+            </a:extLst>
+          </p:cNvPr>
+          <p:cNvSpPr>
+            <a:spLocks noGrp="1"/>
+          </p:cNvSpPr>
+          <p:nvPr>
+            <p:ph type="ctrTitle"/>
+          </p:nvPr>
+        </p:nvSpPr>
+        <p:spPr>
+          <a:xfrm>
+            <a:off x="1524000" y="365905"/>
+            <a:ext cx="9144000" cy="614997"/>
+          </a:xfrm>
+        </p:spPr>
+        <p:txBody>
+          <a:bodyPr>
+            <a:noAutofit/>
+          </a:bodyPr>
+          <a:lstStyle/>
+          <a:p>
+            <a:r>
+              <a:rPr lang="it-IT" sz="2000" dirty="0">
+                <a:solidFill>
+                  <a:schemeClr val="bg1"/>
+                </a:solidFill>
+              </a:rPr>
+              <a:t>SIMULATE ANNEALING</a:t>
+            </a:r>
+            <a:br>
+              <a:rPr lang="it-IT" sz="2000" dirty="0">
+                <a:solidFill>
+                  <a:schemeClr val="bg1"/>
+                </a:solidFill>
+              </a:rPr>
+            </a:br>
+            <a:br>
+              <a:rPr lang="it-IT" sz="2000" dirty="0"/>
+            </a:br>
+            <a:endParaRPr lang="it-IT" sz="2000" dirty="0">
+              <a:solidFill>
+                <a:schemeClr val="bg1"/>
+              </a:solidFill>
+            </a:endParaRPr>
+          </a:p>
+        </p:txBody>
+      </p:sp>
+      <p:sp>
+        <p:nvSpPr>
+          <p:cNvPr id="4" name="Rettangolo 3">
+            <a:extLst>
+              <a:ext uri="{FF2B5EF4-FFF2-40B4-BE49-F238E27FC236}">
+                <a16:creationId xmlns:a16="http://schemas.microsoft.com/office/drawing/2014/main" id="{0046B770-249D-4C15-AEC3-3A8C8E322FF4}"/>
+              </a:ext>
+            </a:extLst>
+          </p:cNvPr>
+          <p:cNvSpPr/>
+          <p:nvPr/>
+        </p:nvSpPr>
+        <p:spPr>
+          <a:xfrm>
+            <a:off x="0" y="0"/>
+            <a:ext cx="12192000" cy="531845"/>
+          </a:xfrm>
+          <a:prstGeom prst="rect">
+            <a:avLst/>
+          </a:prstGeom>
+          <a:solidFill>
+            <a:srgbClr val="C00000"/>
+          </a:solidFill>
+          <a:ln>
+            <a:solidFill>
+              <a:srgbClr val="C00000"/>
+            </a:solidFill>
+          </a:ln>
+        </p:spPr>
+        <p:style>
+          <a:lnRef idx="2">
+            <a:schemeClr val="accent1">
+              <a:shade val="50000"/>
+            </a:schemeClr>
+          </a:lnRef>
+          <a:fillRef idx="1">
+            <a:schemeClr val="accent1"/>
+          </a:fillRef>
+          <a:effectRef idx="0">
+            <a:schemeClr val="accent1"/>
+          </a:effectRef>
+          <a:fontRef idx="minor">
+            <a:schemeClr val="lt1"/>
+          </a:fontRef>
+        </p:style>
+        <p:txBody>
+          <a:bodyPr rtlCol="0" anchor="ctr"/>
+          <a:lstStyle/>
+          <a:p>
+            <a:pPr algn="ctr"/>
+            <a:endParaRPr lang="it-IT" sz="3200" dirty="0"/>
+          </a:p>
+        </p:txBody>
+      </p:sp>
+      <p:sp>
+        <p:nvSpPr>
+          <p:cNvPr id="5" name="CasellaDiTesto 4">
+            <a:extLst>
+              <a:ext uri="{FF2B5EF4-FFF2-40B4-BE49-F238E27FC236}">
+                <a16:creationId xmlns:a16="http://schemas.microsoft.com/office/drawing/2014/main" id="{55F0C18B-2ED8-4736-8D94-DACCEABC58D2}"/>
+              </a:ext>
+            </a:extLst>
+          </p:cNvPr>
+          <p:cNvSpPr txBox="1"/>
+          <p:nvPr/>
+        </p:nvSpPr>
+        <p:spPr>
+          <a:xfrm>
+            <a:off x="307910" y="102637"/>
+            <a:ext cx="3937519" cy="369332"/>
+          </a:xfrm>
+          <a:prstGeom prst="rect">
+            <a:avLst/>
+          </a:prstGeom>
+          <a:noFill/>
+        </p:spPr>
+        <p:txBody>
+          <a:bodyPr wrap="square" rtlCol="0">
+            <a:spAutoFit/>
+          </a:bodyPr>
+          <a:lstStyle/>
+          <a:p>
+            <a:r>
+              <a:rPr lang="it-IT" dirty="0">
+                <a:solidFill>
+                  <a:schemeClr val="bg1"/>
+                </a:solidFill>
+              </a:rPr>
+              <a:t>QUANTUM ANNEALER</a:t>
+            </a:r>
+          </a:p>
+        </p:txBody>
+      </p:sp>
+      <p:sp>
+        <p:nvSpPr>
+          <p:cNvPr id="6" name="CasellaDiTesto 5">
+            <a:extLst>
+              <a:ext uri="{FF2B5EF4-FFF2-40B4-BE49-F238E27FC236}">
+                <a16:creationId xmlns:a16="http://schemas.microsoft.com/office/drawing/2014/main" id="{B7485521-EE32-4184-8669-49BB837AC1C6}"/>
+              </a:ext>
+            </a:extLst>
+          </p:cNvPr>
+          <p:cNvSpPr txBox="1"/>
+          <p:nvPr/>
+        </p:nvSpPr>
+        <p:spPr>
+          <a:xfrm>
+            <a:off x="8378890" y="70838"/>
+            <a:ext cx="3629608" cy="369332"/>
+          </a:xfrm>
+          <a:prstGeom prst="rect">
+            <a:avLst/>
+          </a:prstGeom>
+          <a:noFill/>
+        </p:spPr>
+        <p:txBody>
+          <a:bodyPr wrap="square" rtlCol="0">
+            <a:spAutoFit/>
+          </a:bodyPr>
+          <a:lstStyle/>
+          <a:p>
+            <a:pPr algn="r"/>
+            <a:r>
+              <a:rPr lang="it-IT" b="1" dirty="0">
+                <a:solidFill>
+                  <a:schemeClr val="bg1"/>
+                </a:solidFill>
+              </a:rPr>
+              <a:t>Conclusioni</a:t>
+            </a:r>
+          </a:p>
+        </p:txBody>
+      </p:sp>
+      <p:sp>
+        <p:nvSpPr>
+          <p:cNvPr id="10" name="Rettangolo 6">
+            <a:extLst>
+              <a:ext uri="{FF2B5EF4-FFF2-40B4-BE49-F238E27FC236}">
+                <a16:creationId xmlns:a16="http://schemas.microsoft.com/office/drawing/2014/main" id="{FD4ACBCF-401B-4748-BA32-AC242C28886F}"/>
+              </a:ext>
+            </a:extLst>
+          </p:cNvPr>
+          <p:cNvSpPr/>
+          <p:nvPr/>
+        </p:nvSpPr>
+        <p:spPr>
+          <a:xfrm>
+            <a:off x="0" y="6568750"/>
+            <a:ext cx="12192000" cy="289251"/>
+          </a:xfrm>
+          <a:prstGeom prst="rect">
+            <a:avLst/>
+          </a:prstGeom>
+          <a:solidFill>
+            <a:srgbClr val="C00000"/>
+          </a:solidFill>
+          <a:ln w="12700">
+            <a:solidFill>
+              <a:srgbClr val="C00000"/>
+            </a:solidFill>
+            <a:miter/>
+          </a:ln>
+        </p:spPr>
+        <p:txBody>
+          <a:bodyPr lIns="45718" tIns="45718" rIns="45718" bIns="45718" anchor="ctr"/>
+          <a:lstStyle/>
+          <a:p>
+            <a:pPr algn="ctr">
+              <a:defRPr>
+                <a:solidFill>
+                  <a:srgbClr val="FFFFFF"/>
+                </a:solidFill>
+              </a:defRPr>
+            </a:pPr>
+            <a:endParaRPr/>
+          </a:p>
+        </p:txBody>
+      </p:sp>
+      <p:sp>
+        <p:nvSpPr>
+          <p:cNvPr id="12" name="CasellaDiTesto 7">
+            <a:extLst>
+              <a:ext uri="{FF2B5EF4-FFF2-40B4-BE49-F238E27FC236}">
+                <a16:creationId xmlns:a16="http://schemas.microsoft.com/office/drawing/2014/main" id="{E8315EE5-A589-455E-9C69-F97A8270F200}"/>
+              </a:ext>
+            </a:extLst>
+          </p:cNvPr>
+          <p:cNvSpPr txBox="1"/>
+          <p:nvPr/>
+        </p:nvSpPr>
+        <p:spPr>
+          <a:xfrm>
+            <a:off x="11327362" y="6568750"/>
+            <a:ext cx="864637" cy="310517"/>
+          </a:xfrm>
+          <a:prstGeom prst="rect">
+            <a:avLst/>
+          </a:prstGeom>
+          <a:ln w="12700">
+            <a:miter lim="400000"/>
+          </a:ln>
+          <a:extLst>
+            <a:ext uri="{C572A759-6A51-4108-AA02-DFA0A04FC94B}">
+              <ma14:wrappingTextBoxFlag xmlns:ma14="http://schemas.microsoft.com/office/mac/drawingml/2011/main" xmlns="" val="1"/>
+            </a:ext>
+          </a:extLst>
+        </p:spPr>
+        <p:txBody>
+          <a:bodyPr lIns="45718" tIns="45718" rIns="45718" bIns="45718">
+            <a:normAutofit/>
+          </a:bodyPr>
+          <a:lstStyle>
+            <a:lvl1pPr defTabSz="868680">
+              <a:lnSpc>
+                <a:spcPct val="80000"/>
+              </a:lnSpc>
+              <a:defRPr sz="1400">
+                <a:solidFill>
+                  <a:srgbClr val="FFFFFF"/>
+                </a:solidFill>
+              </a:defRPr>
+            </a:lvl1pPr>
+          </a:lstStyle>
+          <a:p>
+            <a:r>
+              <a:rPr lang="it-IT" b="1" dirty="0"/>
+              <a:t>11</a:t>
+            </a:r>
+            <a:r>
+              <a:rPr b="1" dirty="0"/>
+              <a:t>/</a:t>
+            </a:r>
+            <a:r>
+              <a:rPr lang="it-IT" b="1" dirty="0"/>
+              <a:t>11</a:t>
+            </a:r>
+            <a:endParaRPr b="1" dirty="0"/>
+          </a:p>
+        </p:txBody>
+      </p:sp>
+      <p:sp>
+        <p:nvSpPr>
+          <p:cNvPr id="13" name="CasellaDiTesto 10">
+            <a:extLst>
+              <a:ext uri="{FF2B5EF4-FFF2-40B4-BE49-F238E27FC236}">
+                <a16:creationId xmlns:a16="http://schemas.microsoft.com/office/drawing/2014/main" id="{01B6816A-A5CA-4154-8058-23C7E9EBC21D}"/>
+              </a:ext>
+            </a:extLst>
+          </p:cNvPr>
+          <p:cNvSpPr txBox="1"/>
+          <p:nvPr/>
+        </p:nvSpPr>
+        <p:spPr>
+          <a:xfrm>
+            <a:off x="186612" y="6568750"/>
+            <a:ext cx="2687217" cy="310517"/>
+          </a:xfrm>
+          <a:prstGeom prst="rect">
+            <a:avLst/>
+          </a:prstGeom>
+          <a:ln w="12700">
+            <a:miter lim="400000"/>
+          </a:ln>
+          <a:extLst>
+            <a:ext uri="{C572A759-6A51-4108-AA02-DFA0A04FC94B}">
+              <ma14:wrappingTextBoxFlag xmlns:ma14="http://schemas.microsoft.com/office/mac/drawingml/2011/main" xmlns="" val="1"/>
+            </a:ext>
+          </a:extLst>
+        </p:spPr>
+        <p:txBody>
+          <a:bodyPr lIns="45718" tIns="45718" rIns="45718" bIns="45718">
+            <a:normAutofit/>
+          </a:bodyPr>
+          <a:lstStyle>
+            <a:lvl1pPr defTabSz="868680">
+              <a:lnSpc>
+                <a:spcPct val="80000"/>
+              </a:lnSpc>
+              <a:defRPr sz="1400">
+                <a:solidFill>
+                  <a:srgbClr val="FFFFFF"/>
+                </a:solidFill>
+              </a:defRPr>
+            </a:lvl1pPr>
+          </a:lstStyle>
+          <a:p>
+            <a:r>
+              <a:rPr lang="it-IT" b="1" dirty="0"/>
+              <a:t>Federico Berra</a:t>
+            </a:r>
+            <a:endParaRPr b="1" dirty="0"/>
+          </a:p>
+        </p:txBody>
+      </p:sp>
+      <p:pic>
+        <p:nvPicPr>
+          <p:cNvPr id="14" name="Immagine 13" descr="Immagine che contiene testo, mappa&#10;&#10;Descrizione generata con affidabilità molto elevata">
+            <a:extLst>
+              <a:ext uri="{FF2B5EF4-FFF2-40B4-BE49-F238E27FC236}">
+                <a16:creationId xmlns:a16="http://schemas.microsoft.com/office/drawing/2014/main" id="{E19298F9-576D-46B9-B051-902B622163A0}"/>
+              </a:ext>
+            </a:extLst>
+          </p:cNvPr>
+          <p:cNvPicPr>
+            <a:picLocks noChangeAspect="1"/>
+          </p:cNvPicPr>
+          <p:nvPr/>
+        </p:nvPicPr>
+        <p:blipFill>
+          <a:blip r:embed="rId2">
+            <a:extLst>
+              <a:ext uri="{28A0092B-C50C-407E-A947-70E740481C1C}">
+                <a14:useLocalDpi xmlns:a14="http://schemas.microsoft.com/office/drawing/2010/main" val="0"/>
+              </a:ext>
+            </a:extLst>
+          </a:blip>
+          <a:stretch>
+            <a:fillRect/>
+          </a:stretch>
+        </p:blipFill>
+        <p:spPr>
+          <a:xfrm>
+            <a:off x="4292080" y="897750"/>
+            <a:ext cx="7467600" cy="5286375"/>
+          </a:xfrm>
+          <a:prstGeom prst="rect">
+            <a:avLst/>
+          </a:prstGeom>
+        </p:spPr>
+      </p:pic>
+      <p:pic>
+        <p:nvPicPr>
+          <p:cNvPr id="11" name="Immagine 10" descr="Immagine che contiene testo, mappa&#10;&#10;Descrizione generata con affidabilità molto elevata">
+            <a:extLst>
+              <a:ext uri="{FF2B5EF4-FFF2-40B4-BE49-F238E27FC236}">
+                <a16:creationId xmlns:a16="http://schemas.microsoft.com/office/drawing/2014/main" id="{0AAA8F57-5A9C-4341-BCD0-C67AA2E328A0}"/>
+              </a:ext>
+            </a:extLst>
+          </p:cNvPr>
+          <p:cNvPicPr>
+            <a:picLocks noChangeAspect="1"/>
+          </p:cNvPicPr>
+          <p:nvPr/>
+        </p:nvPicPr>
+        <p:blipFill>
+          <a:blip r:embed="rId3" cstate="print">
+            <a:extLst>
+              <a:ext uri="{28A0092B-C50C-407E-A947-70E740481C1C}">
+                <a14:useLocalDpi xmlns:a14="http://schemas.microsoft.com/office/drawing/2010/main" val="0"/>
+              </a:ext>
+            </a:extLst>
+          </a:blip>
+          <a:stretch>
+            <a:fillRect/>
+          </a:stretch>
+        </p:blipFill>
+        <p:spPr>
+          <a:xfrm>
+            <a:off x="637736" y="3429000"/>
+            <a:ext cx="3005195" cy="2440115"/>
+          </a:xfrm>
+          <a:prstGeom prst="rect">
+            <a:avLst/>
+          </a:prstGeom>
+        </p:spPr>
+      </p:pic>
+      <p:sp>
+        <p:nvSpPr>
+          <p:cNvPr id="3" name="CasellaDiTesto 2">
+            <a:extLst>
+              <a:ext uri="{FF2B5EF4-FFF2-40B4-BE49-F238E27FC236}">
+                <a16:creationId xmlns:a16="http://schemas.microsoft.com/office/drawing/2014/main" id="{707E2013-4ED7-458A-8D38-1C9BF705698B}"/>
+              </a:ext>
+            </a:extLst>
+          </p:cNvPr>
+          <p:cNvSpPr txBox="1"/>
+          <p:nvPr/>
+        </p:nvSpPr>
+        <p:spPr>
+          <a:xfrm>
+            <a:off x="509954" y="1227644"/>
+            <a:ext cx="3735475" cy="1477328"/>
+          </a:xfrm>
+          <a:prstGeom prst="rect">
+            <a:avLst/>
+          </a:prstGeom>
+          <a:noFill/>
+        </p:spPr>
+        <p:txBody>
+          <a:bodyPr wrap="square" rtlCol="0">
+            <a:spAutoFit/>
+          </a:bodyPr>
+          <a:lstStyle/>
+          <a:p>
+            <a:pPr marL="285750" indent="-285750">
+              <a:buFontTx/>
+              <a:buChar char="-"/>
+            </a:pPr>
+            <a:r>
+              <a:rPr lang="it-IT" dirty="0" err="1"/>
+              <a:t>Tunneling</a:t>
+            </a:r>
+            <a:r>
+              <a:rPr lang="it-IT" dirty="0"/>
+              <a:t> accorcia le distanze</a:t>
+            </a:r>
+          </a:p>
+          <a:p>
+            <a:pPr marL="285750" indent="-285750">
+              <a:buFontTx/>
+              <a:buChar char="-"/>
+            </a:pPr>
+            <a:endParaRPr lang="it-IT" dirty="0"/>
+          </a:p>
+          <a:p>
+            <a:pPr marL="285750" indent="-285750">
+              <a:buFontTx/>
+              <a:buChar char="-"/>
+            </a:pPr>
+            <a:r>
+              <a:rPr lang="it-IT" dirty="0"/>
+              <a:t>Meglio del CT</a:t>
+            </a:r>
+          </a:p>
+          <a:p>
+            <a:pPr marL="285750" indent="-285750">
+              <a:buFontTx/>
+              <a:buChar char="-"/>
+            </a:pPr>
+            <a:endParaRPr lang="it-IT" dirty="0"/>
+          </a:p>
+          <a:p>
+            <a:pPr marL="285750" indent="-285750">
+              <a:buFontTx/>
+              <a:buChar char="-"/>
+            </a:pPr>
+            <a:r>
+              <a:rPr lang="it-IT" dirty="0"/>
+              <a:t>Non testato sopra il 2d</a:t>
+            </a:r>
+          </a:p>
+        </p:txBody>
+      </p:sp>
+    </p:spTree>
+    <p:extLst>
+      <p:ext uri="{BB962C8B-B14F-4D97-AF65-F5344CB8AC3E}">
+        <p14:creationId xmlns:p14="http://schemas.microsoft.com/office/powerpoint/2010/main" val="1550790606"/>
+      </p:ext>
+    </p:extLst>
+  </p:cSld>
+  <p:clrMapOvr>
+    <a:masterClrMapping/>
+  </p:clrMapOvr>
+</p:sld>
+</file>
+
+<file path=ppt/slides/slide13.xml><?xml version="1.0" encoding="utf-8"?>
 <p:sld xmlns:a="http://schemas.openxmlformats.org/drawingml/2006/main" xmlns:r="http://schemas.openxmlformats.org/officeDocument/2006/relationships" xmlns:p="http://schemas.openxmlformats.org/presentationml/2006/main" show="0">
   <p:cSld>
     <p:spTree>
@@ -4416,7 +5221,7 @@
         <p:spPr>
           <a:xfrm>
             <a:off x="0" y="0"/>
-            <a:ext cx="12192000" cy="7115695"/>
+            <a:ext cx="12192000" cy="531845"/>
           </a:xfrm>
           <a:prstGeom prst="rect">
             <a:avLst/>
@@ -4451,6 +5256,643 @@
           <a:lstStyle/>
           <a:p>
             <a:pPr algn="ctr"/>
+            <a:endParaRPr lang="it-IT" sz="3200" dirty="0"/>
+          </a:p>
+        </p:txBody>
+      </p:sp>
+      <p:sp>
+        <p:nvSpPr>
+          <p:cNvPr id="5" name="CasellaDiTesto 4">
+            <a:extLst>
+              <a:ext uri="{FF2B5EF4-FFF2-40B4-BE49-F238E27FC236}">
+                <a16:creationId xmlns:a16="http://schemas.microsoft.com/office/drawing/2014/main" id="{55F0C18B-2ED8-4736-8D94-DACCEABC58D2}"/>
+              </a:ext>
+            </a:extLst>
+          </p:cNvPr>
+          <p:cNvSpPr txBox="1"/>
+          <p:nvPr/>
+        </p:nvSpPr>
+        <p:spPr>
+          <a:xfrm>
+            <a:off x="307910" y="102637"/>
+            <a:ext cx="3937519" cy="369332"/>
+          </a:xfrm>
+          <a:prstGeom prst="rect">
+            <a:avLst/>
+          </a:prstGeom>
+          <a:noFill/>
+        </p:spPr>
+        <p:txBody>
+          <a:bodyPr wrap="square" rtlCol="0">
+            <a:spAutoFit/>
+          </a:bodyPr>
+          <a:lstStyle/>
+          <a:p>
+            <a:r>
+              <a:rPr lang="it-IT" dirty="0">
+                <a:solidFill>
+                  <a:schemeClr val="bg1"/>
+                </a:solidFill>
+              </a:rPr>
+              <a:t>QUANTUM ANNEALER</a:t>
+            </a:r>
+          </a:p>
+        </p:txBody>
+      </p:sp>
+      <p:sp>
+        <p:nvSpPr>
+          <p:cNvPr id="6" name="CasellaDiTesto 5">
+            <a:extLst>
+              <a:ext uri="{FF2B5EF4-FFF2-40B4-BE49-F238E27FC236}">
+                <a16:creationId xmlns:a16="http://schemas.microsoft.com/office/drawing/2014/main" id="{B7485521-EE32-4184-8669-49BB837AC1C6}"/>
+              </a:ext>
+            </a:extLst>
+          </p:cNvPr>
+          <p:cNvSpPr txBox="1"/>
+          <p:nvPr/>
+        </p:nvSpPr>
+        <p:spPr>
+          <a:xfrm>
+            <a:off x="8378890" y="70838"/>
+            <a:ext cx="3629608" cy="369332"/>
+          </a:xfrm>
+          <a:prstGeom prst="rect">
+            <a:avLst/>
+          </a:prstGeom>
+          <a:noFill/>
+        </p:spPr>
+        <p:txBody>
+          <a:bodyPr wrap="square" rtlCol="0">
+            <a:spAutoFit/>
+          </a:bodyPr>
+          <a:lstStyle/>
+          <a:p>
+            <a:pPr algn="r"/>
+            <a:r>
+              <a:rPr lang="it-IT" b="1" dirty="0">
+                <a:solidFill>
+                  <a:schemeClr val="bg1"/>
+                </a:solidFill>
+              </a:rPr>
+              <a:t>Conclusioni</a:t>
+            </a:r>
+          </a:p>
+        </p:txBody>
+      </p:sp>
+      <p:sp>
+        <p:nvSpPr>
+          <p:cNvPr id="10" name="Rettangolo 6">
+            <a:extLst>
+              <a:ext uri="{FF2B5EF4-FFF2-40B4-BE49-F238E27FC236}">
+                <a16:creationId xmlns:a16="http://schemas.microsoft.com/office/drawing/2014/main" id="{DE037BD2-28BA-464C-9DBB-FF22728E00D6}"/>
+              </a:ext>
+            </a:extLst>
+          </p:cNvPr>
+          <p:cNvSpPr/>
+          <p:nvPr/>
+        </p:nvSpPr>
+        <p:spPr>
+          <a:xfrm>
+            <a:off x="0" y="6568750"/>
+            <a:ext cx="12192000" cy="289251"/>
+          </a:xfrm>
+          <a:prstGeom prst="rect">
+            <a:avLst/>
+          </a:prstGeom>
+          <a:solidFill>
+            <a:srgbClr val="C00000"/>
+          </a:solidFill>
+          <a:ln w="12700">
+            <a:solidFill>
+              <a:srgbClr val="C00000"/>
+            </a:solidFill>
+            <a:miter/>
+          </a:ln>
+        </p:spPr>
+        <p:txBody>
+          <a:bodyPr lIns="45718" tIns="45718" rIns="45718" bIns="45718" anchor="ctr"/>
+          <a:lstStyle/>
+          <a:p>
+            <a:pPr algn="ctr">
+              <a:defRPr>
+                <a:solidFill>
+                  <a:srgbClr val="FFFFFF"/>
+                </a:solidFill>
+              </a:defRPr>
+            </a:pPr>
+            <a:endParaRPr/>
+          </a:p>
+        </p:txBody>
+      </p:sp>
+      <p:sp>
+        <p:nvSpPr>
+          <p:cNvPr id="12" name="CasellaDiTesto 7">
+            <a:extLst>
+              <a:ext uri="{FF2B5EF4-FFF2-40B4-BE49-F238E27FC236}">
+                <a16:creationId xmlns:a16="http://schemas.microsoft.com/office/drawing/2014/main" id="{D4D6DBF4-1790-407E-BDE3-1A2CD52930C8}"/>
+              </a:ext>
+            </a:extLst>
+          </p:cNvPr>
+          <p:cNvSpPr txBox="1"/>
+          <p:nvPr/>
+        </p:nvSpPr>
+        <p:spPr>
+          <a:xfrm>
+            <a:off x="11327362" y="6568750"/>
+            <a:ext cx="864637" cy="310517"/>
+          </a:xfrm>
+          <a:prstGeom prst="rect">
+            <a:avLst/>
+          </a:prstGeom>
+          <a:ln w="12700">
+            <a:miter lim="400000"/>
+          </a:ln>
+          <a:extLst>
+            <a:ext uri="{C572A759-6A51-4108-AA02-DFA0A04FC94B}">
+              <ma14:wrappingTextBoxFlag xmlns:ma14="http://schemas.microsoft.com/office/mac/drawingml/2011/main" xmlns="" val="1"/>
+            </a:ext>
+          </a:extLst>
+        </p:spPr>
+        <p:txBody>
+          <a:bodyPr lIns="45718" tIns="45718" rIns="45718" bIns="45718">
+            <a:normAutofit/>
+          </a:bodyPr>
+          <a:lstStyle>
+            <a:lvl1pPr defTabSz="868680">
+              <a:lnSpc>
+                <a:spcPct val="80000"/>
+              </a:lnSpc>
+              <a:defRPr sz="1400">
+                <a:solidFill>
+                  <a:srgbClr val="FFFFFF"/>
+                </a:solidFill>
+              </a:defRPr>
+            </a:lvl1pPr>
+          </a:lstStyle>
+          <a:p>
+            <a:r>
+              <a:rPr b="1" dirty="0"/>
+              <a:t>0</a:t>
+            </a:r>
+            <a:r>
+              <a:rPr lang="it-IT" b="1" dirty="0"/>
+              <a:t>9</a:t>
+            </a:r>
+            <a:r>
+              <a:rPr b="1" dirty="0"/>
+              <a:t>/</a:t>
+            </a:r>
+            <a:r>
+              <a:rPr lang="it-IT" b="1" dirty="0"/>
+              <a:t>08</a:t>
+            </a:r>
+            <a:endParaRPr b="1" dirty="0"/>
+          </a:p>
+        </p:txBody>
+      </p:sp>
+      <p:sp>
+        <p:nvSpPr>
+          <p:cNvPr id="13" name="CasellaDiTesto 10">
+            <a:extLst>
+              <a:ext uri="{FF2B5EF4-FFF2-40B4-BE49-F238E27FC236}">
+                <a16:creationId xmlns:a16="http://schemas.microsoft.com/office/drawing/2014/main" id="{9827C898-70BC-4500-9D93-D81611B1869C}"/>
+              </a:ext>
+            </a:extLst>
+          </p:cNvPr>
+          <p:cNvSpPr txBox="1"/>
+          <p:nvPr/>
+        </p:nvSpPr>
+        <p:spPr>
+          <a:xfrm>
+            <a:off x="186612" y="6568750"/>
+            <a:ext cx="2687217" cy="310517"/>
+          </a:xfrm>
+          <a:prstGeom prst="rect">
+            <a:avLst/>
+          </a:prstGeom>
+          <a:ln w="12700">
+            <a:miter lim="400000"/>
+          </a:ln>
+          <a:extLst>
+            <a:ext uri="{C572A759-6A51-4108-AA02-DFA0A04FC94B}">
+              <ma14:wrappingTextBoxFlag xmlns:ma14="http://schemas.microsoft.com/office/mac/drawingml/2011/main" xmlns="" val="1"/>
+            </a:ext>
+          </a:extLst>
+        </p:spPr>
+        <p:txBody>
+          <a:bodyPr lIns="45718" tIns="45718" rIns="45718" bIns="45718">
+            <a:normAutofit/>
+          </a:bodyPr>
+          <a:lstStyle>
+            <a:lvl1pPr defTabSz="868680">
+              <a:lnSpc>
+                <a:spcPct val="80000"/>
+              </a:lnSpc>
+              <a:defRPr sz="1400">
+                <a:solidFill>
+                  <a:srgbClr val="FFFFFF"/>
+                </a:solidFill>
+              </a:defRPr>
+            </a:lvl1pPr>
+          </a:lstStyle>
+          <a:p>
+            <a:r>
+              <a:rPr lang="it-IT" b="1" dirty="0"/>
+              <a:t>Federico Berra</a:t>
+            </a:r>
+            <a:endParaRPr b="1" dirty="0"/>
+          </a:p>
+        </p:txBody>
+      </p:sp>
+    </p:spTree>
+    <p:extLst>
+      <p:ext uri="{BB962C8B-B14F-4D97-AF65-F5344CB8AC3E}">
+        <p14:creationId xmlns:p14="http://schemas.microsoft.com/office/powerpoint/2010/main" val="2919705840"/>
+      </p:ext>
+    </p:extLst>
+  </p:cSld>
+  <p:clrMapOvr>
+    <a:masterClrMapping/>
+  </p:clrMapOvr>
+</p:sld>
+</file>
+
+<file path=ppt/slides/slide14.xml><?xml version="1.0" encoding="utf-8"?>
+<p:sld xmlns:a="http://schemas.openxmlformats.org/drawingml/2006/main" xmlns:r="http://schemas.openxmlformats.org/officeDocument/2006/relationships" xmlns:p="http://schemas.openxmlformats.org/presentationml/2006/main">
+  <p:cSld>
+    <p:spTree>
+      <p:nvGrpSpPr>
+        <p:cNvPr id="1" name=""/>
+        <p:cNvGrpSpPr/>
+        <p:nvPr/>
+      </p:nvGrpSpPr>
+      <p:grpSpPr>
+        <a:xfrm>
+          <a:off x="0" y="0"/>
+          <a:ext cx="0" cy="0"/>
+          <a:chOff x="0" y="0"/>
+          <a:chExt cx="0" cy="0"/>
+        </a:xfrm>
+      </p:grpSpPr>
+      <p:sp>
+        <p:nvSpPr>
+          <p:cNvPr id="2" name="Titolo 1">
+            <a:extLst>
+              <a:ext uri="{FF2B5EF4-FFF2-40B4-BE49-F238E27FC236}">
+                <a16:creationId xmlns:a16="http://schemas.microsoft.com/office/drawing/2014/main" id="{38DB6EFA-A8B8-425C-BC7B-1BEA82E69E1B}"/>
+              </a:ext>
+            </a:extLst>
+          </p:cNvPr>
+          <p:cNvSpPr>
+            <a:spLocks noGrp="1"/>
+          </p:cNvSpPr>
+          <p:nvPr>
+            <p:ph type="ctrTitle"/>
+          </p:nvPr>
+        </p:nvSpPr>
+        <p:spPr>
+          <a:xfrm>
+            <a:off x="1524000" y="365905"/>
+            <a:ext cx="9144000" cy="614997"/>
+          </a:xfrm>
+        </p:spPr>
+        <p:txBody>
+          <a:bodyPr>
+            <a:noAutofit/>
+          </a:bodyPr>
+          <a:lstStyle/>
+          <a:p>
+            <a:r>
+              <a:rPr lang="it-IT" sz="2000" dirty="0">
+                <a:solidFill>
+                  <a:schemeClr val="bg1"/>
+                </a:solidFill>
+              </a:rPr>
+              <a:t>SIMULATE ANNEALING</a:t>
+            </a:r>
+            <a:br>
+              <a:rPr lang="it-IT" sz="2000" dirty="0">
+                <a:solidFill>
+                  <a:schemeClr val="bg1"/>
+                </a:solidFill>
+              </a:rPr>
+            </a:br>
+            <a:br>
+              <a:rPr lang="it-IT" sz="2000" dirty="0"/>
+            </a:br>
+            <a:endParaRPr lang="it-IT" sz="2000" dirty="0">
+              <a:solidFill>
+                <a:schemeClr val="bg1"/>
+              </a:solidFill>
+            </a:endParaRPr>
+          </a:p>
+        </p:txBody>
+      </p:sp>
+      <p:sp>
+        <p:nvSpPr>
+          <p:cNvPr id="3" name="Sottotitolo 2">
+            <a:extLst>
+              <a:ext uri="{FF2B5EF4-FFF2-40B4-BE49-F238E27FC236}">
+                <a16:creationId xmlns:a16="http://schemas.microsoft.com/office/drawing/2014/main" id="{9A8020B2-9E88-499B-8747-EFC4CD6E6BC7}"/>
+              </a:ext>
+            </a:extLst>
+          </p:cNvPr>
+          <p:cNvSpPr>
+            <a:spLocks noGrp="1"/>
+          </p:cNvSpPr>
+          <p:nvPr>
+            <p:ph type="subTitle" idx="1"/>
+          </p:nvPr>
+        </p:nvSpPr>
+        <p:spPr>
+          <a:xfrm>
+            <a:off x="1524000" y="1321723"/>
+            <a:ext cx="9144000" cy="4729941"/>
+          </a:xfrm>
+        </p:spPr>
+        <p:txBody>
+          <a:bodyPr/>
+          <a:lstStyle/>
+          <a:p>
+            <a:endParaRPr lang="it-IT" dirty="0"/>
+          </a:p>
+        </p:txBody>
+      </p:sp>
+      <p:sp>
+        <p:nvSpPr>
+          <p:cNvPr id="4" name="Rettangolo 3">
+            <a:extLst>
+              <a:ext uri="{FF2B5EF4-FFF2-40B4-BE49-F238E27FC236}">
+                <a16:creationId xmlns:a16="http://schemas.microsoft.com/office/drawing/2014/main" id="{0046B770-249D-4C15-AEC3-3A8C8E322FF4}"/>
+              </a:ext>
+            </a:extLst>
+          </p:cNvPr>
+          <p:cNvSpPr/>
+          <p:nvPr/>
+        </p:nvSpPr>
+        <p:spPr>
+          <a:xfrm>
+            <a:off x="0" y="0"/>
+            <a:ext cx="12192000" cy="7115695"/>
+          </a:xfrm>
+          <a:prstGeom prst="rect">
+            <a:avLst/>
+          </a:prstGeom>
+          <a:solidFill>
+            <a:srgbClr val="C00000"/>
+          </a:solidFill>
+          <a:ln>
+            <a:solidFill>
+              <a:srgbClr val="C00000"/>
+            </a:solidFill>
+          </a:ln>
+        </p:spPr>
+        <p:style>
+          <a:lnRef idx="2">
+            <a:schemeClr val="accent1">
+              <a:shade val="50000"/>
+            </a:schemeClr>
+          </a:lnRef>
+          <a:fillRef idx="1">
+            <a:schemeClr val="accent1"/>
+          </a:fillRef>
+          <a:effectRef idx="0">
+            <a:schemeClr val="accent1"/>
+          </a:effectRef>
+          <a:fontRef idx="minor">
+            <a:schemeClr val="lt1"/>
+          </a:fontRef>
+        </p:style>
+        <p:txBody>
+          <a:bodyPr rtlCol="0" anchor="ctr"/>
+          <a:lstStyle/>
+          <a:p>
+            <a:pPr algn="ctr">
+              <a:lnSpc>
+                <a:spcPct val="150000"/>
+              </a:lnSpc>
+            </a:pPr>
+            <a:r>
+              <a:rPr lang="it-IT" sz="5400" dirty="0"/>
+              <a:t>Fine</a:t>
+            </a:r>
+          </a:p>
+          <a:p>
+            <a:pPr algn="ctr">
+              <a:lnSpc>
+                <a:spcPct val="150000"/>
+              </a:lnSpc>
+            </a:pPr>
+            <a:r>
+              <a:rPr lang="it-IT" sz="5400" dirty="0"/>
+              <a:t>Q &amp; A</a:t>
+            </a:r>
+          </a:p>
+        </p:txBody>
+      </p:sp>
+      <p:sp>
+        <p:nvSpPr>
+          <p:cNvPr id="5" name="CasellaDiTesto 4">
+            <a:extLst>
+              <a:ext uri="{FF2B5EF4-FFF2-40B4-BE49-F238E27FC236}">
+                <a16:creationId xmlns:a16="http://schemas.microsoft.com/office/drawing/2014/main" id="{55F0C18B-2ED8-4736-8D94-DACCEABC58D2}"/>
+              </a:ext>
+            </a:extLst>
+          </p:cNvPr>
+          <p:cNvSpPr txBox="1"/>
+          <p:nvPr/>
+        </p:nvSpPr>
+        <p:spPr>
+          <a:xfrm>
+            <a:off x="307910" y="102637"/>
+            <a:ext cx="3937519" cy="369332"/>
+          </a:xfrm>
+          <a:prstGeom prst="rect">
+            <a:avLst/>
+          </a:prstGeom>
+          <a:noFill/>
+        </p:spPr>
+        <p:txBody>
+          <a:bodyPr wrap="square" rtlCol="0">
+            <a:spAutoFit/>
+          </a:bodyPr>
+          <a:lstStyle/>
+          <a:p>
+            <a:r>
+              <a:rPr lang="it-IT" dirty="0">
+                <a:solidFill>
+                  <a:schemeClr val="bg1"/>
+                </a:solidFill>
+              </a:rPr>
+              <a:t>QUANTUM ANNEALER</a:t>
+            </a:r>
+          </a:p>
+        </p:txBody>
+      </p:sp>
+    </p:spTree>
+    <p:extLst>
+      <p:ext uri="{BB962C8B-B14F-4D97-AF65-F5344CB8AC3E}">
+        <p14:creationId xmlns:p14="http://schemas.microsoft.com/office/powerpoint/2010/main" val="1937369443"/>
+      </p:ext>
+    </p:extLst>
+  </p:cSld>
+  <p:clrMapOvr>
+    <a:masterClrMapping/>
+  </p:clrMapOvr>
+</p:sld>
+</file>
+
+<file path=ppt/slides/slide15.xml><?xml version="1.0" encoding="utf-8"?>
+<p:sld xmlns:a="http://schemas.openxmlformats.org/drawingml/2006/main" xmlns:r="http://schemas.openxmlformats.org/officeDocument/2006/relationships" xmlns:p="http://schemas.openxmlformats.org/presentationml/2006/main" show="0">
+  <p:cSld>
+    <p:spTree>
+      <p:nvGrpSpPr>
+        <p:cNvPr id="1" name=""/>
+        <p:cNvGrpSpPr/>
+        <p:nvPr/>
+      </p:nvGrpSpPr>
+      <p:grpSpPr>
+        <a:xfrm>
+          <a:off x="0" y="0"/>
+          <a:ext cx="0" cy="0"/>
+          <a:chOff x="0" y="0"/>
+          <a:chExt cx="0" cy="0"/>
+        </a:xfrm>
+      </p:grpSpPr>
+      <p:sp>
+        <p:nvSpPr>
+          <p:cNvPr id="2" name="Titolo 1">
+            <a:extLst>
+              <a:ext uri="{FF2B5EF4-FFF2-40B4-BE49-F238E27FC236}">
+                <a16:creationId xmlns:a16="http://schemas.microsoft.com/office/drawing/2014/main" id="{38DB6EFA-A8B8-425C-BC7B-1BEA82E69E1B}"/>
+              </a:ext>
+            </a:extLst>
+          </p:cNvPr>
+          <p:cNvSpPr>
+            <a:spLocks noGrp="1"/>
+          </p:cNvSpPr>
+          <p:nvPr>
+            <p:ph type="ctrTitle"/>
+          </p:nvPr>
+        </p:nvSpPr>
+        <p:spPr>
+          <a:xfrm>
+            <a:off x="1524000" y="365905"/>
+            <a:ext cx="9144000" cy="614997"/>
+          </a:xfrm>
+        </p:spPr>
+        <p:txBody>
+          <a:bodyPr>
+            <a:noAutofit/>
+          </a:bodyPr>
+          <a:lstStyle/>
+          <a:p>
+            <a:r>
+              <a:rPr lang="it-IT" sz="2000" dirty="0">
+                <a:solidFill>
+                  <a:schemeClr val="bg1"/>
+                </a:solidFill>
+              </a:rPr>
+              <a:t>SIMULATE ANNEALING</a:t>
+            </a:r>
+            <a:br>
+              <a:rPr lang="it-IT" sz="2000" dirty="0">
+                <a:solidFill>
+                  <a:schemeClr val="bg1"/>
+                </a:solidFill>
+              </a:rPr>
+            </a:br>
+            <a:br>
+              <a:rPr lang="it-IT" sz="2000" dirty="0"/>
+            </a:br>
+            <a:endParaRPr lang="it-IT" sz="2000" dirty="0">
+              <a:solidFill>
+                <a:schemeClr val="bg1"/>
+              </a:solidFill>
+            </a:endParaRPr>
+          </a:p>
+        </p:txBody>
+      </p:sp>
+      <p:sp>
+        <p:nvSpPr>
+          <p:cNvPr id="3" name="Sottotitolo 2">
+            <a:extLst>
+              <a:ext uri="{FF2B5EF4-FFF2-40B4-BE49-F238E27FC236}">
+                <a16:creationId xmlns:a16="http://schemas.microsoft.com/office/drawing/2014/main" id="{9A8020B2-9E88-499B-8747-EFC4CD6E6BC7}"/>
+              </a:ext>
+            </a:extLst>
+          </p:cNvPr>
+          <p:cNvSpPr>
+            <a:spLocks noGrp="1"/>
+          </p:cNvSpPr>
+          <p:nvPr>
+            <p:ph type="subTitle" idx="1"/>
+          </p:nvPr>
+        </p:nvSpPr>
+        <p:spPr>
+          <a:xfrm>
+            <a:off x="1524000" y="1321723"/>
+            <a:ext cx="9144000" cy="4729941"/>
+          </a:xfrm>
+        </p:spPr>
+        <p:txBody>
+          <a:bodyPr/>
+          <a:lstStyle/>
+          <a:p>
+            <a:endParaRPr lang="it-IT" dirty="0"/>
+          </a:p>
+        </p:txBody>
+      </p:sp>
+      <p:sp>
+        <p:nvSpPr>
+          <p:cNvPr id="4" name="Rettangolo 3">
+            <a:extLst>
+              <a:ext uri="{FF2B5EF4-FFF2-40B4-BE49-F238E27FC236}">
+                <a16:creationId xmlns:a16="http://schemas.microsoft.com/office/drawing/2014/main" id="{0046B770-249D-4C15-AEC3-3A8C8E322FF4}"/>
+              </a:ext>
+            </a:extLst>
+          </p:cNvPr>
+          <p:cNvSpPr/>
+          <p:nvPr/>
+        </p:nvSpPr>
+        <p:spPr>
+          <a:xfrm>
+            <a:off x="0" y="0"/>
+            <a:ext cx="12192000" cy="7115695"/>
+          </a:xfrm>
+          <a:prstGeom prst="rect">
+            <a:avLst/>
+          </a:prstGeom>
+          <a:solidFill>
+            <a:srgbClr val="C00000"/>
+          </a:solidFill>
+          <a:ln>
+            <a:solidFill>
+              <a:srgbClr val="C00000"/>
+            </a:solidFill>
+          </a:ln>
+        </p:spPr>
+        <p:style>
+          <a:lnRef idx="2">
+            <a:schemeClr val="accent1">
+              <a:shade val="50000"/>
+            </a:schemeClr>
+          </a:lnRef>
+          <a:fillRef idx="1">
+            <a:schemeClr val="accent1"/>
+          </a:fillRef>
+          <a:effectRef idx="0">
+            <a:schemeClr val="accent1"/>
+          </a:effectRef>
+          <a:fontRef idx="minor">
+            <a:schemeClr val="lt1"/>
+          </a:fontRef>
+        </p:style>
+        <p:txBody>
+          <a:bodyPr rtlCol="0" anchor="ctr"/>
+          <a:lstStyle/>
+          <a:p>
+            <a:pPr algn="ctr"/>
             <a:r>
               <a:rPr lang="it-IT" sz="5400" dirty="0"/>
               <a:t>Parte I</a:t>
@@ -4510,7 +5952,7 @@
 </p:sld>
 </file>
 
-<file path=ppt/slides/slide13.xml><?xml version="1.0" encoding="utf-8"?>
+<file path=ppt/slides/slide16.xml><?xml version="1.0" encoding="utf-8"?>
 <p:sld xmlns:a="http://schemas.openxmlformats.org/drawingml/2006/main" xmlns:r="http://schemas.openxmlformats.org/officeDocument/2006/relationships" xmlns:p="http://schemas.openxmlformats.org/presentationml/2006/main" show="0">
   <p:cSld>
     <p:spTree>
@@ -5009,9 +6451,8 @@
             </a:pPr>
             <a:r>
               <a:rPr lang="it-IT" dirty="0"/>
-              <a:t>Legge di Moore</a:t>
-            </a:r>
-            <a:endParaRPr dirty="0"/>
+              <a:t>Introduzione Computer Quantistico</a:t>
+            </a:r>
           </a:p>
           <a:p>
             <a:pPr marL="339470" indent="-339470" algn="l" defTabSz="905255">
@@ -5024,9 +6465,8 @@
             </a:pPr>
             <a:r>
               <a:rPr lang="it-IT" dirty="0"/>
-              <a:t>Architettura del processore</a:t>
-            </a:r>
-            <a:endParaRPr dirty="0"/>
+              <a:t>Algoritmi Classici</a:t>
+            </a:r>
           </a:p>
           <a:p>
             <a:pPr marL="339470" indent="-339470" algn="l" defTabSz="905255">
@@ -5039,102 +6479,8 @@
             </a:pPr>
             <a:r>
               <a:rPr lang="it-IT" dirty="0"/>
-              <a:t>Quantum </a:t>
-            </a:r>
-            <a:r>
-              <a:rPr lang="it-IT" dirty="0" err="1"/>
-              <a:t>Annealing</a:t>
-            </a:r>
-            <a:endParaRPr lang="it-IT" dirty="0"/>
-          </a:p>
-          <a:p>
-            <a:pPr marL="339470" indent="-339470" algn="l" defTabSz="905255">
-              <a:spcBef>
-                <a:spcPts val="900"/>
-              </a:spcBef>
-              <a:buSzPct val="100000"/>
-              <a:buChar char="-"/>
-              <a:defRPr sz="2300"/>
-            </a:pPr>
-            <a:r>
-              <a:rPr lang="it-IT" dirty="0" err="1"/>
-              <a:t>Simulated</a:t>
-            </a:r>
-            <a:r>
-              <a:rPr lang="it-IT" dirty="0"/>
-              <a:t> </a:t>
-            </a:r>
-            <a:r>
-              <a:rPr lang="it-IT" dirty="0" err="1"/>
-              <a:t>Annealing</a:t>
-            </a:r>
-            <a:endParaRPr lang="it-IT" dirty="0"/>
-          </a:p>
-          <a:p>
-            <a:pPr marL="339470" indent="-339470" algn="l" defTabSz="905255">
-              <a:spcBef>
-                <a:spcPts val="900"/>
-              </a:spcBef>
-              <a:buSzPct val="100000"/>
-              <a:buChar char="-"/>
-              <a:defRPr sz="2300"/>
-            </a:pPr>
-            <a:r>
-              <a:rPr lang="it-IT" dirty="0" err="1"/>
-              <a:t>Simulated</a:t>
-            </a:r>
-            <a:r>
-              <a:rPr lang="it-IT" dirty="0"/>
-              <a:t> Quantum </a:t>
-            </a:r>
-            <a:r>
-              <a:rPr lang="it-IT" dirty="0" err="1"/>
-              <a:t>Annealing</a:t>
-            </a:r>
-            <a:endParaRPr lang="it-IT" dirty="0"/>
-          </a:p>
-          <a:p>
-            <a:pPr marL="339470" indent="-339470" algn="l" defTabSz="905255">
-              <a:spcBef>
-                <a:spcPts val="900"/>
-              </a:spcBef>
-              <a:buSzPct val="100000"/>
-              <a:buChar char="-"/>
-              <a:defRPr sz="2300"/>
-            </a:pPr>
-            <a:r>
-              <a:rPr lang="it-IT" dirty="0"/>
-              <a:t>Simulazioni</a:t>
-            </a:r>
-          </a:p>
-          <a:p>
-            <a:pPr marL="339470" indent="-339470" algn="l" defTabSz="905255">
-              <a:spcBef>
-                <a:spcPts val="900"/>
-              </a:spcBef>
-              <a:buSzPct val="100000"/>
-              <a:buChar char="-"/>
-              <a:defRPr sz="2300"/>
-            </a:pPr>
-            <a:r>
-              <a:rPr lang="it-IT" dirty="0"/>
-              <a:t>Confronto tra algoritmi classici</a:t>
-            </a:r>
-          </a:p>
-          <a:p>
-            <a:pPr marL="339470" indent="-339470" algn="l" defTabSz="905255">
-              <a:spcBef>
-                <a:spcPts val="900"/>
-              </a:spcBef>
-              <a:buSzPct val="100000"/>
-              <a:buChar char="-"/>
-              <a:defRPr sz="2300"/>
-            </a:pPr>
-            <a:r>
-              <a:rPr lang="it-IT" dirty="0"/>
               <a:t>Conclusioni</a:t>
             </a:r>
-            <a:endParaRPr dirty="0"/>
           </a:p>
         </p:txBody>
       </p:sp>
@@ -5378,7 +6724,7 @@
             </a:r>
             <a:r>
               <a:rPr lang="it-IT" b="1" dirty="0"/>
-              <a:t>08</a:t>
+              <a:t>11</a:t>
             </a:r>
             <a:endParaRPr b="1" dirty="0"/>
           </a:p>
@@ -5924,7 +7270,7 @@
             </a:r>
             <a:r>
               <a:rPr lang="it-IT" b="1" dirty="0"/>
-              <a:t>08</a:t>
+              <a:t>11</a:t>
             </a:r>
             <a:endParaRPr b="1" dirty="0"/>
           </a:p>
@@ -6052,6 +7398,60 @@
       </p:grpSpPr>
       <p:sp>
         <p:nvSpPr>
+          <p:cNvPr id="2" name="Titolo 1">
+            <a:extLst>
+              <a:ext uri="{FF2B5EF4-FFF2-40B4-BE49-F238E27FC236}">
+                <a16:creationId xmlns:a16="http://schemas.microsoft.com/office/drawing/2014/main" id="{38DB6EFA-A8B8-425C-BC7B-1BEA82E69E1B}"/>
+              </a:ext>
+            </a:extLst>
+          </p:cNvPr>
+          <p:cNvSpPr>
+            <a:spLocks noGrp="1"/>
+          </p:cNvSpPr>
+          <p:nvPr>
+            <p:ph type="ctrTitle"/>
+          </p:nvPr>
+        </p:nvSpPr>
+        <p:spPr>
+          <a:xfrm>
+            <a:off x="1524000" y="365905"/>
+            <a:ext cx="9144000" cy="614997"/>
+          </a:xfrm>
+        </p:spPr>
+        <p:txBody>
+          <a:bodyPr>
+            <a:noAutofit/>
+          </a:bodyPr>
+          <a:lstStyle/>
+          <a:p>
+            <a:r>
+              <a:rPr lang="it-IT" sz="2000" dirty="0">
+                <a:solidFill>
+                  <a:schemeClr val="bg1"/>
+                </a:solidFill>
+              </a:rPr>
+              <a:t>SIMULATE ANNEALING</a:t>
+            </a:r>
+            <a:br>
+              <a:rPr lang="it-IT" sz="2000" dirty="0">
+                <a:solidFill>
+                  <a:schemeClr val="bg1"/>
+                </a:solidFill>
+              </a:rPr>
+            </a:br>
+            <a:br>
+              <a:rPr lang="it-IT" sz="2000" dirty="0"/>
+            </a:br>
+            <a:endParaRPr lang="it-IT" sz="2000" dirty="0">
+              <a:solidFill>
+                <a:schemeClr val="bg1"/>
+              </a:solidFill>
+            </a:endParaRPr>
+          </a:p>
+        </p:txBody>
+      </p:sp>
+      <p:sp>
+        <p:nvSpPr>
           <p:cNvPr id="4" name="Rettangolo 3">
             <a:extLst>
               <a:ext uri="{FF2B5EF4-FFF2-40B4-BE49-F238E27FC236}">
@@ -6178,161 +7578,17 @@
                   <a:schemeClr val="bg1"/>
                 </a:solidFill>
               </a:rPr>
-              <a:t>Architettura del processore</a:t>
-            </a:r>
-          </a:p>
-        </p:txBody>
-      </p:sp>
-      <p:pic>
-        <p:nvPicPr>
-          <p:cNvPr id="15" name="Immagine 14" descr="Immagine che contiene oggetto&#10;&#10;Descrizione generata con affidabilità molto elevata">
+              <a:t>Tipi di Quantum Computer</a:t>
+            </a:r>
+          </a:p>
+        </p:txBody>
+      </p:sp>
+      <p:sp>
+        <p:nvSpPr>
+          <p:cNvPr id="16" name="Rettangolo 6">
             <a:extLst>
               <a:ext uri="{FF2B5EF4-FFF2-40B4-BE49-F238E27FC236}">
-                <a16:creationId xmlns:a16="http://schemas.microsoft.com/office/drawing/2014/main" id="{47482DDD-17FA-4631-99F0-53A15136EBD6}"/>
-              </a:ext>
-            </a:extLst>
-          </p:cNvPr>
-          <p:cNvPicPr>
-            <a:picLocks noChangeAspect="1"/>
-          </p:cNvPicPr>
-          <p:nvPr/>
-        </p:nvPicPr>
-        <p:blipFill>
-          <a:blip r:embed="rId2">
-            <a:extLst>
-              <a:ext uri="{28A0092B-C50C-407E-A947-70E740481C1C}">
-                <a14:useLocalDpi xmlns:a14="http://schemas.microsoft.com/office/drawing/2010/main" val="0"/>
-              </a:ext>
-            </a:extLst>
-          </a:blip>
-          <a:stretch>
-            <a:fillRect/>
-          </a:stretch>
-        </p:blipFill>
-        <p:spPr>
-          <a:xfrm>
-            <a:off x="8378890" y="751155"/>
-            <a:ext cx="3629608" cy="2368320"/>
-          </a:xfrm>
-          <a:prstGeom prst="rect">
-            <a:avLst/>
-          </a:prstGeom>
-        </p:spPr>
-      </p:pic>
-      <p:pic>
-        <p:nvPicPr>
-          <p:cNvPr id="17" name="Immagine 16" descr="Immagine che contiene oggetto&#10;&#10;Descrizione generata con affidabilità elevata">
-            <a:extLst>
-              <a:ext uri="{FF2B5EF4-FFF2-40B4-BE49-F238E27FC236}">
-                <a16:creationId xmlns:a16="http://schemas.microsoft.com/office/drawing/2014/main" id="{7542F503-E8DE-405C-9149-059CDD80FC61}"/>
-              </a:ext>
-            </a:extLst>
-          </p:cNvPr>
-          <p:cNvPicPr>
-            <a:picLocks noChangeAspect="1"/>
-          </p:cNvPicPr>
-          <p:nvPr/>
-        </p:nvPicPr>
-        <p:blipFill>
-          <a:blip r:embed="rId3">
-            <a:extLst>
-              <a:ext uri="{28A0092B-C50C-407E-A947-70E740481C1C}">
-                <a14:useLocalDpi xmlns:a14="http://schemas.microsoft.com/office/drawing/2010/main" val="0"/>
-              </a:ext>
-            </a:extLst>
-          </a:blip>
-          <a:stretch>
-            <a:fillRect/>
-          </a:stretch>
-        </p:blipFill>
-        <p:spPr>
-          <a:xfrm>
-            <a:off x="8378891" y="3294817"/>
-            <a:ext cx="3629608" cy="2722207"/>
-          </a:xfrm>
-          <a:prstGeom prst="rect">
-            <a:avLst/>
-          </a:prstGeom>
-        </p:spPr>
-      </p:pic>
-      <p:pic>
-        <p:nvPicPr>
-          <p:cNvPr id="21" name="Immagine 20" descr="Immagine che contiene testo, mappa&#10;&#10;Descrizione generata con affidabilità molto elevata">
-            <a:extLst>
-              <a:ext uri="{FF2B5EF4-FFF2-40B4-BE49-F238E27FC236}">
-                <a16:creationId xmlns:a16="http://schemas.microsoft.com/office/drawing/2014/main" id="{AD6DA151-4EAE-4DC1-A1C2-36B3ADC6B377}"/>
-              </a:ext>
-            </a:extLst>
-          </p:cNvPr>
-          <p:cNvPicPr>
-            <a:picLocks noChangeAspect="1"/>
-          </p:cNvPicPr>
-          <p:nvPr/>
-        </p:nvPicPr>
-        <p:blipFill>
-          <a:blip r:embed="rId4">
-            <a:extLst>
-              <a:ext uri="{28A0092B-C50C-407E-A947-70E740481C1C}">
-                <a14:useLocalDpi xmlns:a14="http://schemas.microsoft.com/office/drawing/2010/main" val="0"/>
-              </a:ext>
-            </a:extLst>
-          </a:blip>
-          <a:stretch>
-            <a:fillRect/>
-          </a:stretch>
-        </p:blipFill>
-        <p:spPr>
-          <a:xfrm>
-            <a:off x="2276669" y="2811616"/>
-            <a:ext cx="5932488" cy="3190418"/>
-          </a:xfrm>
-          <a:prstGeom prst="rect">
-            <a:avLst/>
-          </a:prstGeom>
-        </p:spPr>
-      </p:pic>
-      <p:pic>
-        <p:nvPicPr>
-          <p:cNvPr id="13" name="Immagine 12">
-            <a:extLst>
-              <a:ext uri="{FF2B5EF4-FFF2-40B4-BE49-F238E27FC236}">
-                <a16:creationId xmlns:a16="http://schemas.microsoft.com/office/drawing/2014/main" id="{703FCBE0-7E0A-47A5-A633-3AC845DDAA1C}"/>
-              </a:ext>
-            </a:extLst>
-          </p:cNvPr>
-          <p:cNvPicPr>
-            <a:picLocks noChangeAspect="1"/>
-          </p:cNvPicPr>
-          <p:nvPr/>
-        </p:nvPicPr>
-        <p:blipFill>
-          <a:blip r:embed="rId5" cstate="print">
-            <a:extLst>
-              <a:ext uri="{28A0092B-C50C-407E-A947-70E740481C1C}">
-                <a14:useLocalDpi xmlns:a14="http://schemas.microsoft.com/office/drawing/2010/main" val="0"/>
-              </a:ext>
-            </a:extLst>
-          </a:blip>
-          <a:stretch>
-            <a:fillRect/>
-          </a:stretch>
-        </p:blipFill>
-        <p:spPr>
-          <a:xfrm>
-            <a:off x="183501" y="751155"/>
-            <a:ext cx="4061928" cy="3840224"/>
-          </a:xfrm>
-          <a:prstGeom prst="rect">
-            <a:avLst/>
-          </a:prstGeom>
-        </p:spPr>
-      </p:pic>
-      <p:sp>
-        <p:nvSpPr>
-          <p:cNvPr id="22" name="Rettangolo 6">
-            <a:extLst>
-              <a:ext uri="{FF2B5EF4-FFF2-40B4-BE49-F238E27FC236}">
-                <a16:creationId xmlns:a16="http://schemas.microsoft.com/office/drawing/2014/main" id="{774A702E-9072-4231-A457-1F4F490FBFDD}"/>
+                <a16:creationId xmlns:a16="http://schemas.microsoft.com/office/drawing/2014/main" id="{1F4B913B-A722-43EF-8ABB-3BE0E740D9B9}"/>
               </a:ext>
             </a:extLst>
           </p:cNvPr>
@@ -6341,7 +7597,7 @@
         </p:nvSpPr>
         <p:spPr>
           <a:xfrm>
-            <a:off x="0" y="6568750"/>
+            <a:off x="0" y="6568749"/>
             <a:ext cx="12192000" cy="289251"/>
           </a:xfrm>
           <a:prstGeom prst="rect">
@@ -6374,10 +7630,10 @@
       </p:sp>
       <p:sp>
         <p:nvSpPr>
-          <p:cNvPr id="23" name="CasellaDiTesto 7">
+          <p:cNvPr id="17" name="CasellaDiTesto 7">
             <a:extLst>
               <a:ext uri="{FF2B5EF4-FFF2-40B4-BE49-F238E27FC236}">
-                <a16:creationId xmlns:a16="http://schemas.microsoft.com/office/drawing/2014/main" id="{1B21EF43-5F5C-45B7-90D0-D422039593A0}"/>
+                <a16:creationId xmlns:a16="http://schemas.microsoft.com/office/drawing/2014/main" id="{348258FA-96AB-452E-AB64-34CC1D73ECCC}"/>
               </a:ext>
             </a:extLst>
           </p:cNvPr>
@@ -6386,7 +7642,7 @@
         </p:nvSpPr>
         <p:spPr>
           <a:xfrm>
-            <a:off x="11327362" y="6568750"/>
+            <a:off x="11327362" y="6568749"/>
             <a:ext cx="864637" cy="310517"/>
           </a:xfrm>
           <a:prstGeom prst="rect">
@@ -6432,7 +7688,7 @@
             </a:r>
             <a:r>
               <a:rPr lang="it-IT" b="1" dirty="0"/>
-              <a:t>08</a:t>
+              <a:t>11</a:t>
             </a:r>
             <a:endParaRPr b="1" dirty="0"/>
           </a:p>
@@ -6440,10 +7696,10 @@
       </p:sp>
       <p:sp>
         <p:nvSpPr>
-          <p:cNvPr id="24" name="CasellaDiTesto 10">
+          <p:cNvPr id="18" name="CasellaDiTesto 10">
             <a:extLst>
               <a:ext uri="{FF2B5EF4-FFF2-40B4-BE49-F238E27FC236}">
-                <a16:creationId xmlns:a16="http://schemas.microsoft.com/office/drawing/2014/main" id="{A5EF0981-28A3-461A-BD13-F9B03846A8F7}"/>
+                <a16:creationId xmlns:a16="http://schemas.microsoft.com/office/drawing/2014/main" id="{82D718B0-5574-4F62-AD9B-B96701D9837F}"/>
               </a:ext>
             </a:extLst>
           </p:cNvPr>
@@ -6452,7 +7708,7 @@
         </p:nvSpPr>
         <p:spPr>
           <a:xfrm>
-            <a:off x="186612" y="6568750"/>
+            <a:off x="186612" y="6568749"/>
             <a:ext cx="2687217" cy="310517"/>
           </a:xfrm>
           <a:prstGeom prst="rect">
@@ -6492,10 +7748,348 @@
           </a:p>
         </p:txBody>
       </p:sp>
+      <p:pic>
+        <p:nvPicPr>
+          <p:cNvPr id="7" name="Immagine 6">
+            <a:extLst>
+              <a:ext uri="{FF2B5EF4-FFF2-40B4-BE49-F238E27FC236}">
+                <a16:creationId xmlns:a16="http://schemas.microsoft.com/office/drawing/2014/main" id="{6D23706F-ED2D-4AA8-A051-4ED3C8DCDD7A}"/>
+              </a:ext>
+            </a:extLst>
+          </p:cNvPr>
+          <p:cNvPicPr>
+            <a:picLocks noChangeAspect="1"/>
+          </p:cNvPicPr>
+          <p:nvPr/>
+        </p:nvPicPr>
+        <p:blipFill>
+          <a:blip r:embed="rId2" cstate="print">
+            <a:extLst>
+              <a:ext uri="{28A0092B-C50C-407E-A947-70E740481C1C}">
+                <a14:useLocalDpi xmlns:a14="http://schemas.microsoft.com/office/drawing/2010/main" val="0"/>
+              </a:ext>
+            </a:extLst>
+          </a:blip>
+          <a:stretch>
+            <a:fillRect/>
+          </a:stretch>
+        </p:blipFill>
+        <p:spPr>
+          <a:xfrm>
+            <a:off x="8509022" y="1866835"/>
+            <a:ext cx="3323572" cy="2975172"/>
+          </a:xfrm>
+          <a:prstGeom prst="rect">
+            <a:avLst/>
+          </a:prstGeom>
+        </p:spPr>
+      </p:pic>
+      <p:pic>
+        <p:nvPicPr>
+          <p:cNvPr id="9" name="Immagine 8">
+            <a:extLst>
+              <a:ext uri="{FF2B5EF4-FFF2-40B4-BE49-F238E27FC236}">
+                <a16:creationId xmlns:a16="http://schemas.microsoft.com/office/drawing/2014/main" id="{4CE0EB4B-CBDE-486D-9C0F-E310E71758B4}"/>
+              </a:ext>
+            </a:extLst>
+          </p:cNvPr>
+          <p:cNvPicPr>
+            <a:picLocks noChangeAspect="1"/>
+          </p:cNvPicPr>
+          <p:nvPr/>
+        </p:nvPicPr>
+        <p:blipFill>
+          <a:blip r:embed="rId3" cstate="print">
+            <a:extLst>
+              <a:ext uri="{28A0092B-C50C-407E-A947-70E740481C1C}">
+                <a14:useLocalDpi xmlns:a14="http://schemas.microsoft.com/office/drawing/2010/main" val="0"/>
+              </a:ext>
+            </a:extLst>
+          </a:blip>
+          <a:stretch>
+            <a:fillRect/>
+          </a:stretch>
+        </p:blipFill>
+        <p:spPr>
+          <a:xfrm>
+            <a:off x="359408" y="1941414"/>
+            <a:ext cx="3323572" cy="2975172"/>
+          </a:xfrm>
+          <a:prstGeom prst="rect">
+            <a:avLst/>
+          </a:prstGeom>
+        </p:spPr>
+      </p:pic>
+      <p:pic>
+        <p:nvPicPr>
+          <p:cNvPr id="11" name="Immagine 10">
+            <a:extLst>
+              <a:ext uri="{FF2B5EF4-FFF2-40B4-BE49-F238E27FC236}">
+                <a16:creationId xmlns:a16="http://schemas.microsoft.com/office/drawing/2014/main" id="{4C43BD2E-730B-42F6-99A0-87A77DDD6803}"/>
+              </a:ext>
+            </a:extLst>
+          </p:cNvPr>
+          <p:cNvPicPr>
+            <a:picLocks noChangeAspect="1"/>
+          </p:cNvPicPr>
+          <p:nvPr/>
+        </p:nvPicPr>
+        <p:blipFill>
+          <a:blip r:embed="rId4" cstate="print">
+            <a:extLst>
+              <a:ext uri="{28A0092B-C50C-407E-A947-70E740481C1C}">
+                <a14:useLocalDpi xmlns:a14="http://schemas.microsoft.com/office/drawing/2010/main" val="0"/>
+              </a:ext>
+            </a:extLst>
+          </a:blip>
+          <a:stretch>
+            <a:fillRect/>
+          </a:stretch>
+        </p:blipFill>
+        <p:spPr>
+          <a:xfrm>
+            <a:off x="4434215" y="1941414"/>
+            <a:ext cx="3323572" cy="2975172"/>
+          </a:xfrm>
+          <a:prstGeom prst="rect">
+            <a:avLst/>
+          </a:prstGeom>
+        </p:spPr>
+      </p:pic>
+      <p:sp>
+        <p:nvSpPr>
+          <p:cNvPr id="12" name="CasellaDiTesto 11">
+            <a:extLst>
+              <a:ext uri="{FF2B5EF4-FFF2-40B4-BE49-F238E27FC236}">
+                <a16:creationId xmlns:a16="http://schemas.microsoft.com/office/drawing/2014/main" id="{F4BB32BD-0D3E-4287-921E-7AEE8EFFFC3A}"/>
+              </a:ext>
+            </a:extLst>
+          </p:cNvPr>
+          <p:cNvSpPr txBox="1"/>
+          <p:nvPr/>
+        </p:nvSpPr>
+        <p:spPr>
+          <a:xfrm>
+            <a:off x="1031436" y="1463390"/>
+            <a:ext cx="1979516" cy="369332"/>
+          </a:xfrm>
+          <a:prstGeom prst="rect">
+            <a:avLst/>
+          </a:prstGeom>
+          <a:noFill/>
+        </p:spPr>
+        <p:txBody>
+          <a:bodyPr wrap="none" rtlCol="0">
+            <a:spAutoFit/>
+          </a:bodyPr>
+          <a:lstStyle/>
+          <a:p>
+            <a:r>
+              <a:rPr lang="it-IT" dirty="0"/>
+              <a:t>Quantum </a:t>
+            </a:r>
+            <a:r>
+              <a:rPr lang="it-IT" dirty="0" err="1"/>
+              <a:t>Annealer</a:t>
+            </a:r>
+            <a:endParaRPr lang="it-IT" dirty="0"/>
+          </a:p>
+        </p:txBody>
+      </p:sp>
+      <p:sp>
+        <p:nvSpPr>
+          <p:cNvPr id="14" name="CasellaDiTesto 13">
+            <a:extLst>
+              <a:ext uri="{FF2B5EF4-FFF2-40B4-BE49-F238E27FC236}">
+                <a16:creationId xmlns:a16="http://schemas.microsoft.com/office/drawing/2014/main" id="{019920A1-95E3-4D25-A579-43F5F11E1D98}"/>
+              </a:ext>
+            </a:extLst>
+          </p:cNvPr>
+          <p:cNvSpPr txBox="1"/>
+          <p:nvPr/>
+        </p:nvSpPr>
+        <p:spPr>
+          <a:xfrm>
+            <a:off x="5207231" y="1463390"/>
+            <a:ext cx="1777538" cy="369332"/>
+          </a:xfrm>
+          <a:prstGeom prst="rect">
+            <a:avLst/>
+          </a:prstGeom>
+          <a:noFill/>
+        </p:spPr>
+        <p:txBody>
+          <a:bodyPr wrap="none" rtlCol="0">
+            <a:spAutoFit/>
+          </a:bodyPr>
+          <a:lstStyle/>
+          <a:p>
+            <a:r>
+              <a:rPr lang="it-IT" dirty="0" err="1"/>
+              <a:t>Analog</a:t>
+            </a:r>
+            <a:r>
+              <a:rPr lang="it-IT" dirty="0"/>
+              <a:t> Quantum</a:t>
+            </a:r>
+          </a:p>
+        </p:txBody>
+      </p:sp>
+      <p:sp>
+        <p:nvSpPr>
+          <p:cNvPr id="15" name="CasellaDiTesto 14">
+            <a:extLst>
+              <a:ext uri="{FF2B5EF4-FFF2-40B4-BE49-F238E27FC236}">
+                <a16:creationId xmlns:a16="http://schemas.microsoft.com/office/drawing/2014/main" id="{412D8349-85CC-4412-A0E6-831C90DEE747}"/>
+              </a:ext>
+            </a:extLst>
+          </p:cNvPr>
+          <p:cNvSpPr txBox="1"/>
+          <p:nvPr/>
+        </p:nvSpPr>
+        <p:spPr>
+          <a:xfrm>
+            <a:off x="9195023" y="1463390"/>
+            <a:ext cx="1997342" cy="369332"/>
+          </a:xfrm>
+          <a:prstGeom prst="rect">
+            <a:avLst/>
+          </a:prstGeom>
+          <a:noFill/>
+        </p:spPr>
+        <p:txBody>
+          <a:bodyPr wrap="none" rtlCol="0">
+            <a:spAutoFit/>
+          </a:bodyPr>
+          <a:lstStyle/>
+          <a:p>
+            <a:r>
+              <a:rPr lang="it-IT" dirty="0"/>
+              <a:t>Universal Quantum</a:t>
+            </a:r>
+          </a:p>
+        </p:txBody>
+      </p:sp>
+      <p:sp>
+        <p:nvSpPr>
+          <p:cNvPr id="19" name="CasellaDiTesto 18">
+            <a:extLst>
+              <a:ext uri="{FF2B5EF4-FFF2-40B4-BE49-F238E27FC236}">
+                <a16:creationId xmlns:a16="http://schemas.microsoft.com/office/drawing/2014/main" id="{4AF9C6D9-08E4-4673-AC2B-B74145CBCE33}"/>
+              </a:ext>
+            </a:extLst>
+          </p:cNvPr>
+          <p:cNvSpPr txBox="1"/>
+          <p:nvPr/>
+        </p:nvSpPr>
+        <p:spPr>
+          <a:xfrm>
+            <a:off x="1341488" y="5025278"/>
+            <a:ext cx="1359411" cy="646331"/>
+          </a:xfrm>
+          <a:prstGeom prst="rect">
+            <a:avLst/>
+          </a:prstGeom>
+          <a:noFill/>
+        </p:spPr>
+        <p:txBody>
+          <a:bodyPr wrap="none" rtlCol="0">
+            <a:spAutoFit/>
+          </a:bodyPr>
+          <a:lstStyle/>
+          <a:p>
+            <a:r>
+              <a:rPr lang="it-IT" dirty="0"/>
+              <a:t>D-</a:t>
+            </a:r>
+            <a:r>
+              <a:rPr lang="it-IT" dirty="0" err="1"/>
+              <a:t>Wave</a:t>
+            </a:r>
+            <a:r>
+              <a:rPr lang="it-IT" dirty="0"/>
+              <a:t> One</a:t>
+            </a:r>
+          </a:p>
+          <a:p>
+            <a:r>
+              <a:rPr lang="it-IT" dirty="0"/>
+              <a:t>D-</a:t>
+            </a:r>
+            <a:r>
+              <a:rPr lang="it-IT" dirty="0" err="1"/>
+              <a:t>Wave</a:t>
+            </a:r>
+            <a:r>
+              <a:rPr lang="it-IT" dirty="0"/>
+              <a:t> </a:t>
+            </a:r>
+            <a:r>
+              <a:rPr lang="it-IT" dirty="0" err="1"/>
+              <a:t>Two</a:t>
+            </a:r>
+            <a:endParaRPr lang="it-IT" dirty="0"/>
+          </a:p>
+        </p:txBody>
+      </p:sp>
+      <p:sp>
+        <p:nvSpPr>
+          <p:cNvPr id="21" name="Rettangolo 20">
+            <a:extLst>
+              <a:ext uri="{FF2B5EF4-FFF2-40B4-BE49-F238E27FC236}">
+                <a16:creationId xmlns:a16="http://schemas.microsoft.com/office/drawing/2014/main" id="{FA586D32-A06C-491C-84DD-18D4EF2B78BE}"/>
+              </a:ext>
+            </a:extLst>
+          </p:cNvPr>
+          <p:cNvSpPr/>
+          <p:nvPr/>
+        </p:nvSpPr>
+        <p:spPr>
+          <a:xfrm>
+            <a:off x="287814" y="1169377"/>
+            <a:ext cx="3481575" cy="4826977"/>
+          </a:xfrm>
+          <a:prstGeom prst="rect">
+            <a:avLst/>
+          </a:prstGeom>
+          <a:noFill/>
+          <a:ln w="38100" cap="flat" cmpd="sng" algn="ctr">
+            <a:solidFill>
+              <a:srgbClr val="C00000"/>
+            </a:solidFill>
+            <a:prstDash val="solid"/>
+            <a:round/>
+            <a:headEnd type="none" w="med" len="med"/>
+            <a:tailEnd type="none" w="med" len="med"/>
+          </a:ln>
+        </p:spPr>
+        <p:style>
+          <a:lnRef idx="0">
+            <a:scrgbClr r="0" g="0" b="0"/>
+          </a:lnRef>
+          <a:fillRef idx="0">
+            <a:scrgbClr r="0" g="0" b="0"/>
+          </a:fillRef>
+          <a:effectRef idx="0">
+            <a:scrgbClr r="0" g="0" b="0"/>
+          </a:effectRef>
+          <a:fontRef idx="minor">
+            <a:schemeClr val="accent2"/>
+          </a:fontRef>
+        </p:style>
+        <p:txBody>
+          <a:bodyPr rtlCol="0" anchor="ctr"/>
+          <a:lstStyle/>
+          <a:p>
+            <a:pPr algn="ctr"/>
+            <a:endParaRPr lang="it-IT"/>
+          </a:p>
+        </p:txBody>
+      </p:sp>
     </p:spTree>
     <p:extLst>
       <p:ext uri="{BB962C8B-B14F-4D97-AF65-F5344CB8AC3E}">
-        <p14:creationId xmlns:p14="http://schemas.microsoft.com/office/powerpoint/2010/main" val="1232025761"/>
+        <p14:creationId xmlns:p14="http://schemas.microsoft.com/office/powerpoint/2010/main" val="2755453822"/>
       </p:ext>
     </p:extLst>
   </p:cSld>
@@ -6650,30 +8244,17 @@
                   <a:schemeClr val="bg1"/>
                 </a:solidFill>
               </a:rPr>
-              <a:t>Quantum </a:t>
-            </a:r>
-            <a:r>
-              <a:rPr lang="it-IT" b="1" dirty="0" err="1">
-                <a:solidFill>
-                  <a:schemeClr val="bg1"/>
-                </a:solidFill>
-              </a:rPr>
-              <a:t>Annealing</a:t>
-            </a:r>
-            <a:endParaRPr lang="it-IT" b="1" dirty="0">
-              <a:solidFill>
-                <a:schemeClr val="bg1"/>
-              </a:solidFill>
-            </a:endParaRPr>
+              <a:t>Architettura del processore</a:t>
+            </a:r>
           </a:p>
         </p:txBody>
       </p:sp>
       <p:pic>
         <p:nvPicPr>
-          <p:cNvPr id="20" name="Immagine 19" descr="Immagine che contiene oggetto, orologio&#10;&#10;Descrizione generata con affidabilità molto elevata">
+          <p:cNvPr id="15" name="Immagine 14" descr="Immagine che contiene oggetto&#10;&#10;Descrizione generata con affidabilità molto elevata">
             <a:extLst>
               <a:ext uri="{FF2B5EF4-FFF2-40B4-BE49-F238E27FC236}">
-                <a16:creationId xmlns:a16="http://schemas.microsoft.com/office/drawing/2014/main" id="{0E376F24-DBCB-452C-8D01-11B4838BBE65}"/>
+                <a16:creationId xmlns:a16="http://schemas.microsoft.com/office/drawing/2014/main" id="{47482DDD-17FA-4631-99F0-53A15136EBD6}"/>
               </a:ext>
             </a:extLst>
           </p:cNvPr>
@@ -6696,8 +8277,8 @@
         </p:blipFill>
         <p:spPr>
           <a:xfrm>
-            <a:off x="5378074" y="3508498"/>
-            <a:ext cx="5905867" cy="1624276"/>
+            <a:off x="8378890" y="751155"/>
+            <a:ext cx="3629608" cy="2368320"/>
           </a:xfrm>
           <a:prstGeom prst="rect">
             <a:avLst/>
@@ -6706,10 +8287,10 @@
       </p:pic>
       <p:pic>
         <p:nvPicPr>
-          <p:cNvPr id="22" name="Immagine 21" descr="Immagine che contiene oggetto, orologio&#10;&#10;Descrizione generata con affidabilità elevata">
+          <p:cNvPr id="17" name="Immagine 16" descr="Immagine che contiene oggetto&#10;&#10;Descrizione generata con affidabilità elevata">
             <a:extLst>
               <a:ext uri="{FF2B5EF4-FFF2-40B4-BE49-F238E27FC236}">
-                <a16:creationId xmlns:a16="http://schemas.microsoft.com/office/drawing/2014/main" id="{01174495-82A3-46A5-BE50-6C1B1712816E}"/>
+                <a16:creationId xmlns:a16="http://schemas.microsoft.com/office/drawing/2014/main" id="{7542F503-E8DE-405C-9149-059CDD80FC61}"/>
               </a:ext>
             </a:extLst>
           </p:cNvPr>
@@ -6732,20 +8313,92 @@
         </p:blipFill>
         <p:spPr>
           <a:xfrm>
-            <a:off x="5271774" y="5057560"/>
-            <a:ext cx="6029751" cy="1489563"/>
+            <a:off x="8378891" y="3294817"/>
+            <a:ext cx="3629608" cy="2722207"/>
           </a:xfrm>
           <a:prstGeom prst="rect">
             <a:avLst/>
           </a:prstGeom>
         </p:spPr>
       </p:pic>
-      <p:sp>
-        <p:nvSpPr>
-          <p:cNvPr id="23" name="Rettangolo 6">
+      <p:pic>
+        <p:nvPicPr>
+          <p:cNvPr id="21" name="Immagine 20" descr="Immagine che contiene testo, mappa&#10;&#10;Descrizione generata con affidabilità molto elevata">
             <a:extLst>
               <a:ext uri="{FF2B5EF4-FFF2-40B4-BE49-F238E27FC236}">
-                <a16:creationId xmlns:a16="http://schemas.microsoft.com/office/drawing/2014/main" id="{1104211F-43A4-46A8-842F-DC6B4D74EB01}"/>
+                <a16:creationId xmlns:a16="http://schemas.microsoft.com/office/drawing/2014/main" id="{AD6DA151-4EAE-4DC1-A1C2-36B3ADC6B377}"/>
+              </a:ext>
+            </a:extLst>
+          </p:cNvPr>
+          <p:cNvPicPr>
+            <a:picLocks noChangeAspect="1"/>
+          </p:cNvPicPr>
+          <p:nvPr/>
+        </p:nvPicPr>
+        <p:blipFill>
+          <a:blip r:embed="rId4">
+            <a:extLst>
+              <a:ext uri="{28A0092B-C50C-407E-A947-70E740481C1C}">
+                <a14:useLocalDpi xmlns:a14="http://schemas.microsoft.com/office/drawing/2010/main" val="0"/>
+              </a:ext>
+            </a:extLst>
+          </a:blip>
+          <a:stretch>
+            <a:fillRect/>
+          </a:stretch>
+        </p:blipFill>
+        <p:spPr>
+          <a:xfrm>
+            <a:off x="2276669" y="2811616"/>
+            <a:ext cx="5932488" cy="3190418"/>
+          </a:xfrm>
+          <a:prstGeom prst="rect">
+            <a:avLst/>
+          </a:prstGeom>
+        </p:spPr>
+      </p:pic>
+      <p:pic>
+        <p:nvPicPr>
+          <p:cNvPr id="13" name="Immagine 12">
+            <a:extLst>
+              <a:ext uri="{FF2B5EF4-FFF2-40B4-BE49-F238E27FC236}">
+                <a16:creationId xmlns:a16="http://schemas.microsoft.com/office/drawing/2014/main" id="{703FCBE0-7E0A-47A5-A633-3AC845DDAA1C}"/>
+              </a:ext>
+            </a:extLst>
+          </p:cNvPr>
+          <p:cNvPicPr>
+            <a:picLocks noChangeAspect="1"/>
+          </p:cNvPicPr>
+          <p:nvPr/>
+        </p:nvPicPr>
+        <p:blipFill>
+          <a:blip r:embed="rId5" cstate="print">
+            <a:extLst>
+              <a:ext uri="{28A0092B-C50C-407E-A947-70E740481C1C}">
+                <a14:useLocalDpi xmlns:a14="http://schemas.microsoft.com/office/drawing/2010/main" val="0"/>
+              </a:ext>
+            </a:extLst>
+          </a:blip>
+          <a:stretch>
+            <a:fillRect/>
+          </a:stretch>
+        </p:blipFill>
+        <p:spPr>
+          <a:xfrm>
+            <a:off x="183501" y="751155"/>
+            <a:ext cx="4061928" cy="3840224"/>
+          </a:xfrm>
+          <a:prstGeom prst="rect">
+            <a:avLst/>
+          </a:prstGeom>
+        </p:spPr>
+      </p:pic>
+      <p:sp>
+        <p:nvSpPr>
+          <p:cNvPr id="22" name="Rettangolo 6">
+            <a:extLst>
+              <a:ext uri="{FF2B5EF4-FFF2-40B4-BE49-F238E27FC236}">
+                <a16:creationId xmlns:a16="http://schemas.microsoft.com/office/drawing/2014/main" id="{774A702E-9072-4231-A457-1F4F490FBFDD}"/>
               </a:ext>
             </a:extLst>
           </p:cNvPr>
@@ -6787,10 +8440,10 @@
       </p:sp>
       <p:sp>
         <p:nvSpPr>
-          <p:cNvPr id="24" name="CasellaDiTesto 7">
+          <p:cNvPr id="23" name="CasellaDiTesto 7">
             <a:extLst>
               <a:ext uri="{FF2B5EF4-FFF2-40B4-BE49-F238E27FC236}">
-                <a16:creationId xmlns:a16="http://schemas.microsoft.com/office/drawing/2014/main" id="{33CB3899-619F-491F-A20A-0D4F355DDC8C}"/>
+                <a16:creationId xmlns:a16="http://schemas.microsoft.com/office/drawing/2014/main" id="{1B21EF43-5F5C-45B7-90D0-D422039593A0}"/>
               </a:ext>
             </a:extLst>
           </p:cNvPr>
@@ -6845,7 +8498,7 @@
             </a:r>
             <a:r>
               <a:rPr lang="it-IT" b="1" dirty="0"/>
-              <a:t>08</a:t>
+              <a:t>11</a:t>
             </a:r>
             <a:endParaRPr b="1" dirty="0"/>
           </a:p>
@@ -6853,10 +8506,10 @@
       </p:sp>
       <p:sp>
         <p:nvSpPr>
-          <p:cNvPr id="25" name="CasellaDiTesto 10">
+          <p:cNvPr id="24" name="CasellaDiTesto 10">
             <a:extLst>
               <a:ext uri="{FF2B5EF4-FFF2-40B4-BE49-F238E27FC236}">
-                <a16:creationId xmlns:a16="http://schemas.microsoft.com/office/drawing/2014/main" id="{1B945A4A-49F4-4028-82E6-3159B2460CCF}"/>
+                <a16:creationId xmlns:a16="http://schemas.microsoft.com/office/drawing/2014/main" id="{A5EF0981-28A3-461A-BD13-F9B03846A8F7}"/>
               </a:ext>
             </a:extLst>
           </p:cNvPr>
@@ -6905,6 +8558,334 @@
           </a:p>
         </p:txBody>
       </p:sp>
+    </p:spTree>
+    <p:extLst>
+      <p:ext uri="{BB962C8B-B14F-4D97-AF65-F5344CB8AC3E}">
+        <p14:creationId xmlns:p14="http://schemas.microsoft.com/office/powerpoint/2010/main" val="1232025761"/>
+      </p:ext>
+    </p:extLst>
+  </p:cSld>
+  <p:clrMapOvr>
+    <a:masterClrMapping/>
+  </p:clrMapOvr>
+</p:sld>
+</file>
+
+<file path=ppt/slides/slide6.xml><?xml version="1.0" encoding="utf-8"?>
+<p:sld xmlns:a="http://schemas.openxmlformats.org/drawingml/2006/main" xmlns:r="http://schemas.openxmlformats.org/officeDocument/2006/relationships" xmlns:p="http://schemas.openxmlformats.org/presentationml/2006/main">
+  <p:cSld>
+    <p:spTree>
+      <p:nvGrpSpPr>
+        <p:cNvPr id="1" name=""/>
+        <p:cNvGrpSpPr/>
+        <p:nvPr/>
+      </p:nvGrpSpPr>
+      <p:grpSpPr>
+        <a:xfrm>
+          <a:off x="0" y="0"/>
+          <a:ext cx="0" cy="0"/>
+          <a:chOff x="0" y="0"/>
+          <a:chExt cx="0" cy="0"/>
+        </a:xfrm>
+      </p:grpSpPr>
+      <p:sp>
+        <p:nvSpPr>
+          <p:cNvPr id="4" name="Rettangolo 3">
+            <a:extLst>
+              <a:ext uri="{FF2B5EF4-FFF2-40B4-BE49-F238E27FC236}">
+                <a16:creationId xmlns:a16="http://schemas.microsoft.com/office/drawing/2014/main" id="{0046B770-249D-4C15-AEC3-3A8C8E322FF4}"/>
+              </a:ext>
+            </a:extLst>
+          </p:cNvPr>
+          <p:cNvSpPr/>
+          <p:nvPr/>
+        </p:nvSpPr>
+        <p:spPr>
+          <a:xfrm>
+            <a:off x="0" y="0"/>
+            <a:ext cx="12192000" cy="531845"/>
+          </a:xfrm>
+          <a:prstGeom prst="rect">
+            <a:avLst/>
+          </a:prstGeom>
+          <a:solidFill>
+            <a:srgbClr val="C00000"/>
+          </a:solidFill>
+          <a:ln>
+            <a:solidFill>
+              <a:srgbClr val="C00000"/>
+            </a:solidFill>
+          </a:ln>
+        </p:spPr>
+        <p:style>
+          <a:lnRef idx="2">
+            <a:schemeClr val="accent1">
+              <a:shade val="50000"/>
+            </a:schemeClr>
+          </a:lnRef>
+          <a:fillRef idx="1">
+            <a:schemeClr val="accent1"/>
+          </a:fillRef>
+          <a:effectRef idx="0">
+            <a:schemeClr val="accent1"/>
+          </a:effectRef>
+          <a:fontRef idx="minor">
+            <a:schemeClr val="lt1"/>
+          </a:fontRef>
+        </p:style>
+        <p:txBody>
+          <a:bodyPr rtlCol="0" anchor="ctr"/>
+          <a:lstStyle/>
+          <a:p>
+            <a:pPr algn="ctr"/>
+            <a:endParaRPr lang="it-IT" sz="3200" dirty="0"/>
+          </a:p>
+        </p:txBody>
+      </p:sp>
+      <p:sp>
+        <p:nvSpPr>
+          <p:cNvPr id="5" name="CasellaDiTesto 4">
+            <a:extLst>
+              <a:ext uri="{FF2B5EF4-FFF2-40B4-BE49-F238E27FC236}">
+                <a16:creationId xmlns:a16="http://schemas.microsoft.com/office/drawing/2014/main" id="{55F0C18B-2ED8-4736-8D94-DACCEABC58D2}"/>
+              </a:ext>
+            </a:extLst>
+          </p:cNvPr>
+          <p:cNvSpPr txBox="1"/>
+          <p:nvPr/>
+        </p:nvSpPr>
+        <p:spPr>
+          <a:xfrm>
+            <a:off x="307910" y="102637"/>
+            <a:ext cx="3937519" cy="369332"/>
+          </a:xfrm>
+          <a:prstGeom prst="rect">
+            <a:avLst/>
+          </a:prstGeom>
+          <a:noFill/>
+        </p:spPr>
+        <p:txBody>
+          <a:bodyPr wrap="square" rtlCol="0">
+            <a:spAutoFit/>
+          </a:bodyPr>
+          <a:lstStyle/>
+          <a:p>
+            <a:r>
+              <a:rPr lang="it-IT" dirty="0">
+                <a:solidFill>
+                  <a:schemeClr val="bg1"/>
+                </a:solidFill>
+              </a:rPr>
+              <a:t>QUANTUM ANNEALER</a:t>
+            </a:r>
+          </a:p>
+        </p:txBody>
+      </p:sp>
+      <p:sp>
+        <p:nvSpPr>
+          <p:cNvPr id="6" name="CasellaDiTesto 5">
+            <a:extLst>
+              <a:ext uri="{FF2B5EF4-FFF2-40B4-BE49-F238E27FC236}">
+                <a16:creationId xmlns:a16="http://schemas.microsoft.com/office/drawing/2014/main" id="{B7485521-EE32-4184-8669-49BB837AC1C6}"/>
+              </a:ext>
+            </a:extLst>
+          </p:cNvPr>
+          <p:cNvSpPr txBox="1"/>
+          <p:nvPr/>
+        </p:nvSpPr>
+        <p:spPr>
+          <a:xfrm>
+            <a:off x="8378890" y="70838"/>
+            <a:ext cx="3629608" cy="369332"/>
+          </a:xfrm>
+          <a:prstGeom prst="rect">
+            <a:avLst/>
+          </a:prstGeom>
+          <a:noFill/>
+        </p:spPr>
+        <p:txBody>
+          <a:bodyPr wrap="square" rtlCol="0">
+            <a:spAutoFit/>
+          </a:bodyPr>
+          <a:lstStyle/>
+          <a:p>
+            <a:pPr algn="r"/>
+            <a:r>
+              <a:rPr lang="it-IT" b="1" dirty="0">
+                <a:solidFill>
+                  <a:schemeClr val="bg1"/>
+                </a:solidFill>
+              </a:rPr>
+              <a:t>Computer Adiabatico</a:t>
+            </a:r>
+          </a:p>
+        </p:txBody>
+      </p:sp>
+      <p:sp>
+        <p:nvSpPr>
+          <p:cNvPr id="23" name="Rettangolo 6">
+            <a:extLst>
+              <a:ext uri="{FF2B5EF4-FFF2-40B4-BE49-F238E27FC236}">
+                <a16:creationId xmlns:a16="http://schemas.microsoft.com/office/drawing/2014/main" id="{1104211F-43A4-46A8-842F-DC6B4D74EB01}"/>
+              </a:ext>
+            </a:extLst>
+          </p:cNvPr>
+          <p:cNvSpPr/>
+          <p:nvPr/>
+        </p:nvSpPr>
+        <p:spPr>
+          <a:xfrm>
+            <a:off x="0" y="6568750"/>
+            <a:ext cx="12192000" cy="289251"/>
+          </a:xfrm>
+          <a:prstGeom prst="rect">
+            <a:avLst/>
+          </a:prstGeom>
+          <a:solidFill>
+            <a:srgbClr val="C00000"/>
+          </a:solidFill>
+          <a:ln w="12700">
+            <a:solidFill>
+              <a:srgbClr val="C00000"/>
+            </a:solidFill>
+            <a:miter/>
+          </a:ln>
+        </p:spPr>
+        <p:txBody>
+          <a:bodyPr lIns="45718" tIns="45718" rIns="45718" bIns="45718" anchor="ctr"/>
+          <a:lstStyle/>
+          <a:p>
+            <a:pPr algn="ctr">
+              <a:defRPr>
+                <a:solidFill>
+                  <a:srgbClr val="FFFFFF"/>
+                </a:solidFill>
+              </a:defRPr>
+            </a:pPr>
+            <a:endParaRPr/>
+          </a:p>
+        </p:txBody>
+      </p:sp>
+      <p:sp>
+        <p:nvSpPr>
+          <p:cNvPr id="24" name="CasellaDiTesto 7">
+            <a:extLst>
+              <a:ext uri="{FF2B5EF4-FFF2-40B4-BE49-F238E27FC236}">
+                <a16:creationId xmlns:a16="http://schemas.microsoft.com/office/drawing/2014/main" id="{33CB3899-619F-491F-A20A-0D4F355DDC8C}"/>
+              </a:ext>
+            </a:extLst>
+          </p:cNvPr>
+          <p:cNvSpPr txBox="1"/>
+          <p:nvPr/>
+        </p:nvSpPr>
+        <p:spPr>
+          <a:xfrm>
+            <a:off x="11327362" y="6568750"/>
+            <a:ext cx="864637" cy="310517"/>
+          </a:xfrm>
+          <a:prstGeom prst="rect">
+            <a:avLst/>
+          </a:prstGeom>
+          <a:ln w="12700">
+            <a:miter lim="400000"/>
+          </a:ln>
+          <a:extLst>
+            <a:ext uri="{C572A759-6A51-4108-AA02-DFA0A04FC94B}">
+              <ma14:wrappingTextBoxFlag xmlns:ma14="http://schemas.microsoft.com/office/mac/drawingml/2011/main" xmlns="" val="1"/>
+            </a:ext>
+          </a:extLst>
+        </p:spPr>
+        <p:txBody>
+          <a:bodyPr lIns="45718" tIns="45718" rIns="45718" bIns="45718">
+            <a:normAutofit/>
+          </a:bodyPr>
+          <a:lstStyle>
+            <a:lvl1pPr defTabSz="868680">
+              <a:lnSpc>
+                <a:spcPct val="80000"/>
+              </a:lnSpc>
+              <a:defRPr sz="1400">
+                <a:solidFill>
+                  <a:srgbClr val="FFFFFF"/>
+                </a:solidFill>
+              </a:defRPr>
+            </a:lvl1pPr>
+          </a:lstStyle>
+          <a:p>
+            <a:r>
+              <a:rPr b="1" dirty="0"/>
+              <a:t>0</a:t>
+            </a:r>
+            <a:r>
+              <a:rPr lang="it-IT" b="1" dirty="0"/>
+              <a:t>5</a:t>
+            </a:r>
+            <a:r>
+              <a:rPr b="1" dirty="0"/>
+              <a:t>/</a:t>
+            </a:r>
+            <a:r>
+              <a:rPr lang="it-IT" b="1" dirty="0"/>
+              <a:t>11</a:t>
+            </a:r>
+            <a:endParaRPr b="1" dirty="0"/>
+          </a:p>
+        </p:txBody>
+      </p:sp>
+      <p:sp>
+        <p:nvSpPr>
+          <p:cNvPr id="25" name="CasellaDiTesto 10">
+            <a:extLst>
+              <a:ext uri="{FF2B5EF4-FFF2-40B4-BE49-F238E27FC236}">
+                <a16:creationId xmlns:a16="http://schemas.microsoft.com/office/drawing/2014/main" id="{1B945A4A-49F4-4028-82E6-3159B2460CCF}"/>
+              </a:ext>
+            </a:extLst>
+          </p:cNvPr>
+          <p:cNvSpPr txBox="1"/>
+          <p:nvPr/>
+        </p:nvSpPr>
+        <p:spPr>
+          <a:xfrm>
+            <a:off x="186612" y="6568750"/>
+            <a:ext cx="2687217" cy="310517"/>
+          </a:xfrm>
+          <a:prstGeom prst="rect">
+            <a:avLst/>
+          </a:prstGeom>
+          <a:ln w="12700">
+            <a:miter lim="400000"/>
+          </a:ln>
+          <a:extLst>
+            <a:ext uri="{C572A759-6A51-4108-AA02-DFA0A04FC94B}">
+              <ma14:wrappingTextBoxFlag xmlns:ma14="http://schemas.microsoft.com/office/mac/drawingml/2011/main" xmlns="" val="1"/>
+            </a:ext>
+          </a:extLst>
+        </p:spPr>
+        <p:txBody>
+          <a:bodyPr lIns="45718" tIns="45718" rIns="45718" bIns="45718">
+            <a:normAutofit/>
+          </a:bodyPr>
+          <a:lstStyle>
+            <a:lvl1pPr defTabSz="868680">
+              <a:lnSpc>
+                <a:spcPct val="80000"/>
+              </a:lnSpc>
+              <a:defRPr sz="1400">
+                <a:solidFill>
+                  <a:srgbClr val="FFFFFF"/>
+                </a:solidFill>
+              </a:defRPr>
+            </a:lvl1pPr>
+          </a:lstStyle>
+          <a:p>
+            <a:r>
+              <a:rPr lang="it-IT" b="1" dirty="0"/>
+              <a:t>Federico Berra</a:t>
+            </a:r>
+            <a:endParaRPr b="1" dirty="0"/>
+          </a:p>
+        </p:txBody>
+      </p:sp>
       <p:pic>
         <p:nvPicPr>
           <p:cNvPr id="27" name="Immagine 26" descr="Immagine che contiene testo, mappa&#10;&#10;Descrizione generata con affidabilità molto elevata">
@@ -6920,7 +8901,7 @@
           <p:nvPr/>
         </p:nvPicPr>
         <p:blipFill>
-          <a:blip r:embed="rId4" cstate="print">
+          <a:blip r:embed="rId2" cstate="print">
             <a:extLst>
               <a:ext uri="{28A0092B-C50C-407E-A947-70E740481C1C}">
                 <a14:useLocalDpi xmlns:a14="http://schemas.microsoft.com/office/drawing/2010/main" val="0"/>
@@ -6933,685 +8914,58 @@
         </p:blipFill>
         <p:spPr>
           <a:xfrm>
-            <a:off x="646528" y="3818160"/>
-            <a:ext cx="3005195" cy="2440115"/>
+            <a:off x="307910" y="1467060"/>
+            <a:ext cx="4638477" cy="3766284"/>
           </a:xfrm>
           <a:prstGeom prst="rect">
             <a:avLst/>
           </a:prstGeom>
         </p:spPr>
       </p:pic>
-      <p:grpSp>
-        <p:nvGrpSpPr>
-          <p:cNvPr id="2" name="Gruppo 1">
+      <p:pic>
+        <p:nvPicPr>
+          <p:cNvPr id="9" name="Immagine 8" descr="Immagine che contiene oggetto, arredamento&#10;&#10;Descrizione generata con affidabilità elevata">
             <a:extLst>
               <a:ext uri="{FF2B5EF4-FFF2-40B4-BE49-F238E27FC236}">
-                <a16:creationId xmlns:a16="http://schemas.microsoft.com/office/drawing/2014/main" id="{18AA04A9-B6F5-48A7-BF50-85E58B8CBD7C}"/>
+                <a16:creationId xmlns:a16="http://schemas.microsoft.com/office/drawing/2014/main" id="{9206D48C-2B42-4883-A6AC-A210FE30486F}"/>
               </a:ext>
             </a:extLst>
           </p:cNvPr>
-          <p:cNvGrpSpPr/>
+          <p:cNvPicPr>
+            <a:picLocks noChangeAspect="1"/>
+          </p:cNvPicPr>
           <p:nvPr/>
-        </p:nvGrpSpPr>
-        <p:grpSpPr>
-          <a:xfrm>
-            <a:off x="6543233" y="669460"/>
-            <a:ext cx="4291463" cy="2409046"/>
-            <a:chOff x="7132318" y="1111970"/>
-            <a:chExt cx="4291463" cy="2409046"/>
-          </a:xfrm>
-        </p:grpSpPr>
-        <p:grpSp>
-          <p:nvGrpSpPr>
-            <p:cNvPr id="13" name="Gruppo 17">
-              <a:extLst>
-                <a:ext uri="{FF2B5EF4-FFF2-40B4-BE49-F238E27FC236}">
-                  <a16:creationId xmlns:a16="http://schemas.microsoft.com/office/drawing/2014/main" id="{A14D8490-AC03-4A5B-B55F-BE4F9D58F4F6}"/>
-                </a:ext>
-              </a:extLst>
-            </p:cNvPr>
-            <p:cNvGrpSpPr/>
-            <p:nvPr/>
-          </p:nvGrpSpPr>
-          <p:grpSpPr>
-            <a:xfrm>
-              <a:off x="7677615" y="1111970"/>
-              <a:ext cx="3531504" cy="2409046"/>
-              <a:chOff x="0" y="-3"/>
-              <a:chExt cx="3531503" cy="2409044"/>
-            </a:xfrm>
-          </p:grpSpPr>
+        </p:nvPicPr>
+        <p:blipFill>
+          <a:blip r:embed="rId3">
+            <a:extLst>
+              <a:ext uri="{28A0092B-C50C-407E-A947-70E740481C1C}">
+                <a14:useLocalDpi xmlns:a14="http://schemas.microsoft.com/office/drawing/2010/main" val="0"/>
+              </a:ext>
+            </a:extLst>
+          </a:blip>
+          <a:stretch>
+            <a:fillRect/>
+          </a:stretch>
+        </p:blipFill>
+        <p:spPr>
+          <a:xfrm>
+            <a:off x="5776390" y="3320093"/>
+            <a:ext cx="3980560" cy="682635"/>
+          </a:xfrm>
+          <a:prstGeom prst="rect">
+            <a:avLst/>
+          </a:prstGeom>
+        </p:spPr>
+      </p:pic>
+      <mc:AlternateContent xmlns:mc="http://schemas.openxmlformats.org/markup-compatibility/2006" xmlns:a14="http://schemas.microsoft.com/office/drawing/2010/main">
+        <mc:Choice Requires="a14">
           <p:sp>
             <p:nvSpPr>
-              <p:cNvPr id="14" name="Connettore 2 2">
+              <p:cNvPr id="10" name="CasellaDiTesto 9">
                 <a:extLst>
                   <a:ext uri="{FF2B5EF4-FFF2-40B4-BE49-F238E27FC236}">
-                    <a16:creationId xmlns:a16="http://schemas.microsoft.com/office/drawing/2014/main" id="{A11CC2DA-5881-46CA-8071-BCE6129F1309}"/>
-                  </a:ext>
-                </a:extLst>
-              </p:cNvPr>
-              <p:cNvSpPr/>
-              <p:nvPr/>
-            </p:nvSpPr>
-            <p:spPr>
-              <a:xfrm flipV="1">
-                <a:off x="352479" y="624988"/>
-                <a:ext cx="2" cy="1784054"/>
-              </a:xfrm>
-              <a:prstGeom prst="line">
-                <a:avLst/>
-              </a:prstGeom>
-              <a:noFill/>
-              <a:ln w="76200" cap="flat">
-                <a:solidFill>
-                  <a:srgbClr val="0070C0"/>
-                </a:solidFill>
-                <a:prstDash val="solid"/>
-                <a:miter lim="800000"/>
-                <a:tailEnd type="triangle" w="med" len="med"/>
-              </a:ln>
-              <a:effectLst/>
-            </p:spPr>
-            <p:txBody>
-              <a:bodyPr wrap="square" lIns="45718" tIns="45718" rIns="45718" bIns="45718" numCol="1" anchor="t">
-                <a:noAutofit/>
-              </a:bodyPr>
-              <a:lstStyle/>
-              <a:p>
-                <a:endParaRPr/>
-              </a:p>
-            </p:txBody>
-          </p:sp>
-          <p:grpSp>
-            <p:nvGrpSpPr>
-              <p:cNvPr id="16" name="Gruppo 30">
-                <a:extLst>
-                  <a:ext uri="{FF2B5EF4-FFF2-40B4-BE49-F238E27FC236}">
-                    <a16:creationId xmlns:a16="http://schemas.microsoft.com/office/drawing/2014/main" id="{00C812E0-DA56-4FCA-BA5B-E42DB93430D6}"/>
-                  </a:ext>
-                </a:extLst>
-              </p:cNvPr>
-              <p:cNvGrpSpPr/>
-              <p:nvPr/>
-            </p:nvGrpSpPr>
-            <p:grpSpPr>
-              <a:xfrm>
-                <a:off x="0" y="-4"/>
-                <a:ext cx="3531504" cy="738670"/>
-                <a:chOff x="0" y="-2"/>
-                <a:chExt cx="3531503" cy="738669"/>
-              </a:xfrm>
-            </p:grpSpPr>
-            <p:grpSp>
-              <p:nvGrpSpPr>
-                <p:cNvPr id="18" name="CasellaDiTesto 19">
-                  <a:extLst>
-                    <a:ext uri="{FF2B5EF4-FFF2-40B4-BE49-F238E27FC236}">
-                      <a16:creationId xmlns:a16="http://schemas.microsoft.com/office/drawing/2014/main" id="{388A56CC-F393-4453-9D20-5C0A5D9BDA20}"/>
-                    </a:ext>
-                  </a:extLst>
-                </p:cNvPr>
-                <p:cNvGrpSpPr/>
-                <p:nvPr/>
-              </p:nvGrpSpPr>
-              <p:grpSpPr>
-                <a:xfrm>
-                  <a:off x="-1" y="-3"/>
-                  <a:ext cx="753478" cy="738670"/>
-                  <a:chOff x="0" y="0"/>
-                  <a:chExt cx="753477" cy="738669"/>
-                </a:xfrm>
-              </p:grpSpPr>
-              <p:sp>
-                <p:nvSpPr>
-                  <p:cNvPr id="28" name="Rettangolo">
-                    <a:extLst>
-                      <a:ext uri="{FF2B5EF4-FFF2-40B4-BE49-F238E27FC236}">
-                        <a16:creationId xmlns:a16="http://schemas.microsoft.com/office/drawing/2014/main" id="{0C159E9A-9932-46C9-BC8B-BAAEE403257A}"/>
-                      </a:ext>
-                    </a:extLst>
-                  </p:cNvPr>
-                  <p:cNvSpPr/>
-                  <p:nvPr/>
-                </p:nvSpPr>
-                <p:spPr>
-                  <a:xfrm>
-                    <a:off x="-1" y="-1"/>
-                    <a:ext cx="753479" cy="738670"/>
-                  </a:xfrm>
-                  <a:prstGeom prst="rect">
-                    <a:avLst/>
-                  </a:prstGeom>
-                  <a:blipFill rotWithShape="1">
-                    <a:blip r:embed="rId5"/>
-                    <a:srcRect/>
-                    <a:stretch>
-                      <a:fillRect/>
-                    </a:stretch>
-                  </a:blipFill>
-                  <a:ln w="12700" cap="flat">
-                    <a:noFill/>
-                    <a:miter lim="400000"/>
-                  </a:ln>
-                  <a:effectLst/>
-                </p:spPr>
-                <p:txBody>
-                  <a:bodyPr wrap="square" lIns="45718" tIns="45718" rIns="45718" bIns="45718" numCol="1" anchor="t">
-                    <a:noAutofit/>
-                  </a:bodyPr>
-                  <a:lstStyle/>
-                  <a:p>
-                    <a:endParaRPr/>
-                  </a:p>
-                </p:txBody>
-              </p:sp>
-              <p:sp>
-                <p:nvSpPr>
-                  <p:cNvPr id="29" name="Testo">
-                    <a:extLst>
-                      <a:ext uri="{FF2B5EF4-FFF2-40B4-BE49-F238E27FC236}">
-                        <a16:creationId xmlns:a16="http://schemas.microsoft.com/office/drawing/2014/main" id="{F23EED54-9ADC-47AA-9051-7DAA39BE48DC}"/>
-                      </a:ext>
-                    </a:extLst>
-                  </p:cNvPr>
-                  <p:cNvSpPr txBox="1"/>
-                  <p:nvPr/>
-                </p:nvSpPr>
-                <p:spPr>
-                  <a:xfrm>
-                    <a:off x="-1" y="-1"/>
-                    <a:ext cx="753479" cy="358139"/>
-                  </a:xfrm>
-                  <a:prstGeom prst="rect">
-                    <a:avLst/>
-                  </a:prstGeom>
-                  <a:noFill/>
-                  <a:ln w="12700" cap="flat">
-                    <a:noFill/>
-                    <a:miter lim="400000"/>
-                  </a:ln>
-                  <a:effectLst/>
-                  <a:extLst>
-                    <a:ext uri="{C572A759-6A51-4108-AA02-DFA0A04FC94B}">
-                      <ma14:wrappingTextBoxFlag xmlns:ma14="http://schemas.microsoft.com/office/mac/drawingml/2011/main" xmlns="" val="1"/>
-                    </a:ext>
-                  </a:extLst>
-                </p:spPr>
-                <p:txBody>
-                  <a:bodyPr wrap="square" lIns="45718" tIns="45718" rIns="45718" bIns="45718" numCol="1" anchor="t">
-                    <a:spAutoFit/>
-                  </a:bodyPr>
-                  <a:lstStyle/>
-                  <a:p>
-                    <a:r>
-                      <a:t> </a:t>
-                    </a:r>
-                  </a:p>
-                </p:txBody>
-              </p:sp>
-            </p:grpSp>
-            <p:grpSp>
-              <p:nvGrpSpPr>
-                <p:cNvPr id="19" name="CasellaDiTesto 20">
-                  <a:extLst>
-                    <a:ext uri="{FF2B5EF4-FFF2-40B4-BE49-F238E27FC236}">
-                      <a16:creationId xmlns:a16="http://schemas.microsoft.com/office/drawing/2014/main" id="{432248F3-83DC-40D1-951A-61486092FEA0}"/>
-                    </a:ext>
-                  </a:extLst>
-                </p:cNvPr>
-                <p:cNvGrpSpPr/>
-                <p:nvPr/>
-              </p:nvGrpSpPr>
-              <p:grpSpPr>
-                <a:xfrm>
-                  <a:off x="2763790" y="-3"/>
-                  <a:ext cx="767714" cy="738670"/>
-                  <a:chOff x="0" y="0"/>
-                  <a:chExt cx="767712" cy="738669"/>
-                </a:xfrm>
-              </p:grpSpPr>
-              <p:sp>
-                <p:nvSpPr>
-                  <p:cNvPr id="21" name="Rettangolo">
-                    <a:extLst>
-                      <a:ext uri="{FF2B5EF4-FFF2-40B4-BE49-F238E27FC236}">
-                        <a16:creationId xmlns:a16="http://schemas.microsoft.com/office/drawing/2014/main" id="{E2569AD1-8C0F-4B0A-BF10-75549415F19A}"/>
-                      </a:ext>
-                    </a:extLst>
-                  </p:cNvPr>
-                  <p:cNvSpPr/>
-                  <p:nvPr/>
-                </p:nvSpPr>
-                <p:spPr>
-                  <a:xfrm>
-                    <a:off x="-1" y="-1"/>
-                    <a:ext cx="767713" cy="738670"/>
-                  </a:xfrm>
-                  <a:prstGeom prst="rect">
-                    <a:avLst/>
-                  </a:prstGeom>
-                  <a:blipFill rotWithShape="1">
-                    <a:blip r:embed="rId6"/>
-                    <a:srcRect/>
-                    <a:stretch>
-                      <a:fillRect/>
-                    </a:stretch>
-                  </a:blipFill>
-                  <a:ln w="12700" cap="flat">
-                    <a:noFill/>
-                    <a:miter lim="400000"/>
-                  </a:ln>
-                  <a:effectLst/>
-                </p:spPr>
-                <p:txBody>
-                  <a:bodyPr wrap="square" lIns="45718" tIns="45718" rIns="45718" bIns="45718" numCol="1" anchor="t">
-                    <a:noAutofit/>
-                  </a:bodyPr>
-                  <a:lstStyle/>
-                  <a:p>
-                    <a:endParaRPr/>
-                  </a:p>
-                </p:txBody>
-              </p:sp>
-              <p:sp>
-                <p:nvSpPr>
-                  <p:cNvPr id="26" name="Testo">
-                    <a:extLst>
-                      <a:ext uri="{FF2B5EF4-FFF2-40B4-BE49-F238E27FC236}">
-                        <a16:creationId xmlns:a16="http://schemas.microsoft.com/office/drawing/2014/main" id="{1D4BBF05-0334-4B12-8823-69630A4ABA3A}"/>
-                      </a:ext>
-                    </a:extLst>
-                  </p:cNvPr>
-                  <p:cNvSpPr txBox="1"/>
-                  <p:nvPr/>
-                </p:nvSpPr>
-                <p:spPr>
-                  <a:xfrm>
-                    <a:off x="-1" y="-1"/>
-                    <a:ext cx="767713" cy="358139"/>
-                  </a:xfrm>
-                  <a:prstGeom prst="rect">
-                    <a:avLst/>
-                  </a:prstGeom>
-                  <a:noFill/>
-                  <a:ln w="12700" cap="flat">
-                    <a:noFill/>
-                    <a:miter lim="400000"/>
-                  </a:ln>
-                  <a:effectLst/>
-                  <a:extLst>
-                    <a:ext uri="{C572A759-6A51-4108-AA02-DFA0A04FC94B}">
-                      <ma14:wrappingTextBoxFlag xmlns:ma14="http://schemas.microsoft.com/office/mac/drawingml/2011/main" xmlns="" val="1"/>
-                    </a:ext>
-                  </a:extLst>
-                </p:spPr>
-                <p:txBody>
-                  <a:bodyPr wrap="square" lIns="45718" tIns="45718" rIns="45718" bIns="45718" numCol="1" anchor="t">
-                    <a:spAutoFit/>
-                  </a:bodyPr>
-                  <a:lstStyle/>
-                  <a:p>
-                    <a:r>
-                      <a:t> </a:t>
-                    </a:r>
-                  </a:p>
-                </p:txBody>
-              </p:sp>
-            </p:grpSp>
-          </p:grpSp>
-        </p:grpSp>
-        <p:grpSp>
-          <p:nvGrpSpPr>
-            <p:cNvPr id="30" name="Gruppo 29">
-              <a:extLst>
-                <a:ext uri="{FF2B5EF4-FFF2-40B4-BE49-F238E27FC236}">
-                  <a16:creationId xmlns:a16="http://schemas.microsoft.com/office/drawing/2014/main" id="{0FE80718-A418-485F-8548-545E589ED780}"/>
-                </a:ext>
-              </a:extLst>
-            </p:cNvPr>
-            <p:cNvGrpSpPr/>
-            <p:nvPr/>
-          </p:nvGrpSpPr>
-          <p:grpSpPr>
-            <a:xfrm>
-              <a:off x="7455837" y="2063674"/>
-              <a:ext cx="3967944" cy="1197035"/>
-              <a:chOff x="0" y="0"/>
-              <a:chExt cx="3967943" cy="1197034"/>
-            </a:xfrm>
-          </p:grpSpPr>
-          <p:grpSp>
-            <p:nvGrpSpPr>
-              <p:cNvPr id="31" name="Ovale 8">
-                <a:extLst>
-                  <a:ext uri="{FF2B5EF4-FFF2-40B4-BE49-F238E27FC236}">
-                    <a16:creationId xmlns:a16="http://schemas.microsoft.com/office/drawing/2014/main" id="{AB3B1D8A-943A-4983-B7B7-512CE410737C}"/>
-                  </a:ext>
-                </a:extLst>
-              </p:cNvPr>
-              <p:cNvGrpSpPr/>
-              <p:nvPr/>
-            </p:nvGrpSpPr>
-            <p:grpSpPr>
-              <a:xfrm>
-                <a:off x="0" y="-1"/>
-                <a:ext cx="1197035" cy="1197035"/>
-                <a:chOff x="0" y="0"/>
-                <a:chExt cx="1197033" cy="1197034"/>
-              </a:xfrm>
-            </p:grpSpPr>
-            <p:sp>
-              <p:nvSpPr>
-                <p:cNvPr id="36" name="Cerchio">
-                  <a:extLst>
-                    <a:ext uri="{FF2B5EF4-FFF2-40B4-BE49-F238E27FC236}">
-                      <a16:creationId xmlns:a16="http://schemas.microsoft.com/office/drawing/2014/main" id="{B052208A-1255-48B2-8E0A-B94069D4DFE7}"/>
-                    </a:ext>
-                  </a:extLst>
-                </p:cNvPr>
-                <p:cNvSpPr/>
-                <p:nvPr/>
-              </p:nvSpPr>
-              <p:spPr>
-                <a:xfrm>
-                  <a:off x="0" y="0"/>
-                  <a:ext cx="1197034" cy="1197035"/>
-                </a:xfrm>
-                <a:prstGeom prst="ellipse">
-                  <a:avLst/>
-                </a:prstGeom>
-                <a:blipFill rotWithShape="1">
-                  <a:blip r:embed="rId7"/>
-                  <a:srcRect/>
-                  <a:stretch>
-                    <a:fillRect/>
-                  </a:stretch>
-                </a:blipFill>
-                <a:ln w="47625" cap="flat">
-                  <a:solidFill>
-                    <a:srgbClr val="000000"/>
-                  </a:solidFill>
-                  <a:prstDash val="solid"/>
-                  <a:round/>
-                </a:ln>
-                <a:effectLst/>
-              </p:spPr>
-              <p:txBody>
-                <a:bodyPr wrap="square" lIns="45718" tIns="45718" rIns="45718" bIns="45718" numCol="1" anchor="t">
-                  <a:noAutofit/>
-                </a:bodyPr>
-                <a:lstStyle/>
-                <a:p>
-                  <a:endParaRPr/>
-                </a:p>
-              </p:txBody>
-            </p:sp>
-            <p:sp>
-              <p:nvSpPr>
-                <p:cNvPr id="37" name="Testo">
-                  <a:extLst>
-                    <a:ext uri="{FF2B5EF4-FFF2-40B4-BE49-F238E27FC236}">
-                      <a16:creationId xmlns:a16="http://schemas.microsoft.com/office/drawing/2014/main" id="{B295EC3B-4733-41DC-B0D7-3CE162AF7700}"/>
-                    </a:ext>
-                  </a:extLst>
-                </p:cNvPr>
-                <p:cNvSpPr txBox="1"/>
-                <p:nvPr/>
-              </p:nvSpPr>
-              <p:spPr>
-                <a:xfrm>
-                  <a:off x="175300" y="175300"/>
-                  <a:ext cx="846434" cy="358139"/>
-                </a:xfrm>
-                <a:prstGeom prst="rect">
-                  <a:avLst/>
-                </a:prstGeom>
-                <a:noFill/>
-                <a:ln w="12700" cap="flat">
-                  <a:noFill/>
-                  <a:miter lim="400000"/>
-                </a:ln>
-                <a:effectLst/>
-                <a:extLst>
-                  <a:ext uri="{C572A759-6A51-4108-AA02-DFA0A04FC94B}">
-                    <ma14:wrappingTextBoxFlag xmlns:ma14="http://schemas.microsoft.com/office/mac/drawingml/2011/main" xmlns="" val="1"/>
-                  </a:ext>
-                </a:extLst>
-              </p:spPr>
-              <p:txBody>
-                <a:bodyPr wrap="square" lIns="45718" tIns="45718" rIns="45718" bIns="45718" numCol="1" anchor="t">
-                  <a:spAutoFit/>
-                </a:bodyPr>
-                <a:lstStyle/>
-                <a:p>
-                  <a:r>
-                    <a:t> </a:t>
-                  </a:r>
-                </a:p>
-              </p:txBody>
-            </p:sp>
-          </p:grpSp>
-          <p:grpSp>
-            <p:nvGrpSpPr>
-              <p:cNvPr id="32" name="Ovale 11">
-                <a:extLst>
-                  <a:ext uri="{FF2B5EF4-FFF2-40B4-BE49-F238E27FC236}">
-                    <a16:creationId xmlns:a16="http://schemas.microsoft.com/office/drawing/2014/main" id="{17D22BD5-1717-4D21-BE63-A74CEB709137}"/>
-                  </a:ext>
-                </a:extLst>
-              </p:cNvPr>
-              <p:cNvGrpSpPr/>
-              <p:nvPr/>
-            </p:nvGrpSpPr>
-            <p:grpSpPr>
-              <a:xfrm>
-                <a:off x="2770909" y="-1"/>
-                <a:ext cx="1197035" cy="1197035"/>
-                <a:chOff x="0" y="0"/>
-                <a:chExt cx="1197033" cy="1197034"/>
-              </a:xfrm>
-            </p:grpSpPr>
-            <p:sp>
-              <p:nvSpPr>
-                <p:cNvPr id="34" name="Cerchio">
-                  <a:extLst>
-                    <a:ext uri="{FF2B5EF4-FFF2-40B4-BE49-F238E27FC236}">
-                      <a16:creationId xmlns:a16="http://schemas.microsoft.com/office/drawing/2014/main" id="{FE6D36C5-EA67-41A1-A88B-63F7E65D696F}"/>
-                    </a:ext>
-                  </a:extLst>
-                </p:cNvPr>
-                <p:cNvSpPr/>
-                <p:nvPr/>
-              </p:nvSpPr>
-              <p:spPr>
-                <a:xfrm>
-                  <a:off x="0" y="0"/>
-                  <a:ext cx="1197034" cy="1197035"/>
-                </a:xfrm>
-                <a:prstGeom prst="ellipse">
-                  <a:avLst/>
-                </a:prstGeom>
-                <a:blipFill rotWithShape="1">
-                  <a:blip r:embed="rId8"/>
-                  <a:srcRect/>
-                  <a:stretch>
-                    <a:fillRect/>
-                  </a:stretch>
-                </a:blipFill>
-                <a:ln w="47625" cap="flat">
-                  <a:solidFill>
-                    <a:srgbClr val="000000"/>
-                  </a:solidFill>
-                  <a:prstDash val="solid"/>
-                  <a:round/>
-                </a:ln>
-                <a:effectLst/>
-              </p:spPr>
-              <p:txBody>
-                <a:bodyPr wrap="square" lIns="45718" tIns="45718" rIns="45718" bIns="45718" numCol="1" anchor="t">
-                  <a:noAutofit/>
-                </a:bodyPr>
-                <a:lstStyle/>
-                <a:p>
-                  <a:endParaRPr/>
-                </a:p>
-              </p:txBody>
-            </p:sp>
-            <p:sp>
-              <p:nvSpPr>
-                <p:cNvPr id="35" name="Testo">
-                  <a:extLst>
-                    <a:ext uri="{FF2B5EF4-FFF2-40B4-BE49-F238E27FC236}">
-                      <a16:creationId xmlns:a16="http://schemas.microsoft.com/office/drawing/2014/main" id="{61BDB688-7A0E-4CD9-A51A-9506C4B23D7A}"/>
-                    </a:ext>
-                  </a:extLst>
-                </p:cNvPr>
-                <p:cNvSpPr txBox="1"/>
-                <p:nvPr/>
-              </p:nvSpPr>
-              <p:spPr>
-                <a:xfrm>
-                  <a:off x="175300" y="175300"/>
-                  <a:ext cx="846434" cy="358139"/>
-                </a:xfrm>
-                <a:prstGeom prst="rect">
-                  <a:avLst/>
-                </a:prstGeom>
-                <a:noFill/>
-                <a:ln w="12700" cap="flat">
-                  <a:noFill/>
-                  <a:miter lim="400000"/>
-                </a:ln>
-                <a:effectLst/>
-                <a:extLst>
-                  <a:ext uri="{C572A759-6A51-4108-AA02-DFA0A04FC94B}">
-                    <ma14:wrappingTextBoxFlag xmlns:ma14="http://schemas.microsoft.com/office/mac/drawingml/2011/main" xmlns="" val="1"/>
-                  </a:ext>
-                </a:extLst>
-              </p:spPr>
-              <p:txBody>
-                <a:bodyPr wrap="square" lIns="45718" tIns="45718" rIns="45718" bIns="45718" numCol="1" anchor="t">
-                  <a:spAutoFit/>
-                </a:bodyPr>
-                <a:lstStyle/>
-                <a:p>
-                  <a:r>
-                    <a:t> </a:t>
-                  </a:r>
-                </a:p>
-              </p:txBody>
-            </p:sp>
-          </p:grpSp>
-          <p:sp>
-            <p:nvSpPr>
-              <p:cNvPr id="33" name="Connettore diritto 14">
-                <a:extLst>
-                  <a:ext uri="{FF2B5EF4-FFF2-40B4-BE49-F238E27FC236}">
-                    <a16:creationId xmlns:a16="http://schemas.microsoft.com/office/drawing/2014/main" id="{010679E6-5667-4D04-830F-C1CCC1BD5A52}"/>
-                  </a:ext>
-                </a:extLst>
-              </p:cNvPr>
-              <p:cNvSpPr/>
-              <p:nvPr/>
-            </p:nvSpPr>
-            <p:spPr>
-              <a:xfrm>
-                <a:off x="1197032" y="598515"/>
-                <a:ext cx="1573879" cy="2"/>
-              </a:xfrm>
-              <a:prstGeom prst="line">
-                <a:avLst/>
-              </a:prstGeom>
-              <a:noFill/>
-              <a:ln w="47625" cap="flat">
-                <a:solidFill>
-                  <a:srgbClr val="000000"/>
-                </a:solidFill>
-                <a:prstDash val="solid"/>
-                <a:miter lim="800000"/>
-              </a:ln>
-              <a:effectLst/>
-            </p:spPr>
-            <p:txBody>
-              <a:bodyPr wrap="square" lIns="45718" tIns="45718" rIns="45718" bIns="45718" numCol="1" anchor="t">
-                <a:noAutofit/>
-              </a:bodyPr>
-              <a:lstStyle/>
-              <a:p>
-                <a:endParaRPr/>
-              </a:p>
-            </p:txBody>
-          </p:sp>
-        </p:grpSp>
-        <p:grpSp>
-          <p:nvGrpSpPr>
-            <p:cNvPr id="38" name="CasellaDiTesto 18">
-              <a:extLst>
-                <a:ext uri="{FF2B5EF4-FFF2-40B4-BE49-F238E27FC236}">
-                  <a16:creationId xmlns:a16="http://schemas.microsoft.com/office/drawing/2014/main" id="{DAD2C405-5852-45F3-989F-711823ADB7CC}"/>
-                </a:ext>
-              </a:extLst>
-            </p:cNvPr>
-            <p:cNvGrpSpPr/>
-            <p:nvPr/>
-          </p:nvGrpSpPr>
-          <p:grpSpPr>
-            <a:xfrm>
-              <a:off x="8781600" y="1736961"/>
-              <a:ext cx="1309401" cy="738668"/>
-              <a:chOff x="-1" y="0"/>
-              <a:chExt cx="1309400" cy="738666"/>
-            </a:xfrm>
-          </p:grpSpPr>
-          <p:sp>
-            <p:nvSpPr>
-              <p:cNvPr id="39" name="Rettangolo">
-                <a:extLst>
-                  <a:ext uri="{FF2B5EF4-FFF2-40B4-BE49-F238E27FC236}">
-                    <a16:creationId xmlns:a16="http://schemas.microsoft.com/office/drawing/2014/main" id="{DA3ECE19-ADC8-4B65-9F8A-0F859E0DEAB0}"/>
-                  </a:ext>
-                </a:extLst>
-              </p:cNvPr>
-              <p:cNvSpPr/>
-              <p:nvPr/>
-            </p:nvSpPr>
-            <p:spPr>
-              <a:xfrm>
-                <a:off x="-2" y="-1"/>
-                <a:ext cx="1309401" cy="738667"/>
-              </a:xfrm>
-              <a:prstGeom prst="rect">
-                <a:avLst/>
-              </a:prstGeom>
-              <a:blipFill rotWithShape="1">
-                <a:blip r:embed="rId9"/>
-                <a:srcRect/>
-                <a:stretch>
-                  <a:fillRect/>
-                </a:stretch>
-              </a:blipFill>
-              <a:ln w="12700" cap="flat">
-                <a:noFill/>
-                <a:miter lim="400000"/>
-              </a:ln>
-              <a:effectLst/>
-            </p:spPr>
-            <p:txBody>
-              <a:bodyPr wrap="square" lIns="45718" tIns="45718" rIns="45718" bIns="45718" numCol="1" anchor="t">
-                <a:noAutofit/>
-              </a:bodyPr>
-              <a:lstStyle/>
-              <a:p>
-                <a:endParaRPr/>
-              </a:p>
-            </p:txBody>
-          </p:sp>
-          <p:sp>
-            <p:nvSpPr>
-              <p:cNvPr id="40" name="Testo">
-                <a:extLst>
-                  <a:ext uri="{FF2B5EF4-FFF2-40B4-BE49-F238E27FC236}">
-                    <a16:creationId xmlns:a16="http://schemas.microsoft.com/office/drawing/2014/main" id="{A6F940BB-8F7D-492A-9236-FBC0D99E9B2C}"/>
+                    <a16:creationId xmlns:a16="http://schemas.microsoft.com/office/drawing/2014/main" id="{036E9C05-90FB-4CEC-9A48-054444C1E9B7}"/>
                   </a:ext>
                 </a:extLst>
               </p:cNvPr>
@@ -7620,75 +8974,657 @@
             </p:nvSpPr>
             <p:spPr>
               <a:xfrm>
-                <a:off x="-2" y="-1"/>
-                <a:ext cx="1309401" cy="358139"/>
+                <a:off x="5776389" y="1824905"/>
+                <a:ext cx="2479140" cy="584775"/>
               </a:xfrm>
               <a:prstGeom prst="rect">
                 <a:avLst/>
               </a:prstGeom>
               <a:noFill/>
-              <a:ln w="12700" cap="flat">
-                <a:noFill/>
-                <a:miter lim="400000"/>
-              </a:ln>
-              <a:effectLst/>
-              <a:extLst>
-                <a:ext uri="{C572A759-6A51-4108-AA02-DFA0A04FC94B}">
-                  <ma14:wrappingTextBoxFlag xmlns:ma14="http://schemas.microsoft.com/office/mac/drawingml/2011/main" xmlns="" val="1"/>
-                </a:ext>
-              </a:extLst>
             </p:spPr>
             <p:txBody>
-              <a:bodyPr wrap="square" lIns="45718" tIns="45718" rIns="45718" bIns="45718" numCol="1" anchor="t">
+              <a:bodyPr wrap="none" rtlCol="0">
                 <a:spAutoFit/>
               </a:bodyPr>
               <a:lstStyle/>
               <a:p>
+                <a:pPr/>
+                <a14:m>
+                  <m:oMathPara xmlns:m="http://schemas.openxmlformats.org/officeDocument/2006/math">
+                    <m:oMathParaPr>
+                      <m:jc m:val="centerGroup"/>
+                    </m:oMathParaPr>
+                    <m:oMath xmlns:m="http://schemas.openxmlformats.org/officeDocument/2006/math">
+                      <m:sSub>
+                        <m:sSubPr>
+                          <m:ctrlPr>
+                            <a:rPr lang="it-IT" sz="3200" i="1" smtClean="0">
+                              <a:latin typeface="Cambria Math" panose="02040503050406030204" pitchFamily="18" charset="0"/>
+                            </a:rPr>
+                          </m:ctrlPr>
+                        </m:sSubPr>
+                        <m:e>
+                          <m:r>
+                            <a:rPr lang="it-IT" sz="3200" b="0" i="1" smtClean="0">
+                              <a:latin typeface="Cambria Math" panose="02040503050406030204" pitchFamily="18" charset="0"/>
+                            </a:rPr>
+                            <m:t>𝐻</m:t>
+                          </m:r>
+                        </m:e>
+                        <m:sub>
+                          <m:r>
+                            <a:rPr lang="it-IT" sz="3200" b="0" i="1" smtClean="0">
+                              <a:latin typeface="Cambria Math" panose="02040503050406030204" pitchFamily="18" charset="0"/>
+                            </a:rPr>
+                            <m:t>1</m:t>
+                          </m:r>
+                        </m:sub>
+                      </m:sSub>
+                      <m:r>
+                        <a:rPr lang="it-IT" sz="3200" b="0" i="1" smtClean="0">
+                          <a:latin typeface="Cambria Math" panose="02040503050406030204" pitchFamily="18" charset="0"/>
+                        </a:rPr>
+                        <m:t> </m:t>
+                      </m:r>
+                      <m:r>
+                        <a:rPr lang="it-IT" sz="3200" b="0" i="1" smtClean="0">
+                          <a:latin typeface="Cambria Math" panose="02040503050406030204" pitchFamily="18" charset="0"/>
+                        </a:rPr>
+                        <m:t>𝑆𝑒𝑚𝑝𝑙𝑖𝑐𝑒</m:t>
+                      </m:r>
+                    </m:oMath>
+                  </m:oMathPara>
+                </a14:m>
+                <a:endParaRPr lang="it-IT" sz="3200" dirty="0"/>
+              </a:p>
+            </p:txBody>
+          </p:sp>
+        </mc:Choice>
+        <mc:Fallback xmlns="">
+          <p:sp>
+            <p:nvSpPr>
+              <p:cNvPr id="10" name="CasellaDiTesto 9">
+                <a:extLst>
+                  <a:ext uri="{FF2B5EF4-FFF2-40B4-BE49-F238E27FC236}">
+                    <a16:creationId xmlns:a16="http://schemas.microsoft.com/office/drawing/2014/main" id="{036E9C05-90FB-4CEC-9A48-054444C1E9B7}"/>
+                  </a:ext>
+                </a:extLst>
+              </p:cNvPr>
+              <p:cNvSpPr txBox="1">
+                <a:spLocks noRot="1" noChangeAspect="1" noMove="1" noResize="1" noEditPoints="1" noAdjustHandles="1" noChangeArrowheads="1" noChangeShapeType="1" noTextEdit="1"/>
+              </p:cNvSpPr>
+              <p:nvPr/>
+            </p:nvSpPr>
+            <p:spPr>
+              <a:xfrm>
+                <a:off x="5776389" y="1824905"/>
+                <a:ext cx="2479140" cy="584775"/>
+              </a:xfrm>
+              <a:prstGeom prst="rect">
+                <a:avLst/>
+              </a:prstGeom>
+              <a:blipFill>
+                <a:blip r:embed="rId4"/>
+                <a:stretch>
+                  <a:fillRect/>
+                </a:stretch>
+              </a:blipFill>
+            </p:spPr>
+            <p:txBody>
+              <a:bodyPr/>
+              <a:lstStyle/>
+              <a:p>
                 <a:r>
+                  <a:rPr lang="it-IT">
+                    <a:noFill/>
+                  </a:rPr>
                   <a:t> </a:t>
                 </a:r>
               </a:p>
             </p:txBody>
           </p:sp>
-        </p:grpSp>
-        <p:sp>
-          <p:nvSpPr>
-            <p:cNvPr id="41" name="Connettore 2 16">
-              <a:extLst>
-                <a:ext uri="{FF2B5EF4-FFF2-40B4-BE49-F238E27FC236}">
-                  <a16:creationId xmlns:a16="http://schemas.microsoft.com/office/drawing/2014/main" id="{BE73C4CE-18B1-475B-A77B-A8BB9AA6D80D}"/>
-                </a:ext>
-              </a:extLst>
-            </p:cNvPr>
-            <p:cNvSpPr/>
-            <p:nvPr/>
-          </p:nvSpPr>
-          <p:spPr>
-            <a:xfrm>
-              <a:off x="7132318" y="2271491"/>
-              <a:ext cx="2" cy="781398"/>
-            </a:xfrm>
-            <a:prstGeom prst="line">
-              <a:avLst/>
-            </a:prstGeom>
-            <a:ln w="76200">
+        </mc:Fallback>
+      </mc:AlternateContent>
+      <mc:AlternateContent xmlns:mc="http://schemas.openxmlformats.org/markup-compatibility/2006" xmlns:a14="http://schemas.microsoft.com/office/drawing/2010/main">
+        <mc:Choice Requires="a14">
+          <p:sp>
+            <p:nvSpPr>
+              <p:cNvPr id="52" name="CasellaDiTesto 51">
+                <a:extLst>
+                  <a:ext uri="{FF2B5EF4-FFF2-40B4-BE49-F238E27FC236}">
+                    <a16:creationId xmlns:a16="http://schemas.microsoft.com/office/drawing/2014/main" id="{92234ACE-CC10-42D9-9634-E3795F26EDFD}"/>
+                  </a:ext>
+                </a:extLst>
+              </p:cNvPr>
+              <p:cNvSpPr txBox="1"/>
+              <p:nvPr/>
+            </p:nvSpPr>
+            <p:spPr>
+              <a:xfrm>
+                <a:off x="5712749" y="2572499"/>
+                <a:ext cx="2488630" cy="584775"/>
+              </a:xfrm>
+              <a:prstGeom prst="rect">
+                <a:avLst/>
+              </a:prstGeom>
+              <a:noFill/>
+            </p:spPr>
+            <p:txBody>
+              <a:bodyPr wrap="none" rtlCol="0">
+                <a:spAutoFit/>
+              </a:bodyPr>
+              <a:lstStyle/>
+              <a:p>
+                <a:pPr/>
+                <a14:m>
+                  <m:oMathPara xmlns:m="http://schemas.openxmlformats.org/officeDocument/2006/math">
+                    <m:oMathParaPr>
+                      <m:jc m:val="centerGroup"/>
+                    </m:oMathParaPr>
+                    <m:oMath xmlns:m="http://schemas.openxmlformats.org/officeDocument/2006/math">
+                      <m:sSub>
+                        <m:sSubPr>
+                          <m:ctrlPr>
+                            <a:rPr lang="it-IT" sz="3200" i="1" smtClean="0">
+                              <a:latin typeface="Cambria Math" panose="02040503050406030204" pitchFamily="18" charset="0"/>
+                            </a:rPr>
+                          </m:ctrlPr>
+                        </m:sSubPr>
+                        <m:e>
+                          <m:r>
+                            <a:rPr lang="it-IT" sz="3200" b="0" i="1" smtClean="0">
+                              <a:latin typeface="Cambria Math" panose="02040503050406030204" pitchFamily="18" charset="0"/>
+                            </a:rPr>
+                            <m:t>𝐻</m:t>
+                          </m:r>
+                        </m:e>
+                        <m:sub>
+                          <m:r>
+                            <a:rPr lang="it-IT" sz="3200" b="0" i="1" smtClean="0">
+                              <a:latin typeface="Cambria Math" panose="02040503050406030204" pitchFamily="18" charset="0"/>
+                            </a:rPr>
+                            <m:t>2</m:t>
+                          </m:r>
+                        </m:sub>
+                      </m:sSub>
+                      <m:r>
+                        <a:rPr lang="it-IT" sz="3200" b="0" i="1" smtClean="0">
+                          <a:latin typeface="Cambria Math" panose="02040503050406030204" pitchFamily="18" charset="0"/>
+                        </a:rPr>
+                        <m:t> </m:t>
+                      </m:r>
+                      <m:r>
+                        <a:rPr lang="it-IT" sz="3200" b="0" i="1" smtClean="0">
+                          <a:latin typeface="Cambria Math" panose="02040503050406030204" pitchFamily="18" charset="0"/>
+                        </a:rPr>
+                        <m:t>𝐷𝑖𝑓𝑓𝑖𝑐𝑖𝑙𝑒</m:t>
+                      </m:r>
+                    </m:oMath>
+                  </m:oMathPara>
+                </a14:m>
+                <a:endParaRPr lang="it-IT" sz="3200" dirty="0"/>
+              </a:p>
+            </p:txBody>
+          </p:sp>
+        </mc:Choice>
+        <mc:Fallback xmlns="">
+          <p:sp>
+            <p:nvSpPr>
+              <p:cNvPr id="52" name="CasellaDiTesto 51">
+                <a:extLst>
+                  <a:ext uri="{FF2B5EF4-FFF2-40B4-BE49-F238E27FC236}">
+                    <a16:creationId xmlns:a16="http://schemas.microsoft.com/office/drawing/2014/main" id="{92234ACE-CC10-42D9-9634-E3795F26EDFD}"/>
+                  </a:ext>
+                </a:extLst>
+              </p:cNvPr>
+              <p:cNvSpPr txBox="1">
+                <a:spLocks noRot="1" noChangeAspect="1" noMove="1" noResize="1" noEditPoints="1" noAdjustHandles="1" noChangeArrowheads="1" noChangeShapeType="1" noTextEdit="1"/>
+              </p:cNvSpPr>
+              <p:nvPr/>
+            </p:nvSpPr>
+            <p:spPr>
+              <a:xfrm>
+                <a:off x="5712749" y="2572499"/>
+                <a:ext cx="2488630" cy="584775"/>
+              </a:xfrm>
+              <a:prstGeom prst="rect">
+                <a:avLst/>
+              </a:prstGeom>
+              <a:blipFill>
+                <a:blip r:embed="rId5"/>
+                <a:stretch>
+                  <a:fillRect/>
+                </a:stretch>
+              </a:blipFill>
+            </p:spPr>
+            <p:txBody>
+              <a:bodyPr/>
+              <a:lstStyle/>
+              <a:p>
+                <a:r>
+                  <a:rPr lang="it-IT">
+                    <a:noFill/>
+                  </a:rPr>
+                  <a:t> </a:t>
+                </a:r>
+              </a:p>
+            </p:txBody>
+          </p:sp>
+        </mc:Fallback>
+      </mc:AlternateContent>
+    </p:spTree>
+    <p:extLst>
+      <p:ext uri="{BB962C8B-B14F-4D97-AF65-F5344CB8AC3E}">
+        <p14:creationId xmlns:p14="http://schemas.microsoft.com/office/powerpoint/2010/main" val="2574813230"/>
+      </p:ext>
+    </p:extLst>
+  </p:cSld>
+  <p:clrMapOvr>
+    <a:masterClrMapping/>
+  </p:clrMapOvr>
+</p:sld>
+</file>
+
+<file path=ppt/slides/slide7.xml><?xml version="1.0" encoding="utf-8"?>
+<p:sld xmlns:a="http://schemas.openxmlformats.org/drawingml/2006/main" xmlns:r="http://schemas.openxmlformats.org/officeDocument/2006/relationships" xmlns:p="http://schemas.openxmlformats.org/presentationml/2006/main">
+  <p:cSld>
+    <p:spTree>
+      <p:nvGrpSpPr>
+        <p:cNvPr id="1" name=""/>
+        <p:cNvGrpSpPr/>
+        <p:nvPr/>
+      </p:nvGrpSpPr>
+      <p:grpSpPr>
+        <a:xfrm>
+          <a:off x="0" y="0"/>
+          <a:ext cx="0" cy="0"/>
+          <a:chOff x="0" y="0"/>
+          <a:chExt cx="0" cy="0"/>
+        </a:xfrm>
+      </p:grpSpPr>
+      <p:sp>
+        <p:nvSpPr>
+          <p:cNvPr id="4" name="Rettangolo 3">
+            <a:extLst>
+              <a:ext uri="{FF2B5EF4-FFF2-40B4-BE49-F238E27FC236}">
+                <a16:creationId xmlns:a16="http://schemas.microsoft.com/office/drawing/2014/main" id="{0046B770-249D-4C15-AEC3-3A8C8E322FF4}"/>
+              </a:ext>
+            </a:extLst>
+          </p:cNvPr>
+          <p:cNvSpPr/>
+          <p:nvPr/>
+        </p:nvSpPr>
+        <p:spPr>
+          <a:xfrm>
+            <a:off x="0" y="0"/>
+            <a:ext cx="12192000" cy="531845"/>
+          </a:xfrm>
+          <a:prstGeom prst="rect">
+            <a:avLst/>
+          </a:prstGeom>
+          <a:solidFill>
+            <a:srgbClr val="C00000"/>
+          </a:solidFill>
+          <a:ln>
+            <a:solidFill>
+              <a:srgbClr val="C00000"/>
+            </a:solidFill>
+          </a:ln>
+        </p:spPr>
+        <p:style>
+          <a:lnRef idx="2">
+            <a:schemeClr val="accent1">
+              <a:shade val="50000"/>
+            </a:schemeClr>
+          </a:lnRef>
+          <a:fillRef idx="1">
+            <a:schemeClr val="accent1"/>
+          </a:fillRef>
+          <a:effectRef idx="0">
+            <a:schemeClr val="accent1"/>
+          </a:effectRef>
+          <a:fontRef idx="minor">
+            <a:schemeClr val="lt1"/>
+          </a:fontRef>
+        </p:style>
+        <p:txBody>
+          <a:bodyPr rtlCol="0" anchor="ctr"/>
+          <a:lstStyle/>
+          <a:p>
+            <a:pPr algn="ctr"/>
+            <a:endParaRPr lang="it-IT" sz="3200" dirty="0"/>
+          </a:p>
+        </p:txBody>
+      </p:sp>
+      <p:sp>
+        <p:nvSpPr>
+          <p:cNvPr id="5" name="CasellaDiTesto 4">
+            <a:extLst>
+              <a:ext uri="{FF2B5EF4-FFF2-40B4-BE49-F238E27FC236}">
+                <a16:creationId xmlns:a16="http://schemas.microsoft.com/office/drawing/2014/main" id="{55F0C18B-2ED8-4736-8D94-DACCEABC58D2}"/>
+              </a:ext>
+            </a:extLst>
+          </p:cNvPr>
+          <p:cNvSpPr txBox="1"/>
+          <p:nvPr/>
+        </p:nvSpPr>
+        <p:spPr>
+          <a:xfrm>
+            <a:off x="307910" y="102637"/>
+            <a:ext cx="3937519" cy="369332"/>
+          </a:xfrm>
+          <a:prstGeom prst="rect">
+            <a:avLst/>
+          </a:prstGeom>
+          <a:noFill/>
+        </p:spPr>
+        <p:txBody>
+          <a:bodyPr wrap="square" rtlCol="0">
+            <a:spAutoFit/>
+          </a:bodyPr>
+          <a:lstStyle/>
+          <a:p>
+            <a:r>
+              <a:rPr lang="it-IT" dirty="0">
+                <a:solidFill>
+                  <a:schemeClr val="bg1"/>
+                </a:solidFill>
+              </a:rPr>
+              <a:t>QUANTUM ANNEALER</a:t>
+            </a:r>
+          </a:p>
+        </p:txBody>
+      </p:sp>
+      <p:sp>
+        <p:nvSpPr>
+          <p:cNvPr id="6" name="CasellaDiTesto 5">
+            <a:extLst>
+              <a:ext uri="{FF2B5EF4-FFF2-40B4-BE49-F238E27FC236}">
+                <a16:creationId xmlns:a16="http://schemas.microsoft.com/office/drawing/2014/main" id="{B7485521-EE32-4184-8669-49BB837AC1C6}"/>
+              </a:ext>
+            </a:extLst>
+          </p:cNvPr>
+          <p:cNvSpPr txBox="1"/>
+          <p:nvPr/>
+        </p:nvSpPr>
+        <p:spPr>
+          <a:xfrm>
+            <a:off x="8378890" y="70838"/>
+            <a:ext cx="3629608" cy="369332"/>
+          </a:xfrm>
+          <a:prstGeom prst="rect">
+            <a:avLst/>
+          </a:prstGeom>
+          <a:noFill/>
+        </p:spPr>
+        <p:txBody>
+          <a:bodyPr wrap="square" rtlCol="0">
+            <a:spAutoFit/>
+          </a:bodyPr>
+          <a:lstStyle/>
+          <a:p>
+            <a:pPr algn="r"/>
+            <a:r>
+              <a:rPr lang="it-IT" b="1" dirty="0">
+                <a:solidFill>
+                  <a:schemeClr val="bg1"/>
+                </a:solidFill>
+              </a:rPr>
+              <a:t>Quantum </a:t>
+            </a:r>
+            <a:r>
+              <a:rPr lang="it-IT" b="1" dirty="0" err="1">
+                <a:solidFill>
+                  <a:schemeClr val="bg1"/>
+                </a:solidFill>
+              </a:rPr>
+              <a:t>Annealing</a:t>
+            </a:r>
+            <a:endParaRPr lang="it-IT" b="1" dirty="0">
               <a:solidFill>
-                <a:srgbClr val="C00000"/>
+                <a:schemeClr val="bg1"/>
               </a:solidFill>
-              <a:miter/>
-              <a:headEnd type="triangle"/>
-              <a:tailEnd type="triangle"/>
-            </a:ln>
-          </p:spPr>
-          <p:txBody>
-            <a:bodyPr lIns="45718" tIns="45718" rIns="45718" bIns="45718"/>
-            <a:lstStyle/>
-            <a:p>
-              <a:endParaRPr/>
-            </a:p>
-          </p:txBody>
-        </p:sp>
-      </p:grpSp>
+            </a:endParaRPr>
+          </a:p>
+        </p:txBody>
+      </p:sp>
+      <p:pic>
+        <p:nvPicPr>
+          <p:cNvPr id="20" name="Immagine 19" descr="Immagine che contiene oggetto, orologio&#10;&#10;Descrizione generata con affidabilità molto elevata">
+            <a:extLst>
+              <a:ext uri="{FF2B5EF4-FFF2-40B4-BE49-F238E27FC236}">
+                <a16:creationId xmlns:a16="http://schemas.microsoft.com/office/drawing/2014/main" id="{0E376F24-DBCB-452C-8D01-11B4838BBE65}"/>
+              </a:ext>
+            </a:extLst>
+          </p:cNvPr>
+          <p:cNvPicPr>
+            <a:picLocks noChangeAspect="1"/>
+          </p:cNvPicPr>
+          <p:nvPr/>
+        </p:nvPicPr>
+        <p:blipFill>
+          <a:blip r:embed="rId2">
+            <a:extLst>
+              <a:ext uri="{28A0092B-C50C-407E-A947-70E740481C1C}">
+                <a14:useLocalDpi xmlns:a14="http://schemas.microsoft.com/office/drawing/2010/main" val="0"/>
+              </a:ext>
+            </a:extLst>
+          </a:blip>
+          <a:stretch>
+            <a:fillRect/>
+          </a:stretch>
+        </p:blipFill>
+        <p:spPr>
+          <a:xfrm>
+            <a:off x="5372870" y="3326924"/>
+            <a:ext cx="5905867" cy="1624276"/>
+          </a:xfrm>
+          <a:prstGeom prst="rect">
+            <a:avLst/>
+          </a:prstGeom>
+        </p:spPr>
+      </p:pic>
+      <p:pic>
+        <p:nvPicPr>
+          <p:cNvPr id="22" name="Immagine 21" descr="Immagine che contiene oggetto, orologio&#10;&#10;Descrizione generata con affidabilità elevata">
+            <a:extLst>
+              <a:ext uri="{FF2B5EF4-FFF2-40B4-BE49-F238E27FC236}">
+                <a16:creationId xmlns:a16="http://schemas.microsoft.com/office/drawing/2014/main" id="{01174495-82A3-46A5-BE50-6C1B1712816E}"/>
+              </a:ext>
+            </a:extLst>
+          </p:cNvPr>
+          <p:cNvPicPr>
+            <a:picLocks noChangeAspect="1"/>
+          </p:cNvPicPr>
+          <p:nvPr/>
+        </p:nvPicPr>
+        <p:blipFill>
+          <a:blip r:embed="rId3">
+            <a:extLst>
+              <a:ext uri="{28A0092B-C50C-407E-A947-70E740481C1C}">
+                <a14:useLocalDpi xmlns:a14="http://schemas.microsoft.com/office/drawing/2010/main" val="0"/>
+              </a:ext>
+            </a:extLst>
+          </a:blip>
+          <a:stretch>
+            <a:fillRect/>
+          </a:stretch>
+        </p:blipFill>
+        <p:spPr>
+          <a:xfrm>
+            <a:off x="5266570" y="4875986"/>
+            <a:ext cx="6029751" cy="1489563"/>
+          </a:xfrm>
+          <a:prstGeom prst="rect">
+            <a:avLst/>
+          </a:prstGeom>
+        </p:spPr>
+      </p:pic>
+      <p:sp>
+        <p:nvSpPr>
+          <p:cNvPr id="23" name="Rettangolo 6">
+            <a:extLst>
+              <a:ext uri="{FF2B5EF4-FFF2-40B4-BE49-F238E27FC236}">
+                <a16:creationId xmlns:a16="http://schemas.microsoft.com/office/drawing/2014/main" id="{1104211F-43A4-46A8-842F-DC6B4D74EB01}"/>
+              </a:ext>
+            </a:extLst>
+          </p:cNvPr>
+          <p:cNvSpPr/>
+          <p:nvPr/>
+        </p:nvSpPr>
+        <p:spPr>
+          <a:xfrm>
+            <a:off x="0" y="6568750"/>
+            <a:ext cx="12192000" cy="289251"/>
+          </a:xfrm>
+          <a:prstGeom prst="rect">
+            <a:avLst/>
+          </a:prstGeom>
+          <a:solidFill>
+            <a:srgbClr val="C00000"/>
+          </a:solidFill>
+          <a:ln w="12700">
+            <a:solidFill>
+              <a:srgbClr val="C00000"/>
+            </a:solidFill>
+            <a:miter/>
+          </a:ln>
+        </p:spPr>
+        <p:txBody>
+          <a:bodyPr lIns="45718" tIns="45718" rIns="45718" bIns="45718" anchor="ctr"/>
+          <a:lstStyle/>
+          <a:p>
+            <a:pPr algn="ctr">
+              <a:defRPr>
+                <a:solidFill>
+                  <a:srgbClr val="FFFFFF"/>
+                </a:solidFill>
+              </a:defRPr>
+            </a:pPr>
+            <a:endParaRPr/>
+          </a:p>
+        </p:txBody>
+      </p:sp>
+      <p:sp>
+        <p:nvSpPr>
+          <p:cNvPr id="24" name="CasellaDiTesto 7">
+            <a:extLst>
+              <a:ext uri="{FF2B5EF4-FFF2-40B4-BE49-F238E27FC236}">
+                <a16:creationId xmlns:a16="http://schemas.microsoft.com/office/drawing/2014/main" id="{33CB3899-619F-491F-A20A-0D4F355DDC8C}"/>
+              </a:ext>
+            </a:extLst>
+          </p:cNvPr>
+          <p:cNvSpPr txBox="1"/>
+          <p:nvPr/>
+        </p:nvSpPr>
+        <p:spPr>
+          <a:xfrm>
+            <a:off x="11327362" y="6568750"/>
+            <a:ext cx="864637" cy="310517"/>
+          </a:xfrm>
+          <a:prstGeom prst="rect">
+            <a:avLst/>
+          </a:prstGeom>
+          <a:ln w="12700">
+            <a:miter lim="400000"/>
+          </a:ln>
+          <a:extLst>
+            <a:ext uri="{C572A759-6A51-4108-AA02-DFA0A04FC94B}">
+              <ma14:wrappingTextBoxFlag xmlns:ma14="http://schemas.microsoft.com/office/mac/drawingml/2011/main" xmlns="" val="1"/>
+            </a:ext>
+          </a:extLst>
+        </p:spPr>
+        <p:txBody>
+          <a:bodyPr lIns="45718" tIns="45718" rIns="45718" bIns="45718">
+            <a:normAutofit/>
+          </a:bodyPr>
+          <a:lstStyle>
+            <a:lvl1pPr defTabSz="868680">
+              <a:lnSpc>
+                <a:spcPct val="80000"/>
+              </a:lnSpc>
+              <a:defRPr sz="1400">
+                <a:solidFill>
+                  <a:srgbClr val="FFFFFF"/>
+                </a:solidFill>
+              </a:defRPr>
+            </a:lvl1pPr>
+          </a:lstStyle>
+          <a:p>
+            <a:r>
+              <a:rPr b="1" dirty="0"/>
+              <a:t>0</a:t>
+            </a:r>
+            <a:r>
+              <a:rPr lang="it-IT" b="1" dirty="0"/>
+              <a:t>5</a:t>
+            </a:r>
+            <a:r>
+              <a:rPr b="1" dirty="0"/>
+              <a:t>/</a:t>
+            </a:r>
+            <a:r>
+              <a:rPr lang="it-IT" b="1" dirty="0"/>
+              <a:t>11</a:t>
+            </a:r>
+            <a:endParaRPr b="1" dirty="0"/>
+          </a:p>
+        </p:txBody>
+      </p:sp>
+      <p:sp>
+        <p:nvSpPr>
+          <p:cNvPr id="25" name="CasellaDiTesto 10">
+            <a:extLst>
+              <a:ext uri="{FF2B5EF4-FFF2-40B4-BE49-F238E27FC236}">
+                <a16:creationId xmlns:a16="http://schemas.microsoft.com/office/drawing/2014/main" id="{1B945A4A-49F4-4028-82E6-3159B2460CCF}"/>
+              </a:ext>
+            </a:extLst>
+          </p:cNvPr>
+          <p:cNvSpPr txBox="1"/>
+          <p:nvPr/>
+        </p:nvSpPr>
+        <p:spPr>
+          <a:xfrm>
+            <a:off x="186612" y="6568750"/>
+            <a:ext cx="2687217" cy="310517"/>
+          </a:xfrm>
+          <a:prstGeom prst="rect">
+            <a:avLst/>
+          </a:prstGeom>
+          <a:ln w="12700">
+            <a:miter lim="400000"/>
+          </a:ln>
+          <a:extLst>
+            <a:ext uri="{C572A759-6A51-4108-AA02-DFA0A04FC94B}">
+              <ma14:wrappingTextBoxFlag xmlns:ma14="http://schemas.microsoft.com/office/mac/drawingml/2011/main" xmlns="" val="1"/>
+            </a:ext>
+          </a:extLst>
+        </p:spPr>
+        <p:txBody>
+          <a:bodyPr lIns="45718" tIns="45718" rIns="45718" bIns="45718">
+            <a:normAutofit/>
+          </a:bodyPr>
+          <a:lstStyle>
+            <a:lvl1pPr defTabSz="868680">
+              <a:lnSpc>
+                <a:spcPct val="80000"/>
+              </a:lnSpc>
+              <a:defRPr sz="1400">
+                <a:solidFill>
+                  <a:srgbClr val="FFFFFF"/>
+                </a:solidFill>
+              </a:defRPr>
+            </a:lvl1pPr>
+          </a:lstStyle>
+          <a:p>
+            <a:r>
+              <a:rPr lang="it-IT" b="1" dirty="0"/>
+              <a:t>Federico Berra</a:t>
+            </a:r>
+            <a:endParaRPr b="1" dirty="0"/>
+          </a:p>
+        </p:txBody>
+      </p:sp>
       <p:grpSp>
         <p:nvGrpSpPr>
           <p:cNvPr id="42" name="Gruppo 32">
@@ -7703,8 +9639,8 @@
         </p:nvGrpSpPr>
         <p:grpSpPr>
           <a:xfrm>
-            <a:off x="904884" y="924215"/>
-            <a:ext cx="2746839" cy="2524528"/>
+            <a:off x="307910" y="914400"/>
+            <a:ext cx="4640335" cy="5074417"/>
             <a:chOff x="0" y="0"/>
             <a:chExt cx="3293154" cy="3293154"/>
           </a:xfrm>
@@ -7724,7 +9660,7 @@
             <p:nvPr/>
           </p:nvPicPr>
           <p:blipFill>
-            <a:blip r:embed="rId10">
+            <a:blip r:embed="rId4">
               <a:extLst/>
             </a:blip>
             <a:stretch>
@@ -7794,10 +9730,989 @@
           </p:txBody>
         </p:sp>
       </p:grpSp>
+      <p:grpSp>
+        <p:nvGrpSpPr>
+          <p:cNvPr id="2" name="Gruppo 1">
+            <a:extLst>
+              <a:ext uri="{FF2B5EF4-FFF2-40B4-BE49-F238E27FC236}">
+                <a16:creationId xmlns:a16="http://schemas.microsoft.com/office/drawing/2014/main" id="{0F14F5C6-BD36-43CE-A8E7-F8826B757538}"/>
+              </a:ext>
+            </a:extLst>
+          </p:cNvPr>
+          <p:cNvGrpSpPr/>
+          <p:nvPr/>
+        </p:nvGrpSpPr>
+        <p:grpSpPr>
+          <a:xfrm>
+            <a:off x="5902230" y="844256"/>
+            <a:ext cx="4291464" cy="2351395"/>
+            <a:chOff x="6543233" y="727112"/>
+            <a:chExt cx="4291464" cy="2351395"/>
+          </a:xfrm>
+        </p:grpSpPr>
+        <p:sp>
+          <p:nvSpPr>
+            <p:cNvPr id="14" name="Connettore 2 2">
+              <a:extLst>
+                <a:ext uri="{FF2B5EF4-FFF2-40B4-BE49-F238E27FC236}">
+                  <a16:creationId xmlns:a16="http://schemas.microsoft.com/office/drawing/2014/main" id="{A11CC2DA-5881-46CA-8071-BCE6129F1309}"/>
+                </a:ext>
+              </a:extLst>
+            </p:cNvPr>
+            <p:cNvSpPr/>
+            <p:nvPr/>
+          </p:nvSpPr>
+          <p:spPr>
+            <a:xfrm flipV="1">
+              <a:off x="7441009" y="1294452"/>
+              <a:ext cx="2" cy="1784055"/>
+            </a:xfrm>
+            <a:prstGeom prst="line">
+              <a:avLst/>
+            </a:prstGeom>
+            <a:noFill/>
+            <a:ln w="76200" cap="flat">
+              <a:solidFill>
+                <a:srgbClr val="0070C0"/>
+              </a:solidFill>
+              <a:prstDash val="solid"/>
+              <a:miter lim="800000"/>
+              <a:tailEnd type="triangle" w="med" len="med"/>
+            </a:ln>
+            <a:effectLst/>
+          </p:spPr>
+          <p:txBody>
+            <a:bodyPr wrap="square" lIns="45718" tIns="45718" rIns="45718" bIns="45718" numCol="1" anchor="t">
+              <a:noAutofit/>
+            </a:bodyPr>
+            <a:lstStyle/>
+            <a:p>
+              <a:endParaRPr/>
+            </a:p>
+          </p:txBody>
+        </p:sp>
+        <p:sp>
+          <p:nvSpPr>
+            <p:cNvPr id="36" name="Cerchio">
+              <a:extLst>
+                <a:ext uri="{FF2B5EF4-FFF2-40B4-BE49-F238E27FC236}">
+                  <a16:creationId xmlns:a16="http://schemas.microsoft.com/office/drawing/2014/main" id="{B052208A-1255-48B2-8E0A-B94069D4DFE7}"/>
+                </a:ext>
+              </a:extLst>
+            </p:cNvPr>
+            <p:cNvSpPr/>
+            <p:nvPr/>
+          </p:nvSpPr>
+          <p:spPr>
+            <a:xfrm>
+              <a:off x="6866752" y="1621163"/>
+              <a:ext cx="1197036" cy="1197037"/>
+            </a:xfrm>
+            <a:prstGeom prst="ellipse">
+              <a:avLst/>
+            </a:prstGeom>
+            <a:blipFill rotWithShape="1">
+              <a:blip r:embed="rId5"/>
+              <a:srcRect/>
+              <a:stretch>
+                <a:fillRect/>
+              </a:stretch>
+            </a:blipFill>
+            <a:ln w="47625" cap="flat">
+              <a:solidFill>
+                <a:srgbClr val="000000"/>
+              </a:solidFill>
+              <a:prstDash val="solid"/>
+              <a:round/>
+            </a:ln>
+            <a:effectLst/>
+          </p:spPr>
+          <p:txBody>
+            <a:bodyPr wrap="square" lIns="45718" tIns="45718" rIns="45718" bIns="45718" numCol="1" anchor="t">
+              <a:noAutofit/>
+            </a:bodyPr>
+            <a:lstStyle/>
+            <a:p>
+              <a:endParaRPr dirty="0"/>
+            </a:p>
+          </p:txBody>
+        </p:sp>
+        <p:grpSp>
+          <p:nvGrpSpPr>
+            <p:cNvPr id="32" name="Ovale 11">
+              <a:extLst>
+                <a:ext uri="{FF2B5EF4-FFF2-40B4-BE49-F238E27FC236}">
+                  <a16:creationId xmlns:a16="http://schemas.microsoft.com/office/drawing/2014/main" id="{17D22BD5-1717-4D21-BE63-A74CEB709137}"/>
+                </a:ext>
+              </a:extLst>
+            </p:cNvPr>
+            <p:cNvGrpSpPr/>
+            <p:nvPr/>
+          </p:nvGrpSpPr>
+          <p:grpSpPr>
+            <a:xfrm>
+              <a:off x="9637662" y="1621163"/>
+              <a:ext cx="1197035" cy="1197036"/>
+              <a:chOff x="0" y="0"/>
+              <a:chExt cx="1197033" cy="1197034"/>
+            </a:xfrm>
+          </p:grpSpPr>
+          <p:sp>
+            <p:nvSpPr>
+              <p:cNvPr id="34" name="Cerchio">
+                <a:extLst>
+                  <a:ext uri="{FF2B5EF4-FFF2-40B4-BE49-F238E27FC236}">
+                    <a16:creationId xmlns:a16="http://schemas.microsoft.com/office/drawing/2014/main" id="{FE6D36C5-EA67-41A1-A88B-63F7E65D696F}"/>
+                  </a:ext>
+                </a:extLst>
+              </p:cNvPr>
+              <p:cNvSpPr/>
+              <p:nvPr/>
+            </p:nvSpPr>
+            <p:spPr>
+              <a:xfrm>
+                <a:off x="0" y="0"/>
+                <a:ext cx="1197034" cy="1197035"/>
+              </a:xfrm>
+              <a:prstGeom prst="ellipse">
+                <a:avLst/>
+              </a:prstGeom>
+              <a:blipFill rotWithShape="1">
+                <a:blip r:embed="rId6"/>
+                <a:srcRect/>
+                <a:stretch>
+                  <a:fillRect/>
+                </a:stretch>
+              </a:blipFill>
+              <a:ln w="47625" cap="flat">
+                <a:solidFill>
+                  <a:srgbClr val="000000"/>
+                </a:solidFill>
+                <a:prstDash val="solid"/>
+                <a:round/>
+              </a:ln>
+              <a:effectLst/>
+            </p:spPr>
+            <p:txBody>
+              <a:bodyPr wrap="square" lIns="45718" tIns="45718" rIns="45718" bIns="45718" numCol="1" anchor="t">
+                <a:noAutofit/>
+              </a:bodyPr>
+              <a:lstStyle/>
+              <a:p>
+                <a:endParaRPr/>
+              </a:p>
+            </p:txBody>
+          </p:sp>
+          <p:sp>
+            <p:nvSpPr>
+              <p:cNvPr id="35" name="Testo">
+                <a:extLst>
+                  <a:ext uri="{FF2B5EF4-FFF2-40B4-BE49-F238E27FC236}">
+                    <a16:creationId xmlns:a16="http://schemas.microsoft.com/office/drawing/2014/main" id="{61BDB688-7A0E-4CD9-A51A-9506C4B23D7A}"/>
+                  </a:ext>
+                </a:extLst>
+              </p:cNvPr>
+              <p:cNvSpPr txBox="1"/>
+              <p:nvPr/>
+            </p:nvSpPr>
+            <p:spPr>
+              <a:xfrm>
+                <a:off x="175300" y="175300"/>
+                <a:ext cx="846434" cy="358139"/>
+              </a:xfrm>
+              <a:prstGeom prst="rect">
+                <a:avLst/>
+              </a:prstGeom>
+              <a:noFill/>
+              <a:ln w="12700" cap="flat">
+                <a:noFill/>
+                <a:miter lim="400000"/>
+              </a:ln>
+              <a:effectLst/>
+              <a:extLst>
+                <a:ext uri="{C572A759-6A51-4108-AA02-DFA0A04FC94B}">
+                  <ma14:wrappingTextBoxFlag xmlns:ma14="http://schemas.microsoft.com/office/mac/drawingml/2011/main" xmlns="" val="1"/>
+                </a:ext>
+              </a:extLst>
+            </p:spPr>
+            <p:txBody>
+              <a:bodyPr wrap="square" lIns="45718" tIns="45718" rIns="45718" bIns="45718" numCol="1" anchor="t">
+                <a:spAutoFit/>
+              </a:bodyPr>
+              <a:lstStyle/>
+              <a:p>
+                <a:r>
+                  <a:t> </a:t>
+                </a:r>
+              </a:p>
+            </p:txBody>
+          </p:sp>
+        </p:grpSp>
+        <p:sp>
+          <p:nvSpPr>
+            <p:cNvPr id="33" name="Connettore diritto 14">
+              <a:extLst>
+                <a:ext uri="{FF2B5EF4-FFF2-40B4-BE49-F238E27FC236}">
+                  <a16:creationId xmlns:a16="http://schemas.microsoft.com/office/drawing/2014/main" id="{010679E6-5667-4D04-830F-C1CCC1BD5A52}"/>
+                </a:ext>
+              </a:extLst>
+            </p:cNvPr>
+            <p:cNvSpPr/>
+            <p:nvPr/>
+          </p:nvSpPr>
+          <p:spPr>
+            <a:xfrm>
+              <a:off x="8063784" y="2219679"/>
+              <a:ext cx="1573879" cy="2"/>
+            </a:xfrm>
+            <a:prstGeom prst="line">
+              <a:avLst/>
+            </a:prstGeom>
+            <a:noFill/>
+            <a:ln w="47625" cap="flat">
+              <a:solidFill>
+                <a:srgbClr val="000000"/>
+              </a:solidFill>
+              <a:prstDash val="solid"/>
+              <a:miter lim="800000"/>
+            </a:ln>
+            <a:effectLst/>
+          </p:spPr>
+          <p:txBody>
+            <a:bodyPr wrap="square" lIns="45718" tIns="45718" rIns="45718" bIns="45718" numCol="1" anchor="t">
+              <a:noAutofit/>
+            </a:bodyPr>
+            <a:lstStyle/>
+            <a:p>
+              <a:endParaRPr/>
+            </a:p>
+          </p:txBody>
+        </p:sp>
+        <p:sp>
+          <p:nvSpPr>
+            <p:cNvPr id="41" name="Connettore 2 16">
+              <a:extLst>
+                <a:ext uri="{FF2B5EF4-FFF2-40B4-BE49-F238E27FC236}">
+                  <a16:creationId xmlns:a16="http://schemas.microsoft.com/office/drawing/2014/main" id="{BE73C4CE-18B1-475B-A77B-A8BB9AA6D80D}"/>
+                </a:ext>
+              </a:extLst>
+            </p:cNvPr>
+            <p:cNvSpPr/>
+            <p:nvPr/>
+          </p:nvSpPr>
+          <p:spPr>
+            <a:xfrm>
+              <a:off x="6543233" y="1828981"/>
+              <a:ext cx="2" cy="781398"/>
+            </a:xfrm>
+            <a:prstGeom prst="line">
+              <a:avLst/>
+            </a:prstGeom>
+            <a:ln w="76200">
+              <a:solidFill>
+                <a:srgbClr val="C00000"/>
+              </a:solidFill>
+              <a:miter/>
+              <a:headEnd type="triangle"/>
+              <a:tailEnd type="triangle"/>
+            </a:ln>
+          </p:spPr>
+          <p:txBody>
+            <a:bodyPr lIns="45718" tIns="45718" rIns="45718" bIns="45718"/>
+            <a:lstStyle/>
+            <a:p>
+              <a:endParaRPr/>
+            </a:p>
+          </p:txBody>
+        </p:sp>
+        <p:sp>
+          <p:nvSpPr>
+            <p:cNvPr id="7" name="Ovale 6">
+              <a:extLst>
+                <a:ext uri="{FF2B5EF4-FFF2-40B4-BE49-F238E27FC236}">
+                  <a16:creationId xmlns:a16="http://schemas.microsoft.com/office/drawing/2014/main" id="{136E4565-2566-4FE6-B26F-36B6B75C855C}"/>
+                </a:ext>
+              </a:extLst>
+            </p:cNvPr>
+            <p:cNvSpPr/>
+            <p:nvPr/>
+          </p:nvSpPr>
+          <p:spPr>
+            <a:xfrm>
+              <a:off x="6869287" y="1626104"/>
+              <a:ext cx="1197036" cy="1197036"/>
+            </a:xfrm>
+            <a:prstGeom prst="ellipse">
+              <a:avLst/>
+            </a:prstGeom>
+            <a:solidFill>
+              <a:schemeClr val="bg1"/>
+            </a:solidFill>
+            <a:ln w="57150">
+              <a:solidFill>
+                <a:schemeClr val="tx1"/>
+              </a:solidFill>
+            </a:ln>
+          </p:spPr>
+          <p:style>
+            <a:lnRef idx="2">
+              <a:schemeClr val="accent1">
+                <a:shade val="50000"/>
+              </a:schemeClr>
+            </a:lnRef>
+            <a:fillRef idx="1">
+              <a:schemeClr val="accent1"/>
+            </a:fillRef>
+            <a:effectRef idx="0">
+              <a:schemeClr val="accent1"/>
+            </a:effectRef>
+            <a:fontRef idx="minor">
+              <a:schemeClr val="lt1"/>
+            </a:fontRef>
+          </p:style>
+          <p:txBody>
+            <a:bodyPr rtlCol="0" anchor="ctr"/>
+            <a:lstStyle/>
+            <a:p>
+              <a:pPr algn="ctr"/>
+              <a:endParaRPr lang="it-IT"/>
+            </a:p>
+          </p:txBody>
+        </p:sp>
+        <p:sp>
+          <p:nvSpPr>
+            <p:cNvPr id="46" name="Ovale 45">
+              <a:extLst>
+                <a:ext uri="{FF2B5EF4-FFF2-40B4-BE49-F238E27FC236}">
+                  <a16:creationId xmlns:a16="http://schemas.microsoft.com/office/drawing/2014/main" id="{2FB6B04B-38A7-48E4-B6C3-D17055B730B5}"/>
+                </a:ext>
+              </a:extLst>
+            </p:cNvPr>
+            <p:cNvSpPr/>
+            <p:nvPr/>
+          </p:nvSpPr>
+          <p:spPr>
+            <a:xfrm>
+              <a:off x="9637661" y="1617742"/>
+              <a:ext cx="1197036" cy="1197036"/>
+            </a:xfrm>
+            <a:prstGeom prst="ellipse">
+              <a:avLst/>
+            </a:prstGeom>
+            <a:solidFill>
+              <a:schemeClr val="bg1"/>
+            </a:solidFill>
+            <a:ln w="57150">
+              <a:solidFill>
+                <a:schemeClr val="tx1"/>
+              </a:solidFill>
+            </a:ln>
+          </p:spPr>
+          <p:style>
+            <a:lnRef idx="2">
+              <a:schemeClr val="accent1">
+                <a:shade val="50000"/>
+              </a:schemeClr>
+            </a:lnRef>
+            <a:fillRef idx="1">
+              <a:schemeClr val="accent1"/>
+            </a:fillRef>
+            <a:effectRef idx="0">
+              <a:schemeClr val="accent1"/>
+            </a:effectRef>
+            <a:fontRef idx="minor">
+              <a:schemeClr val="lt1"/>
+            </a:fontRef>
+          </p:style>
+          <p:txBody>
+            <a:bodyPr rtlCol="0" anchor="ctr"/>
+            <a:lstStyle/>
+            <a:p>
+              <a:pPr algn="ctr"/>
+              <a:endParaRPr lang="it-IT"/>
+            </a:p>
+          </p:txBody>
+        </p:sp>
+        <mc:AlternateContent xmlns:mc="http://schemas.openxmlformats.org/markup-compatibility/2006" xmlns:a14="http://schemas.microsoft.com/office/drawing/2010/main">
+          <mc:Choice Requires="a14">
+            <p:sp>
+              <p:nvSpPr>
+                <p:cNvPr id="48" name="CasellaDiTesto 47">
+                  <a:extLst>
+                    <a:ext uri="{FF2B5EF4-FFF2-40B4-BE49-F238E27FC236}">
+                      <a16:creationId xmlns:a16="http://schemas.microsoft.com/office/drawing/2014/main" id="{978AD640-4FE9-43A3-A4D7-3AA91111E47F}"/>
+                    </a:ext>
+                  </a:extLst>
+                </p:cNvPr>
+                <p:cNvSpPr txBox="1"/>
+                <p:nvPr/>
+              </p:nvSpPr>
+              <p:spPr>
+                <a:xfrm>
+                  <a:off x="10011064" y="1940256"/>
+                  <a:ext cx="453844" cy="492443"/>
+                </a:xfrm>
+                <a:prstGeom prst="rect">
+                  <a:avLst/>
+                </a:prstGeom>
+                <a:noFill/>
+              </p:spPr>
+              <p:txBody>
+                <a:bodyPr wrap="square" lIns="0" tIns="0" rIns="0" bIns="0" rtlCol="0">
+                  <a:spAutoFit/>
+                </a:bodyPr>
+                <a:lstStyle/>
+                <a:p>
+                  <a:pPr/>
+                  <a14:m>
+                    <m:oMathPara xmlns:m="http://schemas.openxmlformats.org/officeDocument/2006/math">
+                      <m:oMathParaPr>
+                        <m:jc m:val="centerGroup"/>
+                      </m:oMathParaPr>
+                      <m:oMath xmlns:m="http://schemas.openxmlformats.org/officeDocument/2006/math">
+                        <m:sSub>
+                          <m:sSubPr>
+                            <m:ctrlPr>
+                              <a:rPr lang="it-IT" sz="3200" b="0" i="1" smtClean="0">
+                                <a:latin typeface="Cambria Math" panose="02040503050406030204" pitchFamily="18" charset="0"/>
+                              </a:rPr>
+                            </m:ctrlPr>
+                          </m:sSubPr>
+                          <m:e>
+                            <m:r>
+                              <a:rPr lang="it-IT" sz="3200" b="0" i="1" smtClean="0">
+                                <a:latin typeface="Cambria Math" panose="02040503050406030204" pitchFamily="18" charset="0"/>
+                              </a:rPr>
+                              <m:t>𝑠</m:t>
+                            </m:r>
+                          </m:e>
+                          <m:sub>
+                            <m:r>
+                              <a:rPr lang="it-IT" sz="3200" b="0" i="1" smtClean="0">
+                                <a:latin typeface="Cambria Math" panose="02040503050406030204" pitchFamily="18" charset="0"/>
+                              </a:rPr>
+                              <m:t>2</m:t>
+                            </m:r>
+                          </m:sub>
+                        </m:sSub>
+                      </m:oMath>
+                    </m:oMathPara>
+                  </a14:m>
+                  <a:endParaRPr lang="it-IT" sz="3200" dirty="0"/>
+                </a:p>
+              </p:txBody>
+            </p:sp>
+          </mc:Choice>
+          <mc:Fallback xmlns="">
+            <p:sp>
+              <p:nvSpPr>
+                <p:cNvPr id="48" name="CasellaDiTesto 47">
+                  <a:extLst>
+                    <a:ext uri="{FF2B5EF4-FFF2-40B4-BE49-F238E27FC236}">
+                      <a16:creationId xmlns:a16="http://schemas.microsoft.com/office/drawing/2014/main" id="{978AD640-4FE9-43A3-A4D7-3AA91111E47F}"/>
+                    </a:ext>
+                  </a:extLst>
+                </p:cNvPr>
+                <p:cNvSpPr txBox="1">
+                  <a:spLocks noRot="1" noChangeAspect="1" noMove="1" noResize="1" noEditPoints="1" noAdjustHandles="1" noChangeArrowheads="1" noChangeShapeType="1" noTextEdit="1"/>
+                </p:cNvSpPr>
+                <p:nvPr/>
+              </p:nvSpPr>
+              <p:spPr>
+                <a:xfrm>
+                  <a:off x="10011064" y="1940256"/>
+                  <a:ext cx="453844" cy="492443"/>
+                </a:xfrm>
+                <a:prstGeom prst="rect">
+                  <a:avLst/>
+                </a:prstGeom>
+                <a:blipFill>
+                  <a:blip r:embed="rId7"/>
+                  <a:stretch>
+                    <a:fillRect/>
+                  </a:stretch>
+                </a:blipFill>
+              </p:spPr>
+              <p:txBody>
+                <a:bodyPr/>
+                <a:lstStyle/>
+                <a:p>
+                  <a:r>
+                    <a:rPr lang="it-IT">
+                      <a:noFill/>
+                    </a:rPr>
+                    <a:t> </a:t>
+                  </a:r>
+                </a:p>
+              </p:txBody>
+            </p:sp>
+          </mc:Fallback>
+        </mc:AlternateContent>
+        <mc:AlternateContent xmlns:mc="http://schemas.openxmlformats.org/markup-compatibility/2006" xmlns:a14="http://schemas.microsoft.com/office/drawing/2010/main">
+          <mc:Choice Requires="a14">
+            <p:sp>
+              <p:nvSpPr>
+                <p:cNvPr id="3" name="CasellaDiTesto 2">
+                  <a:extLst>
+                    <a:ext uri="{FF2B5EF4-FFF2-40B4-BE49-F238E27FC236}">
+                      <a16:creationId xmlns:a16="http://schemas.microsoft.com/office/drawing/2014/main" id="{96E36357-5C57-4D60-98FD-3D5ACAF530B5}"/>
+                    </a:ext>
+                  </a:extLst>
+                </p:cNvPr>
+                <p:cNvSpPr txBox="1"/>
+                <p:nvPr/>
+              </p:nvSpPr>
+              <p:spPr>
+                <a:xfrm>
+                  <a:off x="7238348" y="1908381"/>
+                  <a:ext cx="453844" cy="492443"/>
+                </a:xfrm>
+                <a:prstGeom prst="rect">
+                  <a:avLst/>
+                </a:prstGeom>
+                <a:noFill/>
+              </p:spPr>
+              <p:txBody>
+                <a:bodyPr wrap="square" lIns="0" tIns="0" rIns="0" bIns="0" rtlCol="0">
+                  <a:spAutoFit/>
+                </a:bodyPr>
+                <a:lstStyle/>
+                <a:p>
+                  <a:pPr/>
+                  <a14:m>
+                    <m:oMathPara xmlns:m="http://schemas.openxmlformats.org/officeDocument/2006/math">
+                      <m:oMathParaPr>
+                        <m:jc m:val="centerGroup"/>
+                      </m:oMathParaPr>
+                      <m:oMath xmlns:m="http://schemas.openxmlformats.org/officeDocument/2006/math">
+                        <m:sSub>
+                          <m:sSubPr>
+                            <m:ctrlPr>
+                              <a:rPr lang="it-IT" sz="3200" b="0" i="1" smtClean="0">
+                                <a:latin typeface="Cambria Math" panose="02040503050406030204" pitchFamily="18" charset="0"/>
+                              </a:rPr>
+                            </m:ctrlPr>
+                          </m:sSubPr>
+                          <m:e>
+                            <m:r>
+                              <a:rPr lang="it-IT" sz="3200" b="0" i="1" smtClean="0">
+                                <a:latin typeface="Cambria Math" panose="02040503050406030204" pitchFamily="18" charset="0"/>
+                              </a:rPr>
+                              <m:t>𝑠</m:t>
+                            </m:r>
+                          </m:e>
+                          <m:sub>
+                            <m:r>
+                              <a:rPr lang="it-IT" sz="3200" b="0" i="1" smtClean="0">
+                                <a:latin typeface="Cambria Math" panose="02040503050406030204" pitchFamily="18" charset="0"/>
+                              </a:rPr>
+                              <m:t>1</m:t>
+                            </m:r>
+                          </m:sub>
+                        </m:sSub>
+                      </m:oMath>
+                    </m:oMathPara>
+                  </a14:m>
+                  <a:endParaRPr lang="it-IT" sz="3200" dirty="0"/>
+                </a:p>
+              </p:txBody>
+            </p:sp>
+          </mc:Choice>
+          <mc:Fallback xmlns="">
+            <p:sp>
+              <p:nvSpPr>
+                <p:cNvPr id="3" name="CasellaDiTesto 2">
+                  <a:extLst>
+                    <a:ext uri="{FF2B5EF4-FFF2-40B4-BE49-F238E27FC236}">
+                      <a16:creationId xmlns:a16="http://schemas.microsoft.com/office/drawing/2014/main" id="{96E36357-5C57-4D60-98FD-3D5ACAF530B5}"/>
+                    </a:ext>
+                  </a:extLst>
+                </p:cNvPr>
+                <p:cNvSpPr txBox="1">
+                  <a:spLocks noRot="1" noChangeAspect="1" noMove="1" noResize="1" noEditPoints="1" noAdjustHandles="1" noChangeArrowheads="1" noChangeShapeType="1" noTextEdit="1"/>
+                </p:cNvSpPr>
+                <p:nvPr/>
+              </p:nvSpPr>
+              <p:spPr>
+                <a:xfrm>
+                  <a:off x="7238348" y="1908381"/>
+                  <a:ext cx="453844" cy="492443"/>
+                </a:xfrm>
+                <a:prstGeom prst="rect">
+                  <a:avLst/>
+                </a:prstGeom>
+                <a:blipFill>
+                  <a:blip r:embed="rId8"/>
+                  <a:stretch>
+                    <a:fillRect/>
+                  </a:stretch>
+                </a:blipFill>
+              </p:spPr>
+              <p:txBody>
+                <a:bodyPr/>
+                <a:lstStyle/>
+                <a:p>
+                  <a:r>
+                    <a:rPr lang="it-IT">
+                      <a:noFill/>
+                    </a:rPr>
+                    <a:t> </a:t>
+                  </a:r>
+                </a:p>
+              </p:txBody>
+            </p:sp>
+          </mc:Fallback>
+        </mc:AlternateContent>
+        <mc:AlternateContent xmlns:mc="http://schemas.openxmlformats.org/markup-compatibility/2006" xmlns:a14="http://schemas.microsoft.com/office/drawing/2010/main">
+          <mc:Choice Requires="a14">
+            <p:sp>
+              <p:nvSpPr>
+                <p:cNvPr id="49" name="CasellaDiTesto 48">
+                  <a:extLst>
+                    <a:ext uri="{FF2B5EF4-FFF2-40B4-BE49-F238E27FC236}">
+                      <a16:creationId xmlns:a16="http://schemas.microsoft.com/office/drawing/2014/main" id="{59A4EFC9-CEA0-4DC4-BD66-B811F55CFF1C}"/>
+                    </a:ext>
+                  </a:extLst>
+                </p:cNvPr>
+                <p:cNvSpPr txBox="1"/>
+                <p:nvPr/>
+              </p:nvSpPr>
+              <p:spPr>
+                <a:xfrm>
+                  <a:off x="7214087" y="727261"/>
+                  <a:ext cx="453844" cy="492443"/>
+                </a:xfrm>
+                <a:prstGeom prst="rect">
+                  <a:avLst/>
+                </a:prstGeom>
+                <a:noFill/>
+              </p:spPr>
+              <p:txBody>
+                <a:bodyPr wrap="square" lIns="0" tIns="0" rIns="0" bIns="0" rtlCol="0">
+                  <a:spAutoFit/>
+                </a:bodyPr>
+                <a:lstStyle/>
+                <a:p>
+                  <a:pPr/>
+                  <a14:m>
+                    <m:oMathPara xmlns:m="http://schemas.openxmlformats.org/officeDocument/2006/math">
+                      <m:oMathParaPr>
+                        <m:jc m:val="centerGroup"/>
+                      </m:oMathParaPr>
+                      <m:oMath xmlns:m="http://schemas.openxmlformats.org/officeDocument/2006/math">
+                        <m:sSub>
+                          <m:sSubPr>
+                            <m:ctrlPr>
+                              <a:rPr lang="it-IT" sz="3200" b="0" i="1" smtClean="0">
+                                <a:latin typeface="Cambria Math" panose="02040503050406030204" pitchFamily="18" charset="0"/>
+                              </a:rPr>
+                            </m:ctrlPr>
+                          </m:sSubPr>
+                          <m:e>
+                            <m:r>
+                              <a:rPr lang="it-IT" sz="3200" b="0" i="1" smtClean="0">
+                                <a:latin typeface="Cambria Math" panose="02040503050406030204" pitchFamily="18" charset="0"/>
+                              </a:rPr>
+                              <m:t>h</m:t>
+                            </m:r>
+                          </m:e>
+                          <m:sub>
+                            <m:r>
+                              <a:rPr lang="it-IT" sz="3200" b="0" i="1" smtClean="0">
+                                <a:latin typeface="Cambria Math" panose="02040503050406030204" pitchFamily="18" charset="0"/>
+                              </a:rPr>
+                              <m:t>1</m:t>
+                            </m:r>
+                          </m:sub>
+                        </m:sSub>
+                      </m:oMath>
+                    </m:oMathPara>
+                  </a14:m>
+                  <a:endParaRPr lang="it-IT" sz="3200" dirty="0"/>
+                </a:p>
+              </p:txBody>
+            </p:sp>
+          </mc:Choice>
+          <mc:Fallback xmlns="">
+            <p:sp>
+              <p:nvSpPr>
+                <p:cNvPr id="49" name="CasellaDiTesto 48">
+                  <a:extLst>
+                    <a:ext uri="{FF2B5EF4-FFF2-40B4-BE49-F238E27FC236}">
+                      <a16:creationId xmlns:a16="http://schemas.microsoft.com/office/drawing/2014/main" id="{59A4EFC9-CEA0-4DC4-BD66-B811F55CFF1C}"/>
+                    </a:ext>
+                  </a:extLst>
+                </p:cNvPr>
+                <p:cNvSpPr txBox="1">
+                  <a:spLocks noRot="1" noChangeAspect="1" noMove="1" noResize="1" noEditPoints="1" noAdjustHandles="1" noChangeArrowheads="1" noChangeShapeType="1" noTextEdit="1"/>
+                </p:cNvSpPr>
+                <p:nvPr/>
+              </p:nvSpPr>
+              <p:spPr>
+                <a:xfrm>
+                  <a:off x="7214087" y="727261"/>
+                  <a:ext cx="453844" cy="492443"/>
+                </a:xfrm>
+                <a:prstGeom prst="rect">
+                  <a:avLst/>
+                </a:prstGeom>
+                <a:blipFill>
+                  <a:blip r:embed="rId9"/>
+                  <a:stretch>
+                    <a:fillRect/>
+                  </a:stretch>
+                </a:blipFill>
+              </p:spPr>
+              <p:txBody>
+                <a:bodyPr/>
+                <a:lstStyle/>
+                <a:p>
+                  <a:r>
+                    <a:rPr lang="it-IT">
+                      <a:noFill/>
+                    </a:rPr>
+                    <a:t> </a:t>
+                  </a:r>
+                </a:p>
+              </p:txBody>
+            </p:sp>
+          </mc:Fallback>
+        </mc:AlternateContent>
+        <mc:AlternateContent xmlns:mc="http://schemas.openxmlformats.org/markup-compatibility/2006" xmlns:a14="http://schemas.microsoft.com/office/drawing/2010/main">
+          <mc:Choice Requires="a14">
+            <p:sp>
+              <p:nvSpPr>
+                <p:cNvPr id="50" name="CasellaDiTesto 49">
+                  <a:extLst>
+                    <a:ext uri="{FF2B5EF4-FFF2-40B4-BE49-F238E27FC236}">
+                      <a16:creationId xmlns:a16="http://schemas.microsoft.com/office/drawing/2014/main" id="{78283759-042A-4387-93C3-309D42095F1C}"/>
+                    </a:ext>
+                  </a:extLst>
+                </p:cNvPr>
+                <p:cNvSpPr txBox="1"/>
+                <p:nvPr/>
+              </p:nvSpPr>
+              <p:spPr>
+                <a:xfrm>
+                  <a:off x="9966772" y="727112"/>
+                  <a:ext cx="453844" cy="492443"/>
+                </a:xfrm>
+                <a:prstGeom prst="rect">
+                  <a:avLst/>
+                </a:prstGeom>
+                <a:noFill/>
+              </p:spPr>
+              <p:txBody>
+                <a:bodyPr wrap="square" lIns="0" tIns="0" rIns="0" bIns="0" rtlCol="0">
+                  <a:spAutoFit/>
+                </a:bodyPr>
+                <a:lstStyle/>
+                <a:p>
+                  <a:pPr/>
+                  <a14:m>
+                    <m:oMathPara xmlns:m="http://schemas.openxmlformats.org/officeDocument/2006/math">
+                      <m:oMathParaPr>
+                        <m:jc m:val="centerGroup"/>
+                      </m:oMathParaPr>
+                      <m:oMath xmlns:m="http://schemas.openxmlformats.org/officeDocument/2006/math">
+                        <m:sSub>
+                          <m:sSubPr>
+                            <m:ctrlPr>
+                              <a:rPr lang="it-IT" sz="3200" b="0" i="1" smtClean="0">
+                                <a:latin typeface="Cambria Math" panose="02040503050406030204" pitchFamily="18" charset="0"/>
+                              </a:rPr>
+                            </m:ctrlPr>
+                          </m:sSubPr>
+                          <m:e>
+                            <m:r>
+                              <a:rPr lang="it-IT" sz="3200" b="0" i="1" smtClean="0">
+                                <a:latin typeface="Cambria Math" panose="02040503050406030204" pitchFamily="18" charset="0"/>
+                              </a:rPr>
+                              <m:t>h</m:t>
+                            </m:r>
+                          </m:e>
+                          <m:sub>
+                            <m:r>
+                              <a:rPr lang="it-IT" sz="3200" b="0" i="1" smtClean="0">
+                                <a:latin typeface="Cambria Math" panose="02040503050406030204" pitchFamily="18" charset="0"/>
+                              </a:rPr>
+                              <m:t>2</m:t>
+                            </m:r>
+                          </m:sub>
+                        </m:sSub>
+                      </m:oMath>
+                    </m:oMathPara>
+                  </a14:m>
+                  <a:endParaRPr lang="it-IT" sz="3200" dirty="0"/>
+                </a:p>
+              </p:txBody>
+            </p:sp>
+          </mc:Choice>
+          <mc:Fallback xmlns="">
+            <p:sp>
+              <p:nvSpPr>
+                <p:cNvPr id="50" name="CasellaDiTesto 49">
+                  <a:extLst>
+                    <a:ext uri="{FF2B5EF4-FFF2-40B4-BE49-F238E27FC236}">
+                      <a16:creationId xmlns:a16="http://schemas.microsoft.com/office/drawing/2014/main" id="{78283759-042A-4387-93C3-309D42095F1C}"/>
+                    </a:ext>
+                  </a:extLst>
+                </p:cNvPr>
+                <p:cNvSpPr txBox="1">
+                  <a:spLocks noRot="1" noChangeAspect="1" noMove="1" noResize="1" noEditPoints="1" noAdjustHandles="1" noChangeArrowheads="1" noChangeShapeType="1" noTextEdit="1"/>
+                </p:cNvSpPr>
+                <p:nvPr/>
+              </p:nvSpPr>
+              <p:spPr>
+                <a:xfrm>
+                  <a:off x="9966772" y="727112"/>
+                  <a:ext cx="453844" cy="492443"/>
+                </a:xfrm>
+                <a:prstGeom prst="rect">
+                  <a:avLst/>
+                </a:prstGeom>
+                <a:blipFill>
+                  <a:blip r:embed="rId10"/>
+                  <a:stretch>
+                    <a:fillRect/>
+                  </a:stretch>
+                </a:blipFill>
+              </p:spPr>
+              <p:txBody>
+                <a:bodyPr/>
+                <a:lstStyle/>
+                <a:p>
+                  <a:r>
+                    <a:rPr lang="it-IT">
+                      <a:noFill/>
+                    </a:rPr>
+                    <a:t> </a:t>
+                  </a:r>
+                </a:p>
+              </p:txBody>
+            </p:sp>
+          </mc:Fallback>
+        </mc:AlternateContent>
+        <mc:AlternateContent xmlns:mc="http://schemas.openxmlformats.org/markup-compatibility/2006" xmlns:a14="http://schemas.microsoft.com/office/drawing/2010/main">
+          <mc:Choice Requires="a14">
+            <p:sp>
+              <p:nvSpPr>
+                <p:cNvPr id="51" name="CasellaDiTesto 50">
+                  <a:extLst>
+                    <a:ext uri="{FF2B5EF4-FFF2-40B4-BE49-F238E27FC236}">
+                      <a16:creationId xmlns:a16="http://schemas.microsoft.com/office/drawing/2014/main" id="{B77E1D59-C873-42D1-A5D5-51C383C5DA0F}"/>
+                    </a:ext>
+                  </a:extLst>
+                </p:cNvPr>
+                <p:cNvSpPr txBox="1"/>
+                <p:nvPr/>
+              </p:nvSpPr>
+              <p:spPr>
+                <a:xfrm>
+                  <a:off x="8512963" y="1546664"/>
+                  <a:ext cx="453844" cy="492443"/>
+                </a:xfrm>
+                <a:prstGeom prst="rect">
+                  <a:avLst/>
+                </a:prstGeom>
+                <a:noFill/>
+              </p:spPr>
+              <p:txBody>
+                <a:bodyPr wrap="square" lIns="0" tIns="0" rIns="0" bIns="0" rtlCol="0">
+                  <a:spAutoFit/>
+                </a:bodyPr>
+                <a:lstStyle/>
+                <a:p>
+                  <a:pPr/>
+                  <a14:m>
+                    <m:oMathPara xmlns:m="http://schemas.openxmlformats.org/officeDocument/2006/math">
+                      <m:oMathParaPr>
+                        <m:jc m:val="centerGroup"/>
+                      </m:oMathParaPr>
+                      <m:oMath xmlns:m="http://schemas.openxmlformats.org/officeDocument/2006/math">
+                        <m:sSub>
+                          <m:sSubPr>
+                            <m:ctrlPr>
+                              <a:rPr lang="it-IT" sz="3200" b="0" i="1" smtClean="0">
+                                <a:latin typeface="Cambria Math" panose="02040503050406030204" pitchFamily="18" charset="0"/>
+                              </a:rPr>
+                            </m:ctrlPr>
+                          </m:sSubPr>
+                          <m:e>
+                            <m:r>
+                              <a:rPr lang="it-IT" sz="3200" b="0" i="1" smtClean="0">
+                                <a:latin typeface="Cambria Math" panose="02040503050406030204" pitchFamily="18" charset="0"/>
+                              </a:rPr>
+                              <m:t>𝐽</m:t>
+                            </m:r>
+                          </m:e>
+                          <m:sub>
+                            <m:r>
+                              <a:rPr lang="it-IT" sz="3200" b="0" i="1" smtClean="0">
+                                <a:latin typeface="Cambria Math" panose="02040503050406030204" pitchFamily="18" charset="0"/>
+                              </a:rPr>
+                              <m:t>1−2</m:t>
+                            </m:r>
+                          </m:sub>
+                        </m:sSub>
+                      </m:oMath>
+                    </m:oMathPara>
+                  </a14:m>
+                  <a:endParaRPr lang="it-IT" sz="3200" dirty="0"/>
+                </a:p>
+              </p:txBody>
+            </p:sp>
+          </mc:Choice>
+          <mc:Fallback xmlns="">
+            <p:sp>
+              <p:nvSpPr>
+                <p:cNvPr id="51" name="CasellaDiTesto 50">
+                  <a:extLst>
+                    <a:ext uri="{FF2B5EF4-FFF2-40B4-BE49-F238E27FC236}">
+                      <a16:creationId xmlns:a16="http://schemas.microsoft.com/office/drawing/2014/main" id="{B77E1D59-C873-42D1-A5D5-51C383C5DA0F}"/>
+                    </a:ext>
+                  </a:extLst>
+                </p:cNvPr>
+                <p:cNvSpPr txBox="1">
+                  <a:spLocks noRot="1" noChangeAspect="1" noMove="1" noResize="1" noEditPoints="1" noAdjustHandles="1" noChangeArrowheads="1" noChangeShapeType="1" noTextEdit="1"/>
+                </p:cNvSpPr>
+                <p:nvPr/>
+              </p:nvSpPr>
+              <p:spPr>
+                <a:xfrm>
+                  <a:off x="8512963" y="1546664"/>
+                  <a:ext cx="453844" cy="492443"/>
+                </a:xfrm>
+                <a:prstGeom prst="rect">
+                  <a:avLst/>
+                </a:prstGeom>
+                <a:blipFill>
+                  <a:blip r:embed="rId11"/>
+                  <a:stretch>
+                    <a:fillRect l="-8000" r="-45333"/>
+                  </a:stretch>
+                </a:blipFill>
+              </p:spPr>
+              <p:txBody>
+                <a:bodyPr/>
+                <a:lstStyle/>
+                <a:p>
+                  <a:r>
+                    <a:rPr lang="it-IT">
+                      <a:noFill/>
+                    </a:rPr>
+                    <a:t> </a:t>
+                  </a:r>
+                </a:p>
+              </p:txBody>
+            </p:sp>
+          </mc:Fallback>
+        </mc:AlternateContent>
+      </p:grpSp>
     </p:spTree>
     <p:extLst>
       <p:ext uri="{BB962C8B-B14F-4D97-AF65-F5344CB8AC3E}">
-        <p14:creationId xmlns:p14="http://schemas.microsoft.com/office/powerpoint/2010/main" val="2574813230"/>
+        <p14:creationId xmlns:p14="http://schemas.microsoft.com/office/powerpoint/2010/main" val="1721987102"/>
       </p:ext>
     </p:extLst>
   </p:cSld>
@@ -7807,7 +10722,7 @@
 </p:sld>
 </file>
 
-<file path=ppt/slides/slide6.xml><?xml version="1.0" encoding="utf-8"?>
+<file path=ppt/slides/slide8.xml><?xml version="1.0" encoding="utf-8"?>
 <p:sld xmlns:a="http://schemas.openxmlformats.org/drawingml/2006/main" xmlns:r="http://schemas.openxmlformats.org/officeDocument/2006/relationships" xmlns:p="http://schemas.openxmlformats.org/presentationml/2006/main">
   <p:cSld>
     <p:spTree>
@@ -7863,12 +10778,41 @@
           </a:p>
         </p:txBody>
       </p:sp>
+      <p:pic>
+        <p:nvPicPr>
+          <p:cNvPr id="160" name="Schermata 2018-04-21 alle 18.12.12.png" descr="Schermata 2018-04-21 alle 18.12.12.png"/>
+          <p:cNvPicPr>
+            <a:picLocks noChangeAspect="1"/>
+          </p:cNvPicPr>
+          <p:nvPr/>
+        </p:nvPicPr>
+        <p:blipFill>
+          <a:blip r:embed="rId3">
+            <a:extLst/>
+          </a:blip>
+          <a:stretch>
+            <a:fillRect/>
+          </a:stretch>
+        </p:blipFill>
+        <p:spPr>
+          <a:xfrm>
+            <a:off x="6198023" y="3486964"/>
+            <a:ext cx="4755001" cy="2094930"/>
+          </a:xfrm>
+          <a:prstGeom prst="rect">
+            <a:avLst/>
+          </a:prstGeom>
+          <a:ln w="12700">
+            <a:miter lim="400000"/>
+          </a:ln>
+        </p:spPr>
+      </p:pic>
       <p:grpSp>
         <p:nvGrpSpPr>
-          <p:cNvPr id="6" name="Gruppo 5">
+          <p:cNvPr id="5" name="Gruppo 4">
             <a:extLst>
               <a:ext uri="{FF2B5EF4-FFF2-40B4-BE49-F238E27FC236}">
-                <a16:creationId xmlns:a16="http://schemas.microsoft.com/office/drawing/2014/main" id="{6985A537-D1C7-41A1-AC72-5DB1EC64BE4F}"/>
+                <a16:creationId xmlns:a16="http://schemas.microsoft.com/office/drawing/2014/main" id="{6C81C55D-29E9-43BD-B295-EC052C229B68}"/>
               </a:ext>
             </a:extLst>
           </p:cNvPr>
@@ -7877,270 +10821,7 @@
         </p:nvGrpSpPr>
         <p:grpSpPr>
           <a:xfrm>
-            <a:off x="367748" y="4338504"/>
-            <a:ext cx="10967114" cy="2094930"/>
-            <a:chOff x="367748" y="4338504"/>
-            <a:chExt cx="10967114" cy="2094930"/>
-          </a:xfrm>
-        </p:grpSpPr>
-        <p:pic>
-          <p:nvPicPr>
-            <p:cNvPr id="160" name="Schermata 2018-04-21 alle 18.12.12.png" descr="Schermata 2018-04-21 alle 18.12.12.png"/>
-            <p:cNvPicPr>
-              <a:picLocks noChangeAspect="1"/>
-            </p:cNvPicPr>
-            <p:nvPr/>
-          </p:nvPicPr>
-          <p:blipFill>
-            <a:blip r:embed="rId3">
-              <a:extLst/>
-            </a:blip>
-            <a:stretch>
-              <a:fillRect/>
-            </a:stretch>
-          </p:blipFill>
-          <p:spPr>
-            <a:xfrm>
-              <a:off x="6579861" y="4338504"/>
-              <a:ext cx="4755001" cy="2094930"/>
-            </a:xfrm>
-            <a:prstGeom prst="rect">
-              <a:avLst/>
-            </a:prstGeom>
-            <a:ln w="12700">
-              <a:miter lim="400000"/>
-            </a:ln>
-          </p:spPr>
-        </p:pic>
-        <p:sp>
-          <p:nvSpPr>
-            <p:cNvPr id="161" name="Ciò significa che, con il progredire dell’algoritmo, le probabilità che una soluzione pessima venga accettata diminuiscono"/>
-            <p:cNvSpPr txBox="1"/>
-            <p:nvPr/>
-          </p:nvSpPr>
-          <p:spPr>
-            <a:xfrm>
-              <a:off x="367748" y="4809702"/>
-              <a:ext cx="5991139" cy="967739"/>
-            </a:xfrm>
-            <a:prstGeom prst="rect">
-              <a:avLst/>
-            </a:prstGeom>
-            <a:ln w="12700">
-              <a:miter lim="400000"/>
-            </a:ln>
-            <a:extLst>
-              <a:ext uri="{C572A759-6A51-4108-AA02-DFA0A04FC94B}">
-                <ma14:wrappingTextBoxFlag xmlns:ma14="http://schemas.microsoft.com/office/mac/drawingml/2011/main" xmlns="" val="1"/>
-              </a:ext>
-            </a:extLst>
-          </p:spPr>
-          <p:txBody>
-            <a:bodyPr lIns="45718" tIns="45718" rIns="45718" bIns="45718">
-              <a:spAutoFit/>
-            </a:bodyPr>
-            <a:lstStyle>
-              <a:lvl1pPr>
-                <a:defRPr sz="2000"/>
-              </a:lvl1pPr>
-            </a:lstStyle>
-            <a:p>
-              <a:r>
-                <a:rPr dirty="0" err="1"/>
-                <a:t>Ciò</a:t>
-              </a:r>
-              <a:r>
-                <a:rPr dirty="0"/>
-                <a:t> </a:t>
-              </a:r>
-              <a:r>
-                <a:rPr dirty="0" err="1"/>
-                <a:t>significa</a:t>
-              </a:r>
-              <a:r>
-                <a:rPr dirty="0"/>
-                <a:t> </a:t>
-              </a:r>
-              <a:r>
-                <a:rPr dirty="0" err="1"/>
-                <a:t>che</a:t>
-              </a:r>
-              <a:r>
-                <a:rPr dirty="0"/>
-                <a:t>, con </a:t>
-              </a:r>
-              <a:r>
-                <a:rPr dirty="0" err="1"/>
-                <a:t>il</a:t>
-              </a:r>
-              <a:r>
-                <a:rPr dirty="0"/>
-                <a:t> </a:t>
-              </a:r>
-              <a:r>
-                <a:rPr dirty="0" err="1"/>
-                <a:t>progredire</a:t>
-              </a:r>
-              <a:r>
-                <a:rPr dirty="0"/>
-                <a:t> </a:t>
-              </a:r>
-              <a:r>
-                <a:rPr dirty="0" err="1"/>
-                <a:t>dell’algoritmo</a:t>
-              </a:r>
-              <a:r>
-                <a:rPr dirty="0"/>
-                <a:t>, le </a:t>
-              </a:r>
-              <a:r>
-                <a:rPr dirty="0" err="1"/>
-                <a:t>probabilità</a:t>
-              </a:r>
-              <a:r>
-                <a:rPr dirty="0"/>
-                <a:t> </a:t>
-              </a:r>
-              <a:r>
-                <a:rPr dirty="0" err="1"/>
-                <a:t>che</a:t>
-              </a:r>
-              <a:r>
-                <a:rPr dirty="0"/>
-                <a:t> </a:t>
-              </a:r>
-              <a:r>
-                <a:rPr dirty="0" err="1"/>
-                <a:t>una</a:t>
-              </a:r>
-              <a:r>
-                <a:rPr dirty="0"/>
-                <a:t> </a:t>
-              </a:r>
-              <a:r>
-                <a:rPr dirty="0" err="1"/>
-                <a:t>soluzione</a:t>
-              </a:r>
-              <a:r>
-                <a:rPr dirty="0"/>
-                <a:t> </a:t>
-              </a:r>
-              <a:r>
-                <a:rPr dirty="0" err="1"/>
-                <a:t>pessima</a:t>
-              </a:r>
-              <a:r>
-                <a:rPr dirty="0"/>
-                <a:t> </a:t>
-              </a:r>
-              <a:r>
-                <a:rPr dirty="0" err="1"/>
-                <a:t>venga</a:t>
-              </a:r>
-              <a:r>
-                <a:rPr dirty="0"/>
-                <a:t> </a:t>
-              </a:r>
-              <a:r>
-                <a:rPr dirty="0" err="1"/>
-                <a:t>accettata</a:t>
-              </a:r>
-              <a:r>
-                <a:rPr dirty="0"/>
-                <a:t> </a:t>
-              </a:r>
-              <a:r>
-                <a:rPr dirty="0" err="1"/>
-                <a:t>diminuiscono</a:t>
-              </a:r>
-              <a:endParaRPr dirty="0"/>
-            </a:p>
-          </p:txBody>
-        </p:sp>
-      </p:grpSp>
-      <p:sp>
-        <p:nvSpPr>
-          <p:cNvPr id="3" name="CasellaDiTesto 2">
-            <a:extLst>
-              <a:ext uri="{FF2B5EF4-FFF2-40B4-BE49-F238E27FC236}">
-                <a16:creationId xmlns:a16="http://schemas.microsoft.com/office/drawing/2014/main" id="{93AF31B8-DD99-4DE4-BB1D-CA10623484F8}"/>
-              </a:ext>
-            </a:extLst>
-          </p:cNvPr>
-          <p:cNvSpPr txBox="1"/>
-          <p:nvPr/>
-        </p:nvSpPr>
-        <p:spPr>
-          <a:xfrm>
-            <a:off x="4053254" y="980904"/>
-            <a:ext cx="7281608" cy="1015659"/>
-          </a:xfrm>
-          <a:prstGeom prst="rect">
-            <a:avLst/>
-          </a:prstGeom>
-          <a:noFill/>
-          <a:ln w="12700" cap="flat">
-            <a:noFill/>
-            <a:miter lim="400000"/>
-          </a:ln>
-          <a:effectLst/>
-          <a:sp3d/>
-        </p:spPr>
-        <p:style>
-          <a:lnRef idx="0">
-            <a:scrgbClr r="0" g="0" b="0"/>
-          </a:lnRef>
-          <a:fillRef idx="0">
-            <a:scrgbClr r="0" g="0" b="0"/>
-          </a:fillRef>
-          <a:effectRef idx="0">
-            <a:scrgbClr r="0" g="0" b="0"/>
-          </a:effectRef>
-          <a:fontRef idx="none"/>
-        </p:style>
-        <p:txBody>
-          <a:bodyPr rot="0" spcFirstLastPara="1" vertOverflow="overflow" horzOverflow="overflow" vert="horz" wrap="square" lIns="45718" tIns="45718" rIns="45718" bIns="45718" numCol="1" spcCol="38100" rtlCol="0" anchor="t">
-            <a:spAutoFit/>
-          </a:bodyPr>
-          <a:lstStyle/>
-          <a:p>
-            <a:pPr>
-              <a:defRPr sz="2000"/>
-            </a:pPr>
-            <a:r>
-              <a:rPr lang="it-IT" dirty="0"/>
-              <a:t>Partendo da uno stato iniziale si applicano delle piccole perturbazioni al sistema e si sceglie se accettare la configurazione candidata tramite il </a:t>
-            </a:r>
-            <a:r>
-              <a:rPr lang="it-IT" b="1" dirty="0"/>
-              <a:t>criterio di </a:t>
-            </a:r>
-            <a:r>
-              <a:rPr lang="it-IT" b="1" dirty="0" err="1"/>
-              <a:t>Metropolis</a:t>
-            </a:r>
-            <a:r>
-              <a:rPr lang="it-IT" dirty="0"/>
-              <a:t>:</a:t>
-            </a:r>
-          </a:p>
-        </p:txBody>
-      </p:sp>
-      <p:grpSp>
-        <p:nvGrpSpPr>
-          <p:cNvPr id="5" name="Gruppo 4">
-            <a:extLst>
-              <a:ext uri="{FF2B5EF4-FFF2-40B4-BE49-F238E27FC236}">
-                <a16:creationId xmlns:a16="http://schemas.microsoft.com/office/drawing/2014/main" id="{6C81C55D-29E9-43BD-B295-EC052C229B68}"/>
-              </a:ext>
-            </a:extLst>
-          </p:cNvPr>
-          <p:cNvGrpSpPr/>
-          <p:nvPr/>
-        </p:nvGrpSpPr>
-        <p:grpSpPr>
-          <a:xfrm>
-            <a:off x="4053254" y="2182652"/>
+            <a:off x="6304314" y="1581285"/>
             <a:ext cx="5030548" cy="1847715"/>
             <a:chOff x="4053254" y="2186820"/>
             <a:chExt cx="5030548" cy="1847715"/>
@@ -8305,8 +10986,8 @@
         </p:blipFill>
         <p:spPr>
           <a:xfrm>
-            <a:off x="307910" y="980903"/>
-            <a:ext cx="3539038" cy="2360670"/>
+            <a:off x="307910" y="1581285"/>
+            <a:ext cx="5579777" cy="3721919"/>
           </a:xfrm>
           <a:prstGeom prst="rect">
             <a:avLst/>
@@ -8410,7 +11091,7 @@
             </a:r>
             <a:r>
               <a:rPr lang="it-IT" b="1" dirty="0"/>
-              <a:t>5</a:t>
+              <a:t>7</a:t>
             </a:r>
             <a:r>
               <a:rPr b="1" dirty="0"/>
@@ -8418,7 +11099,7 @@
             </a:r>
             <a:r>
               <a:rPr lang="it-IT" b="1" dirty="0"/>
-              <a:t>08</a:t>
+              <a:t>11</a:t>
             </a:r>
             <a:endParaRPr b="1" dirty="0"/>
           </a:p>
@@ -8633,1252 +11314,6 @@
         </p:txBody>
       </p:sp>
     </p:spTree>
-  </p:cSld>
-  <p:clrMapOvr>
-    <a:masterClrMapping/>
-  </p:clrMapOvr>
-</p:sld>
-</file>
-
-<file path=ppt/slides/slide7.xml><?xml version="1.0" encoding="utf-8"?>
-<p:sld xmlns:a="http://schemas.openxmlformats.org/drawingml/2006/main" xmlns:r="http://schemas.openxmlformats.org/officeDocument/2006/relationships" xmlns:p="http://schemas.openxmlformats.org/presentationml/2006/main">
-  <p:cSld>
-    <p:spTree>
-      <p:nvGrpSpPr>
-        <p:cNvPr id="1" name=""/>
-        <p:cNvGrpSpPr/>
-        <p:nvPr/>
-      </p:nvGrpSpPr>
-      <p:grpSpPr>
-        <a:xfrm>
-          <a:off x="0" y="0"/>
-          <a:ext cx="0" cy="0"/>
-          <a:chOff x="0" y="0"/>
-          <a:chExt cx="0" cy="0"/>
-        </a:xfrm>
-      </p:grpSpPr>
-      <p:sp>
-        <p:nvSpPr>
-          <p:cNvPr id="4" name="Rettangolo 3">
-            <a:extLst>
-              <a:ext uri="{FF2B5EF4-FFF2-40B4-BE49-F238E27FC236}">
-                <a16:creationId xmlns:a16="http://schemas.microsoft.com/office/drawing/2014/main" id="{0046B770-249D-4C15-AEC3-3A8C8E322FF4}"/>
-              </a:ext>
-            </a:extLst>
-          </p:cNvPr>
-          <p:cNvSpPr/>
-          <p:nvPr/>
-        </p:nvSpPr>
-        <p:spPr>
-          <a:xfrm>
-            <a:off x="0" y="0"/>
-            <a:ext cx="12192000" cy="531845"/>
-          </a:xfrm>
-          <a:prstGeom prst="rect">
-            <a:avLst/>
-          </a:prstGeom>
-          <a:solidFill>
-            <a:srgbClr val="C00000"/>
-          </a:solidFill>
-          <a:ln>
-            <a:solidFill>
-              <a:srgbClr val="C00000"/>
-            </a:solidFill>
-          </a:ln>
-        </p:spPr>
-        <p:style>
-          <a:lnRef idx="2">
-            <a:schemeClr val="accent1">
-              <a:shade val="50000"/>
-            </a:schemeClr>
-          </a:lnRef>
-          <a:fillRef idx="1">
-            <a:schemeClr val="accent1"/>
-          </a:fillRef>
-          <a:effectRef idx="0">
-            <a:schemeClr val="accent1"/>
-          </a:effectRef>
-          <a:fontRef idx="minor">
-            <a:schemeClr val="lt1"/>
-          </a:fontRef>
-        </p:style>
-        <p:txBody>
-          <a:bodyPr rtlCol="0" anchor="ctr"/>
-          <a:lstStyle/>
-          <a:p>
-            <a:pPr algn="ctr"/>
-            <a:endParaRPr lang="it-IT" sz="3200" dirty="0"/>
-          </a:p>
-        </p:txBody>
-      </p:sp>
-      <p:sp>
-        <p:nvSpPr>
-          <p:cNvPr id="5" name="CasellaDiTesto 4">
-            <a:extLst>
-              <a:ext uri="{FF2B5EF4-FFF2-40B4-BE49-F238E27FC236}">
-                <a16:creationId xmlns:a16="http://schemas.microsoft.com/office/drawing/2014/main" id="{55F0C18B-2ED8-4736-8D94-DACCEABC58D2}"/>
-              </a:ext>
-            </a:extLst>
-          </p:cNvPr>
-          <p:cNvSpPr txBox="1"/>
-          <p:nvPr/>
-        </p:nvSpPr>
-        <p:spPr>
-          <a:xfrm>
-            <a:off x="307910" y="102637"/>
-            <a:ext cx="3937519" cy="369332"/>
-          </a:xfrm>
-          <a:prstGeom prst="rect">
-            <a:avLst/>
-          </a:prstGeom>
-          <a:noFill/>
-        </p:spPr>
-        <p:txBody>
-          <a:bodyPr wrap="square" rtlCol="0">
-            <a:spAutoFit/>
-          </a:bodyPr>
-          <a:lstStyle/>
-          <a:p>
-            <a:r>
-              <a:rPr lang="it-IT" dirty="0">
-                <a:solidFill>
-                  <a:schemeClr val="bg1"/>
-                </a:solidFill>
-              </a:rPr>
-              <a:t>QUANTUM ANNEALER</a:t>
-            </a:r>
-          </a:p>
-        </p:txBody>
-      </p:sp>
-      <p:sp>
-        <p:nvSpPr>
-          <p:cNvPr id="6" name="CasellaDiTesto 5">
-            <a:extLst>
-              <a:ext uri="{FF2B5EF4-FFF2-40B4-BE49-F238E27FC236}">
-                <a16:creationId xmlns:a16="http://schemas.microsoft.com/office/drawing/2014/main" id="{B7485521-EE32-4184-8669-49BB837AC1C6}"/>
-              </a:ext>
-            </a:extLst>
-          </p:cNvPr>
-          <p:cNvSpPr txBox="1"/>
-          <p:nvPr/>
-        </p:nvSpPr>
-        <p:spPr>
-          <a:xfrm>
-            <a:off x="8378890" y="70838"/>
-            <a:ext cx="3629608" cy="369332"/>
-          </a:xfrm>
-          <a:prstGeom prst="rect">
-            <a:avLst/>
-          </a:prstGeom>
-          <a:noFill/>
-        </p:spPr>
-        <p:txBody>
-          <a:bodyPr wrap="square" rtlCol="0">
-            <a:spAutoFit/>
-          </a:bodyPr>
-          <a:lstStyle/>
-          <a:p>
-            <a:pPr algn="r"/>
-            <a:r>
-              <a:rPr lang="it-IT" b="1" dirty="0" err="1">
-                <a:solidFill>
-                  <a:schemeClr val="bg1"/>
-                </a:solidFill>
-              </a:rPr>
-              <a:t>Simulated</a:t>
-            </a:r>
-            <a:r>
-              <a:rPr lang="it-IT" b="1" dirty="0">
-                <a:solidFill>
-                  <a:schemeClr val="bg1"/>
-                </a:solidFill>
-              </a:rPr>
-              <a:t> Quantum </a:t>
-            </a:r>
-            <a:r>
-              <a:rPr lang="it-IT" b="1" dirty="0" err="1">
-                <a:solidFill>
-                  <a:schemeClr val="bg1"/>
-                </a:solidFill>
-              </a:rPr>
-              <a:t>Annealing</a:t>
-            </a:r>
-            <a:endParaRPr lang="it-IT" b="1" dirty="0">
-              <a:solidFill>
-                <a:schemeClr val="bg1"/>
-              </a:solidFill>
-            </a:endParaRPr>
-          </a:p>
-        </p:txBody>
-      </p:sp>
-      <p:pic>
-        <p:nvPicPr>
-          <p:cNvPr id="13" name="Immagine 12">
-            <a:extLst>
-              <a:ext uri="{FF2B5EF4-FFF2-40B4-BE49-F238E27FC236}">
-                <a16:creationId xmlns:a16="http://schemas.microsoft.com/office/drawing/2014/main" id="{DC26DB0E-AA8D-451C-8351-4ADE0808E248}"/>
-              </a:ext>
-            </a:extLst>
-          </p:cNvPr>
-          <p:cNvPicPr>
-            <a:picLocks noChangeAspect="1"/>
-          </p:cNvPicPr>
-          <p:nvPr/>
-        </p:nvPicPr>
-        <p:blipFill>
-          <a:blip r:embed="rId2">
-            <a:extLst>
-              <a:ext uri="{28A0092B-C50C-407E-A947-70E740481C1C}">
-                <a14:useLocalDpi xmlns:a14="http://schemas.microsoft.com/office/drawing/2010/main" val="0"/>
-              </a:ext>
-            </a:extLst>
-          </a:blip>
-          <a:stretch>
-            <a:fillRect/>
-          </a:stretch>
-        </p:blipFill>
-        <p:spPr>
-          <a:xfrm>
-            <a:off x="862463" y="1346170"/>
-            <a:ext cx="2011366" cy="2011366"/>
-          </a:xfrm>
-          <a:prstGeom prst="rect">
-            <a:avLst/>
-          </a:prstGeom>
-        </p:spPr>
-      </p:pic>
-      <p:pic>
-        <p:nvPicPr>
-          <p:cNvPr id="14" name="Immagine 13">
-            <a:extLst>
-              <a:ext uri="{FF2B5EF4-FFF2-40B4-BE49-F238E27FC236}">
-                <a16:creationId xmlns:a16="http://schemas.microsoft.com/office/drawing/2014/main" id="{9A7F03F4-48C6-4CFE-94C0-A083B1C2CCFA}"/>
-              </a:ext>
-            </a:extLst>
-          </p:cNvPr>
-          <p:cNvPicPr>
-            <a:picLocks noChangeAspect="1"/>
-          </p:cNvPicPr>
-          <p:nvPr/>
-        </p:nvPicPr>
-        <p:blipFill>
-          <a:blip r:embed="rId2">
-            <a:extLst>
-              <a:ext uri="{28A0092B-C50C-407E-A947-70E740481C1C}">
-                <a14:useLocalDpi xmlns:a14="http://schemas.microsoft.com/office/drawing/2010/main" val="0"/>
-              </a:ext>
-            </a:extLst>
-          </a:blip>
-          <a:stretch>
-            <a:fillRect/>
-          </a:stretch>
-        </p:blipFill>
-        <p:spPr>
-          <a:xfrm>
-            <a:off x="5089229" y="1417634"/>
-            <a:ext cx="2011366" cy="2011366"/>
-          </a:xfrm>
-          <a:prstGeom prst="rect">
-            <a:avLst/>
-          </a:prstGeom>
-        </p:spPr>
-      </p:pic>
-      <p:pic>
-        <p:nvPicPr>
-          <p:cNvPr id="15" name="Immagine 14">
-            <a:extLst>
-              <a:ext uri="{FF2B5EF4-FFF2-40B4-BE49-F238E27FC236}">
-                <a16:creationId xmlns:a16="http://schemas.microsoft.com/office/drawing/2014/main" id="{C0032FCB-0952-4DBF-BE7E-286B1B46EA4C}"/>
-              </a:ext>
-            </a:extLst>
-          </p:cNvPr>
-          <p:cNvPicPr>
-            <a:picLocks noChangeAspect="1"/>
-          </p:cNvPicPr>
-          <p:nvPr/>
-        </p:nvPicPr>
-        <p:blipFill>
-          <a:blip r:embed="rId2">
-            <a:extLst>
-              <a:ext uri="{28A0092B-C50C-407E-A947-70E740481C1C}">
-                <a14:useLocalDpi xmlns:a14="http://schemas.microsoft.com/office/drawing/2010/main" val="0"/>
-              </a:ext>
-            </a:extLst>
-          </a:blip>
-          <a:stretch>
-            <a:fillRect/>
-          </a:stretch>
-        </p:blipFill>
-        <p:spPr>
-          <a:xfrm>
-            <a:off x="9315996" y="1417634"/>
-            <a:ext cx="2011366" cy="2011366"/>
-          </a:xfrm>
-          <a:prstGeom prst="rect">
-            <a:avLst/>
-          </a:prstGeom>
-        </p:spPr>
-      </p:pic>
-      <p:pic>
-        <p:nvPicPr>
-          <p:cNvPr id="17" name="Immagine 16" descr="Immagine che contiene edificio&#10;&#10;Descrizione generata con affidabilità elevata">
-            <a:extLst>
-              <a:ext uri="{FF2B5EF4-FFF2-40B4-BE49-F238E27FC236}">
-                <a16:creationId xmlns:a16="http://schemas.microsoft.com/office/drawing/2014/main" id="{26022D7F-482A-4416-92F9-B360AB888632}"/>
-              </a:ext>
-            </a:extLst>
-          </p:cNvPr>
-          <p:cNvPicPr>
-            <a:picLocks noChangeAspect="1"/>
-          </p:cNvPicPr>
-          <p:nvPr/>
-        </p:nvPicPr>
-        <p:blipFill>
-          <a:blip r:embed="rId3" cstate="print">
-            <a:extLst>
-              <a:ext uri="{28A0092B-C50C-407E-A947-70E740481C1C}">
-                <a14:useLocalDpi xmlns:a14="http://schemas.microsoft.com/office/drawing/2010/main" val="0"/>
-              </a:ext>
-            </a:extLst>
-          </a:blip>
-          <a:stretch>
-            <a:fillRect/>
-          </a:stretch>
-        </p:blipFill>
-        <p:spPr>
-          <a:xfrm>
-            <a:off x="186612" y="4070956"/>
-            <a:ext cx="3901440" cy="2127504"/>
-          </a:xfrm>
-          <a:prstGeom prst="rect">
-            <a:avLst/>
-          </a:prstGeom>
-        </p:spPr>
-      </p:pic>
-      <p:sp>
-        <p:nvSpPr>
-          <p:cNvPr id="18" name="CasellaDiTesto 17">
-            <a:extLst>
-              <a:ext uri="{FF2B5EF4-FFF2-40B4-BE49-F238E27FC236}">
-                <a16:creationId xmlns:a16="http://schemas.microsoft.com/office/drawing/2014/main" id="{91A3B27D-2F1B-4E81-93E7-219280EF9337}"/>
-              </a:ext>
-            </a:extLst>
-          </p:cNvPr>
-          <p:cNvSpPr txBox="1"/>
-          <p:nvPr/>
-        </p:nvSpPr>
-        <p:spPr>
-          <a:xfrm>
-            <a:off x="908577" y="813989"/>
-            <a:ext cx="1243285" cy="523216"/>
-          </a:xfrm>
-          <a:prstGeom prst="rect">
-            <a:avLst/>
-          </a:prstGeom>
-          <a:noFill/>
-          <a:ln w="12700" cap="flat">
-            <a:noFill/>
-            <a:miter lim="400000"/>
-          </a:ln>
-          <a:effectLst/>
-          <a:sp3d/>
-        </p:spPr>
-        <p:style>
-          <a:lnRef idx="0">
-            <a:scrgbClr r="0" g="0" b="0"/>
-          </a:lnRef>
-          <a:fillRef idx="0">
-            <a:scrgbClr r="0" g="0" b="0"/>
-          </a:fillRef>
-          <a:effectRef idx="0">
-            <a:scrgbClr r="0" g="0" b="0"/>
-          </a:effectRef>
-          <a:fontRef idx="none"/>
-        </p:style>
-        <p:txBody>
-          <a:bodyPr rot="0" spcFirstLastPara="1" vertOverflow="overflow" horzOverflow="overflow" vert="horz" wrap="none" lIns="45718" tIns="45718" rIns="45718" bIns="45718" numCol="1" spcCol="38100" rtlCol="0" anchor="t">
-            <a:spAutoFit/>
-          </a:bodyPr>
-          <a:lstStyle/>
-          <a:p>
-            <a:pPr marL="0" marR="0" indent="0" algn="l" defTabSz="914400" rtl="0" fontAlgn="auto" latinLnBrk="0" hangingPunct="0">
-              <a:lnSpc>
-                <a:spcPct val="100000"/>
-              </a:lnSpc>
-              <a:spcBef>
-                <a:spcPts val="0"/>
-              </a:spcBef>
-              <a:spcAft>
-                <a:spcPts val="0"/>
-              </a:spcAft>
-              <a:buClrTx/>
-              <a:buSzTx/>
-              <a:buFontTx/>
-              <a:buNone/>
-              <a:tabLst/>
-            </a:pPr>
-            <a:r>
-              <a:rPr kumimoji="0" lang="it-IT" sz="2800" b="1" i="0" u="none" strike="noStrike" cap="none" spc="0" normalizeH="0" baseline="0" dirty="0">
-                <a:ln>
-                  <a:noFill/>
-                </a:ln>
-                <a:solidFill>
-                  <a:srgbClr val="000000"/>
-                </a:solidFill>
-                <a:effectLst/>
-                <a:uFillTx/>
-                <a:latin typeface="+mn-lt"/>
-                <a:ea typeface="+mn-ea"/>
-                <a:cs typeface="+mn-cs"/>
-                <a:sym typeface="Calibri"/>
-              </a:rPr>
-              <a:t>&lt;PIMC&gt;</a:t>
-            </a:r>
-          </a:p>
-        </p:txBody>
-      </p:sp>
-      <p:sp>
-        <p:nvSpPr>
-          <p:cNvPr id="19" name="CasellaDiTesto 18">
-            <a:extLst>
-              <a:ext uri="{FF2B5EF4-FFF2-40B4-BE49-F238E27FC236}">
-                <a16:creationId xmlns:a16="http://schemas.microsoft.com/office/drawing/2014/main" id="{10056536-6EB3-4EAB-BBCB-E9FD622B99BC}"/>
-              </a:ext>
-            </a:extLst>
-          </p:cNvPr>
-          <p:cNvSpPr txBox="1"/>
-          <p:nvPr/>
-        </p:nvSpPr>
-        <p:spPr>
-          <a:xfrm>
-            <a:off x="5311302" y="813989"/>
-            <a:ext cx="1567220" cy="523216"/>
-          </a:xfrm>
-          <a:prstGeom prst="rect">
-            <a:avLst/>
-          </a:prstGeom>
-          <a:noFill/>
-          <a:ln w="12700" cap="flat">
-            <a:noFill/>
-            <a:miter lim="400000"/>
-          </a:ln>
-          <a:effectLst/>
-          <a:sp3d/>
-        </p:spPr>
-        <p:style>
-          <a:lnRef idx="0">
-            <a:scrgbClr r="0" g="0" b="0"/>
-          </a:lnRef>
-          <a:fillRef idx="0">
-            <a:scrgbClr r="0" g="0" b="0"/>
-          </a:fillRef>
-          <a:effectRef idx="0">
-            <a:scrgbClr r="0" g="0" b="0"/>
-          </a:effectRef>
-          <a:fontRef idx="none"/>
-        </p:style>
-        <p:txBody>
-          <a:bodyPr rot="0" spcFirstLastPara="1" vertOverflow="overflow" horzOverflow="overflow" vert="horz" wrap="none" lIns="45718" tIns="45718" rIns="45718" bIns="45718" numCol="1" spcCol="38100" rtlCol="0" anchor="t">
-            <a:spAutoFit/>
-          </a:bodyPr>
-          <a:lstStyle/>
-          <a:p>
-            <a:pPr marL="0" marR="0" indent="0" algn="l" defTabSz="914400" rtl="0" fontAlgn="auto" latinLnBrk="0" hangingPunct="0">
-              <a:lnSpc>
-                <a:spcPct val="100000"/>
-              </a:lnSpc>
-              <a:spcBef>
-                <a:spcPts val="0"/>
-              </a:spcBef>
-              <a:spcAft>
-                <a:spcPts val="0"/>
-              </a:spcAft>
-              <a:buClrTx/>
-              <a:buSzTx/>
-              <a:buFontTx/>
-              <a:buNone/>
-              <a:tabLst/>
-            </a:pPr>
-            <a:r>
-              <a:rPr kumimoji="0" lang="it-IT" sz="2800" b="1" i="0" u="none" strike="noStrike" cap="none" spc="0" normalizeH="0" baseline="0" dirty="0">
-                <a:ln>
-                  <a:noFill/>
-                </a:ln>
-                <a:solidFill>
-                  <a:srgbClr val="000000"/>
-                </a:solidFill>
-                <a:effectLst/>
-                <a:uFillTx/>
-                <a:latin typeface="+mn-lt"/>
-                <a:ea typeface="+mn-ea"/>
-                <a:cs typeface="+mn-cs"/>
-                <a:sym typeface="Calibri"/>
-              </a:rPr>
-              <a:t>&lt;CT-</a:t>
-            </a:r>
-            <a:r>
-              <a:rPr kumimoji="0" lang="it-IT" sz="2800" b="1" i="0" strike="noStrike" cap="none" spc="0" normalizeH="0" baseline="0" dirty="0">
-                <a:ln>
-                  <a:noFill/>
-                </a:ln>
-                <a:solidFill>
-                  <a:srgbClr val="000000"/>
-                </a:solidFill>
-                <a:effectLst/>
-                <a:uFillTx/>
-                <a:latin typeface="+mn-lt"/>
-                <a:ea typeface="+mn-ea"/>
-                <a:cs typeface="+mn-cs"/>
-                <a:sym typeface="Calibri"/>
-              </a:rPr>
-              <a:t>SQA&gt;</a:t>
-            </a:r>
-          </a:p>
-        </p:txBody>
-      </p:sp>
-      <p:sp>
-        <p:nvSpPr>
-          <p:cNvPr id="20" name="CasellaDiTesto 19">
-            <a:extLst>
-              <a:ext uri="{FF2B5EF4-FFF2-40B4-BE49-F238E27FC236}">
-                <a16:creationId xmlns:a16="http://schemas.microsoft.com/office/drawing/2014/main" id="{8E979043-990E-4926-9634-E20378EB4140}"/>
-              </a:ext>
-            </a:extLst>
-          </p:cNvPr>
-          <p:cNvSpPr txBox="1"/>
-          <p:nvPr/>
-        </p:nvSpPr>
-        <p:spPr>
-          <a:xfrm>
-            <a:off x="9395849" y="813103"/>
-            <a:ext cx="1595689" cy="523216"/>
-          </a:xfrm>
-          <a:prstGeom prst="rect">
-            <a:avLst/>
-          </a:prstGeom>
-          <a:noFill/>
-          <a:ln w="12700" cap="flat">
-            <a:noFill/>
-            <a:miter lim="400000"/>
-          </a:ln>
-          <a:effectLst/>
-          <a:sp3d/>
-        </p:spPr>
-        <p:style>
-          <a:lnRef idx="0">
-            <a:scrgbClr r="0" g="0" b="0"/>
-          </a:lnRef>
-          <a:fillRef idx="0">
-            <a:scrgbClr r="0" g="0" b="0"/>
-          </a:fillRef>
-          <a:effectRef idx="0">
-            <a:scrgbClr r="0" g="0" b="0"/>
-          </a:effectRef>
-          <a:fontRef idx="none"/>
-        </p:style>
-        <p:txBody>
-          <a:bodyPr rot="0" spcFirstLastPara="1" vertOverflow="overflow" horzOverflow="overflow" vert="horz" wrap="none" lIns="45718" tIns="45718" rIns="45718" bIns="45718" numCol="1" spcCol="38100" rtlCol="0" anchor="t">
-            <a:spAutoFit/>
-          </a:bodyPr>
-          <a:lstStyle/>
-          <a:p>
-            <a:pPr marL="0" marR="0" indent="0" algn="l" defTabSz="914400" rtl="0" fontAlgn="auto" latinLnBrk="0" hangingPunct="0">
-              <a:lnSpc>
-                <a:spcPct val="100000"/>
-              </a:lnSpc>
-              <a:spcBef>
-                <a:spcPts val="0"/>
-              </a:spcBef>
-              <a:spcAft>
-                <a:spcPts val="0"/>
-              </a:spcAft>
-              <a:buClrTx/>
-              <a:buSzTx/>
-              <a:buFontTx/>
-              <a:buNone/>
-              <a:tabLst/>
-            </a:pPr>
-            <a:r>
-              <a:rPr kumimoji="0" lang="it-IT" sz="2800" b="1" i="0" u="none" strike="noStrike" cap="none" spc="0" normalizeH="0" baseline="0" dirty="0">
-                <a:ln>
-                  <a:noFill/>
-                </a:ln>
-                <a:solidFill>
-                  <a:srgbClr val="000000"/>
-                </a:solidFill>
-                <a:effectLst/>
-                <a:uFillTx/>
-                <a:latin typeface="+mn-lt"/>
-                <a:ea typeface="+mn-ea"/>
-                <a:cs typeface="+mn-cs"/>
-                <a:sym typeface="Calibri"/>
-              </a:rPr>
-              <a:t>&lt;DT-SQA&gt;</a:t>
-            </a:r>
-          </a:p>
-        </p:txBody>
-      </p:sp>
-      <p:sp>
-        <p:nvSpPr>
-          <p:cNvPr id="21" name="Rettangolo 6">
-            <a:extLst>
-              <a:ext uri="{FF2B5EF4-FFF2-40B4-BE49-F238E27FC236}">
-                <a16:creationId xmlns:a16="http://schemas.microsoft.com/office/drawing/2014/main" id="{45309E97-3A41-4436-AB29-64AAA11B09B0}"/>
-              </a:ext>
-            </a:extLst>
-          </p:cNvPr>
-          <p:cNvSpPr/>
-          <p:nvPr/>
-        </p:nvSpPr>
-        <p:spPr>
-          <a:xfrm>
-            <a:off x="0" y="6568750"/>
-            <a:ext cx="12192000" cy="289251"/>
-          </a:xfrm>
-          <a:prstGeom prst="rect">
-            <a:avLst/>
-          </a:prstGeom>
-          <a:solidFill>
-            <a:srgbClr val="C00000"/>
-          </a:solidFill>
-          <a:ln w="12700">
-            <a:solidFill>
-              <a:srgbClr val="C00000"/>
-            </a:solidFill>
-            <a:miter/>
-          </a:ln>
-        </p:spPr>
-        <p:txBody>
-          <a:bodyPr lIns="45718" tIns="45718" rIns="45718" bIns="45718" anchor="ctr"/>
-          <a:lstStyle/>
-          <a:p>
-            <a:pPr algn="ctr">
-              <a:defRPr>
-                <a:solidFill>
-                  <a:srgbClr val="FFFFFF"/>
-                </a:solidFill>
-              </a:defRPr>
-            </a:pPr>
-            <a:endParaRPr/>
-          </a:p>
-        </p:txBody>
-      </p:sp>
-      <p:sp>
-        <p:nvSpPr>
-          <p:cNvPr id="22" name="CasellaDiTesto 7">
-            <a:extLst>
-              <a:ext uri="{FF2B5EF4-FFF2-40B4-BE49-F238E27FC236}">
-                <a16:creationId xmlns:a16="http://schemas.microsoft.com/office/drawing/2014/main" id="{D8DA0A7A-67C0-41E4-B437-9AB6B96172E4}"/>
-              </a:ext>
-            </a:extLst>
-          </p:cNvPr>
-          <p:cNvSpPr txBox="1"/>
-          <p:nvPr/>
-        </p:nvSpPr>
-        <p:spPr>
-          <a:xfrm>
-            <a:off x="11327362" y="6568750"/>
-            <a:ext cx="864637" cy="310517"/>
-          </a:xfrm>
-          <a:prstGeom prst="rect">
-            <a:avLst/>
-          </a:prstGeom>
-          <a:ln w="12700">
-            <a:miter lim="400000"/>
-          </a:ln>
-          <a:extLst>
-            <a:ext uri="{C572A759-6A51-4108-AA02-DFA0A04FC94B}">
-              <ma14:wrappingTextBoxFlag xmlns:ma14="http://schemas.microsoft.com/office/mac/drawingml/2011/main" xmlns="" val="1"/>
-            </a:ext>
-          </a:extLst>
-        </p:spPr>
-        <p:txBody>
-          <a:bodyPr lIns="45718" tIns="45718" rIns="45718" bIns="45718">
-            <a:normAutofit/>
-          </a:bodyPr>
-          <a:lstStyle>
-            <a:lvl1pPr defTabSz="868680">
-              <a:lnSpc>
-                <a:spcPct val="80000"/>
-              </a:lnSpc>
-              <a:defRPr sz="1400">
-                <a:solidFill>
-                  <a:srgbClr val="FFFFFF"/>
-                </a:solidFill>
-              </a:defRPr>
-            </a:lvl1pPr>
-          </a:lstStyle>
-          <a:p>
-            <a:r>
-              <a:rPr b="1" dirty="0"/>
-              <a:t>0</a:t>
-            </a:r>
-            <a:r>
-              <a:rPr lang="it-IT" b="1" dirty="0"/>
-              <a:t>6</a:t>
-            </a:r>
-            <a:r>
-              <a:rPr b="1" dirty="0"/>
-              <a:t>/</a:t>
-            </a:r>
-            <a:r>
-              <a:rPr lang="it-IT" b="1" dirty="0"/>
-              <a:t>08</a:t>
-            </a:r>
-            <a:endParaRPr b="1" dirty="0"/>
-          </a:p>
-        </p:txBody>
-      </p:sp>
-      <p:sp>
-        <p:nvSpPr>
-          <p:cNvPr id="23" name="CasellaDiTesto 10">
-            <a:extLst>
-              <a:ext uri="{FF2B5EF4-FFF2-40B4-BE49-F238E27FC236}">
-                <a16:creationId xmlns:a16="http://schemas.microsoft.com/office/drawing/2014/main" id="{A5280E4F-311B-4E6A-B7E8-9019B9C6C32F}"/>
-              </a:ext>
-            </a:extLst>
-          </p:cNvPr>
-          <p:cNvSpPr txBox="1"/>
-          <p:nvPr/>
-        </p:nvSpPr>
-        <p:spPr>
-          <a:xfrm>
-            <a:off x="186612" y="6568750"/>
-            <a:ext cx="2687217" cy="310517"/>
-          </a:xfrm>
-          <a:prstGeom prst="rect">
-            <a:avLst/>
-          </a:prstGeom>
-          <a:ln w="12700">
-            <a:miter lim="400000"/>
-          </a:ln>
-          <a:extLst>
-            <a:ext uri="{C572A759-6A51-4108-AA02-DFA0A04FC94B}">
-              <ma14:wrappingTextBoxFlag xmlns:ma14="http://schemas.microsoft.com/office/mac/drawingml/2011/main" xmlns="" val="1"/>
-            </a:ext>
-          </a:extLst>
-        </p:spPr>
-        <p:txBody>
-          <a:bodyPr lIns="45718" tIns="45718" rIns="45718" bIns="45718">
-            <a:normAutofit/>
-          </a:bodyPr>
-          <a:lstStyle>
-            <a:lvl1pPr defTabSz="868680">
-              <a:lnSpc>
-                <a:spcPct val="80000"/>
-              </a:lnSpc>
-              <a:defRPr sz="1400">
-                <a:solidFill>
-                  <a:srgbClr val="FFFFFF"/>
-                </a:solidFill>
-              </a:defRPr>
-            </a:lvl1pPr>
-          </a:lstStyle>
-          <a:p>
-            <a:r>
-              <a:rPr lang="it-IT" b="1" dirty="0"/>
-              <a:t>Federico Berra</a:t>
-            </a:r>
-            <a:endParaRPr b="1" dirty="0"/>
-          </a:p>
-        </p:txBody>
-      </p:sp>
-    </p:spTree>
-    <p:extLst>
-      <p:ext uri="{BB962C8B-B14F-4D97-AF65-F5344CB8AC3E}">
-        <p14:creationId xmlns:p14="http://schemas.microsoft.com/office/powerpoint/2010/main" val="2422234101"/>
-      </p:ext>
-    </p:extLst>
-  </p:cSld>
-  <p:clrMapOvr>
-    <a:masterClrMapping/>
-  </p:clrMapOvr>
-</p:sld>
-</file>
-
-<file path=ppt/slides/slide8.xml><?xml version="1.0" encoding="utf-8"?>
-<p:sld xmlns:a="http://schemas.openxmlformats.org/drawingml/2006/main" xmlns:r="http://schemas.openxmlformats.org/officeDocument/2006/relationships" xmlns:p="http://schemas.openxmlformats.org/presentationml/2006/main">
-  <p:cSld>
-    <p:spTree>
-      <p:nvGrpSpPr>
-        <p:cNvPr id="1" name=""/>
-        <p:cNvGrpSpPr/>
-        <p:nvPr/>
-      </p:nvGrpSpPr>
-      <p:grpSpPr>
-        <a:xfrm>
-          <a:off x="0" y="0"/>
-          <a:ext cx="0" cy="0"/>
-          <a:chOff x="0" y="0"/>
-          <a:chExt cx="0" cy="0"/>
-        </a:xfrm>
-      </p:grpSpPr>
-      <p:sp>
-        <p:nvSpPr>
-          <p:cNvPr id="4" name="Rettangolo 3">
-            <a:extLst>
-              <a:ext uri="{FF2B5EF4-FFF2-40B4-BE49-F238E27FC236}">
-                <a16:creationId xmlns:a16="http://schemas.microsoft.com/office/drawing/2014/main" id="{0046B770-249D-4C15-AEC3-3A8C8E322FF4}"/>
-              </a:ext>
-            </a:extLst>
-          </p:cNvPr>
-          <p:cNvSpPr/>
-          <p:nvPr/>
-        </p:nvSpPr>
-        <p:spPr>
-          <a:xfrm>
-            <a:off x="0" y="0"/>
-            <a:ext cx="12192000" cy="531845"/>
-          </a:xfrm>
-          <a:prstGeom prst="rect">
-            <a:avLst/>
-          </a:prstGeom>
-          <a:solidFill>
-            <a:srgbClr val="C00000"/>
-          </a:solidFill>
-          <a:ln>
-            <a:solidFill>
-              <a:srgbClr val="C00000"/>
-            </a:solidFill>
-          </a:ln>
-        </p:spPr>
-        <p:style>
-          <a:lnRef idx="2">
-            <a:schemeClr val="accent1">
-              <a:shade val="50000"/>
-            </a:schemeClr>
-          </a:lnRef>
-          <a:fillRef idx="1">
-            <a:schemeClr val="accent1"/>
-          </a:fillRef>
-          <a:effectRef idx="0">
-            <a:schemeClr val="accent1"/>
-          </a:effectRef>
-          <a:fontRef idx="minor">
-            <a:schemeClr val="lt1"/>
-          </a:fontRef>
-        </p:style>
-        <p:txBody>
-          <a:bodyPr rtlCol="0" anchor="ctr"/>
-          <a:lstStyle/>
-          <a:p>
-            <a:pPr algn="ctr"/>
-            <a:endParaRPr lang="it-IT" sz="3200" dirty="0"/>
-          </a:p>
-        </p:txBody>
-      </p:sp>
-      <p:sp>
-        <p:nvSpPr>
-          <p:cNvPr id="5" name="CasellaDiTesto 4">
-            <a:extLst>
-              <a:ext uri="{FF2B5EF4-FFF2-40B4-BE49-F238E27FC236}">
-                <a16:creationId xmlns:a16="http://schemas.microsoft.com/office/drawing/2014/main" id="{55F0C18B-2ED8-4736-8D94-DACCEABC58D2}"/>
-              </a:ext>
-            </a:extLst>
-          </p:cNvPr>
-          <p:cNvSpPr txBox="1"/>
-          <p:nvPr/>
-        </p:nvSpPr>
-        <p:spPr>
-          <a:xfrm>
-            <a:off x="307910" y="102637"/>
-            <a:ext cx="3937519" cy="369332"/>
-          </a:xfrm>
-          <a:prstGeom prst="rect">
-            <a:avLst/>
-          </a:prstGeom>
-          <a:noFill/>
-        </p:spPr>
-        <p:txBody>
-          <a:bodyPr wrap="square" rtlCol="0">
-            <a:spAutoFit/>
-          </a:bodyPr>
-          <a:lstStyle/>
-          <a:p>
-            <a:r>
-              <a:rPr lang="it-IT" dirty="0">
-                <a:solidFill>
-                  <a:schemeClr val="bg1"/>
-                </a:solidFill>
-              </a:rPr>
-              <a:t>QUANTUM ANNEALER</a:t>
-            </a:r>
-          </a:p>
-        </p:txBody>
-      </p:sp>
-      <p:sp>
-        <p:nvSpPr>
-          <p:cNvPr id="6" name="CasellaDiTesto 5">
-            <a:extLst>
-              <a:ext uri="{FF2B5EF4-FFF2-40B4-BE49-F238E27FC236}">
-                <a16:creationId xmlns:a16="http://schemas.microsoft.com/office/drawing/2014/main" id="{B7485521-EE32-4184-8669-49BB837AC1C6}"/>
-              </a:ext>
-            </a:extLst>
-          </p:cNvPr>
-          <p:cNvSpPr txBox="1"/>
-          <p:nvPr/>
-        </p:nvSpPr>
-        <p:spPr>
-          <a:xfrm>
-            <a:off x="8378890" y="70838"/>
-            <a:ext cx="3629608" cy="369332"/>
-          </a:xfrm>
-          <a:prstGeom prst="rect">
-            <a:avLst/>
-          </a:prstGeom>
-          <a:noFill/>
-        </p:spPr>
-        <p:txBody>
-          <a:bodyPr wrap="square" rtlCol="0">
-            <a:spAutoFit/>
-          </a:bodyPr>
-          <a:lstStyle/>
-          <a:p>
-            <a:pPr algn="r"/>
-            <a:r>
-              <a:rPr lang="it-IT" b="1" dirty="0">
-                <a:solidFill>
-                  <a:schemeClr val="bg1"/>
-                </a:solidFill>
-              </a:rPr>
-              <a:t>Simulazioni</a:t>
-            </a:r>
-          </a:p>
-        </p:txBody>
-      </p:sp>
-      <p:sp>
-        <p:nvSpPr>
-          <p:cNvPr id="10" name="Rettangolo 6">
-            <a:extLst>
-              <a:ext uri="{FF2B5EF4-FFF2-40B4-BE49-F238E27FC236}">
-                <a16:creationId xmlns:a16="http://schemas.microsoft.com/office/drawing/2014/main" id="{235EB87E-0A24-4038-AA3D-4DBF2540C147}"/>
-              </a:ext>
-            </a:extLst>
-          </p:cNvPr>
-          <p:cNvSpPr/>
-          <p:nvPr/>
-        </p:nvSpPr>
-        <p:spPr>
-          <a:xfrm>
-            <a:off x="0" y="6568750"/>
-            <a:ext cx="12192000" cy="289251"/>
-          </a:xfrm>
-          <a:prstGeom prst="rect">
-            <a:avLst/>
-          </a:prstGeom>
-          <a:solidFill>
-            <a:srgbClr val="C00000"/>
-          </a:solidFill>
-          <a:ln w="12700">
-            <a:solidFill>
-              <a:srgbClr val="C00000"/>
-            </a:solidFill>
-            <a:miter/>
-          </a:ln>
-        </p:spPr>
-        <p:txBody>
-          <a:bodyPr lIns="45718" tIns="45718" rIns="45718" bIns="45718" anchor="ctr"/>
-          <a:lstStyle/>
-          <a:p>
-            <a:pPr algn="ctr">
-              <a:defRPr>
-                <a:solidFill>
-                  <a:srgbClr val="FFFFFF"/>
-                </a:solidFill>
-              </a:defRPr>
-            </a:pPr>
-            <a:endParaRPr/>
-          </a:p>
-        </p:txBody>
-      </p:sp>
-      <p:sp>
-        <p:nvSpPr>
-          <p:cNvPr id="12" name="CasellaDiTesto 7">
-            <a:extLst>
-              <a:ext uri="{FF2B5EF4-FFF2-40B4-BE49-F238E27FC236}">
-                <a16:creationId xmlns:a16="http://schemas.microsoft.com/office/drawing/2014/main" id="{CCDCC8C5-3E01-4A75-875A-69C739355976}"/>
-              </a:ext>
-            </a:extLst>
-          </p:cNvPr>
-          <p:cNvSpPr txBox="1"/>
-          <p:nvPr/>
-        </p:nvSpPr>
-        <p:spPr>
-          <a:xfrm>
-            <a:off x="11327362" y="6568750"/>
-            <a:ext cx="864637" cy="310517"/>
-          </a:xfrm>
-          <a:prstGeom prst="rect">
-            <a:avLst/>
-          </a:prstGeom>
-          <a:ln w="12700">
-            <a:miter lim="400000"/>
-          </a:ln>
-          <a:extLst>
-            <a:ext uri="{C572A759-6A51-4108-AA02-DFA0A04FC94B}">
-              <ma14:wrappingTextBoxFlag xmlns:ma14="http://schemas.microsoft.com/office/mac/drawingml/2011/main" xmlns="" val="1"/>
-            </a:ext>
-          </a:extLst>
-        </p:spPr>
-        <p:txBody>
-          <a:bodyPr lIns="45718" tIns="45718" rIns="45718" bIns="45718">
-            <a:normAutofit/>
-          </a:bodyPr>
-          <a:lstStyle>
-            <a:lvl1pPr defTabSz="868680">
-              <a:lnSpc>
-                <a:spcPct val="80000"/>
-              </a:lnSpc>
-              <a:defRPr sz="1400">
-                <a:solidFill>
-                  <a:srgbClr val="FFFFFF"/>
-                </a:solidFill>
-              </a:defRPr>
-            </a:lvl1pPr>
-          </a:lstStyle>
-          <a:p>
-            <a:r>
-              <a:rPr b="1" dirty="0"/>
-              <a:t>0</a:t>
-            </a:r>
-            <a:r>
-              <a:rPr lang="it-IT" b="1" dirty="0"/>
-              <a:t>7</a:t>
-            </a:r>
-            <a:r>
-              <a:rPr b="1" dirty="0"/>
-              <a:t>/</a:t>
-            </a:r>
-            <a:r>
-              <a:rPr lang="it-IT" b="1" dirty="0"/>
-              <a:t>08</a:t>
-            </a:r>
-            <a:endParaRPr b="1" dirty="0"/>
-          </a:p>
-        </p:txBody>
-      </p:sp>
-      <p:sp>
-        <p:nvSpPr>
-          <p:cNvPr id="13" name="CasellaDiTesto 10">
-            <a:extLst>
-              <a:ext uri="{FF2B5EF4-FFF2-40B4-BE49-F238E27FC236}">
-                <a16:creationId xmlns:a16="http://schemas.microsoft.com/office/drawing/2014/main" id="{051B5651-210A-4593-A321-7F995CAC5DE2}"/>
-              </a:ext>
-            </a:extLst>
-          </p:cNvPr>
-          <p:cNvSpPr txBox="1"/>
-          <p:nvPr/>
-        </p:nvSpPr>
-        <p:spPr>
-          <a:xfrm>
-            <a:off x="186612" y="6568750"/>
-            <a:ext cx="2687217" cy="310517"/>
-          </a:xfrm>
-          <a:prstGeom prst="rect">
-            <a:avLst/>
-          </a:prstGeom>
-          <a:ln w="12700">
-            <a:miter lim="400000"/>
-          </a:ln>
-          <a:extLst>
-            <a:ext uri="{C572A759-6A51-4108-AA02-DFA0A04FC94B}">
-              <ma14:wrappingTextBoxFlag xmlns:ma14="http://schemas.microsoft.com/office/mac/drawingml/2011/main" xmlns="" val="1"/>
-            </a:ext>
-          </a:extLst>
-        </p:spPr>
-        <p:txBody>
-          <a:bodyPr lIns="45718" tIns="45718" rIns="45718" bIns="45718">
-            <a:normAutofit/>
-          </a:bodyPr>
-          <a:lstStyle>
-            <a:lvl1pPr defTabSz="868680">
-              <a:lnSpc>
-                <a:spcPct val="80000"/>
-              </a:lnSpc>
-              <a:defRPr sz="1400">
-                <a:solidFill>
-                  <a:srgbClr val="FFFFFF"/>
-                </a:solidFill>
-              </a:defRPr>
-            </a:lvl1pPr>
-          </a:lstStyle>
-          <a:p>
-            <a:r>
-              <a:rPr lang="it-IT" b="1" dirty="0"/>
-              <a:t>Federico Berra</a:t>
-            </a:r>
-            <a:endParaRPr b="1" dirty="0"/>
-          </a:p>
-        </p:txBody>
-      </p:sp>
-      <p:pic>
-        <p:nvPicPr>
-          <p:cNvPr id="14" name="Immagine 13" descr="Immagine che contiene mappa, testo&#10;&#10;Descrizione generata con affidabilità molto elevata">
-            <a:extLst>
-              <a:ext uri="{FF2B5EF4-FFF2-40B4-BE49-F238E27FC236}">
-                <a16:creationId xmlns:a16="http://schemas.microsoft.com/office/drawing/2014/main" id="{274267BB-4334-4E55-A365-31ACB6983B61}"/>
-              </a:ext>
-            </a:extLst>
-          </p:cNvPr>
-          <p:cNvPicPr>
-            <a:picLocks noChangeAspect="1"/>
-          </p:cNvPicPr>
-          <p:nvPr/>
-        </p:nvPicPr>
-        <p:blipFill>
-          <a:blip r:embed="rId2">
-            <a:extLst>
-              <a:ext uri="{28A0092B-C50C-407E-A947-70E740481C1C}">
-                <a14:useLocalDpi xmlns:a14="http://schemas.microsoft.com/office/drawing/2010/main" val="0"/>
-              </a:ext>
-            </a:extLst>
-          </a:blip>
-          <a:stretch>
-            <a:fillRect/>
-          </a:stretch>
-        </p:blipFill>
-        <p:spPr>
-          <a:xfrm>
-            <a:off x="183502" y="765289"/>
-            <a:ext cx="6854645" cy="5286375"/>
-          </a:xfrm>
-          <a:prstGeom prst="rect">
-            <a:avLst/>
-          </a:prstGeom>
-        </p:spPr>
-      </p:pic>
-      <p:sp>
-        <p:nvSpPr>
-          <p:cNvPr id="21" name="Rettangolo 20">
-            <a:extLst>
-              <a:ext uri="{FF2B5EF4-FFF2-40B4-BE49-F238E27FC236}">
-                <a16:creationId xmlns:a16="http://schemas.microsoft.com/office/drawing/2014/main" id="{E4321A85-B93F-4722-ADF2-53DA73DF6985}"/>
-              </a:ext>
-            </a:extLst>
-          </p:cNvPr>
-          <p:cNvSpPr/>
-          <p:nvPr/>
-        </p:nvSpPr>
-        <p:spPr>
-          <a:xfrm>
-            <a:off x="6096000" y="982726"/>
-            <a:ext cx="2009775" cy="3979799"/>
-          </a:xfrm>
-          <a:prstGeom prst="rect">
-            <a:avLst/>
-          </a:prstGeom>
-          <a:solidFill>
-            <a:schemeClr val="bg1"/>
-          </a:solidFill>
-          <a:ln>
-            <a:solidFill>
-              <a:schemeClr val="bg1"/>
-            </a:solidFill>
-          </a:ln>
-        </p:spPr>
-        <p:style>
-          <a:lnRef idx="2">
-            <a:schemeClr val="accent1">
-              <a:shade val="50000"/>
-            </a:schemeClr>
-          </a:lnRef>
-          <a:fillRef idx="1">
-            <a:schemeClr val="accent1"/>
-          </a:fillRef>
-          <a:effectRef idx="0">
-            <a:schemeClr val="accent1"/>
-          </a:effectRef>
-          <a:fontRef idx="minor">
-            <a:schemeClr val="lt1"/>
-          </a:fontRef>
-        </p:style>
-        <p:txBody>
-          <a:bodyPr rtlCol="0" anchor="ctr"/>
-          <a:lstStyle/>
-          <a:p>
-            <a:pPr algn="ctr"/>
-            <a:endParaRPr lang="it-IT"/>
-          </a:p>
-        </p:txBody>
-      </p:sp>
-      <p:pic>
-        <p:nvPicPr>
-          <p:cNvPr id="18" name="Immagine 17" descr="Immagine che contiene oggetto&#10;&#10;Descrizione generata con affidabilità elevata">
-            <a:extLst>
-              <a:ext uri="{FF2B5EF4-FFF2-40B4-BE49-F238E27FC236}">
-                <a16:creationId xmlns:a16="http://schemas.microsoft.com/office/drawing/2014/main" id="{1B8CC701-ED2C-422D-AD1F-DAEB35141738}"/>
-              </a:ext>
-            </a:extLst>
-          </p:cNvPr>
-          <p:cNvPicPr>
-            <a:picLocks noChangeAspect="1"/>
-          </p:cNvPicPr>
-          <p:nvPr/>
-        </p:nvPicPr>
-        <p:blipFill>
-          <a:blip r:embed="rId3">
-            <a:extLst>
-              <a:ext uri="{28A0092B-C50C-407E-A947-70E740481C1C}">
-                <a14:useLocalDpi xmlns:a14="http://schemas.microsoft.com/office/drawing/2010/main" val="0"/>
-              </a:ext>
-            </a:extLst>
-          </a:blip>
-          <a:stretch>
-            <a:fillRect/>
-          </a:stretch>
-        </p:blipFill>
-        <p:spPr>
-          <a:xfrm>
-            <a:off x="6140515" y="744023"/>
-            <a:ext cx="6002241" cy="1722952"/>
-          </a:xfrm>
-          <a:prstGeom prst="rect">
-            <a:avLst/>
-          </a:prstGeom>
-        </p:spPr>
-      </p:pic>
-      <p:pic>
-        <p:nvPicPr>
-          <p:cNvPr id="20" name="Immagine 19" descr="Immagine che contiene mappa, testo&#10;&#10;Descrizione generata con affidabilità molto elevata">
-            <a:extLst>
-              <a:ext uri="{FF2B5EF4-FFF2-40B4-BE49-F238E27FC236}">
-                <a16:creationId xmlns:a16="http://schemas.microsoft.com/office/drawing/2014/main" id="{C7D21BD1-DD72-48F0-9C47-DEBCCBD80259}"/>
-              </a:ext>
-            </a:extLst>
-          </p:cNvPr>
-          <p:cNvPicPr>
-            <a:picLocks noChangeAspect="1"/>
-          </p:cNvPicPr>
-          <p:nvPr/>
-        </p:nvPicPr>
-        <p:blipFill>
-          <a:blip r:embed="rId4">
-            <a:extLst>
-              <a:ext uri="{28A0092B-C50C-407E-A947-70E740481C1C}">
-                <a14:useLocalDpi xmlns:a14="http://schemas.microsoft.com/office/drawing/2010/main" val="0"/>
-              </a:ext>
-            </a:extLst>
-          </a:blip>
-          <a:stretch>
-            <a:fillRect/>
-          </a:stretch>
-        </p:blipFill>
-        <p:spPr>
-          <a:xfrm>
-            <a:off x="4110644" y="3408476"/>
-            <a:ext cx="7649036" cy="2533282"/>
-          </a:xfrm>
-          <a:prstGeom prst="rect">
-            <a:avLst/>
-          </a:prstGeom>
-        </p:spPr>
-      </p:pic>
-    </p:spTree>
-    <p:extLst>
-      <p:ext uri="{BB962C8B-B14F-4D97-AF65-F5344CB8AC3E}">
-        <p14:creationId xmlns:p14="http://schemas.microsoft.com/office/powerpoint/2010/main" val="532778872"/>
-      </p:ext>
-    </p:extLst>
   </p:cSld>
   <p:clrMapOvr>
     <a:masterClrMapping/>
@@ -9905,60 +11340,6 @@
       </p:grpSpPr>
       <p:sp>
         <p:nvSpPr>
-          <p:cNvPr id="2" name="Titolo 1">
-            <a:extLst>
-              <a:ext uri="{FF2B5EF4-FFF2-40B4-BE49-F238E27FC236}">
-                <a16:creationId xmlns:a16="http://schemas.microsoft.com/office/drawing/2014/main" id="{38DB6EFA-A8B8-425C-BC7B-1BEA82E69E1B}"/>
-              </a:ext>
-            </a:extLst>
-          </p:cNvPr>
-          <p:cNvSpPr>
-            <a:spLocks noGrp="1"/>
-          </p:cNvSpPr>
-          <p:nvPr>
-            <p:ph type="ctrTitle"/>
-          </p:nvPr>
-        </p:nvSpPr>
-        <p:spPr>
-          <a:xfrm>
-            <a:off x="1524000" y="365905"/>
-            <a:ext cx="9144000" cy="614997"/>
-          </a:xfrm>
-        </p:spPr>
-        <p:txBody>
-          <a:bodyPr>
-            <a:noAutofit/>
-          </a:bodyPr>
-          <a:lstStyle/>
-          <a:p>
-            <a:r>
-              <a:rPr lang="it-IT" sz="2000" dirty="0">
-                <a:solidFill>
-                  <a:schemeClr val="bg1"/>
-                </a:solidFill>
-              </a:rPr>
-              <a:t>SIMULATE ANNEALING</a:t>
-            </a:r>
-            <a:br>
-              <a:rPr lang="it-IT" sz="2000" dirty="0">
-                <a:solidFill>
-                  <a:schemeClr val="bg1"/>
-                </a:solidFill>
-              </a:rPr>
-            </a:br>
-            <a:br>
-              <a:rPr lang="it-IT" sz="2000" dirty="0"/>
-            </a:br>
-            <a:endParaRPr lang="it-IT" sz="2000" dirty="0">
-              <a:solidFill>
-                <a:schemeClr val="bg1"/>
-              </a:solidFill>
-            </a:endParaRPr>
-          </a:p>
-        </p:txBody>
-      </p:sp>
-      <p:sp>
-        <p:nvSpPr>
           <p:cNvPr id="4" name="Rettangolo 3">
             <a:extLst>
               <a:ext uri="{FF2B5EF4-FFF2-40B4-BE49-F238E27FC236}">
@@ -10085,7 +11466,7 @@
                   <a:schemeClr val="bg1"/>
                 </a:solidFill>
               </a:rPr>
-              <a:t>Confrontro</a:t>
+              <a:t>Simulated</a:t>
             </a:r>
             <a:r>
               <a:rPr lang="it-IT" b="1" dirty="0">
@@ -10093,17 +11474,437 @@
                   <a:schemeClr val="bg1"/>
                 </a:solidFill>
               </a:rPr>
-              <a:t> tra algoritmi classici</a:t>
-            </a:r>
-          </a:p>
-        </p:txBody>
-      </p:sp>
-      <p:sp>
-        <p:nvSpPr>
-          <p:cNvPr id="10" name="Rettangolo 6">
+              <a:t> Quantum </a:t>
+            </a:r>
+            <a:r>
+              <a:rPr lang="it-IT" b="1" dirty="0" err="1">
+                <a:solidFill>
+                  <a:schemeClr val="bg1"/>
+                </a:solidFill>
+              </a:rPr>
+              <a:t>Annealing</a:t>
+            </a:r>
+            <a:endParaRPr lang="it-IT" b="1" dirty="0">
+              <a:solidFill>
+                <a:schemeClr val="bg1"/>
+              </a:solidFill>
+            </a:endParaRPr>
+          </a:p>
+        </p:txBody>
+      </p:sp>
+      <p:pic>
+        <p:nvPicPr>
+          <p:cNvPr id="13" name="Immagine 12">
             <a:extLst>
               <a:ext uri="{FF2B5EF4-FFF2-40B4-BE49-F238E27FC236}">
-                <a16:creationId xmlns:a16="http://schemas.microsoft.com/office/drawing/2014/main" id="{FD4ACBCF-401B-4748-BA32-AC242C28886F}"/>
+                <a16:creationId xmlns:a16="http://schemas.microsoft.com/office/drawing/2014/main" id="{DC26DB0E-AA8D-451C-8351-4ADE0808E248}"/>
+              </a:ext>
+            </a:extLst>
+          </p:cNvPr>
+          <p:cNvPicPr>
+            <a:picLocks noChangeAspect="1"/>
+          </p:cNvPicPr>
+          <p:nvPr/>
+        </p:nvPicPr>
+        <p:blipFill>
+          <a:blip r:embed="rId2">
+            <a:extLst>
+              <a:ext uri="{28A0092B-C50C-407E-A947-70E740481C1C}">
+                <a14:useLocalDpi xmlns:a14="http://schemas.microsoft.com/office/drawing/2010/main" val="0"/>
+              </a:ext>
+            </a:extLst>
+          </a:blip>
+          <a:stretch>
+            <a:fillRect/>
+          </a:stretch>
+        </p:blipFill>
+        <p:spPr>
+          <a:xfrm>
+            <a:off x="862463" y="1346170"/>
+            <a:ext cx="2011366" cy="2011366"/>
+          </a:xfrm>
+          <a:prstGeom prst="rect">
+            <a:avLst/>
+          </a:prstGeom>
+        </p:spPr>
+      </p:pic>
+      <p:pic>
+        <p:nvPicPr>
+          <p:cNvPr id="14" name="Immagine 13">
+            <a:extLst>
+              <a:ext uri="{FF2B5EF4-FFF2-40B4-BE49-F238E27FC236}">
+                <a16:creationId xmlns:a16="http://schemas.microsoft.com/office/drawing/2014/main" id="{9A7F03F4-48C6-4CFE-94C0-A083B1C2CCFA}"/>
+              </a:ext>
+            </a:extLst>
+          </p:cNvPr>
+          <p:cNvPicPr>
+            <a:picLocks noChangeAspect="1"/>
+          </p:cNvPicPr>
+          <p:nvPr/>
+        </p:nvPicPr>
+        <p:blipFill>
+          <a:blip r:embed="rId2">
+            <a:extLst>
+              <a:ext uri="{28A0092B-C50C-407E-A947-70E740481C1C}">
+                <a14:useLocalDpi xmlns:a14="http://schemas.microsoft.com/office/drawing/2010/main" val="0"/>
+              </a:ext>
+            </a:extLst>
+          </a:blip>
+          <a:stretch>
+            <a:fillRect/>
+          </a:stretch>
+        </p:blipFill>
+        <p:spPr>
+          <a:xfrm>
+            <a:off x="5089229" y="1417634"/>
+            <a:ext cx="2011366" cy="2011366"/>
+          </a:xfrm>
+          <a:prstGeom prst="rect">
+            <a:avLst/>
+          </a:prstGeom>
+        </p:spPr>
+      </p:pic>
+      <p:pic>
+        <p:nvPicPr>
+          <p:cNvPr id="15" name="Immagine 14">
+            <a:extLst>
+              <a:ext uri="{FF2B5EF4-FFF2-40B4-BE49-F238E27FC236}">
+                <a16:creationId xmlns:a16="http://schemas.microsoft.com/office/drawing/2014/main" id="{C0032FCB-0952-4DBF-BE7E-286B1B46EA4C}"/>
+              </a:ext>
+            </a:extLst>
+          </p:cNvPr>
+          <p:cNvPicPr>
+            <a:picLocks noChangeAspect="1"/>
+          </p:cNvPicPr>
+          <p:nvPr/>
+        </p:nvPicPr>
+        <p:blipFill>
+          <a:blip r:embed="rId2">
+            <a:extLst>
+              <a:ext uri="{28A0092B-C50C-407E-A947-70E740481C1C}">
+                <a14:useLocalDpi xmlns:a14="http://schemas.microsoft.com/office/drawing/2010/main" val="0"/>
+              </a:ext>
+            </a:extLst>
+          </a:blip>
+          <a:stretch>
+            <a:fillRect/>
+          </a:stretch>
+        </p:blipFill>
+        <p:spPr>
+          <a:xfrm>
+            <a:off x="9315996" y="1417634"/>
+            <a:ext cx="2011366" cy="2011366"/>
+          </a:xfrm>
+          <a:prstGeom prst="rect">
+            <a:avLst/>
+          </a:prstGeom>
+        </p:spPr>
+      </p:pic>
+      <p:pic>
+        <p:nvPicPr>
+          <p:cNvPr id="17" name="Immagine 16" descr="Immagine che contiene edificio&#10;&#10;Descrizione generata con affidabilità elevata">
+            <a:extLst>
+              <a:ext uri="{FF2B5EF4-FFF2-40B4-BE49-F238E27FC236}">
+                <a16:creationId xmlns:a16="http://schemas.microsoft.com/office/drawing/2014/main" id="{26022D7F-482A-4416-92F9-B360AB888632}"/>
+              </a:ext>
+            </a:extLst>
+          </p:cNvPr>
+          <p:cNvPicPr>
+            <a:picLocks noChangeAspect="1"/>
+          </p:cNvPicPr>
+          <p:nvPr/>
+        </p:nvPicPr>
+        <p:blipFill>
+          <a:blip r:embed="rId3" cstate="print">
+            <a:extLst>
+              <a:ext uri="{28A0092B-C50C-407E-A947-70E740481C1C}">
+                <a14:useLocalDpi xmlns:a14="http://schemas.microsoft.com/office/drawing/2010/main" val="0"/>
+              </a:ext>
+            </a:extLst>
+          </a:blip>
+          <a:stretch>
+            <a:fillRect/>
+          </a:stretch>
+        </p:blipFill>
+        <p:spPr>
+          <a:xfrm>
+            <a:off x="186612" y="4070956"/>
+            <a:ext cx="3901440" cy="2127504"/>
+          </a:xfrm>
+          <a:prstGeom prst="rect">
+            <a:avLst/>
+          </a:prstGeom>
+        </p:spPr>
+      </p:pic>
+      <p:sp>
+        <p:nvSpPr>
+          <p:cNvPr id="18" name="CasellaDiTesto 17">
+            <a:extLst>
+              <a:ext uri="{FF2B5EF4-FFF2-40B4-BE49-F238E27FC236}">
+                <a16:creationId xmlns:a16="http://schemas.microsoft.com/office/drawing/2014/main" id="{91A3B27D-2F1B-4E81-93E7-219280EF9337}"/>
+              </a:ext>
+            </a:extLst>
+          </p:cNvPr>
+          <p:cNvSpPr txBox="1"/>
+          <p:nvPr/>
+        </p:nvSpPr>
+        <p:spPr>
+          <a:xfrm>
+            <a:off x="908577" y="813989"/>
+            <a:ext cx="1243285" cy="523216"/>
+          </a:xfrm>
+          <a:prstGeom prst="rect">
+            <a:avLst/>
+          </a:prstGeom>
+          <a:noFill/>
+          <a:ln w="12700" cap="flat">
+            <a:noFill/>
+            <a:miter lim="400000"/>
+          </a:ln>
+          <a:effectLst/>
+          <a:sp3d/>
+        </p:spPr>
+        <p:style>
+          <a:lnRef idx="0">
+            <a:scrgbClr r="0" g="0" b="0"/>
+          </a:lnRef>
+          <a:fillRef idx="0">
+            <a:scrgbClr r="0" g="0" b="0"/>
+          </a:fillRef>
+          <a:effectRef idx="0">
+            <a:scrgbClr r="0" g="0" b="0"/>
+          </a:effectRef>
+          <a:fontRef idx="none"/>
+        </p:style>
+        <p:txBody>
+          <a:bodyPr rot="0" spcFirstLastPara="1" vertOverflow="overflow" horzOverflow="overflow" vert="horz" wrap="none" lIns="45718" tIns="45718" rIns="45718" bIns="45718" numCol="1" spcCol="38100" rtlCol="0" anchor="t">
+            <a:spAutoFit/>
+          </a:bodyPr>
+          <a:lstStyle/>
+          <a:p>
+            <a:pPr marL="0" marR="0" indent="0" algn="l" defTabSz="914400" rtl="0" fontAlgn="auto" latinLnBrk="0" hangingPunct="0">
+              <a:lnSpc>
+                <a:spcPct val="100000"/>
+              </a:lnSpc>
+              <a:spcBef>
+                <a:spcPts val="0"/>
+              </a:spcBef>
+              <a:spcAft>
+                <a:spcPts val="0"/>
+              </a:spcAft>
+              <a:buClrTx/>
+              <a:buSzTx/>
+              <a:buFontTx/>
+              <a:buNone/>
+              <a:tabLst/>
+            </a:pPr>
+            <a:r>
+              <a:rPr kumimoji="0" lang="it-IT" sz="2800" b="1" i="0" u="none" strike="noStrike" cap="none" spc="0" normalizeH="0" baseline="0" dirty="0">
+                <a:ln>
+                  <a:noFill/>
+                </a:ln>
+                <a:solidFill>
+                  <a:srgbClr val="000000"/>
+                </a:solidFill>
+                <a:effectLst/>
+                <a:uFillTx/>
+                <a:latin typeface="+mn-lt"/>
+                <a:ea typeface="+mn-ea"/>
+                <a:cs typeface="+mn-cs"/>
+                <a:sym typeface="Calibri"/>
+              </a:rPr>
+              <a:t>&lt;PIMC&gt;</a:t>
+            </a:r>
+          </a:p>
+        </p:txBody>
+      </p:sp>
+      <p:sp>
+        <p:nvSpPr>
+          <p:cNvPr id="19" name="CasellaDiTesto 18">
+            <a:extLst>
+              <a:ext uri="{FF2B5EF4-FFF2-40B4-BE49-F238E27FC236}">
+                <a16:creationId xmlns:a16="http://schemas.microsoft.com/office/drawing/2014/main" id="{10056536-6EB3-4EAB-BBCB-E9FD622B99BC}"/>
+              </a:ext>
+            </a:extLst>
+          </p:cNvPr>
+          <p:cNvSpPr txBox="1"/>
+          <p:nvPr/>
+        </p:nvSpPr>
+        <p:spPr>
+          <a:xfrm>
+            <a:off x="5311302" y="813989"/>
+            <a:ext cx="1567220" cy="523216"/>
+          </a:xfrm>
+          <a:prstGeom prst="rect">
+            <a:avLst/>
+          </a:prstGeom>
+          <a:noFill/>
+          <a:ln w="12700" cap="flat">
+            <a:noFill/>
+            <a:miter lim="400000"/>
+          </a:ln>
+          <a:effectLst/>
+          <a:sp3d/>
+        </p:spPr>
+        <p:style>
+          <a:lnRef idx="0">
+            <a:scrgbClr r="0" g="0" b="0"/>
+          </a:lnRef>
+          <a:fillRef idx="0">
+            <a:scrgbClr r="0" g="0" b="0"/>
+          </a:fillRef>
+          <a:effectRef idx="0">
+            <a:scrgbClr r="0" g="0" b="0"/>
+          </a:effectRef>
+          <a:fontRef idx="none"/>
+        </p:style>
+        <p:txBody>
+          <a:bodyPr rot="0" spcFirstLastPara="1" vertOverflow="overflow" horzOverflow="overflow" vert="horz" wrap="none" lIns="45718" tIns="45718" rIns="45718" bIns="45718" numCol="1" spcCol="38100" rtlCol="0" anchor="t">
+            <a:spAutoFit/>
+          </a:bodyPr>
+          <a:lstStyle/>
+          <a:p>
+            <a:pPr marL="0" marR="0" indent="0" algn="l" defTabSz="914400" rtl="0" fontAlgn="auto" latinLnBrk="0" hangingPunct="0">
+              <a:lnSpc>
+                <a:spcPct val="100000"/>
+              </a:lnSpc>
+              <a:spcBef>
+                <a:spcPts val="0"/>
+              </a:spcBef>
+              <a:spcAft>
+                <a:spcPts val="0"/>
+              </a:spcAft>
+              <a:buClrTx/>
+              <a:buSzTx/>
+              <a:buFontTx/>
+              <a:buNone/>
+              <a:tabLst/>
+            </a:pPr>
+            <a:r>
+              <a:rPr kumimoji="0" lang="it-IT" sz="2800" b="1" i="0" u="none" strike="noStrike" cap="none" spc="0" normalizeH="0" baseline="0" dirty="0">
+                <a:ln>
+                  <a:noFill/>
+                </a:ln>
+                <a:solidFill>
+                  <a:srgbClr val="000000"/>
+                </a:solidFill>
+                <a:effectLst/>
+                <a:uFillTx/>
+                <a:latin typeface="+mn-lt"/>
+                <a:ea typeface="+mn-ea"/>
+                <a:cs typeface="+mn-cs"/>
+                <a:sym typeface="Calibri"/>
+              </a:rPr>
+              <a:t>&lt;CT-</a:t>
+            </a:r>
+            <a:r>
+              <a:rPr kumimoji="0" lang="it-IT" sz="2800" b="1" i="0" strike="noStrike" cap="none" spc="0" normalizeH="0" baseline="0" dirty="0">
+                <a:ln>
+                  <a:noFill/>
+                </a:ln>
+                <a:solidFill>
+                  <a:srgbClr val="000000"/>
+                </a:solidFill>
+                <a:effectLst/>
+                <a:uFillTx/>
+                <a:latin typeface="+mn-lt"/>
+                <a:ea typeface="+mn-ea"/>
+                <a:cs typeface="+mn-cs"/>
+                <a:sym typeface="Calibri"/>
+              </a:rPr>
+              <a:t>SQA&gt;</a:t>
+            </a:r>
+          </a:p>
+        </p:txBody>
+      </p:sp>
+      <p:sp>
+        <p:nvSpPr>
+          <p:cNvPr id="20" name="CasellaDiTesto 19">
+            <a:extLst>
+              <a:ext uri="{FF2B5EF4-FFF2-40B4-BE49-F238E27FC236}">
+                <a16:creationId xmlns:a16="http://schemas.microsoft.com/office/drawing/2014/main" id="{8E979043-990E-4926-9634-E20378EB4140}"/>
+              </a:ext>
+            </a:extLst>
+          </p:cNvPr>
+          <p:cNvSpPr txBox="1"/>
+          <p:nvPr/>
+        </p:nvSpPr>
+        <p:spPr>
+          <a:xfrm>
+            <a:off x="9395849" y="813103"/>
+            <a:ext cx="1595689" cy="523216"/>
+          </a:xfrm>
+          <a:prstGeom prst="rect">
+            <a:avLst/>
+          </a:prstGeom>
+          <a:noFill/>
+          <a:ln w="12700" cap="flat">
+            <a:noFill/>
+            <a:miter lim="400000"/>
+          </a:ln>
+          <a:effectLst/>
+          <a:sp3d/>
+        </p:spPr>
+        <p:style>
+          <a:lnRef idx="0">
+            <a:scrgbClr r="0" g="0" b="0"/>
+          </a:lnRef>
+          <a:fillRef idx="0">
+            <a:scrgbClr r="0" g="0" b="0"/>
+          </a:fillRef>
+          <a:effectRef idx="0">
+            <a:scrgbClr r="0" g="0" b="0"/>
+          </a:effectRef>
+          <a:fontRef idx="none"/>
+        </p:style>
+        <p:txBody>
+          <a:bodyPr rot="0" spcFirstLastPara="1" vertOverflow="overflow" horzOverflow="overflow" vert="horz" wrap="none" lIns="45718" tIns="45718" rIns="45718" bIns="45718" numCol="1" spcCol="38100" rtlCol="0" anchor="t">
+            <a:spAutoFit/>
+          </a:bodyPr>
+          <a:lstStyle/>
+          <a:p>
+            <a:pPr marL="0" marR="0" indent="0" algn="l" defTabSz="914400" rtl="0" fontAlgn="auto" latinLnBrk="0" hangingPunct="0">
+              <a:lnSpc>
+                <a:spcPct val="100000"/>
+              </a:lnSpc>
+              <a:spcBef>
+                <a:spcPts val="0"/>
+              </a:spcBef>
+              <a:spcAft>
+                <a:spcPts val="0"/>
+              </a:spcAft>
+              <a:buClrTx/>
+              <a:buSzTx/>
+              <a:buFontTx/>
+              <a:buNone/>
+              <a:tabLst/>
+            </a:pPr>
+            <a:r>
+              <a:rPr kumimoji="0" lang="it-IT" sz="2800" b="1" i="0" u="none" strike="noStrike" cap="none" spc="0" normalizeH="0" baseline="0" dirty="0">
+                <a:ln>
+                  <a:noFill/>
+                </a:ln>
+                <a:solidFill>
+                  <a:srgbClr val="000000"/>
+                </a:solidFill>
+                <a:effectLst/>
+                <a:uFillTx/>
+                <a:latin typeface="+mn-lt"/>
+                <a:ea typeface="+mn-ea"/>
+                <a:cs typeface="+mn-cs"/>
+                <a:sym typeface="Calibri"/>
+              </a:rPr>
+              <a:t>&lt;DT-SQA&gt;</a:t>
+            </a:r>
+          </a:p>
+        </p:txBody>
+      </p:sp>
+      <p:sp>
+        <p:nvSpPr>
+          <p:cNvPr id="21" name="Rettangolo 6">
+            <a:extLst>
+              <a:ext uri="{FF2B5EF4-FFF2-40B4-BE49-F238E27FC236}">
+                <a16:creationId xmlns:a16="http://schemas.microsoft.com/office/drawing/2014/main" id="{45309E97-3A41-4436-AB29-64AAA11B09B0}"/>
               </a:ext>
             </a:extLst>
           </p:cNvPr>
@@ -10145,10 +11946,10 @@
       </p:sp>
       <p:sp>
         <p:nvSpPr>
-          <p:cNvPr id="12" name="CasellaDiTesto 7">
+          <p:cNvPr id="22" name="CasellaDiTesto 7">
             <a:extLst>
               <a:ext uri="{FF2B5EF4-FFF2-40B4-BE49-F238E27FC236}">
-                <a16:creationId xmlns:a16="http://schemas.microsoft.com/office/drawing/2014/main" id="{E8315EE5-A589-455E-9C69-F97A8270F200}"/>
+                <a16:creationId xmlns:a16="http://schemas.microsoft.com/office/drawing/2014/main" id="{D8DA0A7A-67C0-41E4-B437-9AB6B96172E4}"/>
               </a:ext>
             </a:extLst>
           </p:cNvPr>
@@ -10203,7 +12004,7 @@
             </a:r>
             <a:r>
               <a:rPr lang="it-IT" b="1" dirty="0"/>
-              <a:t>08</a:t>
+              <a:t>11</a:t>
             </a:r>
             <a:endParaRPr b="1" dirty="0"/>
           </a:p>
@@ -10211,10 +12012,10 @@
       </p:sp>
       <p:sp>
         <p:nvSpPr>
-          <p:cNvPr id="13" name="CasellaDiTesto 10">
+          <p:cNvPr id="23" name="CasellaDiTesto 10">
             <a:extLst>
               <a:ext uri="{FF2B5EF4-FFF2-40B4-BE49-F238E27FC236}">
-                <a16:creationId xmlns:a16="http://schemas.microsoft.com/office/drawing/2014/main" id="{01B6816A-A5CA-4154-8058-23C7E9EBC21D}"/>
+                <a16:creationId xmlns:a16="http://schemas.microsoft.com/office/drawing/2014/main" id="{A5280E4F-311B-4E6A-B7E8-9019B9C6C32F}"/>
               </a:ext>
             </a:extLst>
           </p:cNvPr>
@@ -10263,82 +12064,10 @@
           </a:p>
         </p:txBody>
       </p:sp>
-      <p:pic>
-        <p:nvPicPr>
-          <p:cNvPr id="14" name="Immagine 13" descr="Immagine che contiene testo, mappa&#10;&#10;Descrizione generata con affidabilità molto elevata">
-            <a:extLst>
-              <a:ext uri="{FF2B5EF4-FFF2-40B4-BE49-F238E27FC236}">
-                <a16:creationId xmlns:a16="http://schemas.microsoft.com/office/drawing/2014/main" id="{E19298F9-576D-46B9-B051-902B622163A0}"/>
-              </a:ext>
-            </a:extLst>
-          </p:cNvPr>
-          <p:cNvPicPr>
-            <a:picLocks noChangeAspect="1"/>
-          </p:cNvPicPr>
-          <p:nvPr/>
-        </p:nvPicPr>
-        <p:blipFill>
-          <a:blip r:embed="rId2">
-            <a:extLst>
-              <a:ext uri="{28A0092B-C50C-407E-A947-70E740481C1C}">
-                <a14:useLocalDpi xmlns:a14="http://schemas.microsoft.com/office/drawing/2010/main" val="0"/>
-              </a:ext>
-            </a:extLst>
-          </a:blip>
-          <a:stretch>
-            <a:fillRect/>
-          </a:stretch>
-        </p:blipFill>
-        <p:spPr>
-          <a:xfrm>
-            <a:off x="4292080" y="897750"/>
-            <a:ext cx="7467600" cy="5286375"/>
-          </a:xfrm>
-          <a:prstGeom prst="rect">
-            <a:avLst/>
-          </a:prstGeom>
-        </p:spPr>
-      </p:pic>
-      <p:pic>
-        <p:nvPicPr>
-          <p:cNvPr id="11" name="Immagine 10" descr="Immagine che contiene testo, mappa&#10;&#10;Descrizione generata con affidabilità molto elevata">
-            <a:extLst>
-              <a:ext uri="{FF2B5EF4-FFF2-40B4-BE49-F238E27FC236}">
-                <a16:creationId xmlns:a16="http://schemas.microsoft.com/office/drawing/2014/main" id="{0AAA8F57-5A9C-4341-BCD0-C67AA2E328A0}"/>
-              </a:ext>
-            </a:extLst>
-          </p:cNvPr>
-          <p:cNvPicPr>
-            <a:picLocks noChangeAspect="1"/>
-          </p:cNvPicPr>
-          <p:nvPr/>
-        </p:nvPicPr>
-        <p:blipFill>
-          <a:blip r:embed="rId3" cstate="print">
-            <a:extLst>
-              <a:ext uri="{28A0092B-C50C-407E-A947-70E740481C1C}">
-                <a14:useLocalDpi xmlns:a14="http://schemas.microsoft.com/office/drawing/2010/main" val="0"/>
-              </a:ext>
-            </a:extLst>
-          </a:blip>
-          <a:stretch>
-            <a:fillRect/>
-          </a:stretch>
-        </p:blipFill>
-        <p:spPr>
-          <a:xfrm>
-            <a:off x="637736" y="3429000"/>
-            <a:ext cx="3005195" cy="2440115"/>
-          </a:xfrm>
-          <a:prstGeom prst="rect">
-            <a:avLst/>
-          </a:prstGeom>
-        </p:spPr>
-      </p:pic>
     </p:spTree>
     <p:extLst>
       <p:ext uri="{BB962C8B-B14F-4D97-AF65-F5344CB8AC3E}">
-        <p14:creationId xmlns:p14="http://schemas.microsoft.com/office/powerpoint/2010/main" val="1328591505"/>
+        <p14:creationId xmlns:p14="http://schemas.microsoft.com/office/powerpoint/2010/main" val="2422234101"/>
       </p:ext>
     </p:extLst>
   </p:cSld>

--- a/presentazione/presentazione.pptx
+++ b/presentazione/presentazione.pptx
@@ -5,7 +5,7 @@
     <p:sldMasterId id="2147483660" r:id="rId1"/>
   </p:sldMasterIdLst>
   <p:notesMasterIdLst>
-    <p:notesMasterId r:id="rId18"/>
+    <p:notesMasterId r:id="rId19"/>
   </p:notesMasterIdLst>
   <p:sldIdLst>
     <p:sldId id="256" r:id="rId2"/>
@@ -22,8 +22,9 @@
     <p:sldId id="284" r:id="rId13"/>
     <p:sldId id="281" r:id="rId14"/>
     <p:sldId id="270" r:id="rId15"/>
-    <p:sldId id="272" r:id="rId16"/>
-    <p:sldId id="273" r:id="rId17"/>
+    <p:sldId id="285" r:id="rId16"/>
+    <p:sldId id="272" r:id="rId17"/>
+    <p:sldId id="273" r:id="rId18"/>
   </p:sldIdLst>
   <p:sldSz cx="12192000" cy="6858000"/>
   <p:notesSz cx="6858000" cy="9144000"/>
@@ -494,7 +495,7 @@
           <a:p>
             <a:fld id="{A8224893-DBDA-4BFA-9CE1-4BFE7CD0F8CF}" type="datetime1">
               <a:rPr lang="en-US" smtClean="0"/>
-              <a:t>9/12/2018</a:t>
+              <a:t>9/25/2018</a:t>
             </a:fld>
             <a:endParaRPr lang="en-US"/>
           </a:p>
@@ -664,7 +665,7 @@
           <a:p>
             <a:fld id="{5F4E5243-F52A-4D37-9694-EB26C6C31910}" type="datetime1">
               <a:rPr lang="en-US" smtClean="0"/>
-              <a:t>9/12/2018</a:t>
+              <a:t>9/25/2018</a:t>
             </a:fld>
             <a:endParaRPr lang="en-US"/>
           </a:p>
@@ -844,7 +845,7 @@
           <a:p>
             <a:fld id="{3A77B6E1-634A-48DC-9E8B-D894023267EF}" type="datetime1">
               <a:rPr lang="en-US" smtClean="0"/>
-              <a:t>9/12/2018</a:t>
+              <a:t>9/25/2018</a:t>
             </a:fld>
             <a:endParaRPr lang="en-US"/>
           </a:p>
@@ -1014,7 +1015,7 @@
           <a:p>
             <a:fld id="{7B2D3E9E-A95C-48F2-B4BF-A71542E0BE9A}" type="datetime1">
               <a:rPr lang="en-US" smtClean="0"/>
-              <a:t>9/12/2018</a:t>
+              <a:t>9/25/2018</a:t>
             </a:fld>
             <a:endParaRPr lang="en-US"/>
           </a:p>
@@ -1265,7 +1266,7 @@
           <a:p>
             <a:fld id="{A50F84E2-2D7A-43CF-AC90-352A289A783A}" type="datetime1">
               <a:rPr lang="en-US" smtClean="0"/>
-              <a:t>9/12/2018</a:t>
+              <a:t>9/25/2018</a:t>
             </a:fld>
             <a:endParaRPr lang="en-US"/>
           </a:p>
@@ -1497,7 +1498,7 @@
           <a:p>
             <a:fld id="{F12952B5-7A2F-4CC8-B7CE-9234E21C2837}" type="datetime1">
               <a:rPr lang="en-US" smtClean="0"/>
-              <a:t>9/12/2018</a:t>
+              <a:t>9/25/2018</a:t>
             </a:fld>
             <a:endParaRPr lang="en-US"/>
           </a:p>
@@ -1844,7 +1845,7 @@
           <a:p>
             <a:fld id="{CE1DA07A-9201-4B4B-BAF2-015AFA30F520}" type="datetime1">
               <a:rPr lang="en-US" smtClean="0"/>
-              <a:t>9/12/2018</a:t>
+              <a:t>9/25/2018</a:t>
             </a:fld>
             <a:endParaRPr lang="en-US"/>
           </a:p>
@@ -1962,7 +1963,7 @@
           <a:p>
             <a:fld id="{73D7E00A-486F-4252-8B1D-E32645521F49}" type="datetime1">
               <a:rPr lang="en-US" smtClean="0"/>
-              <a:t>9/12/2018</a:t>
+              <a:t>9/25/2018</a:t>
             </a:fld>
             <a:endParaRPr lang="en-US"/>
           </a:p>
@@ -2080,7 +2081,7 @@
           <a:p>
             <a:fld id="{8DDF5F92-E675-4B36-9A60-69A962A68675}" type="datetime1">
               <a:rPr lang="en-US" smtClean="0"/>
-              <a:t>9/12/2018</a:t>
+              <a:t>9/25/2018</a:t>
             </a:fld>
             <a:endParaRPr lang="en-US"/>
           </a:p>
@@ -2364,7 +2365,7 @@
           <a:p>
             <a:fld id="{AF6E2C9B-5FA2-460D-9BE7-B0812FC2A6FF}" type="datetime1">
               <a:rPr lang="en-US" smtClean="0"/>
-              <a:t>9/12/2018</a:t>
+              <a:t>9/25/2018</a:t>
             </a:fld>
             <a:endParaRPr lang="en-US"/>
           </a:p>
@@ -2628,7 +2629,7 @@
           <a:p>
             <a:fld id="{1D374940-A916-4C8B-9648-02A2D3898F9E}" type="datetime1">
               <a:rPr lang="en-US" smtClean="0"/>
-              <a:t>9/12/2018</a:t>
+              <a:t>9/25/2018</a:t>
             </a:fld>
             <a:endParaRPr lang="en-US"/>
           </a:p>
@@ -2842,7 +2843,7 @@
           <a:p>
             <a:fld id="{5586B75A-687E-405C-8A0B-8D00578BA2C3}" type="datetime1">
               <a:rPr lang="en-US" smtClean="0"/>
-              <a:t>9/12/2018</a:t>
+              <a:t>9/25/2018</a:t>
             </a:fld>
             <a:endParaRPr lang="en-US"/>
           </a:p>
@@ -3396,7 +3397,7 @@
             <a:effectLst/>
             <a:extLst>
               <a:ext uri="{C572A759-6A51-4108-AA02-DFA0A04FC94B}">
-                <ma14:wrappingTextBoxFlag xmlns:ma14="http://schemas.microsoft.com/office/mac/drawingml/2011/main" xmlns="" val="1"/>
+                <ma14:wrappingTextBoxFlag xmlns="" xmlns:ma14="http://schemas.microsoft.com/office/mac/drawingml/2011/main" val="1"/>
               </a:ext>
             </a:extLst>
           </p:spPr>
@@ -3481,7 +3482,7 @@
           </a:ln>
           <a:extLst>
             <a:ext uri="{C572A759-6A51-4108-AA02-DFA0A04FC94B}">
-              <ma14:wrappingTextBoxFlag xmlns:ma14="http://schemas.microsoft.com/office/mac/drawingml/2011/main" xmlns="" val="1"/>
+              <ma14:wrappingTextBoxFlag xmlns="" xmlns:ma14="http://schemas.microsoft.com/office/mac/drawingml/2011/main" val="1"/>
             </a:ext>
           </a:extLst>
         </p:spPr>
@@ -3502,14 +3503,6 @@
             </a:lvl1pPr>
           </a:lstStyle>
           <a:p>
-            <a:r>
-              <a:rPr b="1" dirty="0"/>
-              <a:t>00/</a:t>
-            </a:r>
-            <a:r>
-              <a:rPr lang="it-IT" b="1" dirty="0"/>
-              <a:t>11</a:t>
-            </a:r>
             <a:endParaRPr b="1" dirty="0"/>
           </a:p>
         </p:txBody>
@@ -3562,7 +3555,7 @@
           </a:ln>
           <a:extLst>
             <a:ext uri="{C572A759-6A51-4108-AA02-DFA0A04FC94B}">
-              <ma14:wrappingTextBoxFlag xmlns:ma14="http://schemas.microsoft.com/office/mac/drawingml/2011/main" xmlns="" val="1"/>
+              <ma14:wrappingTextBoxFlag xmlns="" xmlns:ma14="http://schemas.microsoft.com/office/mac/drawingml/2011/main" val="1"/>
             </a:ext>
           </a:extLst>
         </p:spPr>
@@ -3886,7 +3879,7 @@
           </a:ln>
           <a:extLst>
             <a:ext uri="{C572A759-6A51-4108-AA02-DFA0A04FC94B}">
-              <ma14:wrappingTextBoxFlag xmlns:ma14="http://schemas.microsoft.com/office/mac/drawingml/2011/main" xmlns="" val="1"/>
+              <ma14:wrappingTextBoxFlag xmlns="" xmlns:ma14="http://schemas.microsoft.com/office/mac/drawingml/2011/main" val="1"/>
             </a:ext>
           </a:extLst>
         </p:spPr>
@@ -3952,7 +3945,7 @@
           </a:ln>
           <a:extLst>
             <a:ext uri="{C572A759-6A51-4108-AA02-DFA0A04FC94B}">
-              <ma14:wrappingTextBoxFlag xmlns:ma14="http://schemas.microsoft.com/office/mac/drawingml/2011/main" xmlns="" val="1"/>
+              <ma14:wrappingTextBoxFlag xmlns="" xmlns:ma14="http://schemas.microsoft.com/office/mac/drawingml/2011/main" val="1"/>
             </a:ext>
           </a:extLst>
         </p:spPr>
@@ -4031,7 +4024,7 @@
         </p:nvSpPr>
         <p:spPr>
           <a:xfrm>
-            <a:off x="6096000" y="982726"/>
+            <a:off x="6096000" y="622243"/>
             <a:ext cx="2009775" cy="3979799"/>
           </a:xfrm>
           <a:prstGeom prst="rect">
@@ -4099,8 +4092,8 @@
         </p:blipFill>
         <p:spPr>
           <a:xfrm>
-            <a:off x="6140515" y="744023"/>
-            <a:ext cx="6002241" cy="1722952"/>
+            <a:off x="6572179" y="1202797"/>
+            <a:ext cx="4902647" cy="1407312"/>
           </a:xfrm>
           <a:prstGeom prst="rect">
             <a:avLst/>
@@ -4438,7 +4431,7 @@
           </a:ln>
           <a:extLst>
             <a:ext uri="{C572A759-6A51-4108-AA02-DFA0A04FC94B}">
-              <ma14:wrappingTextBoxFlag xmlns:ma14="http://schemas.microsoft.com/office/mac/drawingml/2011/main" xmlns="" val="1"/>
+              <ma14:wrappingTextBoxFlag xmlns="" xmlns:ma14="http://schemas.microsoft.com/office/mac/drawingml/2011/main" val="1"/>
             </a:ext>
           </a:extLst>
         </p:spPr>
@@ -4500,7 +4493,7 @@
           </a:ln>
           <a:extLst>
             <a:ext uri="{C572A759-6A51-4108-AA02-DFA0A04FC94B}">
-              <ma14:wrappingTextBoxFlag xmlns:ma14="http://schemas.microsoft.com/office/mac/drawingml/2011/main" xmlns="" val="1"/>
+              <ma14:wrappingTextBoxFlag xmlns="" xmlns:ma14="http://schemas.microsoft.com/office/mac/drawingml/2011/main" val="1"/>
             </a:ext>
           </a:extLst>
         </p:spPr>
@@ -4852,7 +4845,7 @@
           </a:ln>
           <a:extLst>
             <a:ext uri="{C572A759-6A51-4108-AA02-DFA0A04FC94B}">
-              <ma14:wrappingTextBoxFlag xmlns:ma14="http://schemas.microsoft.com/office/mac/drawingml/2011/main" xmlns="" val="1"/>
+              <ma14:wrappingTextBoxFlag xmlns="" xmlns:ma14="http://schemas.microsoft.com/office/mac/drawingml/2011/main" val="1"/>
             </a:ext>
           </a:extLst>
         </p:spPr>
@@ -4914,7 +4907,7 @@
           </a:ln>
           <a:extLst>
             <a:ext uri="{C572A759-6A51-4108-AA02-DFA0A04FC94B}">
-              <ma14:wrappingTextBoxFlag xmlns:ma14="http://schemas.microsoft.com/office/mac/drawingml/2011/main" xmlns="" val="1"/>
+              <ma14:wrappingTextBoxFlag xmlns="" xmlns:ma14="http://schemas.microsoft.com/office/mac/drawingml/2011/main" val="1"/>
             </a:ext>
           </a:extLst>
         </p:spPr>
@@ -5106,7 +5099,7 @@
 </file>
 
 <file path=ppt/slides/slide13.xml><?xml version="1.0" encoding="utf-8"?>
-<p:sld xmlns:a="http://schemas.openxmlformats.org/drawingml/2006/main" xmlns:r="http://schemas.openxmlformats.org/officeDocument/2006/relationships" xmlns:p="http://schemas.openxmlformats.org/presentationml/2006/main" show="0">
+<p:sld xmlns:a="http://schemas.openxmlformats.org/drawingml/2006/main" xmlns:r="http://schemas.openxmlformats.org/officeDocument/2006/relationships" xmlns:p="http://schemas.openxmlformats.org/presentationml/2006/main">
   <p:cSld>
     <p:spTree>
       <p:nvGrpSpPr>
@@ -5194,15 +5187,26 @@
         </p:nvSpPr>
         <p:spPr>
           <a:xfrm>
-            <a:off x="1524000" y="1321723"/>
-            <a:ext cx="9144000" cy="4729941"/>
-          </a:xfrm>
-        </p:spPr>
-        <p:txBody>
-          <a:bodyPr/>
-          <a:lstStyle/>
-          <a:p>
-            <a:endParaRPr lang="it-IT" dirty="0"/>
+            <a:off x="1524000" y="2128061"/>
+            <a:ext cx="9144000" cy="2592514"/>
+          </a:xfrm>
+        </p:spPr>
+        <p:txBody>
+          <a:bodyPr>
+            <a:normAutofit lnSpcReduction="10000"/>
+          </a:bodyPr>
+          <a:lstStyle/>
+          <a:p>
+            <a:r>
+              <a:rPr lang="it-IT" sz="8800" dirty="0"/>
+              <a:t>Fine</a:t>
+            </a:r>
+          </a:p>
+          <a:p>
+            <a:r>
+              <a:rPr lang="it-IT" sz="8800" dirty="0"/>
+              <a:t>Q &amp; A</a:t>
+            </a:r>
           </a:p>
         </p:txBody>
       </p:sp>
@@ -5334,7 +5338,7 @@
                   <a:schemeClr val="bg1"/>
                 </a:solidFill>
               </a:rPr>
-              <a:t>Conclusioni</a:t>
+              <a:t>Fine</a:t>
             </a:r>
           </a:p>
         </p:txBody>
@@ -5409,7 +5413,7 @@
           </a:ln>
           <a:extLst>
             <a:ext uri="{C572A759-6A51-4108-AA02-DFA0A04FC94B}">
-              <ma14:wrappingTextBoxFlag xmlns:ma14="http://schemas.microsoft.com/office/mac/drawingml/2011/main" xmlns="" val="1"/>
+              <ma14:wrappingTextBoxFlag xmlns="" xmlns:ma14="http://schemas.microsoft.com/office/mac/drawingml/2011/main" val="1"/>
             </a:ext>
           </a:extLst>
         </p:spPr>
@@ -5430,22 +5434,6 @@
             </a:lvl1pPr>
           </a:lstStyle>
           <a:p>
-            <a:r>
-              <a:rPr b="1" dirty="0"/>
-              <a:t>0</a:t>
-            </a:r>
-            <a:r>
-              <a:rPr lang="it-IT" b="1" dirty="0"/>
-              <a:t>9</a:t>
-            </a:r>
-            <a:r>
-              <a:rPr b="1" dirty="0"/>
-              <a:t>/</a:t>
-            </a:r>
-            <a:r>
-              <a:rPr lang="it-IT" b="1" dirty="0"/>
-              <a:t>08</a:t>
-            </a:r>
             <a:endParaRPr b="1" dirty="0"/>
           </a:p>
         </p:txBody>
@@ -5475,7 +5463,7 @@
           </a:ln>
           <a:extLst>
             <a:ext uri="{C572A759-6A51-4108-AA02-DFA0A04FC94B}">
-              <ma14:wrappingTextBoxFlag xmlns:ma14="http://schemas.microsoft.com/office/mac/drawingml/2011/main" xmlns="" val="1"/>
+              <ma14:wrappingTextBoxFlag xmlns="" xmlns:ma14="http://schemas.microsoft.com/office/mac/drawingml/2011/main" val="1"/>
             </a:ext>
           </a:extLst>
         </p:spPr>
@@ -5518,7 +5506,7 @@
 </file>
 
 <file path=ppt/slides/slide14.xml><?xml version="1.0" encoding="utf-8"?>
-<p:sld xmlns:a="http://schemas.openxmlformats.org/drawingml/2006/main" xmlns:r="http://schemas.openxmlformats.org/officeDocument/2006/relationships" xmlns:p="http://schemas.openxmlformats.org/presentationml/2006/main">
+<p:sld xmlns:a="http://schemas.openxmlformats.org/drawingml/2006/main" xmlns:r="http://schemas.openxmlformats.org/officeDocument/2006/relationships" xmlns:p="http://schemas.openxmlformats.org/presentationml/2006/main" show="0">
   <p:cSld>
     <p:spTree>
       <p:nvGrpSpPr>
@@ -5858,7 +5846,7 @@
         <p:spPr>
           <a:xfrm>
             <a:off x="0" y="0"/>
-            <a:ext cx="12192000" cy="7115695"/>
+            <a:ext cx="12192000" cy="531845"/>
           </a:xfrm>
           <a:prstGeom prst="rect">
             <a:avLst/>
@@ -5893,6 +5881,418 @@
           <a:lstStyle/>
           <a:p>
             <a:pPr algn="ctr"/>
+            <a:endParaRPr lang="it-IT" sz="3200" dirty="0"/>
+          </a:p>
+        </p:txBody>
+      </p:sp>
+      <p:sp>
+        <p:nvSpPr>
+          <p:cNvPr id="5" name="CasellaDiTesto 4">
+            <a:extLst>
+              <a:ext uri="{FF2B5EF4-FFF2-40B4-BE49-F238E27FC236}">
+                <a16:creationId xmlns:a16="http://schemas.microsoft.com/office/drawing/2014/main" id="{55F0C18B-2ED8-4736-8D94-DACCEABC58D2}"/>
+              </a:ext>
+            </a:extLst>
+          </p:cNvPr>
+          <p:cNvSpPr txBox="1"/>
+          <p:nvPr/>
+        </p:nvSpPr>
+        <p:spPr>
+          <a:xfrm>
+            <a:off x="307910" y="102637"/>
+            <a:ext cx="3937519" cy="369332"/>
+          </a:xfrm>
+          <a:prstGeom prst="rect">
+            <a:avLst/>
+          </a:prstGeom>
+          <a:noFill/>
+        </p:spPr>
+        <p:txBody>
+          <a:bodyPr wrap="square" rtlCol="0">
+            <a:spAutoFit/>
+          </a:bodyPr>
+          <a:lstStyle/>
+          <a:p>
+            <a:r>
+              <a:rPr lang="it-IT" dirty="0">
+                <a:solidFill>
+                  <a:schemeClr val="bg1"/>
+                </a:solidFill>
+              </a:rPr>
+              <a:t>QUANTUM ANNEALER</a:t>
+            </a:r>
+          </a:p>
+        </p:txBody>
+      </p:sp>
+      <p:sp>
+        <p:nvSpPr>
+          <p:cNvPr id="6" name="CasellaDiTesto 5">
+            <a:extLst>
+              <a:ext uri="{FF2B5EF4-FFF2-40B4-BE49-F238E27FC236}">
+                <a16:creationId xmlns:a16="http://schemas.microsoft.com/office/drawing/2014/main" id="{B7485521-EE32-4184-8669-49BB837AC1C6}"/>
+              </a:ext>
+            </a:extLst>
+          </p:cNvPr>
+          <p:cNvSpPr txBox="1"/>
+          <p:nvPr/>
+        </p:nvSpPr>
+        <p:spPr>
+          <a:xfrm>
+            <a:off x="8378890" y="70838"/>
+            <a:ext cx="3629608" cy="369332"/>
+          </a:xfrm>
+          <a:prstGeom prst="rect">
+            <a:avLst/>
+          </a:prstGeom>
+          <a:noFill/>
+        </p:spPr>
+        <p:txBody>
+          <a:bodyPr wrap="square" rtlCol="0">
+            <a:spAutoFit/>
+          </a:bodyPr>
+          <a:lstStyle/>
+          <a:p>
+            <a:pPr algn="r"/>
+            <a:r>
+              <a:rPr lang="it-IT" b="1" dirty="0">
+                <a:solidFill>
+                  <a:schemeClr val="bg1"/>
+                </a:solidFill>
+              </a:rPr>
+              <a:t>Conclusioni</a:t>
+            </a:r>
+          </a:p>
+        </p:txBody>
+      </p:sp>
+      <p:sp>
+        <p:nvSpPr>
+          <p:cNvPr id="10" name="Rettangolo 6">
+            <a:extLst>
+              <a:ext uri="{FF2B5EF4-FFF2-40B4-BE49-F238E27FC236}">
+                <a16:creationId xmlns:a16="http://schemas.microsoft.com/office/drawing/2014/main" id="{DE037BD2-28BA-464C-9DBB-FF22728E00D6}"/>
+              </a:ext>
+            </a:extLst>
+          </p:cNvPr>
+          <p:cNvSpPr/>
+          <p:nvPr/>
+        </p:nvSpPr>
+        <p:spPr>
+          <a:xfrm>
+            <a:off x="0" y="6568750"/>
+            <a:ext cx="12192000" cy="289251"/>
+          </a:xfrm>
+          <a:prstGeom prst="rect">
+            <a:avLst/>
+          </a:prstGeom>
+          <a:solidFill>
+            <a:srgbClr val="C00000"/>
+          </a:solidFill>
+          <a:ln w="12700">
+            <a:solidFill>
+              <a:srgbClr val="C00000"/>
+            </a:solidFill>
+            <a:miter/>
+          </a:ln>
+        </p:spPr>
+        <p:txBody>
+          <a:bodyPr lIns="45718" tIns="45718" rIns="45718" bIns="45718" anchor="ctr"/>
+          <a:lstStyle/>
+          <a:p>
+            <a:pPr algn="ctr">
+              <a:defRPr>
+                <a:solidFill>
+                  <a:srgbClr val="FFFFFF"/>
+                </a:solidFill>
+              </a:defRPr>
+            </a:pPr>
+            <a:endParaRPr/>
+          </a:p>
+        </p:txBody>
+      </p:sp>
+      <p:sp>
+        <p:nvSpPr>
+          <p:cNvPr id="12" name="CasellaDiTesto 7">
+            <a:extLst>
+              <a:ext uri="{FF2B5EF4-FFF2-40B4-BE49-F238E27FC236}">
+                <a16:creationId xmlns:a16="http://schemas.microsoft.com/office/drawing/2014/main" id="{D4D6DBF4-1790-407E-BDE3-1A2CD52930C8}"/>
+              </a:ext>
+            </a:extLst>
+          </p:cNvPr>
+          <p:cNvSpPr txBox="1"/>
+          <p:nvPr/>
+        </p:nvSpPr>
+        <p:spPr>
+          <a:xfrm>
+            <a:off x="11327362" y="6568750"/>
+            <a:ext cx="864637" cy="310517"/>
+          </a:xfrm>
+          <a:prstGeom prst="rect">
+            <a:avLst/>
+          </a:prstGeom>
+          <a:ln w="12700">
+            <a:miter lim="400000"/>
+          </a:ln>
+          <a:extLst>
+            <a:ext uri="{C572A759-6A51-4108-AA02-DFA0A04FC94B}">
+              <ma14:wrappingTextBoxFlag xmlns="" xmlns:ma14="http://schemas.microsoft.com/office/mac/drawingml/2011/main" val="1"/>
+            </a:ext>
+          </a:extLst>
+        </p:spPr>
+        <p:txBody>
+          <a:bodyPr lIns="45718" tIns="45718" rIns="45718" bIns="45718">
+            <a:normAutofit/>
+          </a:bodyPr>
+          <a:lstStyle>
+            <a:lvl1pPr defTabSz="868680">
+              <a:lnSpc>
+                <a:spcPct val="80000"/>
+              </a:lnSpc>
+              <a:defRPr sz="1400">
+                <a:solidFill>
+                  <a:srgbClr val="FFFFFF"/>
+                </a:solidFill>
+              </a:defRPr>
+            </a:lvl1pPr>
+          </a:lstStyle>
+          <a:p>
+            <a:r>
+              <a:rPr b="1" dirty="0"/>
+              <a:t>0</a:t>
+            </a:r>
+            <a:r>
+              <a:rPr lang="it-IT" b="1" dirty="0"/>
+              <a:t>9</a:t>
+            </a:r>
+            <a:r>
+              <a:rPr b="1" dirty="0"/>
+              <a:t>/</a:t>
+            </a:r>
+            <a:r>
+              <a:rPr lang="it-IT" b="1" dirty="0"/>
+              <a:t>08</a:t>
+            </a:r>
+            <a:endParaRPr b="1" dirty="0"/>
+          </a:p>
+        </p:txBody>
+      </p:sp>
+      <p:sp>
+        <p:nvSpPr>
+          <p:cNvPr id="13" name="CasellaDiTesto 10">
+            <a:extLst>
+              <a:ext uri="{FF2B5EF4-FFF2-40B4-BE49-F238E27FC236}">
+                <a16:creationId xmlns:a16="http://schemas.microsoft.com/office/drawing/2014/main" id="{9827C898-70BC-4500-9D93-D81611B1869C}"/>
+              </a:ext>
+            </a:extLst>
+          </p:cNvPr>
+          <p:cNvSpPr txBox="1"/>
+          <p:nvPr/>
+        </p:nvSpPr>
+        <p:spPr>
+          <a:xfrm>
+            <a:off x="186612" y="6568750"/>
+            <a:ext cx="2687217" cy="310517"/>
+          </a:xfrm>
+          <a:prstGeom prst="rect">
+            <a:avLst/>
+          </a:prstGeom>
+          <a:ln w="12700">
+            <a:miter lim="400000"/>
+          </a:ln>
+          <a:extLst>
+            <a:ext uri="{C572A759-6A51-4108-AA02-DFA0A04FC94B}">
+              <ma14:wrappingTextBoxFlag xmlns="" xmlns:ma14="http://schemas.microsoft.com/office/mac/drawingml/2011/main" val="1"/>
+            </a:ext>
+          </a:extLst>
+        </p:spPr>
+        <p:txBody>
+          <a:bodyPr lIns="45718" tIns="45718" rIns="45718" bIns="45718">
+            <a:normAutofit/>
+          </a:bodyPr>
+          <a:lstStyle>
+            <a:lvl1pPr defTabSz="868680">
+              <a:lnSpc>
+                <a:spcPct val="80000"/>
+              </a:lnSpc>
+              <a:defRPr sz="1400">
+                <a:solidFill>
+                  <a:srgbClr val="FFFFFF"/>
+                </a:solidFill>
+              </a:defRPr>
+            </a:lvl1pPr>
+          </a:lstStyle>
+          <a:p>
+            <a:r>
+              <a:rPr lang="it-IT" b="1" dirty="0"/>
+              <a:t>Federico Berra</a:t>
+            </a:r>
+            <a:endParaRPr b="1" dirty="0"/>
+          </a:p>
+        </p:txBody>
+      </p:sp>
+    </p:spTree>
+    <p:extLst>
+      <p:ext uri="{BB962C8B-B14F-4D97-AF65-F5344CB8AC3E}">
+        <p14:creationId xmlns:p14="http://schemas.microsoft.com/office/powerpoint/2010/main" val="1801755538"/>
+      </p:ext>
+    </p:extLst>
+  </p:cSld>
+  <p:clrMapOvr>
+    <a:masterClrMapping/>
+  </p:clrMapOvr>
+</p:sld>
+</file>
+
+<file path=ppt/slides/slide16.xml><?xml version="1.0" encoding="utf-8"?>
+<p:sld xmlns:a="http://schemas.openxmlformats.org/drawingml/2006/main" xmlns:r="http://schemas.openxmlformats.org/officeDocument/2006/relationships" xmlns:p="http://schemas.openxmlformats.org/presentationml/2006/main" show="0">
+  <p:cSld>
+    <p:spTree>
+      <p:nvGrpSpPr>
+        <p:cNvPr id="1" name=""/>
+        <p:cNvGrpSpPr/>
+        <p:nvPr/>
+      </p:nvGrpSpPr>
+      <p:grpSpPr>
+        <a:xfrm>
+          <a:off x="0" y="0"/>
+          <a:ext cx="0" cy="0"/>
+          <a:chOff x="0" y="0"/>
+          <a:chExt cx="0" cy="0"/>
+        </a:xfrm>
+      </p:grpSpPr>
+      <p:sp>
+        <p:nvSpPr>
+          <p:cNvPr id="2" name="Titolo 1">
+            <a:extLst>
+              <a:ext uri="{FF2B5EF4-FFF2-40B4-BE49-F238E27FC236}">
+                <a16:creationId xmlns:a16="http://schemas.microsoft.com/office/drawing/2014/main" id="{38DB6EFA-A8B8-425C-BC7B-1BEA82E69E1B}"/>
+              </a:ext>
+            </a:extLst>
+          </p:cNvPr>
+          <p:cNvSpPr>
+            <a:spLocks noGrp="1"/>
+          </p:cNvSpPr>
+          <p:nvPr>
+            <p:ph type="ctrTitle"/>
+          </p:nvPr>
+        </p:nvSpPr>
+        <p:spPr>
+          <a:xfrm>
+            <a:off x="1524000" y="365905"/>
+            <a:ext cx="9144000" cy="614997"/>
+          </a:xfrm>
+        </p:spPr>
+        <p:txBody>
+          <a:bodyPr>
+            <a:noAutofit/>
+          </a:bodyPr>
+          <a:lstStyle/>
+          <a:p>
+            <a:r>
+              <a:rPr lang="it-IT" sz="2000" dirty="0">
+                <a:solidFill>
+                  <a:schemeClr val="bg1"/>
+                </a:solidFill>
+              </a:rPr>
+              <a:t>SIMULATE ANNEALING</a:t>
+            </a:r>
+            <a:br>
+              <a:rPr lang="it-IT" sz="2000" dirty="0">
+                <a:solidFill>
+                  <a:schemeClr val="bg1"/>
+                </a:solidFill>
+              </a:rPr>
+            </a:br>
+            <a:br>
+              <a:rPr lang="it-IT" sz="2000" dirty="0"/>
+            </a:br>
+            <a:endParaRPr lang="it-IT" sz="2000" dirty="0">
+              <a:solidFill>
+                <a:schemeClr val="bg1"/>
+              </a:solidFill>
+            </a:endParaRPr>
+          </a:p>
+        </p:txBody>
+      </p:sp>
+      <p:sp>
+        <p:nvSpPr>
+          <p:cNvPr id="3" name="Sottotitolo 2">
+            <a:extLst>
+              <a:ext uri="{FF2B5EF4-FFF2-40B4-BE49-F238E27FC236}">
+                <a16:creationId xmlns:a16="http://schemas.microsoft.com/office/drawing/2014/main" id="{9A8020B2-9E88-499B-8747-EFC4CD6E6BC7}"/>
+              </a:ext>
+            </a:extLst>
+          </p:cNvPr>
+          <p:cNvSpPr>
+            <a:spLocks noGrp="1"/>
+          </p:cNvSpPr>
+          <p:nvPr>
+            <p:ph type="subTitle" idx="1"/>
+          </p:nvPr>
+        </p:nvSpPr>
+        <p:spPr>
+          <a:xfrm>
+            <a:off x="1524000" y="1321723"/>
+            <a:ext cx="9144000" cy="4729941"/>
+          </a:xfrm>
+        </p:spPr>
+        <p:txBody>
+          <a:bodyPr/>
+          <a:lstStyle/>
+          <a:p>
+            <a:endParaRPr lang="it-IT" dirty="0"/>
+          </a:p>
+        </p:txBody>
+      </p:sp>
+      <p:sp>
+        <p:nvSpPr>
+          <p:cNvPr id="4" name="Rettangolo 3">
+            <a:extLst>
+              <a:ext uri="{FF2B5EF4-FFF2-40B4-BE49-F238E27FC236}">
+                <a16:creationId xmlns:a16="http://schemas.microsoft.com/office/drawing/2014/main" id="{0046B770-249D-4C15-AEC3-3A8C8E322FF4}"/>
+              </a:ext>
+            </a:extLst>
+          </p:cNvPr>
+          <p:cNvSpPr/>
+          <p:nvPr/>
+        </p:nvSpPr>
+        <p:spPr>
+          <a:xfrm>
+            <a:off x="0" y="0"/>
+            <a:ext cx="12192000" cy="7115695"/>
+          </a:xfrm>
+          <a:prstGeom prst="rect">
+            <a:avLst/>
+          </a:prstGeom>
+          <a:solidFill>
+            <a:srgbClr val="C00000"/>
+          </a:solidFill>
+          <a:ln>
+            <a:solidFill>
+              <a:srgbClr val="C00000"/>
+            </a:solidFill>
+          </a:ln>
+        </p:spPr>
+        <p:style>
+          <a:lnRef idx="2">
+            <a:schemeClr val="accent1">
+              <a:shade val="50000"/>
+            </a:schemeClr>
+          </a:lnRef>
+          <a:fillRef idx="1">
+            <a:schemeClr val="accent1"/>
+          </a:fillRef>
+          <a:effectRef idx="0">
+            <a:schemeClr val="accent1"/>
+          </a:effectRef>
+          <a:fontRef idx="minor">
+            <a:schemeClr val="lt1"/>
+          </a:fontRef>
+        </p:style>
+        <p:txBody>
+          <a:bodyPr rtlCol="0" anchor="ctr"/>
+          <a:lstStyle/>
+          <a:p>
+            <a:pPr algn="ctr"/>
             <a:r>
               <a:rPr lang="it-IT" sz="5400" dirty="0"/>
               <a:t>Parte I</a:t>
@@ -5952,7 +6352,7 @@
 </p:sld>
 </file>
 
-<file path=ppt/slides/slide16.xml><?xml version="1.0" encoding="utf-8"?>
+<file path=ppt/slides/slide17.xml><?xml version="1.0" encoding="utf-8"?>
 <p:sld xmlns:a="http://schemas.openxmlformats.org/drawingml/2006/main" xmlns:r="http://schemas.openxmlformats.org/officeDocument/2006/relationships" xmlns:p="http://schemas.openxmlformats.org/presentationml/2006/main" show="0">
   <p:cSld>
     <p:spTree>
@@ -6542,7 +6942,7 @@
           </a:ln>
           <a:extLst>
             <a:ext uri="{C572A759-6A51-4108-AA02-DFA0A04FC94B}">
-              <ma14:wrappingTextBoxFlag xmlns:ma14="http://schemas.microsoft.com/office/mac/drawingml/2011/main" xmlns="" val="1"/>
+              <ma14:wrappingTextBoxFlag xmlns="" xmlns:ma14="http://schemas.microsoft.com/office/mac/drawingml/2011/main" val="1"/>
             </a:ext>
           </a:extLst>
         </p:spPr>
@@ -6594,7 +6994,7 @@
           </a:ln>
           <a:extLst>
             <a:ext uri="{C572A759-6A51-4108-AA02-DFA0A04FC94B}">
-              <ma14:wrappingTextBoxFlag xmlns:ma14="http://schemas.microsoft.com/office/mac/drawingml/2011/main" xmlns="" val="1"/>
+              <ma14:wrappingTextBoxFlag xmlns="" xmlns:ma14="http://schemas.microsoft.com/office/mac/drawingml/2011/main" val="1"/>
             </a:ext>
           </a:extLst>
         </p:spPr>
@@ -6693,7 +7093,7 @@
           </a:ln>
           <a:extLst>
             <a:ext uri="{C572A759-6A51-4108-AA02-DFA0A04FC94B}">
-              <ma14:wrappingTextBoxFlag xmlns:ma14="http://schemas.microsoft.com/office/mac/drawingml/2011/main" xmlns="" val="1"/>
+              <ma14:wrappingTextBoxFlag xmlns="" xmlns:ma14="http://schemas.microsoft.com/office/mac/drawingml/2011/main" val="1"/>
             </a:ext>
           </a:extLst>
         </p:spPr>
@@ -6755,7 +7155,7 @@
           </a:ln>
           <a:extLst>
             <a:ext uri="{C572A759-6A51-4108-AA02-DFA0A04FC94B}">
-              <ma14:wrappingTextBoxFlag xmlns:ma14="http://schemas.microsoft.com/office/mac/drawingml/2011/main" xmlns="" val="1"/>
+              <ma14:wrappingTextBoxFlag xmlns="" xmlns:ma14="http://schemas.microsoft.com/office/mac/drawingml/2011/main" val="1"/>
             </a:ext>
           </a:extLst>
         </p:spPr>
@@ -7235,7 +7635,7 @@
           </a:ln>
           <a:extLst>
             <a:ext uri="{C572A759-6A51-4108-AA02-DFA0A04FC94B}">
-              <ma14:wrappingTextBoxFlag xmlns:ma14="http://schemas.microsoft.com/office/mac/drawingml/2011/main" xmlns="" val="1"/>
+              <ma14:wrappingTextBoxFlag xmlns="" xmlns:ma14="http://schemas.microsoft.com/office/mac/drawingml/2011/main" val="1"/>
             </a:ext>
           </a:extLst>
         </p:spPr>
@@ -7301,7 +7701,7 @@
           </a:ln>
           <a:extLst>
             <a:ext uri="{C572A759-6A51-4108-AA02-DFA0A04FC94B}">
-              <ma14:wrappingTextBoxFlag xmlns:ma14="http://schemas.microsoft.com/office/mac/drawingml/2011/main" xmlns="" val="1"/>
+              <ma14:wrappingTextBoxFlag xmlns="" xmlns:ma14="http://schemas.microsoft.com/office/mac/drawingml/2011/main" val="1"/>
             </a:ext>
           </a:extLst>
         </p:spPr>
@@ -7653,7 +8053,7 @@
           </a:ln>
           <a:extLst>
             <a:ext uri="{C572A759-6A51-4108-AA02-DFA0A04FC94B}">
-              <ma14:wrappingTextBoxFlag xmlns:ma14="http://schemas.microsoft.com/office/mac/drawingml/2011/main" xmlns="" val="1"/>
+              <ma14:wrappingTextBoxFlag xmlns="" xmlns:ma14="http://schemas.microsoft.com/office/mac/drawingml/2011/main" val="1"/>
             </a:ext>
           </a:extLst>
         </p:spPr>
@@ -7719,7 +8119,7 @@
           </a:ln>
           <a:extLst>
             <a:ext uri="{C572A759-6A51-4108-AA02-DFA0A04FC94B}">
-              <ma14:wrappingTextBoxFlag xmlns:ma14="http://schemas.microsoft.com/office/mac/drawingml/2011/main" xmlns="" val="1"/>
+              <ma14:wrappingTextBoxFlag xmlns="" xmlns:ma14="http://schemas.microsoft.com/office/mac/drawingml/2011/main" val="1"/>
             </a:ext>
           </a:extLst>
         </p:spPr>
@@ -8463,7 +8863,7 @@
           </a:ln>
           <a:extLst>
             <a:ext uri="{C572A759-6A51-4108-AA02-DFA0A04FC94B}">
-              <ma14:wrappingTextBoxFlag xmlns:ma14="http://schemas.microsoft.com/office/mac/drawingml/2011/main" xmlns="" val="1"/>
+              <ma14:wrappingTextBoxFlag xmlns="" xmlns:ma14="http://schemas.microsoft.com/office/mac/drawingml/2011/main" val="1"/>
             </a:ext>
           </a:extLst>
         </p:spPr>
@@ -8529,7 +8929,7 @@
           </a:ln>
           <a:extLst>
             <a:ext uri="{C572A759-6A51-4108-AA02-DFA0A04FC94B}">
-              <ma14:wrappingTextBoxFlag xmlns:ma14="http://schemas.microsoft.com/office/mac/drawingml/2011/main" xmlns="" val="1"/>
+              <ma14:wrappingTextBoxFlag xmlns="" xmlns:ma14="http://schemas.microsoft.com/office/mac/drawingml/2011/main" val="1"/>
             </a:ext>
           </a:extLst>
         </p:spPr>
@@ -8791,7 +9191,7 @@
           </a:ln>
           <a:extLst>
             <a:ext uri="{C572A759-6A51-4108-AA02-DFA0A04FC94B}">
-              <ma14:wrappingTextBoxFlag xmlns:ma14="http://schemas.microsoft.com/office/mac/drawingml/2011/main" xmlns="" val="1"/>
+              <ma14:wrappingTextBoxFlag xmlns="" xmlns:ma14="http://schemas.microsoft.com/office/mac/drawingml/2011/main" val="1"/>
             </a:ext>
           </a:extLst>
         </p:spPr>
@@ -8857,7 +9257,7 @@
           </a:ln>
           <a:extLst>
             <a:ext uri="{C572A759-6A51-4108-AA02-DFA0A04FC94B}">
-              <ma14:wrappingTextBoxFlag xmlns:ma14="http://schemas.microsoft.com/office/mac/drawingml/2011/main" xmlns="" val="1"/>
+              <ma14:wrappingTextBoxFlag xmlns="" xmlns:ma14="http://schemas.microsoft.com/office/mac/drawingml/2011/main" val="1"/>
             </a:ext>
           </a:extLst>
         </p:spPr>
@@ -9530,7 +9930,7 @@
           </a:ln>
           <a:extLst>
             <a:ext uri="{C572A759-6A51-4108-AA02-DFA0A04FC94B}">
-              <ma14:wrappingTextBoxFlag xmlns:ma14="http://schemas.microsoft.com/office/mac/drawingml/2011/main" xmlns="" val="1"/>
+              <ma14:wrappingTextBoxFlag xmlns="" xmlns:ma14="http://schemas.microsoft.com/office/mac/drawingml/2011/main" val="1"/>
             </a:ext>
           </a:extLst>
         </p:spPr>
@@ -9557,7 +9957,7 @@
             </a:r>
             <a:r>
               <a:rPr lang="it-IT" b="1" dirty="0"/>
-              <a:t>5</a:t>
+              <a:t>6</a:t>
             </a:r>
             <a:r>
               <a:rPr b="1" dirty="0"/>
@@ -9596,7 +9996,7 @@
           </a:ln>
           <a:extLst>
             <a:ext uri="{C572A759-6A51-4108-AA02-DFA0A04FC94B}">
-              <ma14:wrappingTextBoxFlag xmlns:ma14="http://schemas.microsoft.com/office/mac/drawingml/2011/main" xmlns="" val="1"/>
+              <ma14:wrappingTextBoxFlag xmlns="" xmlns:ma14="http://schemas.microsoft.com/office/mac/drawingml/2011/main" val="1"/>
             </a:ext>
           </a:extLst>
         </p:spPr>
@@ -9931,7 +10331,7 @@
               <a:effectLst/>
               <a:extLst>
                 <a:ext uri="{C572A759-6A51-4108-AA02-DFA0A04FC94B}">
-                  <ma14:wrappingTextBoxFlag xmlns:ma14="http://schemas.microsoft.com/office/mac/drawingml/2011/main" xmlns="" val="1"/>
+                  <ma14:wrappingTextBoxFlag xmlns="" xmlns:ma14="http://schemas.microsoft.com/office/mac/drawingml/2011/main" val="1"/>
                 </a:ext>
               </a:extLst>
             </p:spPr>
@@ -11064,7 +11464,7 @@
           </a:ln>
           <a:extLst>
             <a:ext uri="{C572A759-6A51-4108-AA02-DFA0A04FC94B}">
-              <ma14:wrappingTextBoxFlag xmlns:ma14="http://schemas.microsoft.com/office/mac/drawingml/2011/main" xmlns="" val="1"/>
+              <ma14:wrappingTextBoxFlag xmlns="" xmlns:ma14="http://schemas.microsoft.com/office/mac/drawingml/2011/main" val="1"/>
             </a:ext>
           </a:extLst>
         </p:spPr>
@@ -11130,7 +11530,7 @@
           </a:ln>
           <a:extLst>
             <a:ext uri="{C572A759-6A51-4108-AA02-DFA0A04FC94B}">
-              <ma14:wrappingTextBoxFlag xmlns:ma14="http://schemas.microsoft.com/office/mac/drawingml/2011/main" xmlns="" val="1"/>
+              <ma14:wrappingTextBoxFlag xmlns="" xmlns:ma14="http://schemas.microsoft.com/office/mac/drawingml/2011/main" val="1"/>
             </a:ext>
           </a:extLst>
         </p:spPr>
@@ -11969,7 +12369,7 @@
           </a:ln>
           <a:extLst>
             <a:ext uri="{C572A759-6A51-4108-AA02-DFA0A04FC94B}">
-              <ma14:wrappingTextBoxFlag xmlns:ma14="http://schemas.microsoft.com/office/mac/drawingml/2011/main" xmlns="" val="1"/>
+              <ma14:wrappingTextBoxFlag xmlns="" xmlns:ma14="http://schemas.microsoft.com/office/mac/drawingml/2011/main" val="1"/>
             </a:ext>
           </a:extLst>
         </p:spPr>
@@ -12035,7 +12435,7 @@
           </a:ln>
           <a:extLst>
             <a:ext uri="{C572A759-6A51-4108-AA02-DFA0A04FC94B}">
-              <ma14:wrappingTextBoxFlag xmlns:ma14="http://schemas.microsoft.com/office/mac/drawingml/2011/main" xmlns="" val="1"/>
+              <ma14:wrappingTextBoxFlag xmlns="" xmlns:ma14="http://schemas.microsoft.com/office/mac/drawingml/2011/main" val="1"/>
             </a:ext>
           </a:extLst>
         </p:spPr>
